--- a/Lotanna OkekeAA1.pptx
+++ b/Lotanna OkekeAA1.pptx
@@ -12,6 +12,9 @@
     <p:sldId id="260" r:id="rId6"/>
     <p:sldId id="261" r:id="rId7"/>
     <p:sldId id="262" r:id="rId8"/>
+    <p:sldId id="264" r:id="rId9"/>
+    <p:sldId id="263" r:id="rId10"/>
+    <p:sldId id="265" r:id="rId11"/>
   </p:sldIdLst>
   <p:sldSz cx="12192000" cy="6858000"/>
   <p:notesSz cx="6858000" cy="9144000"/>
@@ -249,7 +252,7 @@
           <a:p>
             <a:fld id="{E0347FD9-B6B4-4DF9-BB8B-97F46D1C8CB6}" type="datetimeFigureOut">
               <a:rPr lang="en-US" smtClean="0"/>
-              <a:t>4/23/2021</a:t>
+              <a:t>4/25/2021</a:t>
             </a:fld>
             <a:endParaRPr lang="en-US"/>
           </a:p>
@@ -419,7 +422,7 @@
           <a:p>
             <a:fld id="{E0347FD9-B6B4-4DF9-BB8B-97F46D1C8CB6}" type="datetimeFigureOut">
               <a:rPr lang="en-US" smtClean="0"/>
-              <a:t>4/23/2021</a:t>
+              <a:t>4/25/2021</a:t>
             </a:fld>
             <a:endParaRPr lang="en-US"/>
           </a:p>
@@ -599,7 +602,7 @@
           <a:p>
             <a:fld id="{E0347FD9-B6B4-4DF9-BB8B-97F46D1C8CB6}" type="datetimeFigureOut">
               <a:rPr lang="en-US" smtClean="0"/>
-              <a:t>4/23/2021</a:t>
+              <a:t>4/25/2021</a:t>
             </a:fld>
             <a:endParaRPr lang="en-US"/>
           </a:p>
@@ -769,7 +772,7 @@
           <a:p>
             <a:fld id="{E0347FD9-B6B4-4DF9-BB8B-97F46D1C8CB6}" type="datetimeFigureOut">
               <a:rPr lang="en-US" smtClean="0"/>
-              <a:t>4/23/2021</a:t>
+              <a:t>4/25/2021</a:t>
             </a:fld>
             <a:endParaRPr lang="en-US"/>
           </a:p>
@@ -1015,7 +1018,7 @@
           <a:p>
             <a:fld id="{E0347FD9-B6B4-4DF9-BB8B-97F46D1C8CB6}" type="datetimeFigureOut">
               <a:rPr lang="en-US" smtClean="0"/>
-              <a:t>4/23/2021</a:t>
+              <a:t>4/25/2021</a:t>
             </a:fld>
             <a:endParaRPr lang="en-US"/>
           </a:p>
@@ -1247,7 +1250,7 @@
           <a:p>
             <a:fld id="{E0347FD9-B6B4-4DF9-BB8B-97F46D1C8CB6}" type="datetimeFigureOut">
               <a:rPr lang="en-US" smtClean="0"/>
-              <a:t>4/23/2021</a:t>
+              <a:t>4/25/2021</a:t>
             </a:fld>
             <a:endParaRPr lang="en-US"/>
           </a:p>
@@ -1614,7 +1617,7 @@
           <a:p>
             <a:fld id="{E0347FD9-B6B4-4DF9-BB8B-97F46D1C8CB6}" type="datetimeFigureOut">
               <a:rPr lang="en-US" smtClean="0"/>
-              <a:t>4/23/2021</a:t>
+              <a:t>4/25/2021</a:t>
             </a:fld>
             <a:endParaRPr lang="en-US"/>
           </a:p>
@@ -1732,7 +1735,7 @@
           <a:p>
             <a:fld id="{E0347FD9-B6B4-4DF9-BB8B-97F46D1C8CB6}" type="datetimeFigureOut">
               <a:rPr lang="en-US" smtClean="0"/>
-              <a:t>4/23/2021</a:t>
+              <a:t>4/25/2021</a:t>
             </a:fld>
             <a:endParaRPr lang="en-US"/>
           </a:p>
@@ -1827,7 +1830,7 @@
           <a:p>
             <a:fld id="{E0347FD9-B6B4-4DF9-BB8B-97F46D1C8CB6}" type="datetimeFigureOut">
               <a:rPr lang="en-US" smtClean="0"/>
-              <a:t>4/23/2021</a:t>
+              <a:t>4/25/2021</a:t>
             </a:fld>
             <a:endParaRPr lang="en-US"/>
           </a:p>
@@ -2104,7 +2107,7 @@
           <a:p>
             <a:fld id="{E0347FD9-B6B4-4DF9-BB8B-97F46D1C8CB6}" type="datetimeFigureOut">
               <a:rPr lang="en-US" smtClean="0"/>
-              <a:t>4/23/2021</a:t>
+              <a:t>4/25/2021</a:t>
             </a:fld>
             <a:endParaRPr lang="en-US"/>
           </a:p>
@@ -2357,7 +2360,7 @@
           <a:p>
             <a:fld id="{E0347FD9-B6B4-4DF9-BB8B-97F46D1C8CB6}" type="datetimeFigureOut">
               <a:rPr lang="en-US" smtClean="0"/>
-              <a:t>4/23/2021</a:t>
+              <a:t>4/25/2021</a:t>
             </a:fld>
             <a:endParaRPr lang="en-US"/>
           </a:p>
@@ -2570,7 +2573,7 @@
           <a:p>
             <a:fld id="{E0347FD9-B6B4-4DF9-BB8B-97F46D1C8CB6}" type="datetimeFigureOut">
               <a:rPr lang="en-US" smtClean="0"/>
-              <a:t>4/23/2021</a:t>
+              <a:t>4/25/2021</a:t>
             </a:fld>
             <a:endParaRPr lang="en-US"/>
           </a:p>
@@ -3046,6 +3049,208 @@
 </p:sld>
 </file>
 
+<file path=ppt/slides/slide10.xml><?xml version="1.0" encoding="utf-8"?>
+<p:sld xmlns:a="http://schemas.openxmlformats.org/drawingml/2006/main" xmlns:r="http://schemas.openxmlformats.org/officeDocument/2006/relationships" xmlns:p="http://schemas.openxmlformats.org/presentationml/2006/main">
+  <p:cSld>
+    <p:spTree>
+      <p:nvGrpSpPr>
+        <p:cNvPr id="1" name=""/>
+        <p:cNvGrpSpPr/>
+        <p:nvPr/>
+      </p:nvGrpSpPr>
+      <p:grpSpPr>
+        <a:xfrm>
+          <a:off x="0" y="0"/>
+          <a:ext cx="0" cy="0"/>
+          <a:chOff x="0" y="0"/>
+          <a:chExt cx="0" cy="0"/>
+        </a:xfrm>
+      </p:grpSpPr>
+      <p:sp>
+        <p:nvSpPr>
+          <p:cNvPr id="2" name="Flowchart: Terminator 1"/>
+          <p:cNvSpPr/>
+          <p:nvPr/>
+        </p:nvSpPr>
+        <p:spPr>
+          <a:xfrm>
+            <a:off x="3840480" y="77002"/>
+            <a:ext cx="1588168" cy="442763"/>
+          </a:xfrm>
+          <a:prstGeom prst="flowChartTerminator">
+            <a:avLst/>
+          </a:prstGeom>
+        </p:spPr>
+        <p:style>
+          <a:lnRef idx="2">
+            <a:schemeClr val="accent1">
+              <a:shade val="50000"/>
+            </a:schemeClr>
+          </a:lnRef>
+          <a:fillRef idx="1">
+            <a:schemeClr val="accent1"/>
+          </a:fillRef>
+          <a:effectRef idx="0">
+            <a:schemeClr val="accent1"/>
+          </a:effectRef>
+          <a:fontRef idx="minor">
+            <a:schemeClr val="lt1"/>
+          </a:fontRef>
+        </p:style>
+        <p:txBody>
+          <a:bodyPr rtlCol="0" anchor="ctr"/>
+          <a:lstStyle/>
+          <a:p>
+            <a:pPr algn="ctr"/>
+            <a:r>
+              <a:rPr lang="en-US" dirty="0" smtClean="0"/>
+              <a:t>START</a:t>
+            </a:r>
+            <a:endParaRPr lang="en-US" dirty="0"/>
+          </a:p>
+        </p:txBody>
+      </p:sp>
+      <p:cxnSp>
+        <p:nvCxnSpPr>
+          <p:cNvPr id="4" name="Straight Arrow Connector 3"/>
+          <p:cNvCxnSpPr>
+            <a:stCxn id="2" idx="2"/>
+          </p:cNvCxnSpPr>
+          <p:nvPr/>
+        </p:nvCxnSpPr>
+        <p:spPr>
+          <a:xfrm flipH="1">
+            <a:off x="4629752" y="519765"/>
+            <a:ext cx="4812" cy="356134"/>
+          </a:xfrm>
+          <a:prstGeom prst="straightConnector1">
+            <a:avLst/>
+          </a:prstGeom>
+          <a:ln>
+            <a:tailEnd type="triangle"/>
+          </a:ln>
+        </p:spPr>
+        <p:style>
+          <a:lnRef idx="1">
+            <a:schemeClr val="dk1"/>
+          </a:lnRef>
+          <a:fillRef idx="0">
+            <a:schemeClr val="dk1"/>
+          </a:fillRef>
+          <a:effectRef idx="0">
+            <a:schemeClr val="dk1"/>
+          </a:effectRef>
+          <a:fontRef idx="minor">
+            <a:schemeClr val="tx1"/>
+          </a:fontRef>
+        </p:style>
+      </p:cxnSp>
+      <p:sp>
+        <p:nvSpPr>
+          <p:cNvPr id="5" name="Rectangle 4"/>
+          <p:cNvSpPr/>
+          <p:nvPr/>
+        </p:nvSpPr>
+        <p:spPr>
+          <a:xfrm>
+            <a:off x="3888607" y="875899"/>
+            <a:ext cx="1482290" cy="798897"/>
+          </a:xfrm>
+          <a:prstGeom prst="rect">
+            <a:avLst/>
+          </a:prstGeom>
+        </p:spPr>
+        <p:style>
+          <a:lnRef idx="2">
+            <a:schemeClr val="dk1">
+              <a:shade val="50000"/>
+            </a:schemeClr>
+          </a:lnRef>
+          <a:fillRef idx="1">
+            <a:schemeClr val="dk1"/>
+          </a:fillRef>
+          <a:effectRef idx="0">
+            <a:schemeClr val="dk1"/>
+          </a:effectRef>
+          <a:fontRef idx="minor">
+            <a:schemeClr val="lt1"/>
+          </a:fontRef>
+        </p:style>
+        <p:txBody>
+          <a:bodyPr rtlCol="0" anchor="ctr"/>
+          <a:lstStyle/>
+          <a:p>
+            <a:pPr algn="ctr"/>
+            <a:r>
+              <a:rPr lang="en-US" dirty="0" smtClean="0"/>
+              <a:t>D=A-B</a:t>
+            </a:r>
+          </a:p>
+          <a:p>
+            <a:pPr algn="ctr"/>
+            <a:r>
+              <a:rPr lang="en-US" dirty="0" smtClean="0"/>
+              <a:t>E=A-C</a:t>
+            </a:r>
+          </a:p>
+          <a:p>
+            <a:pPr algn="ctr"/>
+            <a:r>
+              <a:rPr lang="en-US" dirty="0" smtClean="0"/>
+              <a:t>F=B-C</a:t>
+            </a:r>
+            <a:endParaRPr lang="en-US" dirty="0"/>
+          </a:p>
+        </p:txBody>
+      </p:sp>
+      <p:cxnSp>
+        <p:nvCxnSpPr>
+          <p:cNvPr id="7" name="Straight Arrow Connector 6"/>
+          <p:cNvCxnSpPr>
+            <a:stCxn id="5" idx="2"/>
+          </p:cNvCxnSpPr>
+          <p:nvPr/>
+        </p:nvCxnSpPr>
+        <p:spPr>
+          <a:xfrm>
+            <a:off x="4629752" y="1674796"/>
+            <a:ext cx="0" cy="452387"/>
+          </a:xfrm>
+          <a:prstGeom prst="straightConnector1">
+            <a:avLst/>
+          </a:prstGeom>
+          <a:ln>
+            <a:tailEnd type="triangle"/>
+          </a:ln>
+        </p:spPr>
+        <p:style>
+          <a:lnRef idx="1">
+            <a:schemeClr val="dk1"/>
+          </a:lnRef>
+          <a:fillRef idx="0">
+            <a:schemeClr val="dk1"/>
+          </a:fillRef>
+          <a:effectRef idx="0">
+            <a:schemeClr val="dk1"/>
+          </a:effectRef>
+          <a:fontRef idx="minor">
+            <a:schemeClr val="tx1"/>
+          </a:fontRef>
+        </p:style>
+      </p:cxnSp>
+    </p:spTree>
+    <p:extLst>
+      <p:ext uri="{BB962C8B-B14F-4D97-AF65-F5344CB8AC3E}">
+        <p14:creationId xmlns:p14="http://schemas.microsoft.com/office/powerpoint/2010/main" val="2570656888"/>
+      </p:ext>
+    </p:extLst>
+  </p:cSld>
+  <p:clrMapOvr>
+    <a:masterClrMapping/>
+  </p:clrMapOvr>
+</p:sld>
+</file>
+
 <file path=ppt/slides/slide2.xml><?xml version="1.0" encoding="utf-8"?>
 <p:sld xmlns:a="http://schemas.openxmlformats.org/drawingml/2006/main" xmlns:r="http://schemas.openxmlformats.org/officeDocument/2006/relationships" xmlns:p="http://schemas.openxmlformats.org/presentationml/2006/main">
   <p:cSld>
@@ -3240,6 +3445,14 @@
 <file path=ppt/slides/slide3.xml><?xml version="1.0" encoding="utf-8"?>
 <p:sld xmlns:a="http://schemas.openxmlformats.org/drawingml/2006/main" xmlns:r="http://schemas.openxmlformats.org/officeDocument/2006/relationships" xmlns:p="http://schemas.openxmlformats.org/presentationml/2006/main">
   <p:cSld>
+    <p:bg>
+      <p:bgPr>
+        <a:solidFill>
+          <a:srgbClr val="C00000"/>
+        </a:solidFill>
+        <a:effectLst/>
+      </p:bgPr>
+    </p:bg>
     <p:spTree>
       <p:nvGrpSpPr>
         <p:cNvPr id="1" name=""/>
@@ -3353,6 +3566,39 @@
 <file path=ppt/slides/slide4.xml><?xml version="1.0" encoding="utf-8"?>
 <p:sld xmlns:a="http://schemas.openxmlformats.org/drawingml/2006/main" xmlns:r="http://schemas.openxmlformats.org/officeDocument/2006/relationships" xmlns:p="http://schemas.openxmlformats.org/presentationml/2006/main">
   <p:cSld>
+    <p:bg>
+      <p:bgPr>
+        <a:gradFill>
+          <a:gsLst>
+            <a:gs pos="0">
+              <a:schemeClr val="bg2">
+                <a:lumMod val="75000"/>
+              </a:schemeClr>
+            </a:gs>
+            <a:gs pos="50000">
+              <a:schemeClr val="accent1">
+                <a:lumMod val="40000"/>
+                <a:lumOff val="60000"/>
+              </a:schemeClr>
+            </a:gs>
+            <a:gs pos="75000">
+              <a:schemeClr val="accent2">
+                <a:lumMod val="20000"/>
+                <a:lumOff val="80000"/>
+              </a:schemeClr>
+            </a:gs>
+            <a:gs pos="100000">
+              <a:schemeClr val="accent5">
+                <a:lumMod val="60000"/>
+                <a:lumOff val="40000"/>
+              </a:schemeClr>
+            </a:gs>
+          </a:gsLst>
+          <a:lin ang="5400000" scaled="1"/>
+        </a:gradFill>
+        <a:effectLst/>
+      </p:bgPr>
+    </p:bg>
     <p:spTree>
       <p:nvGrpSpPr>
         <p:cNvPr id="1" name=""/>
@@ -4322,8 +4568,8 @@
           </a:p>
         </p:txBody>
       </p:sp>
-      <mc:AlternateContent xmlns:mc="http://schemas.openxmlformats.org/markup-compatibility/2006">
-        <mc:Choice xmlns:a14="http://schemas.microsoft.com/office/drawing/2010/main" Requires="a14">
+      <mc:AlternateContent xmlns:mc="http://schemas.openxmlformats.org/markup-compatibility/2006" xmlns:a14="http://schemas.microsoft.com/office/drawing/2010/main">
+        <mc:Choice Requires="a14">
           <p:sp>
             <p:nvSpPr>
               <p:cNvPr id="3" name="Subtitle 2"/>
@@ -4351,15 +4597,7 @@
                 </a:pPr>
                 <a:r>
                   <a:rPr lang="en-US" dirty="0" smtClean="0"/>
-                  <a:t>Root of a cubic </a:t>
-                </a:r>
-                <a:r>
-                  <a:rPr lang="en-US" dirty="0" smtClean="0"/>
-                  <a:t>equati</a:t>
-                </a:r>
-                <a:r>
-                  <a:rPr lang="en-US" dirty="0" smtClean="0"/>
-                  <a:t>on: </a:t>
+                  <a:t>Root of a cubic equation: </a:t>
                 </a:r>
                 <a14:m>
                   <m:oMath xmlns:m="http://schemas.openxmlformats.org/officeDocument/2006/math">
@@ -4458,7 +4696,7 @@
             </p:txBody>
           </p:sp>
         </mc:Choice>
-        <mc:Fallback>
+        <mc:Fallback xmlns="">
           <p:sp>
             <p:nvSpPr>
               <p:cNvPr id="3" name="Subtitle 2"/>
@@ -4512,6 +4750,16 @@
 <file path=ppt/slides/slide6.xml><?xml version="1.0" encoding="utf-8"?>
 <p:sld xmlns:a="http://schemas.openxmlformats.org/drawingml/2006/main" xmlns:r="http://schemas.openxmlformats.org/officeDocument/2006/relationships" xmlns:p="http://schemas.openxmlformats.org/presentationml/2006/main">
   <p:cSld>
+    <p:bg>
+      <p:bgPr>
+        <a:solidFill>
+          <a:schemeClr val="accent6">
+            <a:lumMod val="75000"/>
+          </a:schemeClr>
+        </a:solidFill>
+        <a:effectLst/>
+      </p:bgPr>
+    </p:bg>
     <p:spTree>
       <p:nvGrpSpPr>
         <p:cNvPr id="1" name=""/>
@@ -4574,15 +4822,15 @@
           <a:p>
             <a:r>
               <a:rPr lang="en-US" dirty="0" smtClean="0"/>
-              <a:t>COMPUTE </a:t>
-            </a:r>
-            <a:r>
-              <a:rPr lang="en-US" dirty="0" err="1" smtClean="0"/>
-              <a:t>i</a:t>
+              <a:t>COMPUTE J</a:t>
             </a:r>
             <a:r>
               <a:rPr lang="en-US" dirty="0" smtClean="0"/>
-              <a:t>=(-1)^0.5</a:t>
+              <a:t>=(-</a:t>
+            </a:r>
+            <a:r>
+              <a:rPr lang="en-US" dirty="0" smtClean="0"/>
+              <a:t>1)^0.5</a:t>
             </a:r>
           </a:p>
           <a:p>
@@ -4680,15 +4928,23 @@
           <a:p>
             <a:r>
               <a:rPr lang="en-US" dirty="0" smtClean="0"/>
-              <a:t>COMPUTE X2 = -0.5(S + T) – (1/3 * A1) + (0.5*</a:t>
-            </a:r>
-            <a:r>
-              <a:rPr lang="en-US" dirty="0" err="1" smtClean="0"/>
-              <a:t>i</a:t>
+              <a:t>COMPUTE X2 = -0.5(S + T) – (1/3 * A1) + (</a:t>
             </a:r>
             <a:r>
               <a:rPr lang="en-US" dirty="0" smtClean="0"/>
-              <a:t>*(3^0.5)*(S – T))</a:t>
+              <a:t>0.5*</a:t>
+            </a:r>
+            <a:r>
+              <a:rPr lang="en-US" dirty="0"/>
+              <a:t>J</a:t>
+            </a:r>
+            <a:r>
+              <a:rPr lang="en-US" dirty="0" smtClean="0"/>
+              <a:t>*(</a:t>
+            </a:r>
+            <a:r>
+              <a:rPr lang="en-US" dirty="0" smtClean="0"/>
+              <a:t>3^0.5)*(S – T))</a:t>
             </a:r>
           </a:p>
           <a:p>
@@ -4709,16 +4965,20 @@
               <a:t>- (</a:t>
             </a:r>
             <a:r>
+              <a:rPr lang="en-US" dirty="0" smtClean="0"/>
+              <a:t>0.5*</a:t>
+            </a:r>
+            <a:r>
               <a:rPr lang="en-US" dirty="0"/>
-              <a:t>0.5*</a:t>
-            </a:r>
-            <a:r>
-              <a:rPr lang="en-US" dirty="0" err="1"/>
-              <a:t>i</a:t>
+              <a:t>J</a:t>
+            </a:r>
+            <a:r>
+              <a:rPr lang="en-US" dirty="0" smtClean="0"/>
+              <a:t>*(</a:t>
             </a:r>
             <a:r>
               <a:rPr lang="en-US" dirty="0"/>
-              <a:t>*(3^0.5)*(S – T</a:t>
+              <a:t>3^0.5)*(S – T</a:t>
             </a:r>
             <a:r>
               <a:rPr lang="en-US" dirty="0" smtClean="0"/>
@@ -4749,6 +5009,33 @@
 <file path=ppt/slides/slide7.xml><?xml version="1.0" encoding="utf-8"?>
 <p:sld xmlns:a="http://schemas.openxmlformats.org/drawingml/2006/main" xmlns:r="http://schemas.openxmlformats.org/officeDocument/2006/relationships" xmlns:p="http://schemas.openxmlformats.org/presentationml/2006/main">
   <p:cSld>
+    <p:bg>
+      <p:bgPr>
+        <a:gradFill>
+          <a:gsLst>
+            <a:gs pos="0">
+              <a:schemeClr val="accent2">
+                <a:lumMod val="60000"/>
+                <a:lumOff val="40000"/>
+              </a:schemeClr>
+            </a:gs>
+            <a:gs pos="50000">
+              <a:srgbClr val="C00000"/>
+            </a:gs>
+            <a:gs pos="75000">
+              <a:srgbClr val="00B0F0"/>
+            </a:gs>
+            <a:gs pos="100000">
+              <a:schemeClr val="bg1">
+                <a:lumMod val="95000"/>
+              </a:schemeClr>
+            </a:gs>
+          </a:gsLst>
+          <a:lin ang="5400000" scaled="1"/>
+        </a:gradFill>
+        <a:effectLst/>
+      </p:bgPr>
+    </p:bg>
     <p:spTree>
       <p:nvGrpSpPr>
         <p:cNvPr id="1" name=""/>
@@ -4763,10 +5050,4210 @@
           <a:chExt cx="0" cy="0"/>
         </a:xfrm>
       </p:grpSpPr>
+      <p:sp>
+        <p:nvSpPr>
+          <p:cNvPr id="2" name="Flowchart: Terminator 1"/>
+          <p:cNvSpPr/>
+          <p:nvPr/>
+        </p:nvSpPr>
+        <p:spPr>
+          <a:xfrm>
+            <a:off x="623086" y="186116"/>
+            <a:ext cx="1577947" cy="614995"/>
+          </a:xfrm>
+          <a:prstGeom prst="flowChartTerminator">
+            <a:avLst/>
+          </a:prstGeom>
+        </p:spPr>
+        <p:style>
+          <a:lnRef idx="2">
+            <a:schemeClr val="accent1">
+              <a:shade val="50000"/>
+            </a:schemeClr>
+          </a:lnRef>
+          <a:fillRef idx="1">
+            <a:schemeClr val="accent1"/>
+          </a:fillRef>
+          <a:effectRef idx="0">
+            <a:schemeClr val="accent1"/>
+          </a:effectRef>
+          <a:fontRef idx="minor">
+            <a:schemeClr val="lt1"/>
+          </a:fontRef>
+        </p:style>
+        <p:txBody>
+          <a:bodyPr rtlCol="0" anchor="ctr"/>
+          <a:lstStyle/>
+          <a:p>
+            <a:pPr algn="ctr"/>
+            <a:r>
+              <a:rPr lang="en-US" dirty="0" smtClean="0">
+                <a:ln w="0"/>
+                <a:solidFill>
+                  <a:schemeClr val="tx1"/>
+                </a:solidFill>
+                <a:effectLst>
+                  <a:outerShdw blurRad="38100" dist="19050" dir="2700000" algn="tl" rotWithShape="0">
+                    <a:schemeClr val="dk1">
+                      <a:alpha val="40000"/>
+                    </a:schemeClr>
+                  </a:outerShdw>
+                </a:effectLst>
+              </a:rPr>
+              <a:t>START</a:t>
+            </a:r>
+            <a:endParaRPr lang="en-US" dirty="0">
+              <a:ln w="0"/>
+              <a:solidFill>
+                <a:schemeClr val="tx1"/>
+              </a:solidFill>
+              <a:effectLst>
+                <a:outerShdw blurRad="38100" dist="19050" dir="2700000" algn="tl" rotWithShape="0">
+                  <a:schemeClr val="dk1">
+                    <a:alpha val="40000"/>
+                  </a:schemeClr>
+                </a:outerShdw>
+              </a:effectLst>
+            </a:endParaRPr>
+          </a:p>
+        </p:txBody>
+      </p:sp>
+      <p:cxnSp>
+        <p:nvCxnSpPr>
+          <p:cNvPr id="4" name="Straight Arrow Connector 3"/>
+          <p:cNvCxnSpPr>
+            <a:stCxn id="2" idx="3"/>
+          </p:cNvCxnSpPr>
+          <p:nvPr/>
+        </p:nvCxnSpPr>
+        <p:spPr>
+          <a:xfrm>
+            <a:off x="2201033" y="493614"/>
+            <a:ext cx="704008" cy="0"/>
+          </a:xfrm>
+          <a:prstGeom prst="straightConnector1">
+            <a:avLst/>
+          </a:prstGeom>
+          <a:ln>
+            <a:tailEnd type="triangle"/>
+          </a:ln>
+        </p:spPr>
+        <p:style>
+          <a:lnRef idx="1">
+            <a:schemeClr val="dk1"/>
+          </a:lnRef>
+          <a:fillRef idx="0">
+            <a:schemeClr val="dk1"/>
+          </a:fillRef>
+          <a:effectRef idx="0">
+            <a:schemeClr val="dk1"/>
+          </a:effectRef>
+          <a:fontRef idx="minor">
+            <a:schemeClr val="tx1"/>
+          </a:fontRef>
+        </p:style>
+      </p:cxnSp>
+      <p:sp>
+        <p:nvSpPr>
+          <p:cNvPr id="6" name="Flowchart: Data 5"/>
+          <p:cNvSpPr/>
+          <p:nvPr/>
+        </p:nvSpPr>
+        <p:spPr>
+          <a:xfrm>
+            <a:off x="2710832" y="242761"/>
+            <a:ext cx="1869260" cy="558350"/>
+          </a:xfrm>
+          <a:prstGeom prst="flowChartInputOutput">
+            <a:avLst/>
+          </a:prstGeom>
+        </p:spPr>
+        <p:style>
+          <a:lnRef idx="1">
+            <a:schemeClr val="dk1"/>
+          </a:lnRef>
+          <a:fillRef idx="2">
+            <a:schemeClr val="dk1"/>
+          </a:fillRef>
+          <a:effectRef idx="1">
+            <a:schemeClr val="dk1"/>
+          </a:effectRef>
+          <a:fontRef idx="minor">
+            <a:schemeClr val="dk1"/>
+          </a:fontRef>
+        </p:style>
+        <p:txBody>
+          <a:bodyPr rtlCol="0" anchor="ctr"/>
+          <a:lstStyle/>
+          <a:p>
+            <a:pPr algn="ctr"/>
+            <a:r>
+              <a:rPr lang="en-US" dirty="0" smtClean="0">
+                <a:ln w="0"/>
+                <a:solidFill>
+                  <a:schemeClr val="tx1"/>
+                </a:solidFill>
+                <a:effectLst>
+                  <a:outerShdw blurRad="38100" dist="19050" dir="2700000" algn="tl" rotWithShape="0">
+                    <a:schemeClr val="dk1">
+                      <a:alpha val="40000"/>
+                    </a:schemeClr>
+                  </a:outerShdw>
+                </a:effectLst>
+              </a:rPr>
+              <a:t>INPUT A,B,C,D</a:t>
+            </a:r>
+            <a:endParaRPr lang="en-US" dirty="0">
+              <a:ln w="0"/>
+              <a:solidFill>
+                <a:schemeClr val="accent1"/>
+              </a:solidFill>
+              <a:effectLst>
+                <a:outerShdw blurRad="38100" dist="25400" dir="5400000" algn="ctr" rotWithShape="0">
+                  <a:srgbClr val="6E747A">
+                    <a:alpha val="43000"/>
+                  </a:srgbClr>
+                </a:outerShdw>
+              </a:effectLst>
+            </a:endParaRPr>
+          </a:p>
+        </p:txBody>
+      </p:sp>
+      <p:cxnSp>
+        <p:nvCxnSpPr>
+          <p:cNvPr id="8" name="Straight Arrow Connector 7"/>
+          <p:cNvCxnSpPr/>
+          <p:nvPr/>
+        </p:nvCxnSpPr>
+        <p:spPr>
+          <a:xfrm>
+            <a:off x="4393976" y="493613"/>
+            <a:ext cx="793020" cy="0"/>
+          </a:xfrm>
+          <a:prstGeom prst="straightConnector1">
+            <a:avLst/>
+          </a:prstGeom>
+          <a:ln>
+            <a:tailEnd type="triangle"/>
+          </a:ln>
+        </p:spPr>
+        <p:style>
+          <a:lnRef idx="1">
+            <a:schemeClr val="dk1"/>
+          </a:lnRef>
+          <a:fillRef idx="0">
+            <a:schemeClr val="dk1"/>
+          </a:fillRef>
+          <a:effectRef idx="0">
+            <a:schemeClr val="dk1"/>
+          </a:effectRef>
+          <a:fontRef idx="minor">
+            <a:schemeClr val="tx1"/>
+          </a:fontRef>
+        </p:style>
+      </p:cxnSp>
+      <p:sp>
+        <p:nvSpPr>
+          <p:cNvPr id="10" name="Rectangle 9"/>
+          <p:cNvSpPr/>
+          <p:nvPr/>
+        </p:nvSpPr>
+        <p:spPr>
+          <a:xfrm>
+            <a:off x="5186996" y="105195"/>
+            <a:ext cx="1488935" cy="752561"/>
+          </a:xfrm>
+          <a:prstGeom prst="rect">
+            <a:avLst/>
+          </a:prstGeom>
+        </p:spPr>
+        <p:style>
+          <a:lnRef idx="2">
+            <a:schemeClr val="accent4">
+              <a:shade val="50000"/>
+            </a:schemeClr>
+          </a:lnRef>
+          <a:fillRef idx="1">
+            <a:schemeClr val="accent4"/>
+          </a:fillRef>
+          <a:effectRef idx="0">
+            <a:schemeClr val="accent4"/>
+          </a:effectRef>
+          <a:fontRef idx="minor">
+            <a:schemeClr val="lt1"/>
+          </a:fontRef>
+        </p:style>
+        <p:txBody>
+          <a:bodyPr rtlCol="0" anchor="ctr"/>
+          <a:lstStyle/>
+          <a:p>
+            <a:pPr algn="ctr"/>
+            <a:r>
+              <a:rPr lang="en-US" dirty="0" smtClean="0">
+                <a:ln w="0"/>
+                <a:solidFill>
+                  <a:schemeClr val="tx1"/>
+                </a:solidFill>
+                <a:effectLst>
+                  <a:outerShdw blurRad="38100" dist="19050" dir="2700000" algn="tl" rotWithShape="0">
+                    <a:schemeClr val="dk1">
+                      <a:alpha val="40000"/>
+                    </a:schemeClr>
+                  </a:outerShdw>
+                </a:effectLst>
+              </a:rPr>
+              <a:t>A1=B/A</a:t>
+            </a:r>
+          </a:p>
+          <a:p>
+            <a:pPr algn="ctr"/>
+            <a:r>
+              <a:rPr lang="en-US" dirty="0" smtClean="0">
+                <a:ln w="0"/>
+                <a:solidFill>
+                  <a:schemeClr val="tx1"/>
+                </a:solidFill>
+                <a:effectLst>
+                  <a:outerShdw blurRad="38100" dist="19050" dir="2700000" algn="tl" rotWithShape="0">
+                    <a:schemeClr val="dk1">
+                      <a:alpha val="40000"/>
+                    </a:schemeClr>
+                  </a:outerShdw>
+                </a:effectLst>
+              </a:rPr>
+              <a:t>A2 = C/A</a:t>
+            </a:r>
+          </a:p>
+          <a:p>
+            <a:pPr algn="ctr"/>
+            <a:r>
+              <a:rPr lang="en-US" dirty="0" smtClean="0">
+                <a:ln w="0"/>
+                <a:solidFill>
+                  <a:schemeClr val="tx1"/>
+                </a:solidFill>
+                <a:effectLst>
+                  <a:outerShdw blurRad="38100" dist="19050" dir="2700000" algn="tl" rotWithShape="0">
+                    <a:schemeClr val="dk1">
+                      <a:alpha val="40000"/>
+                    </a:schemeClr>
+                  </a:outerShdw>
+                </a:effectLst>
+              </a:rPr>
+              <a:t>A3 = D/A</a:t>
+            </a:r>
+            <a:endParaRPr lang="en-US" dirty="0">
+              <a:ln w="0"/>
+              <a:solidFill>
+                <a:schemeClr val="tx1"/>
+              </a:solidFill>
+              <a:effectLst>
+                <a:outerShdw blurRad="38100" dist="19050" dir="2700000" algn="tl" rotWithShape="0">
+                  <a:schemeClr val="dk1">
+                    <a:alpha val="40000"/>
+                  </a:schemeClr>
+                </a:outerShdw>
+              </a:effectLst>
+            </a:endParaRPr>
+          </a:p>
+        </p:txBody>
+      </p:sp>
+      <p:cxnSp>
+        <p:nvCxnSpPr>
+          <p:cNvPr id="14" name="Straight Arrow Connector 13"/>
+          <p:cNvCxnSpPr>
+            <a:stCxn id="10" idx="3"/>
+          </p:cNvCxnSpPr>
+          <p:nvPr/>
+        </p:nvCxnSpPr>
+        <p:spPr>
+          <a:xfrm>
+            <a:off x="6675931" y="481476"/>
+            <a:ext cx="623085" cy="12137"/>
+          </a:xfrm>
+          <a:prstGeom prst="straightConnector1">
+            <a:avLst/>
+          </a:prstGeom>
+          <a:ln>
+            <a:tailEnd type="triangle"/>
+          </a:ln>
+        </p:spPr>
+        <p:style>
+          <a:lnRef idx="1">
+            <a:schemeClr val="dk1"/>
+          </a:lnRef>
+          <a:fillRef idx="0">
+            <a:schemeClr val="dk1"/>
+          </a:fillRef>
+          <a:effectRef idx="0">
+            <a:schemeClr val="dk1"/>
+          </a:effectRef>
+          <a:fontRef idx="minor">
+            <a:schemeClr val="tx1"/>
+          </a:fontRef>
+        </p:style>
+      </p:cxnSp>
+      <mc:AlternateContent xmlns:mc="http://schemas.openxmlformats.org/markup-compatibility/2006">
+        <mc:Choice xmlns:a14="http://schemas.microsoft.com/office/drawing/2010/main" Requires="a14">
+          <p:sp>
+            <p:nvSpPr>
+              <p:cNvPr id="15" name="Rectangle 14"/>
+              <p:cNvSpPr/>
+              <p:nvPr/>
+            </p:nvSpPr>
+            <p:spPr>
+              <a:xfrm>
+                <a:off x="7299016" y="105195"/>
+                <a:ext cx="1367554" cy="809204"/>
+              </a:xfrm>
+              <a:prstGeom prst="rect">
+                <a:avLst/>
+              </a:prstGeom>
+            </p:spPr>
+            <p:style>
+              <a:lnRef idx="2">
+                <a:schemeClr val="accent4">
+                  <a:shade val="50000"/>
+                </a:schemeClr>
+              </a:lnRef>
+              <a:fillRef idx="1">
+                <a:schemeClr val="accent4"/>
+              </a:fillRef>
+              <a:effectRef idx="0">
+                <a:schemeClr val="accent4"/>
+              </a:effectRef>
+              <a:fontRef idx="minor">
+                <a:schemeClr val="lt1"/>
+              </a:fontRef>
+            </p:style>
+            <p:txBody>
+              <a:bodyPr rtlCol="0" anchor="ctr"/>
+              <a:lstStyle/>
+              <a:p>
+                <a:pPr algn="ctr"/>
+                <a:r>
+                  <a:rPr lang="en-US" dirty="0" smtClean="0">
+                    <a:ln w="0"/>
+                    <a:solidFill>
+                      <a:schemeClr val="tx1"/>
+                    </a:solidFill>
+                    <a:effectLst>
+                      <a:outerShdw blurRad="38100" dist="19050" dir="2700000" algn="tl" rotWithShape="0">
+                        <a:schemeClr val="dk1">
+                          <a:alpha val="40000"/>
+                        </a:schemeClr>
+                      </a:outerShdw>
+                    </a:effectLst>
+                  </a:rPr>
+                  <a:t>Q = </a:t>
+                </a:r>
+                <a14:m>
+                  <m:oMath xmlns:m="http://schemas.openxmlformats.org/officeDocument/2006/math">
+                    <m:f>
+                      <m:fPr>
+                        <m:ctrlPr>
+                          <a:rPr lang="en-US" i="1" smtClean="0">
+                            <a:ln w="0"/>
+                            <a:solidFill>
+                              <a:schemeClr val="tx1"/>
+                            </a:solidFill>
+                            <a:effectLst>
+                              <a:outerShdw blurRad="38100" dist="19050" dir="2700000" algn="tl" rotWithShape="0">
+                                <a:schemeClr val="dk1">
+                                  <a:alpha val="40000"/>
+                                </a:schemeClr>
+                              </a:outerShdw>
+                            </a:effectLst>
+                            <a:latin typeface="Cambria Math" panose="02040503050406030204" pitchFamily="18" charset="0"/>
+                          </a:rPr>
+                        </m:ctrlPr>
+                      </m:fPr>
+                      <m:num>
+                        <m:r>
+                          <a:rPr lang="en-US" b="0" i="1" smtClean="0">
+                            <a:ln w="0"/>
+                            <a:solidFill>
+                              <a:schemeClr val="tx1"/>
+                            </a:solidFill>
+                            <a:effectLst>
+                              <a:outerShdw blurRad="38100" dist="19050" dir="2700000" algn="tl" rotWithShape="0">
+                                <a:schemeClr val="dk1">
+                                  <a:alpha val="40000"/>
+                                </a:schemeClr>
+                              </a:outerShdw>
+                            </a:effectLst>
+                            <a:latin typeface="Cambria Math" panose="02040503050406030204" pitchFamily="18" charset="0"/>
+                          </a:rPr>
+                          <m:t>3</m:t>
+                        </m:r>
+                        <m:r>
+                          <a:rPr lang="en-US" b="0" i="1" smtClean="0">
+                            <a:ln w="0"/>
+                            <a:solidFill>
+                              <a:schemeClr val="tx1"/>
+                            </a:solidFill>
+                            <a:effectLst>
+                              <a:outerShdw blurRad="38100" dist="19050" dir="2700000" algn="tl" rotWithShape="0">
+                                <a:schemeClr val="dk1">
+                                  <a:alpha val="40000"/>
+                                </a:schemeClr>
+                              </a:outerShdw>
+                            </a:effectLst>
+                            <a:latin typeface="Cambria Math" panose="02040503050406030204" pitchFamily="18" charset="0"/>
+                          </a:rPr>
+                          <m:t>𝐴</m:t>
+                        </m:r>
+                        <m:r>
+                          <a:rPr lang="en-US" b="0" i="1" smtClean="0">
+                            <a:ln w="0"/>
+                            <a:solidFill>
+                              <a:schemeClr val="tx1"/>
+                            </a:solidFill>
+                            <a:effectLst>
+                              <a:outerShdw blurRad="38100" dist="19050" dir="2700000" algn="tl" rotWithShape="0">
+                                <a:schemeClr val="dk1">
+                                  <a:alpha val="40000"/>
+                                </a:schemeClr>
+                              </a:outerShdw>
+                            </a:effectLst>
+                            <a:latin typeface="Cambria Math" panose="02040503050406030204" pitchFamily="18" charset="0"/>
+                          </a:rPr>
+                          <m:t>1 − </m:t>
+                        </m:r>
+                        <m:sSup>
+                          <m:sSupPr>
+                            <m:ctrlPr>
+                              <a:rPr lang="en-US" b="0" i="1" smtClean="0">
+                                <a:ln w="0"/>
+                                <a:solidFill>
+                                  <a:schemeClr val="tx1"/>
+                                </a:solidFill>
+                                <a:effectLst>
+                                  <a:outerShdw blurRad="38100" dist="19050" dir="2700000" algn="tl" rotWithShape="0">
+                                    <a:schemeClr val="dk1">
+                                      <a:alpha val="40000"/>
+                                    </a:schemeClr>
+                                  </a:outerShdw>
+                                </a:effectLst>
+                                <a:latin typeface="Cambria Math" panose="02040503050406030204" pitchFamily="18" charset="0"/>
+                              </a:rPr>
+                            </m:ctrlPr>
+                          </m:sSupPr>
+                          <m:e>
+                            <m:r>
+                              <a:rPr lang="en-US" b="0" i="1" smtClean="0">
+                                <a:ln w="0"/>
+                                <a:solidFill>
+                                  <a:schemeClr val="tx1"/>
+                                </a:solidFill>
+                                <a:effectLst>
+                                  <a:outerShdw blurRad="38100" dist="19050" dir="2700000" algn="tl" rotWithShape="0">
+                                    <a:schemeClr val="dk1">
+                                      <a:alpha val="40000"/>
+                                    </a:schemeClr>
+                                  </a:outerShdw>
+                                </a:effectLst>
+                                <a:latin typeface="Cambria Math" panose="02040503050406030204" pitchFamily="18" charset="0"/>
+                              </a:rPr>
+                              <m:t>𝐴</m:t>
+                            </m:r>
+                            <m:r>
+                              <a:rPr lang="en-US" b="0" i="1" smtClean="0">
+                                <a:ln w="0"/>
+                                <a:solidFill>
+                                  <a:schemeClr val="tx1"/>
+                                </a:solidFill>
+                                <a:effectLst>
+                                  <a:outerShdw blurRad="38100" dist="19050" dir="2700000" algn="tl" rotWithShape="0">
+                                    <a:schemeClr val="dk1">
+                                      <a:alpha val="40000"/>
+                                    </a:schemeClr>
+                                  </a:outerShdw>
+                                </a:effectLst>
+                                <a:latin typeface="Cambria Math" panose="02040503050406030204" pitchFamily="18" charset="0"/>
+                              </a:rPr>
+                              <m:t>1</m:t>
+                            </m:r>
+                          </m:e>
+                          <m:sup>
+                            <m:r>
+                              <a:rPr lang="en-US" b="0" i="1" smtClean="0">
+                                <a:ln w="0"/>
+                                <a:solidFill>
+                                  <a:schemeClr val="tx1"/>
+                                </a:solidFill>
+                                <a:effectLst>
+                                  <a:outerShdw blurRad="38100" dist="19050" dir="2700000" algn="tl" rotWithShape="0">
+                                    <a:schemeClr val="dk1">
+                                      <a:alpha val="40000"/>
+                                    </a:schemeClr>
+                                  </a:outerShdw>
+                                </a:effectLst>
+                                <a:latin typeface="Cambria Math" panose="02040503050406030204" pitchFamily="18" charset="0"/>
+                              </a:rPr>
+                              <m:t>2</m:t>
+                            </m:r>
+                          </m:sup>
+                        </m:sSup>
+                      </m:num>
+                      <m:den>
+                        <m:r>
+                          <a:rPr lang="en-US" b="0" i="1" smtClean="0">
+                            <a:ln w="0"/>
+                            <a:solidFill>
+                              <a:schemeClr val="tx1"/>
+                            </a:solidFill>
+                            <a:effectLst>
+                              <a:outerShdw blurRad="38100" dist="19050" dir="2700000" algn="tl" rotWithShape="0">
+                                <a:schemeClr val="dk1">
+                                  <a:alpha val="40000"/>
+                                </a:schemeClr>
+                              </a:outerShdw>
+                            </a:effectLst>
+                            <a:latin typeface="Cambria Math" panose="02040503050406030204" pitchFamily="18" charset="0"/>
+                          </a:rPr>
+                          <m:t>9</m:t>
+                        </m:r>
+                      </m:den>
+                    </m:f>
+                  </m:oMath>
+                </a14:m>
+                <a:endParaRPr lang="en-US" dirty="0">
+                  <a:ln w="0"/>
+                  <a:solidFill>
+                    <a:schemeClr val="tx1"/>
+                  </a:solidFill>
+                  <a:effectLst>
+                    <a:outerShdw blurRad="38100" dist="19050" dir="2700000" algn="tl" rotWithShape="0">
+                      <a:schemeClr val="dk1">
+                        <a:alpha val="40000"/>
+                      </a:schemeClr>
+                    </a:outerShdw>
+                  </a:effectLst>
+                </a:endParaRPr>
+              </a:p>
+            </p:txBody>
+          </p:sp>
+        </mc:Choice>
+        <mc:Fallback>
+          <p:sp>
+            <p:nvSpPr>
+              <p:cNvPr id="15" name="Rectangle 14"/>
+              <p:cNvSpPr>
+                <a:spLocks noRot="1" noChangeAspect="1" noMove="1" noResize="1" noEditPoints="1" noAdjustHandles="1" noChangeArrowheads="1" noChangeShapeType="1" noTextEdit="1"/>
+              </p:cNvSpPr>
+              <p:nvPr/>
+            </p:nvSpPr>
+            <p:spPr>
+              <a:xfrm>
+                <a:off x="7299016" y="105195"/>
+                <a:ext cx="1367554" cy="809204"/>
+              </a:xfrm>
+              <a:prstGeom prst="rect">
+                <a:avLst/>
+              </a:prstGeom>
+              <a:blipFill rotWithShape="0">
+                <a:blip r:embed="rId2"/>
+                <a:stretch>
+                  <a:fillRect l="-3084"/>
+                </a:stretch>
+              </a:blipFill>
+            </p:spPr>
+            <p:txBody>
+              <a:bodyPr/>
+              <a:lstStyle/>
+              <a:p>
+                <a:r>
+                  <a:rPr lang="en-US">
+                    <a:noFill/>
+                  </a:rPr>
+                  <a:t> </a:t>
+                </a:r>
+              </a:p>
+            </p:txBody>
+          </p:sp>
+        </mc:Fallback>
+      </mc:AlternateContent>
+      <p:cxnSp>
+        <p:nvCxnSpPr>
+          <p:cNvPr id="19" name="Straight Arrow Connector 18"/>
+          <p:cNvCxnSpPr>
+            <a:stCxn id="15" idx="2"/>
+          </p:cNvCxnSpPr>
+          <p:nvPr/>
+        </p:nvCxnSpPr>
+        <p:spPr>
+          <a:xfrm>
+            <a:off x="7982793" y="914399"/>
+            <a:ext cx="4046" cy="550259"/>
+          </a:xfrm>
+          <a:prstGeom prst="straightConnector1">
+            <a:avLst/>
+          </a:prstGeom>
+          <a:ln>
+            <a:tailEnd type="triangle"/>
+          </a:ln>
+        </p:spPr>
+        <p:style>
+          <a:lnRef idx="1">
+            <a:schemeClr val="dk1"/>
+          </a:lnRef>
+          <a:fillRef idx="0">
+            <a:schemeClr val="dk1"/>
+          </a:fillRef>
+          <a:effectRef idx="0">
+            <a:schemeClr val="dk1"/>
+          </a:effectRef>
+          <a:fontRef idx="minor">
+            <a:schemeClr val="tx1"/>
+          </a:fontRef>
+        </p:style>
+      </p:cxnSp>
+      <mc:AlternateContent xmlns:mc="http://schemas.openxmlformats.org/markup-compatibility/2006">
+        <mc:Choice xmlns:a14="http://schemas.microsoft.com/office/drawing/2010/main" Requires="a14">
+          <p:sp>
+            <p:nvSpPr>
+              <p:cNvPr id="20" name="Rectangle 19"/>
+              <p:cNvSpPr/>
+              <p:nvPr/>
+            </p:nvSpPr>
+            <p:spPr>
+              <a:xfrm>
+                <a:off x="6781126" y="1464658"/>
+                <a:ext cx="2403334" cy="663547"/>
+              </a:xfrm>
+              <a:prstGeom prst="rect">
+                <a:avLst/>
+              </a:prstGeom>
+            </p:spPr>
+            <p:style>
+              <a:lnRef idx="2">
+                <a:schemeClr val="accent4">
+                  <a:shade val="50000"/>
+                </a:schemeClr>
+              </a:lnRef>
+              <a:fillRef idx="1">
+                <a:schemeClr val="accent4"/>
+              </a:fillRef>
+              <a:effectRef idx="0">
+                <a:schemeClr val="accent4"/>
+              </a:effectRef>
+              <a:fontRef idx="minor">
+                <a:schemeClr val="lt1"/>
+              </a:fontRef>
+            </p:style>
+            <p:txBody>
+              <a:bodyPr rtlCol="0" anchor="ctr"/>
+              <a:lstStyle/>
+              <a:p>
+                <a:pPr algn="ctr"/>
+                <a:r>
+                  <a:rPr lang="en-US" dirty="0" smtClean="0">
+                    <a:ln w="0"/>
+                    <a:solidFill>
+                      <a:schemeClr val="tx1"/>
+                    </a:solidFill>
+                    <a:effectLst>
+                      <a:outerShdw blurRad="38100" dist="19050" dir="2700000" algn="tl" rotWithShape="0">
+                        <a:schemeClr val="dk1">
+                          <a:alpha val="40000"/>
+                        </a:schemeClr>
+                      </a:outerShdw>
+                    </a:effectLst>
+                  </a:rPr>
+                  <a:t>R = </a:t>
+                </a:r>
+                <a14:m>
+                  <m:oMath xmlns:m="http://schemas.openxmlformats.org/officeDocument/2006/math">
+                    <m:f>
+                      <m:fPr>
+                        <m:ctrlPr>
+                          <a:rPr lang="en-US" i="1" smtClean="0">
+                            <a:ln w="0"/>
+                            <a:solidFill>
+                              <a:schemeClr val="tx1"/>
+                            </a:solidFill>
+                            <a:effectLst>
+                              <a:outerShdw blurRad="38100" dist="19050" dir="2700000" algn="tl" rotWithShape="0">
+                                <a:schemeClr val="dk1">
+                                  <a:alpha val="40000"/>
+                                </a:schemeClr>
+                              </a:outerShdw>
+                            </a:effectLst>
+                            <a:latin typeface="Cambria Math" panose="02040503050406030204" pitchFamily="18" charset="0"/>
+                          </a:rPr>
+                        </m:ctrlPr>
+                      </m:fPr>
+                      <m:num>
+                        <m:r>
+                          <a:rPr lang="en-US" b="0" i="1" smtClean="0">
+                            <a:ln w="0"/>
+                            <a:solidFill>
+                              <a:schemeClr val="tx1"/>
+                            </a:solidFill>
+                            <a:effectLst>
+                              <a:outerShdw blurRad="38100" dist="19050" dir="2700000" algn="tl" rotWithShape="0">
+                                <a:schemeClr val="dk1">
+                                  <a:alpha val="40000"/>
+                                </a:schemeClr>
+                              </a:outerShdw>
+                            </a:effectLst>
+                            <a:latin typeface="Cambria Math" panose="02040503050406030204" pitchFamily="18" charset="0"/>
+                          </a:rPr>
+                          <m:t>9</m:t>
+                        </m:r>
+                        <m:r>
+                          <a:rPr lang="en-US" b="0" i="1" smtClean="0">
+                            <a:ln w="0"/>
+                            <a:solidFill>
+                              <a:schemeClr val="tx1"/>
+                            </a:solidFill>
+                            <a:effectLst>
+                              <a:outerShdw blurRad="38100" dist="19050" dir="2700000" algn="tl" rotWithShape="0">
+                                <a:schemeClr val="dk1">
+                                  <a:alpha val="40000"/>
+                                </a:schemeClr>
+                              </a:outerShdw>
+                            </a:effectLst>
+                            <a:latin typeface="Cambria Math" panose="02040503050406030204" pitchFamily="18" charset="0"/>
+                          </a:rPr>
+                          <m:t>𝐴</m:t>
+                        </m:r>
+                        <m:r>
+                          <a:rPr lang="en-US" b="0" i="1" smtClean="0">
+                            <a:ln w="0"/>
+                            <a:solidFill>
+                              <a:schemeClr val="tx1"/>
+                            </a:solidFill>
+                            <a:effectLst>
+                              <a:outerShdw blurRad="38100" dist="19050" dir="2700000" algn="tl" rotWithShape="0">
+                                <a:schemeClr val="dk1">
+                                  <a:alpha val="40000"/>
+                                </a:schemeClr>
+                              </a:outerShdw>
+                            </a:effectLst>
+                            <a:latin typeface="Cambria Math" panose="02040503050406030204" pitchFamily="18" charset="0"/>
+                          </a:rPr>
+                          <m:t>1</m:t>
+                        </m:r>
+                        <m:r>
+                          <a:rPr lang="en-US" b="0" i="1" smtClean="0">
+                            <a:ln w="0"/>
+                            <a:solidFill>
+                              <a:schemeClr val="tx1"/>
+                            </a:solidFill>
+                            <a:effectLst>
+                              <a:outerShdw blurRad="38100" dist="19050" dir="2700000" algn="tl" rotWithShape="0">
+                                <a:schemeClr val="dk1">
+                                  <a:alpha val="40000"/>
+                                </a:schemeClr>
+                              </a:outerShdw>
+                            </a:effectLst>
+                            <a:latin typeface="Cambria Math" panose="02040503050406030204" pitchFamily="18" charset="0"/>
+                          </a:rPr>
+                          <m:t>𝐴</m:t>
+                        </m:r>
+                        <m:r>
+                          <a:rPr lang="en-US" b="0" i="1" smtClean="0">
+                            <a:ln w="0"/>
+                            <a:solidFill>
+                              <a:schemeClr val="tx1"/>
+                            </a:solidFill>
+                            <a:effectLst>
+                              <a:outerShdw blurRad="38100" dist="19050" dir="2700000" algn="tl" rotWithShape="0">
+                                <a:schemeClr val="dk1">
+                                  <a:alpha val="40000"/>
+                                </a:schemeClr>
+                              </a:outerShdw>
+                            </a:effectLst>
+                            <a:latin typeface="Cambria Math" panose="02040503050406030204" pitchFamily="18" charset="0"/>
+                          </a:rPr>
+                          <m:t>2 −27</m:t>
+                        </m:r>
+                        <m:r>
+                          <a:rPr lang="en-US" b="0" i="1" smtClean="0">
+                            <a:ln w="0"/>
+                            <a:solidFill>
+                              <a:schemeClr val="tx1"/>
+                            </a:solidFill>
+                            <a:effectLst>
+                              <a:outerShdw blurRad="38100" dist="19050" dir="2700000" algn="tl" rotWithShape="0">
+                                <a:schemeClr val="dk1">
+                                  <a:alpha val="40000"/>
+                                </a:schemeClr>
+                              </a:outerShdw>
+                            </a:effectLst>
+                            <a:latin typeface="Cambria Math" panose="02040503050406030204" pitchFamily="18" charset="0"/>
+                          </a:rPr>
+                          <m:t>𝐴</m:t>
+                        </m:r>
+                        <m:r>
+                          <a:rPr lang="en-US" b="0" i="1" smtClean="0">
+                            <a:ln w="0"/>
+                            <a:solidFill>
+                              <a:schemeClr val="tx1"/>
+                            </a:solidFill>
+                            <a:effectLst>
+                              <a:outerShdw blurRad="38100" dist="19050" dir="2700000" algn="tl" rotWithShape="0">
+                                <a:schemeClr val="dk1">
+                                  <a:alpha val="40000"/>
+                                </a:schemeClr>
+                              </a:outerShdw>
+                            </a:effectLst>
+                            <a:latin typeface="Cambria Math" panose="02040503050406030204" pitchFamily="18" charset="0"/>
+                          </a:rPr>
+                          <m:t>3 −2</m:t>
+                        </m:r>
+                        <m:sSup>
+                          <m:sSupPr>
+                            <m:ctrlPr>
+                              <a:rPr lang="en-US" b="0" i="1" smtClean="0">
+                                <a:ln w="0"/>
+                                <a:solidFill>
+                                  <a:schemeClr val="tx1"/>
+                                </a:solidFill>
+                                <a:effectLst>
+                                  <a:outerShdw blurRad="38100" dist="19050" dir="2700000" algn="tl" rotWithShape="0">
+                                    <a:schemeClr val="dk1">
+                                      <a:alpha val="40000"/>
+                                    </a:schemeClr>
+                                  </a:outerShdw>
+                                </a:effectLst>
+                                <a:latin typeface="Cambria Math" panose="02040503050406030204" pitchFamily="18" charset="0"/>
+                              </a:rPr>
+                            </m:ctrlPr>
+                          </m:sSupPr>
+                          <m:e>
+                            <m:r>
+                              <a:rPr lang="en-US" b="0" i="1" smtClean="0">
+                                <a:ln w="0"/>
+                                <a:solidFill>
+                                  <a:schemeClr val="tx1"/>
+                                </a:solidFill>
+                                <a:effectLst>
+                                  <a:outerShdw blurRad="38100" dist="19050" dir="2700000" algn="tl" rotWithShape="0">
+                                    <a:schemeClr val="dk1">
+                                      <a:alpha val="40000"/>
+                                    </a:schemeClr>
+                                  </a:outerShdw>
+                                </a:effectLst>
+                                <a:latin typeface="Cambria Math" panose="02040503050406030204" pitchFamily="18" charset="0"/>
+                              </a:rPr>
+                              <m:t>𝐴</m:t>
+                            </m:r>
+                            <m:r>
+                              <a:rPr lang="en-US" b="0" i="1" smtClean="0">
+                                <a:ln w="0"/>
+                                <a:solidFill>
+                                  <a:schemeClr val="tx1"/>
+                                </a:solidFill>
+                                <a:effectLst>
+                                  <a:outerShdw blurRad="38100" dist="19050" dir="2700000" algn="tl" rotWithShape="0">
+                                    <a:schemeClr val="dk1">
+                                      <a:alpha val="40000"/>
+                                    </a:schemeClr>
+                                  </a:outerShdw>
+                                </a:effectLst>
+                                <a:latin typeface="Cambria Math" panose="02040503050406030204" pitchFamily="18" charset="0"/>
+                              </a:rPr>
+                              <m:t>1</m:t>
+                            </m:r>
+                          </m:e>
+                          <m:sup>
+                            <m:r>
+                              <a:rPr lang="en-US" b="0" i="1" smtClean="0">
+                                <a:ln w="0"/>
+                                <a:solidFill>
+                                  <a:schemeClr val="tx1"/>
+                                </a:solidFill>
+                                <a:effectLst>
+                                  <a:outerShdw blurRad="38100" dist="19050" dir="2700000" algn="tl" rotWithShape="0">
+                                    <a:schemeClr val="dk1">
+                                      <a:alpha val="40000"/>
+                                    </a:schemeClr>
+                                  </a:outerShdw>
+                                </a:effectLst>
+                                <a:latin typeface="Cambria Math" panose="02040503050406030204" pitchFamily="18" charset="0"/>
+                              </a:rPr>
+                              <m:t>3</m:t>
+                            </m:r>
+                          </m:sup>
+                        </m:sSup>
+                      </m:num>
+                      <m:den>
+                        <m:r>
+                          <a:rPr lang="en-US" b="0" i="1" smtClean="0">
+                            <a:ln w="0"/>
+                            <a:solidFill>
+                              <a:schemeClr val="tx1"/>
+                            </a:solidFill>
+                            <a:effectLst>
+                              <a:outerShdw blurRad="38100" dist="19050" dir="2700000" algn="tl" rotWithShape="0">
+                                <a:schemeClr val="dk1">
+                                  <a:alpha val="40000"/>
+                                </a:schemeClr>
+                              </a:outerShdw>
+                            </a:effectLst>
+                            <a:latin typeface="Cambria Math" panose="02040503050406030204" pitchFamily="18" charset="0"/>
+                          </a:rPr>
+                          <m:t>54</m:t>
+                        </m:r>
+                      </m:den>
+                    </m:f>
+                  </m:oMath>
+                </a14:m>
+                <a:endParaRPr lang="en-US" dirty="0">
+                  <a:ln w="0"/>
+                  <a:solidFill>
+                    <a:schemeClr val="tx1"/>
+                  </a:solidFill>
+                  <a:effectLst>
+                    <a:outerShdw blurRad="38100" dist="19050" dir="2700000" algn="tl" rotWithShape="0">
+                      <a:schemeClr val="dk1">
+                        <a:alpha val="40000"/>
+                      </a:schemeClr>
+                    </a:outerShdw>
+                  </a:effectLst>
+                </a:endParaRPr>
+              </a:p>
+            </p:txBody>
+          </p:sp>
+        </mc:Choice>
+        <mc:Fallback>
+          <p:sp>
+            <p:nvSpPr>
+              <p:cNvPr id="20" name="Rectangle 19"/>
+              <p:cNvSpPr>
+                <a:spLocks noRot="1" noChangeAspect="1" noMove="1" noResize="1" noEditPoints="1" noAdjustHandles="1" noChangeArrowheads="1" noChangeShapeType="1" noTextEdit="1"/>
+              </p:cNvSpPr>
+              <p:nvPr/>
+            </p:nvSpPr>
+            <p:spPr>
+              <a:xfrm>
+                <a:off x="6781126" y="1464658"/>
+                <a:ext cx="2403334" cy="663547"/>
+              </a:xfrm>
+              <a:prstGeom prst="rect">
+                <a:avLst/>
+              </a:prstGeom>
+              <a:blipFill rotWithShape="0">
+                <a:blip r:embed="rId3"/>
+                <a:stretch>
+                  <a:fillRect/>
+                </a:stretch>
+              </a:blipFill>
+            </p:spPr>
+            <p:txBody>
+              <a:bodyPr/>
+              <a:lstStyle/>
+              <a:p>
+                <a:r>
+                  <a:rPr lang="en-US">
+                    <a:noFill/>
+                  </a:rPr>
+                  <a:t> </a:t>
+                </a:r>
+              </a:p>
+            </p:txBody>
+          </p:sp>
+        </mc:Fallback>
+      </mc:AlternateContent>
+      <p:cxnSp>
+        <p:nvCxnSpPr>
+          <p:cNvPr id="22" name="Straight Arrow Connector 21"/>
+          <p:cNvCxnSpPr>
+            <a:stCxn id="20" idx="1"/>
+            <a:endCxn id="23" idx="3"/>
+          </p:cNvCxnSpPr>
+          <p:nvPr/>
+        </p:nvCxnSpPr>
+        <p:spPr>
+          <a:xfrm flipH="1">
+            <a:off x="6271329" y="1796432"/>
+            <a:ext cx="509797" cy="0"/>
+          </a:xfrm>
+          <a:prstGeom prst="straightConnector1">
+            <a:avLst/>
+          </a:prstGeom>
+          <a:ln>
+            <a:tailEnd type="triangle"/>
+          </a:ln>
+        </p:spPr>
+        <p:style>
+          <a:lnRef idx="1">
+            <a:schemeClr val="dk1"/>
+          </a:lnRef>
+          <a:fillRef idx="0">
+            <a:schemeClr val="dk1"/>
+          </a:fillRef>
+          <a:effectRef idx="0">
+            <a:schemeClr val="dk1"/>
+          </a:effectRef>
+          <a:fontRef idx="minor">
+            <a:schemeClr val="tx1"/>
+          </a:fontRef>
+        </p:style>
+      </p:cxnSp>
+      <mc:AlternateContent xmlns:mc="http://schemas.openxmlformats.org/markup-compatibility/2006">
+        <mc:Choice xmlns:a14="http://schemas.microsoft.com/office/drawing/2010/main" Requires="a14">
+          <p:sp>
+            <p:nvSpPr>
+              <p:cNvPr id="23" name="Rectangle 22"/>
+              <p:cNvSpPr/>
+              <p:nvPr/>
+            </p:nvSpPr>
+            <p:spPr>
+              <a:xfrm>
+                <a:off x="3851810" y="1464659"/>
+                <a:ext cx="2419519" cy="663546"/>
+              </a:xfrm>
+              <a:prstGeom prst="rect">
+                <a:avLst/>
+              </a:prstGeom>
+            </p:spPr>
+            <p:style>
+              <a:lnRef idx="2">
+                <a:schemeClr val="accent4">
+                  <a:shade val="50000"/>
+                </a:schemeClr>
+              </a:lnRef>
+              <a:fillRef idx="1">
+                <a:schemeClr val="accent4"/>
+              </a:fillRef>
+              <a:effectRef idx="0">
+                <a:schemeClr val="accent4"/>
+              </a:effectRef>
+              <a:fontRef idx="minor">
+                <a:schemeClr val="lt1"/>
+              </a:fontRef>
+            </p:style>
+            <p:txBody>
+              <a:bodyPr rtlCol="0" anchor="ctr"/>
+              <a:lstStyle/>
+              <a:p>
+                <a:pPr algn="ctr"/>
+                <a14:m>
+                  <m:oMathPara xmlns:m="http://schemas.openxmlformats.org/officeDocument/2006/math">
+                    <m:oMathParaPr>
+                      <m:jc m:val="centerGroup"/>
+                    </m:oMathParaPr>
+                    <m:oMath xmlns:m="http://schemas.openxmlformats.org/officeDocument/2006/math">
+                      <m:r>
+                        <a:rPr lang="en-US" b="0" i="1" smtClean="0">
+                          <a:ln w="0"/>
+                          <a:solidFill>
+                            <a:schemeClr val="tx1"/>
+                          </a:solidFill>
+                          <a:effectLst>
+                            <a:outerShdw blurRad="38100" dist="19050" dir="2700000" algn="tl" rotWithShape="0">
+                              <a:schemeClr val="dk1">
+                                <a:alpha val="40000"/>
+                              </a:schemeClr>
+                            </a:outerShdw>
+                          </a:effectLst>
+                          <a:latin typeface="Cambria Math" panose="02040503050406030204" pitchFamily="18" charset="0"/>
+                        </a:rPr>
+                        <m:t>𝑆</m:t>
+                      </m:r>
+                      <m:r>
+                        <a:rPr lang="en-US" b="0" i="1" smtClean="0">
+                          <a:ln w="0"/>
+                          <a:solidFill>
+                            <a:schemeClr val="tx1"/>
+                          </a:solidFill>
+                          <a:effectLst>
+                            <a:outerShdw blurRad="38100" dist="19050" dir="2700000" algn="tl" rotWithShape="0">
+                              <a:schemeClr val="dk1">
+                                <a:alpha val="40000"/>
+                              </a:schemeClr>
+                            </a:outerShdw>
+                          </a:effectLst>
+                          <a:latin typeface="Cambria Math" panose="02040503050406030204" pitchFamily="18" charset="0"/>
+                        </a:rPr>
+                        <m:t>= </m:t>
+                      </m:r>
+                      <m:rad>
+                        <m:radPr>
+                          <m:ctrlPr>
+                            <a:rPr lang="en-US" b="0" i="1" smtClean="0">
+                              <a:ln w="0"/>
+                              <a:solidFill>
+                                <a:schemeClr val="tx1"/>
+                              </a:solidFill>
+                              <a:effectLst>
+                                <a:outerShdw blurRad="38100" dist="19050" dir="2700000" algn="tl" rotWithShape="0">
+                                  <a:schemeClr val="dk1">
+                                    <a:alpha val="40000"/>
+                                  </a:schemeClr>
+                                </a:outerShdw>
+                              </a:effectLst>
+                              <a:latin typeface="Cambria Math" panose="02040503050406030204" pitchFamily="18" charset="0"/>
+                            </a:rPr>
+                          </m:ctrlPr>
+                        </m:radPr>
+                        <m:deg>
+                          <m:r>
+                            <m:rPr>
+                              <m:brk m:alnAt="7"/>
+                            </m:rPr>
+                            <a:rPr lang="en-US" b="0" i="1" smtClean="0">
+                              <a:ln w="0"/>
+                              <a:solidFill>
+                                <a:schemeClr val="tx1"/>
+                              </a:solidFill>
+                              <a:effectLst>
+                                <a:outerShdw blurRad="38100" dist="19050" dir="2700000" algn="tl" rotWithShape="0">
+                                  <a:schemeClr val="dk1">
+                                    <a:alpha val="40000"/>
+                                  </a:schemeClr>
+                                </a:outerShdw>
+                              </a:effectLst>
+                              <a:latin typeface="Cambria Math" panose="02040503050406030204" pitchFamily="18" charset="0"/>
+                            </a:rPr>
+                            <m:t>3</m:t>
+                          </m:r>
+                        </m:deg>
+                        <m:e>
+                          <m:r>
+                            <a:rPr lang="en-US" b="0" i="1" smtClean="0">
+                              <a:ln w="0"/>
+                              <a:solidFill>
+                                <a:schemeClr val="tx1"/>
+                              </a:solidFill>
+                              <a:effectLst>
+                                <a:outerShdw blurRad="38100" dist="19050" dir="2700000" algn="tl" rotWithShape="0">
+                                  <a:schemeClr val="dk1">
+                                    <a:alpha val="40000"/>
+                                  </a:schemeClr>
+                                </a:outerShdw>
+                              </a:effectLst>
+                              <a:latin typeface="Cambria Math" panose="02040503050406030204" pitchFamily="18" charset="0"/>
+                            </a:rPr>
+                            <m:t>𝑅</m:t>
+                          </m:r>
+                          <m:r>
+                            <a:rPr lang="en-US" b="0" i="1" smtClean="0">
+                              <a:ln w="0"/>
+                              <a:solidFill>
+                                <a:schemeClr val="tx1"/>
+                              </a:solidFill>
+                              <a:effectLst>
+                                <a:outerShdw blurRad="38100" dist="19050" dir="2700000" algn="tl" rotWithShape="0">
+                                  <a:schemeClr val="dk1">
+                                    <a:alpha val="40000"/>
+                                  </a:schemeClr>
+                                </a:outerShdw>
+                              </a:effectLst>
+                              <a:latin typeface="Cambria Math" panose="02040503050406030204" pitchFamily="18" charset="0"/>
+                            </a:rPr>
+                            <m:t>+ </m:t>
+                          </m:r>
+                          <m:rad>
+                            <m:radPr>
+                              <m:degHide m:val="on"/>
+                              <m:ctrlPr>
+                                <a:rPr lang="en-US" b="0" i="1" smtClean="0">
+                                  <a:ln w="0"/>
+                                  <a:solidFill>
+                                    <a:schemeClr val="tx1"/>
+                                  </a:solidFill>
+                                  <a:effectLst>
+                                    <a:outerShdw blurRad="38100" dist="19050" dir="2700000" algn="tl" rotWithShape="0">
+                                      <a:schemeClr val="dk1">
+                                        <a:alpha val="40000"/>
+                                      </a:schemeClr>
+                                    </a:outerShdw>
+                                  </a:effectLst>
+                                  <a:latin typeface="Cambria Math" panose="02040503050406030204" pitchFamily="18" charset="0"/>
+                                </a:rPr>
+                              </m:ctrlPr>
+                            </m:radPr>
+                            <m:deg/>
+                            <m:e>
+                              <m:sSup>
+                                <m:sSupPr>
+                                  <m:ctrlPr>
+                                    <a:rPr lang="en-US" b="0" i="1" smtClean="0">
+                                      <a:ln w="0"/>
+                                      <a:solidFill>
+                                        <a:schemeClr val="tx1"/>
+                                      </a:solidFill>
+                                      <a:effectLst>
+                                        <a:outerShdw blurRad="38100" dist="19050" dir="2700000" algn="tl" rotWithShape="0">
+                                          <a:schemeClr val="dk1">
+                                            <a:alpha val="40000"/>
+                                          </a:schemeClr>
+                                        </a:outerShdw>
+                                      </a:effectLst>
+                                      <a:latin typeface="Cambria Math" panose="02040503050406030204" pitchFamily="18" charset="0"/>
+                                    </a:rPr>
+                                  </m:ctrlPr>
+                                </m:sSupPr>
+                                <m:e>
+                                  <m:r>
+                                    <a:rPr lang="en-US" b="0" i="1" smtClean="0">
+                                      <a:ln w="0"/>
+                                      <a:solidFill>
+                                        <a:schemeClr val="tx1"/>
+                                      </a:solidFill>
+                                      <a:effectLst>
+                                        <a:outerShdw blurRad="38100" dist="19050" dir="2700000" algn="tl" rotWithShape="0">
+                                          <a:schemeClr val="dk1">
+                                            <a:alpha val="40000"/>
+                                          </a:schemeClr>
+                                        </a:outerShdw>
+                                      </a:effectLst>
+                                      <a:latin typeface="Cambria Math" panose="02040503050406030204" pitchFamily="18" charset="0"/>
+                                    </a:rPr>
+                                    <m:t>𝑄</m:t>
+                                  </m:r>
+                                </m:e>
+                                <m:sup>
+                                  <m:r>
+                                    <a:rPr lang="en-US" b="0" i="1" smtClean="0">
+                                      <a:ln w="0"/>
+                                      <a:solidFill>
+                                        <a:schemeClr val="tx1"/>
+                                      </a:solidFill>
+                                      <a:effectLst>
+                                        <a:outerShdw blurRad="38100" dist="19050" dir="2700000" algn="tl" rotWithShape="0">
+                                          <a:schemeClr val="dk1">
+                                            <a:alpha val="40000"/>
+                                          </a:schemeClr>
+                                        </a:outerShdw>
+                                      </a:effectLst>
+                                      <a:latin typeface="Cambria Math" panose="02040503050406030204" pitchFamily="18" charset="0"/>
+                                    </a:rPr>
+                                    <m:t>3</m:t>
+                                  </m:r>
+                                </m:sup>
+                              </m:sSup>
+                              <m:r>
+                                <a:rPr lang="en-US" b="0" i="1" smtClean="0">
+                                  <a:ln w="0"/>
+                                  <a:solidFill>
+                                    <a:schemeClr val="tx1"/>
+                                  </a:solidFill>
+                                  <a:effectLst>
+                                    <a:outerShdw blurRad="38100" dist="19050" dir="2700000" algn="tl" rotWithShape="0">
+                                      <a:schemeClr val="dk1">
+                                        <a:alpha val="40000"/>
+                                      </a:schemeClr>
+                                    </a:outerShdw>
+                                  </a:effectLst>
+                                  <a:latin typeface="Cambria Math" panose="02040503050406030204" pitchFamily="18" charset="0"/>
+                                </a:rPr>
+                                <m:t>+ </m:t>
+                              </m:r>
+                              <m:sSup>
+                                <m:sSupPr>
+                                  <m:ctrlPr>
+                                    <a:rPr lang="en-US" b="0" i="1" smtClean="0">
+                                      <a:ln w="0"/>
+                                      <a:solidFill>
+                                        <a:schemeClr val="tx1"/>
+                                      </a:solidFill>
+                                      <a:effectLst>
+                                        <a:outerShdw blurRad="38100" dist="19050" dir="2700000" algn="tl" rotWithShape="0">
+                                          <a:schemeClr val="dk1">
+                                            <a:alpha val="40000"/>
+                                          </a:schemeClr>
+                                        </a:outerShdw>
+                                      </a:effectLst>
+                                      <a:latin typeface="Cambria Math" panose="02040503050406030204" pitchFamily="18" charset="0"/>
+                                    </a:rPr>
+                                  </m:ctrlPr>
+                                </m:sSupPr>
+                                <m:e>
+                                  <m:r>
+                                    <a:rPr lang="en-US" b="0" i="1" smtClean="0">
+                                      <a:ln w="0"/>
+                                      <a:solidFill>
+                                        <a:schemeClr val="tx1"/>
+                                      </a:solidFill>
+                                      <a:effectLst>
+                                        <a:outerShdw blurRad="38100" dist="19050" dir="2700000" algn="tl" rotWithShape="0">
+                                          <a:schemeClr val="dk1">
+                                            <a:alpha val="40000"/>
+                                          </a:schemeClr>
+                                        </a:outerShdw>
+                                      </a:effectLst>
+                                      <a:latin typeface="Cambria Math" panose="02040503050406030204" pitchFamily="18" charset="0"/>
+                                    </a:rPr>
+                                    <m:t>𝑅</m:t>
+                                  </m:r>
+                                </m:e>
+                                <m:sup>
+                                  <m:r>
+                                    <a:rPr lang="en-US" b="0" i="1" smtClean="0">
+                                      <a:ln w="0"/>
+                                      <a:solidFill>
+                                        <a:schemeClr val="tx1"/>
+                                      </a:solidFill>
+                                      <a:effectLst>
+                                        <a:outerShdw blurRad="38100" dist="19050" dir="2700000" algn="tl" rotWithShape="0">
+                                          <a:schemeClr val="dk1">
+                                            <a:alpha val="40000"/>
+                                          </a:schemeClr>
+                                        </a:outerShdw>
+                                      </a:effectLst>
+                                      <a:latin typeface="Cambria Math" panose="02040503050406030204" pitchFamily="18" charset="0"/>
+                                    </a:rPr>
+                                    <m:t>2</m:t>
+                                  </m:r>
+                                </m:sup>
+                              </m:sSup>
+                            </m:e>
+                          </m:rad>
+                        </m:e>
+                      </m:rad>
+                    </m:oMath>
+                  </m:oMathPara>
+                </a14:m>
+                <a:endParaRPr lang="en-US" dirty="0">
+                  <a:ln w="0"/>
+                  <a:solidFill>
+                    <a:schemeClr val="tx1"/>
+                  </a:solidFill>
+                  <a:effectLst>
+                    <a:outerShdw blurRad="38100" dist="19050" dir="2700000" algn="tl" rotWithShape="0">
+                      <a:schemeClr val="dk1">
+                        <a:alpha val="40000"/>
+                      </a:schemeClr>
+                    </a:outerShdw>
+                  </a:effectLst>
+                </a:endParaRPr>
+              </a:p>
+            </p:txBody>
+          </p:sp>
+        </mc:Choice>
+        <mc:Fallback>
+          <p:sp>
+            <p:nvSpPr>
+              <p:cNvPr id="23" name="Rectangle 22"/>
+              <p:cNvSpPr>
+                <a:spLocks noRot="1" noChangeAspect="1" noMove="1" noResize="1" noEditPoints="1" noAdjustHandles="1" noChangeArrowheads="1" noChangeShapeType="1" noTextEdit="1"/>
+              </p:cNvSpPr>
+              <p:nvPr/>
+            </p:nvSpPr>
+            <p:spPr>
+              <a:xfrm>
+                <a:off x="3851810" y="1464659"/>
+                <a:ext cx="2419519" cy="663546"/>
+              </a:xfrm>
+              <a:prstGeom prst="rect">
+                <a:avLst/>
+              </a:prstGeom>
+              <a:blipFill rotWithShape="0">
+                <a:blip r:embed="rId4"/>
+                <a:stretch>
+                  <a:fillRect/>
+                </a:stretch>
+              </a:blipFill>
+            </p:spPr>
+            <p:txBody>
+              <a:bodyPr/>
+              <a:lstStyle/>
+              <a:p>
+                <a:r>
+                  <a:rPr lang="en-US">
+                    <a:noFill/>
+                  </a:rPr>
+                  <a:t> </a:t>
+                </a:r>
+              </a:p>
+            </p:txBody>
+          </p:sp>
+        </mc:Fallback>
+      </mc:AlternateContent>
+      <p:cxnSp>
+        <p:nvCxnSpPr>
+          <p:cNvPr id="32" name="Straight Arrow Connector 31"/>
+          <p:cNvCxnSpPr>
+            <a:stCxn id="23" idx="1"/>
+          </p:cNvCxnSpPr>
+          <p:nvPr/>
+        </p:nvCxnSpPr>
+        <p:spPr>
+          <a:xfrm flipH="1" flipV="1">
+            <a:off x="3083065" y="1796431"/>
+            <a:ext cx="768745" cy="1"/>
+          </a:xfrm>
+          <a:prstGeom prst="straightConnector1">
+            <a:avLst/>
+          </a:prstGeom>
+          <a:ln>
+            <a:tailEnd type="triangle"/>
+          </a:ln>
+        </p:spPr>
+        <p:style>
+          <a:lnRef idx="1">
+            <a:schemeClr val="dk1"/>
+          </a:lnRef>
+          <a:fillRef idx="0">
+            <a:schemeClr val="dk1"/>
+          </a:fillRef>
+          <a:effectRef idx="0">
+            <a:schemeClr val="dk1"/>
+          </a:effectRef>
+          <a:fontRef idx="minor">
+            <a:schemeClr val="tx1"/>
+          </a:fontRef>
+        </p:style>
+      </p:cxnSp>
+      <mc:AlternateContent xmlns:mc="http://schemas.openxmlformats.org/markup-compatibility/2006">
+        <mc:Choice xmlns:a14="http://schemas.microsoft.com/office/drawing/2010/main" Requires="a14">
+          <p:sp>
+            <p:nvSpPr>
+              <p:cNvPr id="34" name="Rectangle 33"/>
+              <p:cNvSpPr/>
+              <p:nvPr/>
+            </p:nvSpPr>
+            <p:spPr>
+              <a:xfrm>
+                <a:off x="558350" y="1464658"/>
+                <a:ext cx="2524715" cy="663547"/>
+              </a:xfrm>
+              <a:prstGeom prst="rect">
+                <a:avLst/>
+              </a:prstGeom>
+            </p:spPr>
+            <p:style>
+              <a:lnRef idx="2">
+                <a:schemeClr val="accent4">
+                  <a:shade val="50000"/>
+                </a:schemeClr>
+              </a:lnRef>
+              <a:fillRef idx="1">
+                <a:schemeClr val="accent4"/>
+              </a:fillRef>
+              <a:effectRef idx="0">
+                <a:schemeClr val="accent4"/>
+              </a:effectRef>
+              <a:fontRef idx="minor">
+                <a:schemeClr val="lt1"/>
+              </a:fontRef>
+            </p:style>
+            <p:txBody>
+              <a:bodyPr rtlCol="0" anchor="ctr"/>
+              <a:lstStyle/>
+              <a:p>
+                <a:pPr algn="ctr"/>
+                <a14:m>
+                  <m:oMathPara xmlns:m="http://schemas.openxmlformats.org/officeDocument/2006/math">
+                    <m:oMathParaPr>
+                      <m:jc m:val="centerGroup"/>
+                    </m:oMathParaPr>
+                    <m:oMath xmlns:m="http://schemas.openxmlformats.org/officeDocument/2006/math">
+                      <m:r>
+                        <a:rPr lang="en-US" b="0" i="1" smtClean="0">
+                          <a:ln w="0"/>
+                          <a:solidFill>
+                            <a:schemeClr val="tx1"/>
+                          </a:solidFill>
+                          <a:effectLst>
+                            <a:outerShdw blurRad="38100" dist="19050" dir="2700000" algn="tl" rotWithShape="0">
+                              <a:schemeClr val="dk1">
+                                <a:alpha val="40000"/>
+                              </a:schemeClr>
+                            </a:outerShdw>
+                          </a:effectLst>
+                          <a:latin typeface="Cambria Math" panose="02040503050406030204" pitchFamily="18" charset="0"/>
+                        </a:rPr>
+                        <m:t>𝑇</m:t>
+                      </m:r>
+                      <m:r>
+                        <a:rPr lang="en-US" b="0" i="1" smtClean="0">
+                          <a:ln w="0"/>
+                          <a:solidFill>
+                            <a:schemeClr val="tx1"/>
+                          </a:solidFill>
+                          <a:effectLst>
+                            <a:outerShdw blurRad="38100" dist="19050" dir="2700000" algn="tl" rotWithShape="0">
+                              <a:schemeClr val="dk1">
+                                <a:alpha val="40000"/>
+                              </a:schemeClr>
+                            </a:outerShdw>
+                          </a:effectLst>
+                          <a:latin typeface="Cambria Math" panose="02040503050406030204" pitchFamily="18" charset="0"/>
+                        </a:rPr>
+                        <m:t>= </m:t>
+                      </m:r>
+                      <m:rad>
+                        <m:radPr>
+                          <m:ctrlPr>
+                            <a:rPr lang="en-US" b="0" i="1" smtClean="0">
+                              <a:ln w="0"/>
+                              <a:solidFill>
+                                <a:schemeClr val="tx1"/>
+                              </a:solidFill>
+                              <a:effectLst>
+                                <a:outerShdw blurRad="38100" dist="19050" dir="2700000" algn="tl" rotWithShape="0">
+                                  <a:schemeClr val="dk1">
+                                    <a:alpha val="40000"/>
+                                  </a:schemeClr>
+                                </a:outerShdw>
+                              </a:effectLst>
+                              <a:latin typeface="Cambria Math" panose="02040503050406030204" pitchFamily="18" charset="0"/>
+                            </a:rPr>
+                          </m:ctrlPr>
+                        </m:radPr>
+                        <m:deg>
+                          <m:r>
+                            <m:rPr>
+                              <m:brk m:alnAt="7"/>
+                            </m:rPr>
+                            <a:rPr lang="en-US" b="0" i="1" smtClean="0">
+                              <a:ln w="0"/>
+                              <a:solidFill>
+                                <a:schemeClr val="tx1"/>
+                              </a:solidFill>
+                              <a:effectLst>
+                                <a:outerShdw blurRad="38100" dist="19050" dir="2700000" algn="tl" rotWithShape="0">
+                                  <a:schemeClr val="dk1">
+                                    <a:alpha val="40000"/>
+                                  </a:schemeClr>
+                                </a:outerShdw>
+                              </a:effectLst>
+                              <a:latin typeface="Cambria Math" panose="02040503050406030204" pitchFamily="18" charset="0"/>
+                            </a:rPr>
+                            <m:t>3</m:t>
+                          </m:r>
+                        </m:deg>
+                        <m:e>
+                          <m:r>
+                            <a:rPr lang="en-US" b="0" i="1" smtClean="0">
+                              <a:ln w="0"/>
+                              <a:solidFill>
+                                <a:schemeClr val="tx1"/>
+                              </a:solidFill>
+                              <a:effectLst>
+                                <a:outerShdw blurRad="38100" dist="19050" dir="2700000" algn="tl" rotWithShape="0">
+                                  <a:schemeClr val="dk1">
+                                    <a:alpha val="40000"/>
+                                  </a:schemeClr>
+                                </a:outerShdw>
+                              </a:effectLst>
+                              <a:latin typeface="Cambria Math" panose="02040503050406030204" pitchFamily="18" charset="0"/>
+                            </a:rPr>
+                            <m:t>𝑅</m:t>
+                          </m:r>
+                          <m:r>
+                            <a:rPr lang="en-US" b="0" i="1" smtClean="0">
+                              <a:ln w="0"/>
+                              <a:solidFill>
+                                <a:schemeClr val="tx1"/>
+                              </a:solidFill>
+                              <a:effectLst>
+                                <a:outerShdw blurRad="38100" dist="19050" dir="2700000" algn="tl" rotWithShape="0">
+                                  <a:schemeClr val="dk1">
+                                    <a:alpha val="40000"/>
+                                  </a:schemeClr>
+                                </a:outerShdw>
+                              </a:effectLst>
+                              <a:latin typeface="Cambria Math" panose="02040503050406030204" pitchFamily="18" charset="0"/>
+                            </a:rPr>
+                            <m:t> − </m:t>
+                          </m:r>
+                          <m:rad>
+                            <m:radPr>
+                              <m:degHide m:val="on"/>
+                              <m:ctrlPr>
+                                <a:rPr lang="en-US" b="0" i="1" smtClean="0">
+                                  <a:ln w="0"/>
+                                  <a:solidFill>
+                                    <a:schemeClr val="tx1"/>
+                                  </a:solidFill>
+                                  <a:effectLst>
+                                    <a:outerShdw blurRad="38100" dist="19050" dir="2700000" algn="tl" rotWithShape="0">
+                                      <a:schemeClr val="dk1">
+                                        <a:alpha val="40000"/>
+                                      </a:schemeClr>
+                                    </a:outerShdw>
+                                  </a:effectLst>
+                                  <a:latin typeface="Cambria Math" panose="02040503050406030204" pitchFamily="18" charset="0"/>
+                                </a:rPr>
+                              </m:ctrlPr>
+                            </m:radPr>
+                            <m:deg/>
+                            <m:e>
+                              <m:sSup>
+                                <m:sSupPr>
+                                  <m:ctrlPr>
+                                    <a:rPr lang="en-US" b="0" i="1" smtClean="0">
+                                      <a:ln w="0"/>
+                                      <a:solidFill>
+                                        <a:schemeClr val="tx1"/>
+                                      </a:solidFill>
+                                      <a:effectLst>
+                                        <a:outerShdw blurRad="38100" dist="19050" dir="2700000" algn="tl" rotWithShape="0">
+                                          <a:schemeClr val="dk1">
+                                            <a:alpha val="40000"/>
+                                          </a:schemeClr>
+                                        </a:outerShdw>
+                                      </a:effectLst>
+                                      <a:latin typeface="Cambria Math" panose="02040503050406030204" pitchFamily="18" charset="0"/>
+                                    </a:rPr>
+                                  </m:ctrlPr>
+                                </m:sSupPr>
+                                <m:e>
+                                  <m:r>
+                                    <a:rPr lang="en-US" b="0" i="1" smtClean="0">
+                                      <a:ln w="0"/>
+                                      <a:solidFill>
+                                        <a:schemeClr val="tx1"/>
+                                      </a:solidFill>
+                                      <a:effectLst>
+                                        <a:outerShdw blurRad="38100" dist="19050" dir="2700000" algn="tl" rotWithShape="0">
+                                          <a:schemeClr val="dk1">
+                                            <a:alpha val="40000"/>
+                                          </a:schemeClr>
+                                        </a:outerShdw>
+                                      </a:effectLst>
+                                      <a:latin typeface="Cambria Math" panose="02040503050406030204" pitchFamily="18" charset="0"/>
+                                    </a:rPr>
+                                    <m:t>𝑄</m:t>
+                                  </m:r>
+                                </m:e>
+                                <m:sup>
+                                  <m:r>
+                                    <a:rPr lang="en-US" b="0" i="1" smtClean="0">
+                                      <a:ln w="0"/>
+                                      <a:solidFill>
+                                        <a:schemeClr val="tx1"/>
+                                      </a:solidFill>
+                                      <a:effectLst>
+                                        <a:outerShdw blurRad="38100" dist="19050" dir="2700000" algn="tl" rotWithShape="0">
+                                          <a:schemeClr val="dk1">
+                                            <a:alpha val="40000"/>
+                                          </a:schemeClr>
+                                        </a:outerShdw>
+                                      </a:effectLst>
+                                      <a:latin typeface="Cambria Math" panose="02040503050406030204" pitchFamily="18" charset="0"/>
+                                    </a:rPr>
+                                    <m:t>3</m:t>
+                                  </m:r>
+                                </m:sup>
+                              </m:sSup>
+                              <m:r>
+                                <a:rPr lang="en-US" b="0" i="1" smtClean="0">
+                                  <a:ln w="0"/>
+                                  <a:solidFill>
+                                    <a:schemeClr val="tx1"/>
+                                  </a:solidFill>
+                                  <a:effectLst>
+                                    <a:outerShdw blurRad="38100" dist="19050" dir="2700000" algn="tl" rotWithShape="0">
+                                      <a:schemeClr val="dk1">
+                                        <a:alpha val="40000"/>
+                                      </a:schemeClr>
+                                    </a:outerShdw>
+                                  </a:effectLst>
+                                  <a:latin typeface="Cambria Math" panose="02040503050406030204" pitchFamily="18" charset="0"/>
+                                </a:rPr>
+                                <m:t>+ </m:t>
+                              </m:r>
+                              <m:sSup>
+                                <m:sSupPr>
+                                  <m:ctrlPr>
+                                    <a:rPr lang="en-US" b="0" i="1" smtClean="0">
+                                      <a:ln w="0"/>
+                                      <a:solidFill>
+                                        <a:schemeClr val="tx1"/>
+                                      </a:solidFill>
+                                      <a:effectLst>
+                                        <a:outerShdw blurRad="38100" dist="19050" dir="2700000" algn="tl" rotWithShape="0">
+                                          <a:schemeClr val="dk1">
+                                            <a:alpha val="40000"/>
+                                          </a:schemeClr>
+                                        </a:outerShdw>
+                                      </a:effectLst>
+                                      <a:latin typeface="Cambria Math" panose="02040503050406030204" pitchFamily="18" charset="0"/>
+                                    </a:rPr>
+                                  </m:ctrlPr>
+                                </m:sSupPr>
+                                <m:e>
+                                  <m:r>
+                                    <a:rPr lang="en-US" b="0" i="1" smtClean="0">
+                                      <a:ln w="0"/>
+                                      <a:solidFill>
+                                        <a:schemeClr val="tx1"/>
+                                      </a:solidFill>
+                                      <a:effectLst>
+                                        <a:outerShdw blurRad="38100" dist="19050" dir="2700000" algn="tl" rotWithShape="0">
+                                          <a:schemeClr val="dk1">
+                                            <a:alpha val="40000"/>
+                                          </a:schemeClr>
+                                        </a:outerShdw>
+                                      </a:effectLst>
+                                      <a:latin typeface="Cambria Math" panose="02040503050406030204" pitchFamily="18" charset="0"/>
+                                    </a:rPr>
+                                    <m:t>𝑅</m:t>
+                                  </m:r>
+                                </m:e>
+                                <m:sup>
+                                  <m:r>
+                                    <a:rPr lang="en-US" b="0" i="1" smtClean="0">
+                                      <a:ln w="0"/>
+                                      <a:solidFill>
+                                        <a:schemeClr val="tx1"/>
+                                      </a:solidFill>
+                                      <a:effectLst>
+                                        <a:outerShdw blurRad="38100" dist="19050" dir="2700000" algn="tl" rotWithShape="0">
+                                          <a:schemeClr val="dk1">
+                                            <a:alpha val="40000"/>
+                                          </a:schemeClr>
+                                        </a:outerShdw>
+                                      </a:effectLst>
+                                      <a:latin typeface="Cambria Math" panose="02040503050406030204" pitchFamily="18" charset="0"/>
+                                    </a:rPr>
+                                    <m:t>2</m:t>
+                                  </m:r>
+                                </m:sup>
+                              </m:sSup>
+                            </m:e>
+                          </m:rad>
+                        </m:e>
+                      </m:rad>
+                    </m:oMath>
+                  </m:oMathPara>
+                </a14:m>
+                <a:endParaRPr lang="en-US" dirty="0">
+                  <a:ln w="0"/>
+                  <a:solidFill>
+                    <a:schemeClr val="tx1"/>
+                  </a:solidFill>
+                  <a:effectLst>
+                    <a:outerShdw blurRad="38100" dist="19050" dir="2700000" algn="tl" rotWithShape="0">
+                      <a:schemeClr val="dk1">
+                        <a:alpha val="40000"/>
+                      </a:schemeClr>
+                    </a:outerShdw>
+                  </a:effectLst>
+                </a:endParaRPr>
+              </a:p>
+            </p:txBody>
+          </p:sp>
+        </mc:Choice>
+        <mc:Fallback>
+          <p:sp>
+            <p:nvSpPr>
+              <p:cNvPr id="34" name="Rectangle 33"/>
+              <p:cNvSpPr>
+                <a:spLocks noRot="1" noChangeAspect="1" noMove="1" noResize="1" noEditPoints="1" noAdjustHandles="1" noChangeArrowheads="1" noChangeShapeType="1" noTextEdit="1"/>
+              </p:cNvSpPr>
+              <p:nvPr/>
+            </p:nvSpPr>
+            <p:spPr>
+              <a:xfrm>
+                <a:off x="558350" y="1464658"/>
+                <a:ext cx="2524715" cy="663547"/>
+              </a:xfrm>
+              <a:prstGeom prst="rect">
+                <a:avLst/>
+              </a:prstGeom>
+              <a:blipFill rotWithShape="0">
+                <a:blip r:embed="rId5"/>
+                <a:stretch>
+                  <a:fillRect/>
+                </a:stretch>
+              </a:blipFill>
+            </p:spPr>
+            <p:txBody>
+              <a:bodyPr/>
+              <a:lstStyle/>
+              <a:p>
+                <a:r>
+                  <a:rPr lang="en-US">
+                    <a:noFill/>
+                  </a:rPr>
+                  <a:t> </a:t>
+                </a:r>
+              </a:p>
+            </p:txBody>
+          </p:sp>
+        </mc:Fallback>
+      </mc:AlternateContent>
+      <p:cxnSp>
+        <p:nvCxnSpPr>
+          <p:cNvPr id="42" name="Straight Arrow Connector 41"/>
+          <p:cNvCxnSpPr/>
+          <p:nvPr/>
+        </p:nvCxnSpPr>
+        <p:spPr>
+          <a:xfrm>
+            <a:off x="882032" y="2128205"/>
+            <a:ext cx="0" cy="574535"/>
+          </a:xfrm>
+          <a:prstGeom prst="straightConnector1">
+            <a:avLst/>
+          </a:prstGeom>
+          <a:ln>
+            <a:tailEnd type="triangle"/>
+          </a:ln>
+        </p:spPr>
+        <p:style>
+          <a:lnRef idx="1">
+            <a:schemeClr val="dk1"/>
+          </a:lnRef>
+          <a:fillRef idx="0">
+            <a:schemeClr val="dk1"/>
+          </a:fillRef>
+          <a:effectRef idx="0">
+            <a:schemeClr val="dk1"/>
+          </a:effectRef>
+          <a:fontRef idx="minor">
+            <a:schemeClr val="tx1"/>
+          </a:fontRef>
+        </p:style>
+      </p:cxnSp>
+      <mc:AlternateContent xmlns:mc="http://schemas.openxmlformats.org/markup-compatibility/2006">
+        <mc:Choice xmlns:a14="http://schemas.microsoft.com/office/drawing/2010/main" Requires="a14">
+          <p:sp>
+            <p:nvSpPr>
+              <p:cNvPr id="43" name="Rectangle 42"/>
+              <p:cNvSpPr/>
+              <p:nvPr/>
+            </p:nvSpPr>
+            <p:spPr>
+              <a:xfrm>
+                <a:off x="-1" y="2702740"/>
+                <a:ext cx="2201033" cy="631178"/>
+              </a:xfrm>
+              <a:prstGeom prst="rect">
+                <a:avLst/>
+              </a:prstGeom>
+            </p:spPr>
+            <p:style>
+              <a:lnRef idx="2">
+                <a:schemeClr val="accent4">
+                  <a:shade val="50000"/>
+                </a:schemeClr>
+              </a:lnRef>
+              <a:fillRef idx="1">
+                <a:schemeClr val="accent4"/>
+              </a:fillRef>
+              <a:effectRef idx="0">
+                <a:schemeClr val="accent4"/>
+              </a:effectRef>
+              <a:fontRef idx="minor">
+                <a:schemeClr val="lt1"/>
+              </a:fontRef>
+            </p:style>
+            <p:txBody>
+              <a:bodyPr rtlCol="0" anchor="ctr"/>
+              <a:lstStyle/>
+              <a:p>
+                <a:pPr algn="ctr"/>
+                <a14:m>
+                  <m:oMathPara xmlns:m="http://schemas.openxmlformats.org/officeDocument/2006/math">
+                    <m:oMathParaPr>
+                      <m:jc m:val="centerGroup"/>
+                    </m:oMathParaPr>
+                    <m:oMath xmlns:m="http://schemas.openxmlformats.org/officeDocument/2006/math">
+                      <m:r>
+                        <a:rPr lang="en-US" b="0" i="1" smtClean="0">
+                          <a:ln w="0"/>
+                          <a:solidFill>
+                            <a:schemeClr val="tx1"/>
+                          </a:solidFill>
+                          <a:effectLst>
+                            <a:outerShdw blurRad="38100" dist="19050" dir="2700000" algn="tl" rotWithShape="0">
+                              <a:schemeClr val="dk1">
+                                <a:alpha val="40000"/>
+                              </a:schemeClr>
+                            </a:outerShdw>
+                          </a:effectLst>
+                          <a:latin typeface="Cambria Math" panose="02040503050406030204" pitchFamily="18" charset="0"/>
+                        </a:rPr>
+                        <m:t>𝑋</m:t>
+                      </m:r>
+                      <m:r>
+                        <a:rPr lang="en-US" b="0" i="1" smtClean="0">
+                          <a:ln w="0"/>
+                          <a:solidFill>
+                            <a:schemeClr val="tx1"/>
+                          </a:solidFill>
+                          <a:effectLst>
+                            <a:outerShdw blurRad="38100" dist="19050" dir="2700000" algn="tl" rotWithShape="0">
+                              <a:schemeClr val="dk1">
+                                <a:alpha val="40000"/>
+                              </a:schemeClr>
+                            </a:outerShdw>
+                          </a:effectLst>
+                          <a:latin typeface="Cambria Math" panose="02040503050406030204" pitchFamily="18" charset="0"/>
+                        </a:rPr>
+                        <m:t>1=</m:t>
+                      </m:r>
+                      <m:r>
+                        <a:rPr lang="en-US" b="0" i="1" smtClean="0">
+                          <a:ln w="0"/>
+                          <a:solidFill>
+                            <a:schemeClr val="tx1"/>
+                          </a:solidFill>
+                          <a:effectLst>
+                            <a:outerShdw blurRad="38100" dist="19050" dir="2700000" algn="tl" rotWithShape="0">
+                              <a:schemeClr val="dk1">
+                                <a:alpha val="40000"/>
+                              </a:schemeClr>
+                            </a:outerShdw>
+                          </a:effectLst>
+                          <a:latin typeface="Cambria Math" panose="02040503050406030204" pitchFamily="18" charset="0"/>
+                        </a:rPr>
+                        <m:t>𝑆</m:t>
+                      </m:r>
+                      <m:r>
+                        <a:rPr lang="en-US" b="0" i="1" smtClean="0">
+                          <a:ln w="0"/>
+                          <a:solidFill>
+                            <a:schemeClr val="tx1"/>
+                          </a:solidFill>
+                          <a:effectLst>
+                            <a:outerShdw blurRad="38100" dist="19050" dir="2700000" algn="tl" rotWithShape="0">
+                              <a:schemeClr val="dk1">
+                                <a:alpha val="40000"/>
+                              </a:schemeClr>
+                            </a:outerShdw>
+                          </a:effectLst>
+                          <a:latin typeface="Cambria Math" panose="02040503050406030204" pitchFamily="18" charset="0"/>
+                        </a:rPr>
+                        <m:t>+</m:t>
+                      </m:r>
+                      <m:r>
+                        <a:rPr lang="en-US" b="0" i="1" smtClean="0">
+                          <a:ln w="0"/>
+                          <a:solidFill>
+                            <a:schemeClr val="tx1"/>
+                          </a:solidFill>
+                          <a:effectLst>
+                            <a:outerShdw blurRad="38100" dist="19050" dir="2700000" algn="tl" rotWithShape="0">
+                              <a:schemeClr val="dk1">
+                                <a:alpha val="40000"/>
+                              </a:schemeClr>
+                            </a:outerShdw>
+                          </a:effectLst>
+                          <a:latin typeface="Cambria Math" panose="02040503050406030204" pitchFamily="18" charset="0"/>
+                        </a:rPr>
+                        <m:t>𝑇</m:t>
+                      </m:r>
+                      <m:r>
+                        <a:rPr lang="en-US" b="0" i="1" smtClean="0">
+                          <a:ln w="0"/>
+                          <a:solidFill>
+                            <a:schemeClr val="tx1"/>
+                          </a:solidFill>
+                          <a:effectLst>
+                            <a:outerShdw blurRad="38100" dist="19050" dir="2700000" algn="tl" rotWithShape="0">
+                              <a:schemeClr val="dk1">
+                                <a:alpha val="40000"/>
+                              </a:schemeClr>
+                            </a:outerShdw>
+                          </a:effectLst>
+                          <a:latin typeface="Cambria Math" panose="02040503050406030204" pitchFamily="18" charset="0"/>
+                        </a:rPr>
+                        <m:t>−</m:t>
+                      </m:r>
+                      <m:f>
+                        <m:fPr>
+                          <m:ctrlPr>
+                            <a:rPr lang="en-US" b="0" i="1" smtClean="0">
+                              <a:ln w="0"/>
+                              <a:solidFill>
+                                <a:schemeClr val="tx1"/>
+                              </a:solidFill>
+                              <a:effectLst>
+                                <a:outerShdw blurRad="38100" dist="19050" dir="2700000" algn="tl" rotWithShape="0">
+                                  <a:schemeClr val="dk1">
+                                    <a:alpha val="40000"/>
+                                  </a:schemeClr>
+                                </a:outerShdw>
+                              </a:effectLst>
+                              <a:latin typeface="Cambria Math" panose="02040503050406030204" pitchFamily="18" charset="0"/>
+                            </a:rPr>
+                          </m:ctrlPr>
+                        </m:fPr>
+                        <m:num>
+                          <m:r>
+                            <a:rPr lang="en-US" b="0" i="1" smtClean="0">
+                              <a:ln w="0"/>
+                              <a:solidFill>
+                                <a:schemeClr val="tx1"/>
+                              </a:solidFill>
+                              <a:effectLst>
+                                <a:outerShdw blurRad="38100" dist="19050" dir="2700000" algn="tl" rotWithShape="0">
+                                  <a:schemeClr val="dk1">
+                                    <a:alpha val="40000"/>
+                                  </a:schemeClr>
+                                </a:outerShdw>
+                              </a:effectLst>
+                              <a:latin typeface="Cambria Math" panose="02040503050406030204" pitchFamily="18" charset="0"/>
+                            </a:rPr>
+                            <m:t>1</m:t>
+                          </m:r>
+                        </m:num>
+                        <m:den>
+                          <m:r>
+                            <a:rPr lang="en-US" b="0" i="1" smtClean="0">
+                              <a:ln w="0"/>
+                              <a:solidFill>
+                                <a:schemeClr val="tx1"/>
+                              </a:solidFill>
+                              <a:effectLst>
+                                <a:outerShdw blurRad="38100" dist="19050" dir="2700000" algn="tl" rotWithShape="0">
+                                  <a:schemeClr val="dk1">
+                                    <a:alpha val="40000"/>
+                                  </a:schemeClr>
+                                </a:outerShdw>
+                              </a:effectLst>
+                              <a:latin typeface="Cambria Math" panose="02040503050406030204" pitchFamily="18" charset="0"/>
+                            </a:rPr>
+                            <m:t>3</m:t>
+                          </m:r>
+                        </m:den>
+                      </m:f>
+                      <m:r>
+                        <a:rPr lang="en-US" b="0" i="1" smtClean="0">
+                          <a:ln w="0"/>
+                          <a:solidFill>
+                            <a:schemeClr val="tx1"/>
+                          </a:solidFill>
+                          <a:effectLst>
+                            <a:outerShdw blurRad="38100" dist="19050" dir="2700000" algn="tl" rotWithShape="0">
+                              <a:schemeClr val="dk1">
+                                <a:alpha val="40000"/>
+                              </a:schemeClr>
+                            </a:outerShdw>
+                          </a:effectLst>
+                          <a:latin typeface="Cambria Math" panose="02040503050406030204" pitchFamily="18" charset="0"/>
+                        </a:rPr>
+                        <m:t>𝐴</m:t>
+                      </m:r>
+                      <m:r>
+                        <a:rPr lang="en-US" b="0" i="1" smtClean="0">
+                          <a:ln w="0"/>
+                          <a:solidFill>
+                            <a:schemeClr val="tx1"/>
+                          </a:solidFill>
+                          <a:effectLst>
+                            <a:outerShdw blurRad="38100" dist="19050" dir="2700000" algn="tl" rotWithShape="0">
+                              <a:schemeClr val="dk1">
+                                <a:alpha val="40000"/>
+                              </a:schemeClr>
+                            </a:outerShdw>
+                          </a:effectLst>
+                          <a:latin typeface="Cambria Math" panose="02040503050406030204" pitchFamily="18" charset="0"/>
+                        </a:rPr>
+                        <m:t>1 </m:t>
+                      </m:r>
+                    </m:oMath>
+                  </m:oMathPara>
+                </a14:m>
+                <a:endParaRPr lang="en-US" dirty="0">
+                  <a:ln w="0"/>
+                  <a:solidFill>
+                    <a:schemeClr val="tx1"/>
+                  </a:solidFill>
+                  <a:effectLst>
+                    <a:outerShdw blurRad="38100" dist="19050" dir="2700000" algn="tl" rotWithShape="0">
+                      <a:schemeClr val="dk1">
+                        <a:alpha val="40000"/>
+                      </a:schemeClr>
+                    </a:outerShdw>
+                  </a:effectLst>
+                </a:endParaRPr>
+              </a:p>
+            </p:txBody>
+          </p:sp>
+        </mc:Choice>
+        <mc:Fallback>
+          <p:sp>
+            <p:nvSpPr>
+              <p:cNvPr id="43" name="Rectangle 42"/>
+              <p:cNvSpPr>
+                <a:spLocks noRot="1" noChangeAspect="1" noMove="1" noResize="1" noEditPoints="1" noAdjustHandles="1" noChangeArrowheads="1" noChangeShapeType="1" noTextEdit="1"/>
+              </p:cNvSpPr>
+              <p:nvPr/>
+            </p:nvSpPr>
+            <p:spPr>
+              <a:xfrm>
+                <a:off x="-1" y="2702740"/>
+                <a:ext cx="2201033" cy="631178"/>
+              </a:xfrm>
+              <a:prstGeom prst="rect">
+                <a:avLst/>
+              </a:prstGeom>
+              <a:blipFill rotWithShape="0">
+                <a:blip r:embed="rId6"/>
+                <a:stretch>
+                  <a:fillRect/>
+                </a:stretch>
+              </a:blipFill>
+            </p:spPr>
+            <p:txBody>
+              <a:bodyPr/>
+              <a:lstStyle/>
+              <a:p>
+                <a:r>
+                  <a:rPr lang="en-US">
+                    <a:noFill/>
+                  </a:rPr>
+                  <a:t> </a:t>
+                </a:r>
+              </a:p>
+            </p:txBody>
+          </p:sp>
+        </mc:Fallback>
+      </mc:AlternateContent>
+      <p:cxnSp>
+        <p:nvCxnSpPr>
+          <p:cNvPr id="45" name="Straight Arrow Connector 44"/>
+          <p:cNvCxnSpPr>
+            <a:stCxn id="43" idx="3"/>
+            <a:endCxn id="46" idx="1"/>
+          </p:cNvCxnSpPr>
+          <p:nvPr/>
+        </p:nvCxnSpPr>
+        <p:spPr>
+          <a:xfrm flipV="1">
+            <a:off x="2201032" y="2994053"/>
+            <a:ext cx="2103931" cy="24276"/>
+          </a:xfrm>
+          <a:prstGeom prst="straightConnector1">
+            <a:avLst/>
+          </a:prstGeom>
+          <a:ln>
+            <a:tailEnd type="triangle"/>
+          </a:ln>
+        </p:spPr>
+        <p:style>
+          <a:lnRef idx="1">
+            <a:schemeClr val="dk1"/>
+          </a:lnRef>
+          <a:fillRef idx="0">
+            <a:schemeClr val="dk1"/>
+          </a:fillRef>
+          <a:effectRef idx="0">
+            <a:schemeClr val="dk1"/>
+          </a:effectRef>
+          <a:fontRef idx="minor">
+            <a:schemeClr val="tx1"/>
+          </a:fontRef>
+        </p:style>
+      </p:cxnSp>
+      <mc:AlternateContent xmlns:mc="http://schemas.openxmlformats.org/markup-compatibility/2006">
+        <mc:Choice xmlns:a14="http://schemas.microsoft.com/office/drawing/2010/main" Requires="a14">
+          <p:sp>
+            <p:nvSpPr>
+              <p:cNvPr id="46" name="Rectangle 45"/>
+              <p:cNvSpPr/>
+              <p:nvPr/>
+            </p:nvSpPr>
+            <p:spPr>
+              <a:xfrm>
+                <a:off x="4304963" y="2678464"/>
+                <a:ext cx="4952325" cy="631178"/>
+              </a:xfrm>
+              <a:prstGeom prst="rect">
+                <a:avLst/>
+              </a:prstGeom>
+            </p:spPr>
+            <p:style>
+              <a:lnRef idx="2">
+                <a:schemeClr val="accent4">
+                  <a:shade val="50000"/>
+                </a:schemeClr>
+              </a:lnRef>
+              <a:fillRef idx="1">
+                <a:schemeClr val="accent4"/>
+              </a:fillRef>
+              <a:effectRef idx="0">
+                <a:schemeClr val="accent4"/>
+              </a:effectRef>
+              <a:fontRef idx="minor">
+                <a:schemeClr val="lt1"/>
+              </a:fontRef>
+            </p:style>
+            <p:txBody>
+              <a:bodyPr rtlCol="0" anchor="ctr"/>
+              <a:lstStyle/>
+              <a:p>
+                <a:pPr algn="ctr"/>
+                <a14:m>
+                  <m:oMathPara xmlns:m="http://schemas.openxmlformats.org/officeDocument/2006/math">
+                    <m:oMathParaPr>
+                      <m:jc m:val="centerGroup"/>
+                    </m:oMathParaPr>
+                    <m:oMath xmlns:m="http://schemas.openxmlformats.org/officeDocument/2006/math">
+                      <m:r>
+                        <a:rPr lang="en-US" b="0" i="1" smtClean="0">
+                          <a:ln w="0"/>
+                          <a:solidFill>
+                            <a:schemeClr val="tx1"/>
+                          </a:solidFill>
+                          <a:effectLst>
+                            <a:outerShdw blurRad="38100" dist="19050" dir="2700000" algn="tl" rotWithShape="0">
+                              <a:schemeClr val="dk1">
+                                <a:alpha val="40000"/>
+                              </a:schemeClr>
+                            </a:outerShdw>
+                          </a:effectLst>
+                          <a:latin typeface="Cambria Math" panose="02040503050406030204" pitchFamily="18" charset="0"/>
+                        </a:rPr>
+                        <m:t>𝑋</m:t>
+                      </m:r>
+                      <m:r>
+                        <a:rPr lang="en-US" b="0" i="1" smtClean="0">
+                          <a:ln w="0"/>
+                          <a:solidFill>
+                            <a:schemeClr val="tx1"/>
+                          </a:solidFill>
+                          <a:effectLst>
+                            <a:outerShdw blurRad="38100" dist="19050" dir="2700000" algn="tl" rotWithShape="0">
+                              <a:schemeClr val="dk1">
+                                <a:alpha val="40000"/>
+                              </a:schemeClr>
+                            </a:outerShdw>
+                          </a:effectLst>
+                          <a:latin typeface="Cambria Math" panose="02040503050406030204" pitchFamily="18" charset="0"/>
+                        </a:rPr>
+                        <m:t>2=−</m:t>
+                      </m:r>
+                      <m:f>
+                        <m:fPr>
+                          <m:ctrlPr>
+                            <a:rPr lang="en-US" b="0" i="1" smtClean="0">
+                              <a:ln w="0"/>
+                              <a:solidFill>
+                                <a:schemeClr val="tx1"/>
+                              </a:solidFill>
+                              <a:effectLst>
+                                <a:outerShdw blurRad="38100" dist="19050" dir="2700000" algn="tl" rotWithShape="0">
+                                  <a:schemeClr val="dk1">
+                                    <a:alpha val="40000"/>
+                                  </a:schemeClr>
+                                </a:outerShdw>
+                              </a:effectLst>
+                              <a:latin typeface="Cambria Math" panose="02040503050406030204" pitchFamily="18" charset="0"/>
+                            </a:rPr>
+                          </m:ctrlPr>
+                        </m:fPr>
+                        <m:num>
+                          <m:r>
+                            <a:rPr lang="en-US" b="0" i="1" smtClean="0">
+                              <a:ln w="0"/>
+                              <a:solidFill>
+                                <a:schemeClr val="tx1"/>
+                              </a:solidFill>
+                              <a:effectLst>
+                                <a:outerShdw blurRad="38100" dist="19050" dir="2700000" algn="tl" rotWithShape="0">
+                                  <a:schemeClr val="dk1">
+                                    <a:alpha val="40000"/>
+                                  </a:schemeClr>
+                                </a:outerShdw>
+                              </a:effectLst>
+                              <a:latin typeface="Cambria Math" panose="02040503050406030204" pitchFamily="18" charset="0"/>
+                            </a:rPr>
+                            <m:t>1</m:t>
+                          </m:r>
+                        </m:num>
+                        <m:den>
+                          <m:r>
+                            <a:rPr lang="en-US" b="0" i="1" smtClean="0">
+                              <a:ln w="0"/>
+                              <a:solidFill>
+                                <a:schemeClr val="tx1"/>
+                              </a:solidFill>
+                              <a:effectLst>
+                                <a:outerShdw blurRad="38100" dist="19050" dir="2700000" algn="tl" rotWithShape="0">
+                                  <a:schemeClr val="dk1">
+                                    <a:alpha val="40000"/>
+                                  </a:schemeClr>
+                                </a:outerShdw>
+                              </a:effectLst>
+                              <a:latin typeface="Cambria Math" panose="02040503050406030204" pitchFamily="18" charset="0"/>
+                            </a:rPr>
+                            <m:t>2</m:t>
+                          </m:r>
+                        </m:den>
+                      </m:f>
+                      <m:d>
+                        <m:dPr>
+                          <m:ctrlPr>
+                            <a:rPr lang="en-US" b="0" i="1" smtClean="0">
+                              <a:ln w="0"/>
+                              <a:solidFill>
+                                <a:schemeClr val="tx1"/>
+                              </a:solidFill>
+                              <a:effectLst>
+                                <a:outerShdw blurRad="38100" dist="19050" dir="2700000" algn="tl" rotWithShape="0">
+                                  <a:schemeClr val="dk1">
+                                    <a:alpha val="40000"/>
+                                  </a:schemeClr>
+                                </a:outerShdw>
+                              </a:effectLst>
+                              <a:latin typeface="Cambria Math" panose="02040503050406030204" pitchFamily="18" charset="0"/>
+                            </a:rPr>
+                          </m:ctrlPr>
+                        </m:dPr>
+                        <m:e>
+                          <m:r>
+                            <a:rPr lang="en-US" b="0" i="1" smtClean="0">
+                              <a:ln w="0"/>
+                              <a:solidFill>
+                                <a:schemeClr val="tx1"/>
+                              </a:solidFill>
+                              <a:effectLst>
+                                <a:outerShdw blurRad="38100" dist="19050" dir="2700000" algn="tl" rotWithShape="0">
+                                  <a:schemeClr val="dk1">
+                                    <a:alpha val="40000"/>
+                                  </a:schemeClr>
+                                </a:outerShdw>
+                              </a:effectLst>
+                              <a:latin typeface="Cambria Math" panose="02040503050406030204" pitchFamily="18" charset="0"/>
+                            </a:rPr>
+                            <m:t>𝑆</m:t>
+                          </m:r>
+                          <m:r>
+                            <a:rPr lang="en-US" b="0" i="1" smtClean="0">
+                              <a:ln w="0"/>
+                              <a:solidFill>
+                                <a:schemeClr val="tx1"/>
+                              </a:solidFill>
+                              <a:effectLst>
+                                <a:outerShdw blurRad="38100" dist="19050" dir="2700000" algn="tl" rotWithShape="0">
+                                  <a:schemeClr val="dk1">
+                                    <a:alpha val="40000"/>
+                                  </a:schemeClr>
+                                </a:outerShdw>
+                              </a:effectLst>
+                              <a:latin typeface="Cambria Math" panose="02040503050406030204" pitchFamily="18" charset="0"/>
+                            </a:rPr>
+                            <m:t>+</m:t>
+                          </m:r>
+                          <m:r>
+                            <a:rPr lang="en-US" b="0" i="1" smtClean="0">
+                              <a:ln w="0"/>
+                              <a:solidFill>
+                                <a:schemeClr val="tx1"/>
+                              </a:solidFill>
+                              <a:effectLst>
+                                <a:outerShdw blurRad="38100" dist="19050" dir="2700000" algn="tl" rotWithShape="0">
+                                  <a:schemeClr val="dk1">
+                                    <a:alpha val="40000"/>
+                                  </a:schemeClr>
+                                </a:outerShdw>
+                              </a:effectLst>
+                              <a:latin typeface="Cambria Math" panose="02040503050406030204" pitchFamily="18" charset="0"/>
+                            </a:rPr>
+                            <m:t>𝑇</m:t>
+                          </m:r>
+                        </m:e>
+                      </m:d>
+                      <m:r>
+                        <a:rPr lang="en-US" b="0" i="1" smtClean="0">
+                          <a:ln w="0"/>
+                          <a:solidFill>
+                            <a:schemeClr val="tx1"/>
+                          </a:solidFill>
+                          <a:effectLst>
+                            <a:outerShdw blurRad="38100" dist="19050" dir="2700000" algn="tl" rotWithShape="0">
+                              <a:schemeClr val="dk1">
+                                <a:alpha val="40000"/>
+                              </a:schemeClr>
+                            </a:outerShdw>
+                          </a:effectLst>
+                          <a:latin typeface="Cambria Math" panose="02040503050406030204" pitchFamily="18" charset="0"/>
+                        </a:rPr>
+                        <m:t>−</m:t>
+                      </m:r>
+                      <m:f>
+                        <m:fPr>
+                          <m:ctrlPr>
+                            <a:rPr lang="en-US" b="0" i="1" smtClean="0">
+                              <a:ln w="0"/>
+                              <a:solidFill>
+                                <a:schemeClr val="tx1"/>
+                              </a:solidFill>
+                              <a:effectLst>
+                                <a:outerShdw blurRad="38100" dist="19050" dir="2700000" algn="tl" rotWithShape="0">
+                                  <a:schemeClr val="dk1">
+                                    <a:alpha val="40000"/>
+                                  </a:schemeClr>
+                                </a:outerShdw>
+                              </a:effectLst>
+                              <a:latin typeface="Cambria Math" panose="02040503050406030204" pitchFamily="18" charset="0"/>
+                            </a:rPr>
+                          </m:ctrlPr>
+                        </m:fPr>
+                        <m:num>
+                          <m:r>
+                            <a:rPr lang="en-US" b="0" i="1" smtClean="0">
+                              <a:ln w="0"/>
+                              <a:solidFill>
+                                <a:schemeClr val="tx1"/>
+                              </a:solidFill>
+                              <a:effectLst>
+                                <a:outerShdw blurRad="38100" dist="19050" dir="2700000" algn="tl" rotWithShape="0">
+                                  <a:schemeClr val="dk1">
+                                    <a:alpha val="40000"/>
+                                  </a:schemeClr>
+                                </a:outerShdw>
+                              </a:effectLst>
+                              <a:latin typeface="Cambria Math" panose="02040503050406030204" pitchFamily="18" charset="0"/>
+                            </a:rPr>
+                            <m:t>1</m:t>
+                          </m:r>
+                        </m:num>
+                        <m:den>
+                          <m:r>
+                            <a:rPr lang="en-US" b="0" i="1" smtClean="0">
+                              <a:ln w="0"/>
+                              <a:solidFill>
+                                <a:schemeClr val="tx1"/>
+                              </a:solidFill>
+                              <a:effectLst>
+                                <a:outerShdw blurRad="38100" dist="19050" dir="2700000" algn="tl" rotWithShape="0">
+                                  <a:schemeClr val="dk1">
+                                    <a:alpha val="40000"/>
+                                  </a:schemeClr>
+                                </a:outerShdw>
+                              </a:effectLst>
+                              <a:latin typeface="Cambria Math" panose="02040503050406030204" pitchFamily="18" charset="0"/>
+                            </a:rPr>
+                            <m:t>3</m:t>
+                          </m:r>
+                        </m:den>
+                      </m:f>
+                      <m:r>
+                        <a:rPr lang="en-US" b="0" i="1" smtClean="0">
+                          <a:ln w="0"/>
+                          <a:solidFill>
+                            <a:schemeClr val="tx1"/>
+                          </a:solidFill>
+                          <a:effectLst>
+                            <a:outerShdw blurRad="38100" dist="19050" dir="2700000" algn="tl" rotWithShape="0">
+                              <a:schemeClr val="dk1">
+                                <a:alpha val="40000"/>
+                              </a:schemeClr>
+                            </a:outerShdw>
+                          </a:effectLst>
+                          <a:latin typeface="Cambria Math" panose="02040503050406030204" pitchFamily="18" charset="0"/>
+                        </a:rPr>
+                        <m:t>𝐴</m:t>
+                      </m:r>
+                      <m:r>
+                        <a:rPr lang="en-US" b="0" i="1" smtClean="0">
+                          <a:ln w="0"/>
+                          <a:solidFill>
+                            <a:schemeClr val="tx1"/>
+                          </a:solidFill>
+                          <a:effectLst>
+                            <a:outerShdw blurRad="38100" dist="19050" dir="2700000" algn="tl" rotWithShape="0">
+                              <a:schemeClr val="dk1">
+                                <a:alpha val="40000"/>
+                              </a:schemeClr>
+                            </a:outerShdw>
+                          </a:effectLst>
+                          <a:latin typeface="Cambria Math" panose="02040503050406030204" pitchFamily="18" charset="0"/>
+                        </a:rPr>
+                        <m:t>1+</m:t>
+                      </m:r>
+                      <m:f>
+                        <m:fPr>
+                          <m:ctrlPr>
+                            <a:rPr lang="en-US" b="0" i="1" smtClean="0">
+                              <a:ln w="0"/>
+                              <a:solidFill>
+                                <a:schemeClr val="tx1"/>
+                              </a:solidFill>
+                              <a:effectLst>
+                                <a:outerShdw blurRad="38100" dist="19050" dir="2700000" algn="tl" rotWithShape="0">
+                                  <a:schemeClr val="dk1">
+                                    <a:alpha val="40000"/>
+                                  </a:schemeClr>
+                                </a:outerShdw>
+                              </a:effectLst>
+                              <a:latin typeface="Cambria Math" panose="02040503050406030204" pitchFamily="18" charset="0"/>
+                            </a:rPr>
+                          </m:ctrlPr>
+                        </m:fPr>
+                        <m:num>
+                          <m:r>
+                            <a:rPr lang="en-US" b="0" i="1" smtClean="0">
+                              <a:ln w="0"/>
+                              <a:solidFill>
+                                <a:schemeClr val="tx1"/>
+                              </a:solidFill>
+                              <a:effectLst>
+                                <a:outerShdw blurRad="38100" dist="19050" dir="2700000" algn="tl" rotWithShape="0">
+                                  <a:schemeClr val="dk1">
+                                    <a:alpha val="40000"/>
+                                  </a:schemeClr>
+                                </a:outerShdw>
+                              </a:effectLst>
+                              <a:latin typeface="Cambria Math" panose="02040503050406030204" pitchFamily="18" charset="0"/>
+                            </a:rPr>
+                            <m:t>1</m:t>
+                          </m:r>
+                        </m:num>
+                        <m:den>
+                          <m:r>
+                            <a:rPr lang="en-US" b="0" i="1" smtClean="0">
+                              <a:ln w="0"/>
+                              <a:solidFill>
+                                <a:schemeClr val="tx1"/>
+                              </a:solidFill>
+                              <a:effectLst>
+                                <a:outerShdw blurRad="38100" dist="19050" dir="2700000" algn="tl" rotWithShape="0">
+                                  <a:schemeClr val="dk1">
+                                    <a:alpha val="40000"/>
+                                  </a:schemeClr>
+                                </a:outerShdw>
+                              </a:effectLst>
+                              <a:latin typeface="Cambria Math" panose="02040503050406030204" pitchFamily="18" charset="0"/>
+                            </a:rPr>
+                            <m:t>2</m:t>
+                          </m:r>
+                        </m:den>
+                      </m:f>
+                      <m:r>
+                        <a:rPr lang="en-US" b="0" i="1" smtClean="0">
+                          <a:ln w="0"/>
+                          <a:solidFill>
+                            <a:schemeClr val="tx1"/>
+                          </a:solidFill>
+                          <a:effectLst>
+                            <a:outerShdw blurRad="38100" dist="19050" dir="2700000" algn="tl" rotWithShape="0">
+                              <a:schemeClr val="dk1">
+                                <a:alpha val="40000"/>
+                              </a:schemeClr>
+                            </a:outerShdw>
+                          </a:effectLst>
+                          <a:latin typeface="Cambria Math" panose="02040503050406030204" pitchFamily="18" charset="0"/>
+                        </a:rPr>
+                        <m:t>𝑖</m:t>
+                      </m:r>
+                      <m:rad>
+                        <m:radPr>
+                          <m:degHide m:val="on"/>
+                          <m:ctrlPr>
+                            <a:rPr lang="en-US" b="0" i="1" smtClean="0">
+                              <a:ln w="0"/>
+                              <a:solidFill>
+                                <a:schemeClr val="tx1"/>
+                              </a:solidFill>
+                              <a:effectLst>
+                                <a:outerShdw blurRad="38100" dist="19050" dir="2700000" algn="tl" rotWithShape="0">
+                                  <a:schemeClr val="dk1">
+                                    <a:alpha val="40000"/>
+                                  </a:schemeClr>
+                                </a:outerShdw>
+                              </a:effectLst>
+                              <a:latin typeface="Cambria Math" panose="02040503050406030204" pitchFamily="18" charset="0"/>
+                            </a:rPr>
+                          </m:ctrlPr>
+                        </m:radPr>
+                        <m:deg/>
+                        <m:e>
+                          <m:r>
+                            <a:rPr lang="en-US" b="0" i="1" smtClean="0">
+                              <a:ln w="0"/>
+                              <a:solidFill>
+                                <a:schemeClr val="tx1"/>
+                              </a:solidFill>
+                              <a:effectLst>
+                                <a:outerShdw blurRad="38100" dist="19050" dir="2700000" algn="tl" rotWithShape="0">
+                                  <a:schemeClr val="dk1">
+                                    <a:alpha val="40000"/>
+                                  </a:schemeClr>
+                                </a:outerShdw>
+                              </a:effectLst>
+                              <a:latin typeface="Cambria Math" panose="02040503050406030204" pitchFamily="18" charset="0"/>
+                            </a:rPr>
+                            <m:t>3</m:t>
+                          </m:r>
+                        </m:e>
+                      </m:rad>
+                      <m:r>
+                        <a:rPr lang="en-US" b="0" i="1" smtClean="0">
+                          <a:ln w="0"/>
+                          <a:solidFill>
+                            <a:schemeClr val="tx1"/>
+                          </a:solidFill>
+                          <a:effectLst>
+                            <a:outerShdw blurRad="38100" dist="19050" dir="2700000" algn="tl" rotWithShape="0">
+                              <a:schemeClr val="dk1">
+                                <a:alpha val="40000"/>
+                              </a:schemeClr>
+                            </a:outerShdw>
+                          </a:effectLst>
+                          <a:latin typeface="Cambria Math" panose="02040503050406030204" pitchFamily="18" charset="0"/>
+                        </a:rPr>
+                        <m:t>(</m:t>
+                      </m:r>
+                      <m:r>
+                        <a:rPr lang="en-US" b="0" i="1" smtClean="0">
+                          <a:ln w="0"/>
+                          <a:solidFill>
+                            <a:schemeClr val="tx1"/>
+                          </a:solidFill>
+                          <a:effectLst>
+                            <a:outerShdw blurRad="38100" dist="19050" dir="2700000" algn="tl" rotWithShape="0">
+                              <a:schemeClr val="dk1">
+                                <a:alpha val="40000"/>
+                              </a:schemeClr>
+                            </a:outerShdw>
+                          </a:effectLst>
+                          <a:latin typeface="Cambria Math" panose="02040503050406030204" pitchFamily="18" charset="0"/>
+                        </a:rPr>
+                        <m:t>𝑆</m:t>
+                      </m:r>
+                      <m:r>
+                        <a:rPr lang="en-US" b="0" i="1" smtClean="0">
+                          <a:ln w="0"/>
+                          <a:solidFill>
+                            <a:schemeClr val="tx1"/>
+                          </a:solidFill>
+                          <a:effectLst>
+                            <a:outerShdw blurRad="38100" dist="19050" dir="2700000" algn="tl" rotWithShape="0">
+                              <a:schemeClr val="dk1">
+                                <a:alpha val="40000"/>
+                              </a:schemeClr>
+                            </a:outerShdw>
+                          </a:effectLst>
+                          <a:latin typeface="Cambria Math" panose="02040503050406030204" pitchFamily="18" charset="0"/>
+                        </a:rPr>
+                        <m:t>−</m:t>
+                      </m:r>
+                      <m:r>
+                        <a:rPr lang="en-US" b="0" i="1" smtClean="0">
+                          <a:ln w="0"/>
+                          <a:solidFill>
+                            <a:schemeClr val="tx1"/>
+                          </a:solidFill>
+                          <a:effectLst>
+                            <a:outerShdw blurRad="38100" dist="19050" dir="2700000" algn="tl" rotWithShape="0">
+                              <a:schemeClr val="dk1">
+                                <a:alpha val="40000"/>
+                              </a:schemeClr>
+                            </a:outerShdw>
+                          </a:effectLst>
+                          <a:latin typeface="Cambria Math" panose="02040503050406030204" pitchFamily="18" charset="0"/>
+                        </a:rPr>
+                        <m:t>𝑇</m:t>
+                      </m:r>
+                      <m:r>
+                        <a:rPr lang="en-US" b="0" i="1" smtClean="0">
+                          <a:ln w="0"/>
+                          <a:solidFill>
+                            <a:schemeClr val="tx1"/>
+                          </a:solidFill>
+                          <a:effectLst>
+                            <a:outerShdw blurRad="38100" dist="19050" dir="2700000" algn="tl" rotWithShape="0">
+                              <a:schemeClr val="dk1">
+                                <a:alpha val="40000"/>
+                              </a:schemeClr>
+                            </a:outerShdw>
+                          </a:effectLst>
+                          <a:latin typeface="Cambria Math" panose="02040503050406030204" pitchFamily="18" charset="0"/>
+                        </a:rPr>
+                        <m:t>)</m:t>
+                      </m:r>
+                    </m:oMath>
+                  </m:oMathPara>
+                </a14:m>
+                <a:endParaRPr lang="en-US" dirty="0">
+                  <a:ln w="0"/>
+                  <a:solidFill>
+                    <a:schemeClr val="tx1"/>
+                  </a:solidFill>
+                  <a:effectLst>
+                    <a:outerShdw blurRad="38100" dist="19050" dir="2700000" algn="tl" rotWithShape="0">
+                      <a:schemeClr val="dk1">
+                        <a:alpha val="40000"/>
+                      </a:schemeClr>
+                    </a:outerShdw>
+                  </a:effectLst>
+                </a:endParaRPr>
+              </a:p>
+            </p:txBody>
+          </p:sp>
+        </mc:Choice>
+        <mc:Fallback>
+          <p:sp>
+            <p:nvSpPr>
+              <p:cNvPr id="46" name="Rectangle 45"/>
+              <p:cNvSpPr>
+                <a:spLocks noRot="1" noChangeAspect="1" noMove="1" noResize="1" noEditPoints="1" noAdjustHandles="1" noChangeArrowheads="1" noChangeShapeType="1" noTextEdit="1"/>
+              </p:cNvSpPr>
+              <p:nvPr/>
+            </p:nvSpPr>
+            <p:spPr>
+              <a:xfrm>
+                <a:off x="4304963" y="2678464"/>
+                <a:ext cx="4952325" cy="631178"/>
+              </a:xfrm>
+              <a:prstGeom prst="rect">
+                <a:avLst/>
+              </a:prstGeom>
+              <a:blipFill rotWithShape="0">
+                <a:blip r:embed="rId7"/>
+                <a:stretch>
+                  <a:fillRect/>
+                </a:stretch>
+              </a:blipFill>
+            </p:spPr>
+            <p:txBody>
+              <a:bodyPr/>
+              <a:lstStyle/>
+              <a:p>
+                <a:r>
+                  <a:rPr lang="en-US">
+                    <a:noFill/>
+                  </a:rPr>
+                  <a:t> </a:t>
+                </a:r>
+              </a:p>
+            </p:txBody>
+          </p:sp>
+        </mc:Fallback>
+      </mc:AlternateContent>
+      <p:cxnSp>
+        <p:nvCxnSpPr>
+          <p:cNvPr id="51" name="Straight Arrow Connector 50"/>
+          <p:cNvCxnSpPr>
+            <a:stCxn id="46" idx="2"/>
+          </p:cNvCxnSpPr>
+          <p:nvPr/>
+        </p:nvCxnSpPr>
+        <p:spPr>
+          <a:xfrm flipH="1">
+            <a:off x="6781125" y="3309642"/>
+            <a:ext cx="1" cy="898216"/>
+          </a:xfrm>
+          <a:prstGeom prst="straightConnector1">
+            <a:avLst/>
+          </a:prstGeom>
+          <a:ln>
+            <a:tailEnd type="triangle"/>
+          </a:ln>
+        </p:spPr>
+        <p:style>
+          <a:lnRef idx="1">
+            <a:schemeClr val="dk1"/>
+          </a:lnRef>
+          <a:fillRef idx="0">
+            <a:schemeClr val="dk1"/>
+          </a:fillRef>
+          <a:effectRef idx="0">
+            <a:schemeClr val="dk1"/>
+          </a:effectRef>
+          <a:fontRef idx="minor">
+            <a:schemeClr val="tx1"/>
+          </a:fontRef>
+        </p:style>
+      </p:cxnSp>
+      <mc:AlternateContent xmlns:mc="http://schemas.openxmlformats.org/markup-compatibility/2006">
+        <mc:Choice xmlns:a14="http://schemas.microsoft.com/office/drawing/2010/main" Requires="a14">
+          <p:sp>
+            <p:nvSpPr>
+              <p:cNvPr id="53" name="Rectangle 52"/>
+              <p:cNvSpPr/>
+              <p:nvPr/>
+            </p:nvSpPr>
+            <p:spPr>
+              <a:xfrm>
+                <a:off x="4296870" y="4175491"/>
+                <a:ext cx="5000877" cy="784928"/>
+              </a:xfrm>
+              <a:prstGeom prst="rect">
+                <a:avLst/>
+              </a:prstGeom>
+            </p:spPr>
+            <p:style>
+              <a:lnRef idx="2">
+                <a:schemeClr val="accent4">
+                  <a:shade val="50000"/>
+                </a:schemeClr>
+              </a:lnRef>
+              <a:fillRef idx="1">
+                <a:schemeClr val="accent4"/>
+              </a:fillRef>
+              <a:effectRef idx="0">
+                <a:schemeClr val="accent4"/>
+              </a:effectRef>
+              <a:fontRef idx="minor">
+                <a:schemeClr val="lt1"/>
+              </a:fontRef>
+            </p:style>
+            <p:txBody>
+              <a:bodyPr rtlCol="0" anchor="ctr"/>
+              <a:lstStyle/>
+              <a:p>
+                <a:pPr algn="ctr"/>
+                <a14:m>
+                  <m:oMathPara xmlns:m="http://schemas.openxmlformats.org/officeDocument/2006/math">
+                    <m:oMathParaPr>
+                      <m:jc m:val="centerGroup"/>
+                    </m:oMathParaPr>
+                    <m:oMath xmlns:m="http://schemas.openxmlformats.org/officeDocument/2006/math">
+                      <m:r>
+                        <a:rPr lang="en-US" i="1" smtClean="0">
+                          <a:ln w="0"/>
+                          <a:solidFill>
+                            <a:schemeClr val="tx1"/>
+                          </a:solidFill>
+                          <a:effectLst>
+                            <a:outerShdw blurRad="38100" dist="19050" dir="2700000" algn="tl" rotWithShape="0">
+                              <a:schemeClr val="dk1">
+                                <a:alpha val="40000"/>
+                              </a:schemeClr>
+                            </a:outerShdw>
+                          </a:effectLst>
+                          <a:latin typeface="Cambria Math" panose="02040503050406030204" pitchFamily="18" charset="0"/>
+                        </a:rPr>
+                        <m:t>𝑋</m:t>
+                      </m:r>
+                      <m:r>
+                        <a:rPr lang="en-US" b="0" i="1" smtClean="0">
+                          <a:ln w="0"/>
+                          <a:solidFill>
+                            <a:schemeClr val="tx1"/>
+                          </a:solidFill>
+                          <a:effectLst>
+                            <a:outerShdw blurRad="38100" dist="19050" dir="2700000" algn="tl" rotWithShape="0">
+                              <a:schemeClr val="dk1">
+                                <a:alpha val="40000"/>
+                              </a:schemeClr>
+                            </a:outerShdw>
+                          </a:effectLst>
+                          <a:latin typeface="Cambria Math" panose="02040503050406030204" pitchFamily="18" charset="0"/>
+                        </a:rPr>
+                        <m:t>3</m:t>
+                      </m:r>
+                      <m:r>
+                        <a:rPr lang="en-US" i="1">
+                          <a:ln w="0"/>
+                          <a:solidFill>
+                            <a:schemeClr val="tx1"/>
+                          </a:solidFill>
+                          <a:effectLst>
+                            <a:outerShdw blurRad="38100" dist="19050" dir="2700000" algn="tl" rotWithShape="0">
+                              <a:schemeClr val="dk1">
+                                <a:alpha val="40000"/>
+                              </a:schemeClr>
+                            </a:outerShdw>
+                          </a:effectLst>
+                          <a:latin typeface="Cambria Math" panose="02040503050406030204" pitchFamily="18" charset="0"/>
+                        </a:rPr>
+                        <m:t>=−</m:t>
+                      </m:r>
+                      <m:f>
+                        <m:fPr>
+                          <m:ctrlPr>
+                            <a:rPr lang="en-US" i="1">
+                              <a:ln w="0"/>
+                              <a:solidFill>
+                                <a:schemeClr val="tx1"/>
+                              </a:solidFill>
+                              <a:effectLst>
+                                <a:outerShdw blurRad="38100" dist="19050" dir="2700000" algn="tl" rotWithShape="0">
+                                  <a:schemeClr val="dk1">
+                                    <a:alpha val="40000"/>
+                                  </a:schemeClr>
+                                </a:outerShdw>
+                              </a:effectLst>
+                              <a:latin typeface="Cambria Math" panose="02040503050406030204" pitchFamily="18" charset="0"/>
+                            </a:rPr>
+                          </m:ctrlPr>
+                        </m:fPr>
+                        <m:num>
+                          <m:r>
+                            <a:rPr lang="en-US" i="1">
+                              <a:ln w="0"/>
+                              <a:solidFill>
+                                <a:schemeClr val="tx1"/>
+                              </a:solidFill>
+                              <a:effectLst>
+                                <a:outerShdw blurRad="38100" dist="19050" dir="2700000" algn="tl" rotWithShape="0">
+                                  <a:schemeClr val="dk1">
+                                    <a:alpha val="40000"/>
+                                  </a:schemeClr>
+                                </a:outerShdw>
+                              </a:effectLst>
+                              <a:latin typeface="Cambria Math" panose="02040503050406030204" pitchFamily="18" charset="0"/>
+                            </a:rPr>
+                            <m:t>1</m:t>
+                          </m:r>
+                        </m:num>
+                        <m:den>
+                          <m:r>
+                            <a:rPr lang="en-US" i="1">
+                              <a:ln w="0"/>
+                              <a:solidFill>
+                                <a:schemeClr val="tx1"/>
+                              </a:solidFill>
+                              <a:effectLst>
+                                <a:outerShdw blurRad="38100" dist="19050" dir="2700000" algn="tl" rotWithShape="0">
+                                  <a:schemeClr val="dk1">
+                                    <a:alpha val="40000"/>
+                                  </a:schemeClr>
+                                </a:outerShdw>
+                              </a:effectLst>
+                              <a:latin typeface="Cambria Math" panose="02040503050406030204" pitchFamily="18" charset="0"/>
+                            </a:rPr>
+                            <m:t>2</m:t>
+                          </m:r>
+                        </m:den>
+                      </m:f>
+                      <m:d>
+                        <m:dPr>
+                          <m:ctrlPr>
+                            <a:rPr lang="en-US" i="1">
+                              <a:ln w="0"/>
+                              <a:solidFill>
+                                <a:schemeClr val="tx1"/>
+                              </a:solidFill>
+                              <a:effectLst>
+                                <a:outerShdw blurRad="38100" dist="19050" dir="2700000" algn="tl" rotWithShape="0">
+                                  <a:schemeClr val="dk1">
+                                    <a:alpha val="40000"/>
+                                  </a:schemeClr>
+                                </a:outerShdw>
+                              </a:effectLst>
+                              <a:latin typeface="Cambria Math" panose="02040503050406030204" pitchFamily="18" charset="0"/>
+                            </a:rPr>
+                          </m:ctrlPr>
+                        </m:dPr>
+                        <m:e>
+                          <m:r>
+                            <a:rPr lang="en-US" i="1">
+                              <a:ln w="0"/>
+                              <a:solidFill>
+                                <a:schemeClr val="tx1"/>
+                              </a:solidFill>
+                              <a:effectLst>
+                                <a:outerShdw blurRad="38100" dist="19050" dir="2700000" algn="tl" rotWithShape="0">
+                                  <a:schemeClr val="dk1">
+                                    <a:alpha val="40000"/>
+                                  </a:schemeClr>
+                                </a:outerShdw>
+                              </a:effectLst>
+                              <a:latin typeface="Cambria Math" panose="02040503050406030204" pitchFamily="18" charset="0"/>
+                            </a:rPr>
+                            <m:t>𝑆</m:t>
+                          </m:r>
+                          <m:r>
+                            <a:rPr lang="en-US" i="1">
+                              <a:ln w="0"/>
+                              <a:solidFill>
+                                <a:schemeClr val="tx1"/>
+                              </a:solidFill>
+                              <a:effectLst>
+                                <a:outerShdw blurRad="38100" dist="19050" dir="2700000" algn="tl" rotWithShape="0">
+                                  <a:schemeClr val="dk1">
+                                    <a:alpha val="40000"/>
+                                  </a:schemeClr>
+                                </a:outerShdw>
+                              </a:effectLst>
+                              <a:latin typeface="Cambria Math" panose="02040503050406030204" pitchFamily="18" charset="0"/>
+                            </a:rPr>
+                            <m:t>+</m:t>
+                          </m:r>
+                          <m:r>
+                            <a:rPr lang="en-US" i="1">
+                              <a:ln w="0"/>
+                              <a:solidFill>
+                                <a:schemeClr val="tx1"/>
+                              </a:solidFill>
+                              <a:effectLst>
+                                <a:outerShdw blurRad="38100" dist="19050" dir="2700000" algn="tl" rotWithShape="0">
+                                  <a:schemeClr val="dk1">
+                                    <a:alpha val="40000"/>
+                                  </a:schemeClr>
+                                </a:outerShdw>
+                              </a:effectLst>
+                              <a:latin typeface="Cambria Math" panose="02040503050406030204" pitchFamily="18" charset="0"/>
+                            </a:rPr>
+                            <m:t>𝑇</m:t>
+                          </m:r>
+                        </m:e>
+                      </m:d>
+                      <m:r>
+                        <a:rPr lang="en-US" i="1">
+                          <a:ln w="0"/>
+                          <a:solidFill>
+                            <a:schemeClr val="tx1"/>
+                          </a:solidFill>
+                          <a:effectLst>
+                            <a:outerShdw blurRad="38100" dist="19050" dir="2700000" algn="tl" rotWithShape="0">
+                              <a:schemeClr val="dk1">
+                                <a:alpha val="40000"/>
+                              </a:schemeClr>
+                            </a:outerShdw>
+                          </a:effectLst>
+                          <a:latin typeface="Cambria Math" panose="02040503050406030204" pitchFamily="18" charset="0"/>
+                        </a:rPr>
+                        <m:t>−</m:t>
+                      </m:r>
+                      <m:f>
+                        <m:fPr>
+                          <m:ctrlPr>
+                            <a:rPr lang="en-US" i="1">
+                              <a:ln w="0"/>
+                              <a:solidFill>
+                                <a:schemeClr val="tx1"/>
+                              </a:solidFill>
+                              <a:effectLst>
+                                <a:outerShdw blurRad="38100" dist="19050" dir="2700000" algn="tl" rotWithShape="0">
+                                  <a:schemeClr val="dk1">
+                                    <a:alpha val="40000"/>
+                                  </a:schemeClr>
+                                </a:outerShdw>
+                              </a:effectLst>
+                              <a:latin typeface="Cambria Math" panose="02040503050406030204" pitchFamily="18" charset="0"/>
+                            </a:rPr>
+                          </m:ctrlPr>
+                        </m:fPr>
+                        <m:num>
+                          <m:r>
+                            <a:rPr lang="en-US" i="1">
+                              <a:ln w="0"/>
+                              <a:solidFill>
+                                <a:schemeClr val="tx1"/>
+                              </a:solidFill>
+                              <a:effectLst>
+                                <a:outerShdw blurRad="38100" dist="19050" dir="2700000" algn="tl" rotWithShape="0">
+                                  <a:schemeClr val="dk1">
+                                    <a:alpha val="40000"/>
+                                  </a:schemeClr>
+                                </a:outerShdw>
+                              </a:effectLst>
+                              <a:latin typeface="Cambria Math" panose="02040503050406030204" pitchFamily="18" charset="0"/>
+                            </a:rPr>
+                            <m:t>1</m:t>
+                          </m:r>
+                        </m:num>
+                        <m:den>
+                          <m:r>
+                            <a:rPr lang="en-US" i="1">
+                              <a:ln w="0"/>
+                              <a:solidFill>
+                                <a:schemeClr val="tx1"/>
+                              </a:solidFill>
+                              <a:effectLst>
+                                <a:outerShdw blurRad="38100" dist="19050" dir="2700000" algn="tl" rotWithShape="0">
+                                  <a:schemeClr val="dk1">
+                                    <a:alpha val="40000"/>
+                                  </a:schemeClr>
+                                </a:outerShdw>
+                              </a:effectLst>
+                              <a:latin typeface="Cambria Math" panose="02040503050406030204" pitchFamily="18" charset="0"/>
+                            </a:rPr>
+                            <m:t>3</m:t>
+                          </m:r>
+                        </m:den>
+                      </m:f>
+                      <m:r>
+                        <a:rPr lang="en-US" i="1">
+                          <a:ln w="0"/>
+                          <a:solidFill>
+                            <a:schemeClr val="tx1"/>
+                          </a:solidFill>
+                          <a:effectLst>
+                            <a:outerShdw blurRad="38100" dist="19050" dir="2700000" algn="tl" rotWithShape="0">
+                              <a:schemeClr val="dk1">
+                                <a:alpha val="40000"/>
+                              </a:schemeClr>
+                            </a:outerShdw>
+                          </a:effectLst>
+                          <a:latin typeface="Cambria Math" panose="02040503050406030204" pitchFamily="18" charset="0"/>
+                        </a:rPr>
+                        <m:t>𝐴</m:t>
+                      </m:r>
+                      <m:r>
+                        <a:rPr lang="en-US" i="1">
+                          <a:ln w="0"/>
+                          <a:solidFill>
+                            <a:schemeClr val="tx1"/>
+                          </a:solidFill>
+                          <a:effectLst>
+                            <a:outerShdw blurRad="38100" dist="19050" dir="2700000" algn="tl" rotWithShape="0">
+                              <a:schemeClr val="dk1">
+                                <a:alpha val="40000"/>
+                              </a:schemeClr>
+                            </a:outerShdw>
+                          </a:effectLst>
+                          <a:latin typeface="Cambria Math" panose="02040503050406030204" pitchFamily="18" charset="0"/>
+                        </a:rPr>
+                        <m:t>1−</m:t>
+                      </m:r>
+                      <m:f>
+                        <m:fPr>
+                          <m:ctrlPr>
+                            <a:rPr lang="en-US" i="1">
+                              <a:ln w="0"/>
+                              <a:solidFill>
+                                <a:schemeClr val="tx1"/>
+                              </a:solidFill>
+                              <a:effectLst>
+                                <a:outerShdw blurRad="38100" dist="19050" dir="2700000" algn="tl" rotWithShape="0">
+                                  <a:schemeClr val="dk1">
+                                    <a:alpha val="40000"/>
+                                  </a:schemeClr>
+                                </a:outerShdw>
+                              </a:effectLst>
+                              <a:latin typeface="Cambria Math" panose="02040503050406030204" pitchFamily="18" charset="0"/>
+                            </a:rPr>
+                          </m:ctrlPr>
+                        </m:fPr>
+                        <m:num>
+                          <m:r>
+                            <a:rPr lang="en-US" i="1">
+                              <a:ln w="0"/>
+                              <a:solidFill>
+                                <a:schemeClr val="tx1"/>
+                              </a:solidFill>
+                              <a:effectLst>
+                                <a:outerShdw blurRad="38100" dist="19050" dir="2700000" algn="tl" rotWithShape="0">
+                                  <a:schemeClr val="dk1">
+                                    <a:alpha val="40000"/>
+                                  </a:schemeClr>
+                                </a:outerShdw>
+                              </a:effectLst>
+                              <a:latin typeface="Cambria Math" panose="02040503050406030204" pitchFamily="18" charset="0"/>
+                            </a:rPr>
+                            <m:t>1</m:t>
+                          </m:r>
+                        </m:num>
+                        <m:den>
+                          <m:r>
+                            <a:rPr lang="en-US" i="1">
+                              <a:ln w="0"/>
+                              <a:solidFill>
+                                <a:schemeClr val="tx1"/>
+                              </a:solidFill>
+                              <a:effectLst>
+                                <a:outerShdw blurRad="38100" dist="19050" dir="2700000" algn="tl" rotWithShape="0">
+                                  <a:schemeClr val="dk1">
+                                    <a:alpha val="40000"/>
+                                  </a:schemeClr>
+                                </a:outerShdw>
+                              </a:effectLst>
+                              <a:latin typeface="Cambria Math" panose="02040503050406030204" pitchFamily="18" charset="0"/>
+                            </a:rPr>
+                            <m:t>2</m:t>
+                          </m:r>
+                        </m:den>
+                      </m:f>
+                      <m:r>
+                        <a:rPr lang="en-US" i="1">
+                          <a:ln w="0"/>
+                          <a:solidFill>
+                            <a:schemeClr val="tx1"/>
+                          </a:solidFill>
+                          <a:effectLst>
+                            <a:outerShdw blurRad="38100" dist="19050" dir="2700000" algn="tl" rotWithShape="0">
+                              <a:schemeClr val="dk1">
+                                <a:alpha val="40000"/>
+                              </a:schemeClr>
+                            </a:outerShdw>
+                          </a:effectLst>
+                          <a:latin typeface="Cambria Math" panose="02040503050406030204" pitchFamily="18" charset="0"/>
+                        </a:rPr>
+                        <m:t>𝑖</m:t>
+                      </m:r>
+                      <m:rad>
+                        <m:radPr>
+                          <m:degHide m:val="on"/>
+                          <m:ctrlPr>
+                            <a:rPr lang="en-US" i="1">
+                              <a:ln w="0"/>
+                              <a:solidFill>
+                                <a:schemeClr val="tx1"/>
+                              </a:solidFill>
+                              <a:effectLst>
+                                <a:outerShdw blurRad="38100" dist="19050" dir="2700000" algn="tl" rotWithShape="0">
+                                  <a:schemeClr val="dk1">
+                                    <a:alpha val="40000"/>
+                                  </a:schemeClr>
+                                </a:outerShdw>
+                              </a:effectLst>
+                              <a:latin typeface="Cambria Math" panose="02040503050406030204" pitchFamily="18" charset="0"/>
+                            </a:rPr>
+                          </m:ctrlPr>
+                        </m:radPr>
+                        <m:deg/>
+                        <m:e>
+                          <m:r>
+                            <a:rPr lang="en-US" i="1">
+                              <a:ln w="0"/>
+                              <a:solidFill>
+                                <a:schemeClr val="tx1"/>
+                              </a:solidFill>
+                              <a:effectLst>
+                                <a:outerShdw blurRad="38100" dist="19050" dir="2700000" algn="tl" rotWithShape="0">
+                                  <a:schemeClr val="dk1">
+                                    <a:alpha val="40000"/>
+                                  </a:schemeClr>
+                                </a:outerShdw>
+                              </a:effectLst>
+                              <a:latin typeface="Cambria Math" panose="02040503050406030204" pitchFamily="18" charset="0"/>
+                            </a:rPr>
+                            <m:t>3</m:t>
+                          </m:r>
+                        </m:e>
+                      </m:rad>
+                      <m:r>
+                        <a:rPr lang="en-US" i="1">
+                          <a:ln w="0"/>
+                          <a:solidFill>
+                            <a:schemeClr val="tx1"/>
+                          </a:solidFill>
+                          <a:effectLst>
+                            <a:outerShdw blurRad="38100" dist="19050" dir="2700000" algn="tl" rotWithShape="0">
+                              <a:schemeClr val="dk1">
+                                <a:alpha val="40000"/>
+                              </a:schemeClr>
+                            </a:outerShdw>
+                          </a:effectLst>
+                          <a:latin typeface="Cambria Math" panose="02040503050406030204" pitchFamily="18" charset="0"/>
+                        </a:rPr>
+                        <m:t>(</m:t>
+                      </m:r>
+                      <m:r>
+                        <a:rPr lang="en-US" i="1">
+                          <a:ln w="0"/>
+                          <a:solidFill>
+                            <a:schemeClr val="tx1"/>
+                          </a:solidFill>
+                          <a:effectLst>
+                            <a:outerShdw blurRad="38100" dist="19050" dir="2700000" algn="tl" rotWithShape="0">
+                              <a:schemeClr val="dk1">
+                                <a:alpha val="40000"/>
+                              </a:schemeClr>
+                            </a:outerShdw>
+                          </a:effectLst>
+                          <a:latin typeface="Cambria Math" panose="02040503050406030204" pitchFamily="18" charset="0"/>
+                        </a:rPr>
+                        <m:t>𝑆</m:t>
+                      </m:r>
+                      <m:r>
+                        <a:rPr lang="en-US" i="1">
+                          <a:ln w="0"/>
+                          <a:solidFill>
+                            <a:schemeClr val="tx1"/>
+                          </a:solidFill>
+                          <a:effectLst>
+                            <a:outerShdw blurRad="38100" dist="19050" dir="2700000" algn="tl" rotWithShape="0">
+                              <a:schemeClr val="dk1">
+                                <a:alpha val="40000"/>
+                              </a:schemeClr>
+                            </a:outerShdw>
+                          </a:effectLst>
+                          <a:latin typeface="Cambria Math" panose="02040503050406030204" pitchFamily="18" charset="0"/>
+                        </a:rPr>
+                        <m:t>−</m:t>
+                      </m:r>
+                      <m:r>
+                        <a:rPr lang="en-US" i="1">
+                          <a:ln w="0"/>
+                          <a:solidFill>
+                            <a:schemeClr val="tx1"/>
+                          </a:solidFill>
+                          <a:effectLst>
+                            <a:outerShdw blurRad="38100" dist="19050" dir="2700000" algn="tl" rotWithShape="0">
+                              <a:schemeClr val="dk1">
+                                <a:alpha val="40000"/>
+                              </a:schemeClr>
+                            </a:outerShdw>
+                          </a:effectLst>
+                          <a:latin typeface="Cambria Math" panose="02040503050406030204" pitchFamily="18" charset="0"/>
+                        </a:rPr>
+                        <m:t>𝑇</m:t>
+                      </m:r>
+                      <m:r>
+                        <a:rPr lang="en-US" i="1">
+                          <a:ln w="0"/>
+                          <a:solidFill>
+                            <a:schemeClr val="tx1"/>
+                          </a:solidFill>
+                          <a:effectLst>
+                            <a:outerShdw blurRad="38100" dist="19050" dir="2700000" algn="tl" rotWithShape="0">
+                              <a:schemeClr val="dk1">
+                                <a:alpha val="40000"/>
+                              </a:schemeClr>
+                            </a:outerShdw>
+                          </a:effectLst>
+                          <a:latin typeface="Cambria Math" panose="02040503050406030204" pitchFamily="18" charset="0"/>
+                        </a:rPr>
+                        <m:t>)</m:t>
+                      </m:r>
+                    </m:oMath>
+                  </m:oMathPara>
+                </a14:m>
+                <a:endParaRPr lang="en-US" dirty="0">
+                  <a:ln w="0"/>
+                  <a:solidFill>
+                    <a:schemeClr val="tx1"/>
+                  </a:solidFill>
+                  <a:effectLst>
+                    <a:outerShdw blurRad="38100" dist="19050" dir="2700000" algn="tl" rotWithShape="0">
+                      <a:schemeClr val="dk1">
+                        <a:alpha val="40000"/>
+                      </a:schemeClr>
+                    </a:outerShdw>
+                  </a:effectLst>
+                </a:endParaRPr>
+              </a:p>
+            </p:txBody>
+          </p:sp>
+        </mc:Choice>
+        <mc:Fallback>
+          <p:sp>
+            <p:nvSpPr>
+              <p:cNvPr id="53" name="Rectangle 52"/>
+              <p:cNvSpPr>
+                <a:spLocks noRot="1" noChangeAspect="1" noMove="1" noResize="1" noEditPoints="1" noAdjustHandles="1" noChangeArrowheads="1" noChangeShapeType="1" noTextEdit="1"/>
+              </p:cNvSpPr>
+              <p:nvPr/>
+            </p:nvSpPr>
+            <p:spPr>
+              <a:xfrm>
+                <a:off x="4296870" y="4175491"/>
+                <a:ext cx="5000877" cy="784928"/>
+              </a:xfrm>
+              <a:prstGeom prst="rect">
+                <a:avLst/>
+              </a:prstGeom>
+              <a:blipFill rotWithShape="0">
+                <a:blip r:embed="rId8"/>
+                <a:stretch>
+                  <a:fillRect/>
+                </a:stretch>
+              </a:blipFill>
+            </p:spPr>
+            <p:txBody>
+              <a:bodyPr/>
+              <a:lstStyle/>
+              <a:p>
+                <a:r>
+                  <a:rPr lang="en-US">
+                    <a:noFill/>
+                  </a:rPr>
+                  <a:t> </a:t>
+                </a:r>
+              </a:p>
+            </p:txBody>
+          </p:sp>
+        </mc:Fallback>
+      </mc:AlternateContent>
+      <p:cxnSp>
+        <p:nvCxnSpPr>
+          <p:cNvPr id="55" name="Straight Arrow Connector 54"/>
+          <p:cNvCxnSpPr>
+            <a:stCxn id="53" idx="1"/>
+          </p:cNvCxnSpPr>
+          <p:nvPr/>
+        </p:nvCxnSpPr>
+        <p:spPr>
+          <a:xfrm flipH="1">
+            <a:off x="3155894" y="4567955"/>
+            <a:ext cx="1140976" cy="0"/>
+          </a:xfrm>
+          <a:prstGeom prst="straightConnector1">
+            <a:avLst/>
+          </a:prstGeom>
+          <a:ln>
+            <a:tailEnd type="triangle"/>
+          </a:ln>
+        </p:spPr>
+        <p:style>
+          <a:lnRef idx="1">
+            <a:schemeClr val="dk1"/>
+          </a:lnRef>
+          <a:fillRef idx="0">
+            <a:schemeClr val="dk1"/>
+          </a:fillRef>
+          <a:effectRef idx="0">
+            <a:schemeClr val="dk1"/>
+          </a:effectRef>
+          <a:fontRef idx="minor">
+            <a:schemeClr val="tx1"/>
+          </a:fontRef>
+        </p:style>
+      </p:cxnSp>
+      <p:sp>
+        <p:nvSpPr>
+          <p:cNvPr id="57" name="Flowchart: Decision 56"/>
+          <p:cNvSpPr/>
+          <p:nvPr/>
+        </p:nvSpPr>
+        <p:spPr>
+          <a:xfrm>
+            <a:off x="1003413" y="4175491"/>
+            <a:ext cx="2152482" cy="784928"/>
+          </a:xfrm>
+          <a:prstGeom prst="flowChartDecision">
+            <a:avLst/>
+          </a:prstGeom>
+        </p:spPr>
+        <p:style>
+          <a:lnRef idx="1">
+            <a:schemeClr val="accent2"/>
+          </a:lnRef>
+          <a:fillRef idx="3">
+            <a:schemeClr val="accent2"/>
+          </a:fillRef>
+          <a:effectRef idx="2">
+            <a:schemeClr val="accent2"/>
+          </a:effectRef>
+          <a:fontRef idx="minor">
+            <a:schemeClr val="lt1"/>
+          </a:fontRef>
+        </p:style>
+        <p:txBody>
+          <a:bodyPr rtlCol="0" anchor="ctr"/>
+          <a:lstStyle/>
+          <a:p>
+            <a:pPr algn="ctr"/>
+            <a:r>
+              <a:rPr lang="en-US" dirty="0" smtClean="0">
+                <a:ln w="0"/>
+                <a:solidFill>
+                  <a:schemeClr val="tx1"/>
+                </a:solidFill>
+                <a:effectLst>
+                  <a:outerShdw blurRad="38100" dist="19050" dir="2700000" algn="tl" rotWithShape="0">
+                    <a:schemeClr val="dk1">
+                      <a:alpha val="40000"/>
+                    </a:schemeClr>
+                  </a:outerShdw>
+                </a:effectLst>
+              </a:rPr>
+              <a:t>IS (S-T)=0</a:t>
+            </a:r>
+            <a:endParaRPr lang="en-US" dirty="0"/>
+          </a:p>
+        </p:txBody>
+      </p:sp>
+      <p:cxnSp>
+        <p:nvCxnSpPr>
+          <p:cNvPr id="69" name="Straight Arrow Connector 68"/>
+          <p:cNvCxnSpPr/>
+          <p:nvPr/>
+        </p:nvCxnSpPr>
+        <p:spPr>
+          <a:xfrm flipH="1">
+            <a:off x="226577" y="4567955"/>
+            <a:ext cx="776835" cy="8092"/>
+          </a:xfrm>
+          <a:prstGeom prst="straightConnector1">
+            <a:avLst/>
+          </a:prstGeom>
+          <a:ln>
+            <a:tailEnd type="triangle"/>
+          </a:ln>
+        </p:spPr>
+        <p:style>
+          <a:lnRef idx="1">
+            <a:schemeClr val="dk1"/>
+          </a:lnRef>
+          <a:fillRef idx="0">
+            <a:schemeClr val="dk1"/>
+          </a:fillRef>
+          <a:effectRef idx="0">
+            <a:schemeClr val="dk1"/>
+          </a:effectRef>
+          <a:fontRef idx="minor">
+            <a:schemeClr val="tx1"/>
+          </a:fontRef>
+        </p:style>
+      </p:cxnSp>
+      <p:cxnSp>
+        <p:nvCxnSpPr>
+          <p:cNvPr id="72" name="Straight Arrow Connector 71"/>
+          <p:cNvCxnSpPr/>
+          <p:nvPr/>
+        </p:nvCxnSpPr>
+        <p:spPr>
+          <a:xfrm>
+            <a:off x="234667" y="4567955"/>
+            <a:ext cx="16183" cy="610948"/>
+          </a:xfrm>
+          <a:prstGeom prst="straightConnector1">
+            <a:avLst/>
+          </a:prstGeom>
+          <a:ln>
+            <a:tailEnd type="triangle"/>
+          </a:ln>
+        </p:spPr>
+        <p:style>
+          <a:lnRef idx="1">
+            <a:schemeClr val="dk1"/>
+          </a:lnRef>
+          <a:fillRef idx="0">
+            <a:schemeClr val="dk1"/>
+          </a:fillRef>
+          <a:effectRef idx="0">
+            <a:schemeClr val="dk1"/>
+          </a:effectRef>
+          <a:fontRef idx="minor">
+            <a:schemeClr val="tx1"/>
+          </a:fontRef>
+        </p:style>
+      </p:cxnSp>
+      <p:sp>
+        <p:nvSpPr>
+          <p:cNvPr id="73" name="Flowchart: Display 72"/>
+          <p:cNvSpPr/>
+          <p:nvPr/>
+        </p:nvSpPr>
+        <p:spPr>
+          <a:xfrm>
+            <a:off x="0" y="5195089"/>
+            <a:ext cx="1367554" cy="614995"/>
+          </a:xfrm>
+          <a:prstGeom prst="flowChartDisplay">
+            <a:avLst/>
+          </a:prstGeom>
+        </p:spPr>
+        <p:style>
+          <a:lnRef idx="0">
+            <a:schemeClr val="accent6"/>
+          </a:lnRef>
+          <a:fillRef idx="3">
+            <a:schemeClr val="accent6"/>
+          </a:fillRef>
+          <a:effectRef idx="3">
+            <a:schemeClr val="accent6"/>
+          </a:effectRef>
+          <a:fontRef idx="minor">
+            <a:schemeClr val="lt1"/>
+          </a:fontRef>
+        </p:style>
+        <p:txBody>
+          <a:bodyPr rtlCol="0" anchor="ctr"/>
+          <a:lstStyle/>
+          <a:p>
+            <a:pPr algn="ctr"/>
+            <a:r>
+              <a:rPr lang="en-US" dirty="0" smtClean="0">
+                <a:ln w="0"/>
+                <a:solidFill>
+                  <a:schemeClr val="tx1"/>
+                </a:solidFill>
+                <a:effectLst>
+                  <a:outerShdw blurRad="38100" dist="19050" dir="2700000" algn="tl" rotWithShape="0">
+                    <a:schemeClr val="dk1">
+                      <a:alpha val="40000"/>
+                    </a:schemeClr>
+                  </a:outerShdw>
+                </a:effectLst>
+              </a:rPr>
+              <a:t>PRINT X1,X2</a:t>
+            </a:r>
+            <a:endParaRPr lang="en-US" dirty="0">
+              <a:ln w="0"/>
+              <a:solidFill>
+                <a:schemeClr val="tx1"/>
+              </a:solidFill>
+              <a:effectLst>
+                <a:outerShdw blurRad="38100" dist="19050" dir="2700000" algn="tl" rotWithShape="0">
+                  <a:schemeClr val="dk1">
+                    <a:alpha val="40000"/>
+                  </a:schemeClr>
+                </a:outerShdw>
+              </a:effectLst>
+            </a:endParaRPr>
+          </a:p>
+        </p:txBody>
+      </p:sp>
+      <p:cxnSp>
+        <p:nvCxnSpPr>
+          <p:cNvPr id="75" name="Straight Arrow Connector 74"/>
+          <p:cNvCxnSpPr>
+            <a:stCxn id="57" idx="2"/>
+          </p:cNvCxnSpPr>
+          <p:nvPr/>
+        </p:nvCxnSpPr>
+        <p:spPr>
+          <a:xfrm>
+            <a:off x="2079654" y="4960419"/>
+            <a:ext cx="0" cy="234670"/>
+          </a:xfrm>
+          <a:prstGeom prst="straightConnector1">
+            <a:avLst/>
+          </a:prstGeom>
+          <a:ln>
+            <a:tailEnd type="triangle"/>
+          </a:ln>
+        </p:spPr>
+        <p:style>
+          <a:lnRef idx="1">
+            <a:schemeClr val="dk1"/>
+          </a:lnRef>
+          <a:fillRef idx="0">
+            <a:schemeClr val="dk1"/>
+          </a:fillRef>
+          <a:effectRef idx="0">
+            <a:schemeClr val="dk1"/>
+          </a:effectRef>
+          <a:fontRef idx="minor">
+            <a:schemeClr val="tx1"/>
+          </a:fontRef>
+        </p:style>
+      </p:cxnSp>
+      <p:sp>
+        <p:nvSpPr>
+          <p:cNvPr id="77" name="Flowchart: Display 76"/>
+          <p:cNvSpPr/>
+          <p:nvPr/>
+        </p:nvSpPr>
+        <p:spPr>
+          <a:xfrm>
+            <a:off x="1513209" y="5195089"/>
+            <a:ext cx="1602223" cy="623089"/>
+          </a:xfrm>
+          <a:prstGeom prst="flowChartDisplay">
+            <a:avLst/>
+          </a:prstGeom>
+        </p:spPr>
+        <p:style>
+          <a:lnRef idx="2">
+            <a:schemeClr val="accent6">
+              <a:shade val="50000"/>
+            </a:schemeClr>
+          </a:lnRef>
+          <a:fillRef idx="1">
+            <a:schemeClr val="accent6"/>
+          </a:fillRef>
+          <a:effectRef idx="0">
+            <a:schemeClr val="accent6"/>
+          </a:effectRef>
+          <a:fontRef idx="minor">
+            <a:schemeClr val="lt1"/>
+          </a:fontRef>
+        </p:style>
+        <p:txBody>
+          <a:bodyPr rtlCol="0" anchor="ctr"/>
+          <a:lstStyle/>
+          <a:p>
+            <a:pPr algn="ctr"/>
+            <a:r>
+              <a:rPr lang="en-US" dirty="0" smtClean="0">
+                <a:ln w="0"/>
+                <a:solidFill>
+                  <a:schemeClr val="tx1"/>
+                </a:solidFill>
+                <a:effectLst>
+                  <a:outerShdw blurRad="38100" dist="19050" dir="2700000" algn="tl" rotWithShape="0">
+                    <a:schemeClr val="dk1">
+                      <a:alpha val="40000"/>
+                    </a:schemeClr>
+                  </a:outerShdw>
+                </a:effectLst>
+              </a:rPr>
+              <a:t>PRINT X1,X2,X3</a:t>
+            </a:r>
+            <a:endParaRPr lang="en-US" dirty="0">
+              <a:ln w="0"/>
+              <a:solidFill>
+                <a:schemeClr val="tx1"/>
+              </a:solidFill>
+              <a:effectLst>
+                <a:outerShdw blurRad="38100" dist="19050" dir="2700000" algn="tl" rotWithShape="0">
+                  <a:schemeClr val="dk1">
+                    <a:alpha val="40000"/>
+                  </a:schemeClr>
+                </a:outerShdw>
+              </a:effectLst>
+            </a:endParaRPr>
+          </a:p>
+        </p:txBody>
+      </p:sp>
+      <p:sp>
+        <p:nvSpPr>
+          <p:cNvPr id="81" name="Flowchart: Terminator 80"/>
+          <p:cNvSpPr/>
+          <p:nvPr/>
+        </p:nvSpPr>
+        <p:spPr>
+          <a:xfrm>
+            <a:off x="639273" y="6117581"/>
+            <a:ext cx="1440381" cy="542164"/>
+          </a:xfrm>
+          <a:prstGeom prst="flowChartTerminator">
+            <a:avLst/>
+          </a:prstGeom>
+        </p:spPr>
+        <p:style>
+          <a:lnRef idx="2">
+            <a:schemeClr val="accent1">
+              <a:shade val="50000"/>
+            </a:schemeClr>
+          </a:lnRef>
+          <a:fillRef idx="1">
+            <a:schemeClr val="accent1"/>
+          </a:fillRef>
+          <a:effectRef idx="0">
+            <a:schemeClr val="accent1"/>
+          </a:effectRef>
+          <a:fontRef idx="minor">
+            <a:schemeClr val="lt1"/>
+          </a:fontRef>
+        </p:style>
+        <p:txBody>
+          <a:bodyPr rtlCol="0" anchor="ctr"/>
+          <a:lstStyle/>
+          <a:p>
+            <a:pPr algn="ctr"/>
+            <a:r>
+              <a:rPr lang="en-US" dirty="0" smtClean="0">
+                <a:ln w="0"/>
+                <a:solidFill>
+                  <a:schemeClr val="tx1"/>
+                </a:solidFill>
+                <a:effectLst>
+                  <a:outerShdw blurRad="38100" dist="19050" dir="2700000" algn="tl" rotWithShape="0">
+                    <a:schemeClr val="dk1">
+                      <a:alpha val="40000"/>
+                    </a:schemeClr>
+                  </a:outerShdw>
+                </a:effectLst>
+              </a:rPr>
+              <a:t>END</a:t>
+            </a:r>
+            <a:endParaRPr lang="en-US" dirty="0">
+              <a:ln w="0"/>
+              <a:solidFill>
+                <a:schemeClr val="tx1"/>
+              </a:solidFill>
+              <a:effectLst>
+                <a:outerShdw blurRad="38100" dist="19050" dir="2700000" algn="tl" rotWithShape="0">
+                  <a:schemeClr val="dk1">
+                    <a:alpha val="40000"/>
+                  </a:schemeClr>
+                </a:outerShdw>
+              </a:effectLst>
+            </a:endParaRPr>
+          </a:p>
+        </p:txBody>
+      </p:sp>
+      <p:cxnSp>
+        <p:nvCxnSpPr>
+          <p:cNvPr id="83" name="Straight Arrow Connector 82"/>
+          <p:cNvCxnSpPr>
+            <a:stCxn id="73" idx="2"/>
+            <a:endCxn id="81" idx="0"/>
+          </p:cNvCxnSpPr>
+          <p:nvPr/>
+        </p:nvCxnSpPr>
+        <p:spPr>
+          <a:xfrm>
+            <a:off x="683777" y="5810084"/>
+            <a:ext cx="675687" cy="307497"/>
+          </a:xfrm>
+          <a:prstGeom prst="straightConnector1">
+            <a:avLst/>
+          </a:prstGeom>
+          <a:ln>
+            <a:tailEnd type="triangle"/>
+          </a:ln>
+        </p:spPr>
+        <p:style>
+          <a:lnRef idx="1">
+            <a:schemeClr val="dk1"/>
+          </a:lnRef>
+          <a:fillRef idx="0">
+            <a:schemeClr val="dk1"/>
+          </a:fillRef>
+          <a:effectRef idx="0">
+            <a:schemeClr val="dk1"/>
+          </a:effectRef>
+          <a:fontRef idx="minor">
+            <a:schemeClr val="tx1"/>
+          </a:fontRef>
+        </p:style>
+      </p:cxnSp>
+      <p:cxnSp>
+        <p:nvCxnSpPr>
+          <p:cNvPr id="85" name="Straight Arrow Connector 84"/>
+          <p:cNvCxnSpPr>
+            <a:stCxn id="77" idx="2"/>
+            <a:endCxn id="81" idx="0"/>
+          </p:cNvCxnSpPr>
+          <p:nvPr/>
+        </p:nvCxnSpPr>
+        <p:spPr>
+          <a:xfrm flipH="1">
+            <a:off x="1359464" y="5818178"/>
+            <a:ext cx="954857" cy="299403"/>
+          </a:xfrm>
+          <a:prstGeom prst="straightConnector1">
+            <a:avLst/>
+          </a:prstGeom>
+          <a:ln>
+            <a:tailEnd type="triangle"/>
+          </a:ln>
+        </p:spPr>
+        <p:style>
+          <a:lnRef idx="1">
+            <a:schemeClr val="dk1"/>
+          </a:lnRef>
+          <a:fillRef idx="0">
+            <a:schemeClr val="dk1"/>
+          </a:fillRef>
+          <a:effectRef idx="0">
+            <a:schemeClr val="dk1"/>
+          </a:effectRef>
+          <a:fontRef idx="minor">
+            <a:schemeClr val="tx1"/>
+          </a:fontRef>
+        </p:style>
+      </p:cxnSp>
+      <p:sp>
+        <p:nvSpPr>
+          <p:cNvPr id="87" name="TextBox 86"/>
+          <p:cNvSpPr txBox="1"/>
+          <p:nvPr/>
+        </p:nvSpPr>
+        <p:spPr>
+          <a:xfrm>
+            <a:off x="319631" y="4225235"/>
+            <a:ext cx="1003412" cy="369332"/>
+          </a:xfrm>
+          <a:prstGeom prst="rect">
+            <a:avLst/>
+          </a:prstGeom>
+          <a:noFill/>
+        </p:spPr>
+        <p:txBody>
+          <a:bodyPr wrap="square" rtlCol="0">
+            <a:spAutoFit/>
+          </a:bodyPr>
+          <a:lstStyle/>
+          <a:p>
+            <a:r>
+              <a:rPr lang="en-US" dirty="0" smtClean="0">
+                <a:solidFill>
+                  <a:schemeClr val="bg1"/>
+                </a:solidFill>
+              </a:rPr>
+              <a:t>TRUE</a:t>
+            </a:r>
+            <a:endParaRPr lang="en-US" dirty="0">
+              <a:solidFill>
+                <a:schemeClr val="bg1"/>
+              </a:solidFill>
+            </a:endParaRPr>
+          </a:p>
+        </p:txBody>
+      </p:sp>
+      <p:sp>
+        <p:nvSpPr>
+          <p:cNvPr id="88" name="TextBox 87"/>
+          <p:cNvSpPr txBox="1"/>
+          <p:nvPr/>
+        </p:nvSpPr>
+        <p:spPr>
+          <a:xfrm>
+            <a:off x="3252997" y="4207858"/>
+            <a:ext cx="933992" cy="369332"/>
+          </a:xfrm>
+          <a:prstGeom prst="rect">
+            <a:avLst/>
+          </a:prstGeom>
+          <a:noFill/>
+        </p:spPr>
+        <p:txBody>
+          <a:bodyPr wrap="square" rtlCol="0">
+            <a:spAutoFit/>
+          </a:bodyPr>
+          <a:lstStyle/>
+          <a:p>
+            <a:r>
+              <a:rPr lang="en-US" dirty="0" smtClean="0">
+                <a:solidFill>
+                  <a:schemeClr val="bg1"/>
+                </a:solidFill>
+              </a:rPr>
+              <a:t>FALSE</a:t>
+            </a:r>
+            <a:endParaRPr lang="en-US" dirty="0">
+              <a:solidFill>
+                <a:schemeClr val="bg1"/>
+              </a:solidFill>
+            </a:endParaRPr>
+          </a:p>
+        </p:txBody>
+      </p:sp>
     </p:spTree>
     <p:extLst>
       <p:ext uri="{BB962C8B-B14F-4D97-AF65-F5344CB8AC3E}">
         <p14:creationId xmlns:p14="http://schemas.microsoft.com/office/powerpoint/2010/main" val="2160086342"/>
+      </p:ext>
+    </p:extLst>
+  </p:cSld>
+  <p:clrMapOvr>
+    <a:masterClrMapping/>
+  </p:clrMapOvr>
+</p:sld>
+</file>
+
+<file path=ppt/slides/slide8.xml><?xml version="1.0" encoding="utf-8"?>
+<p:sld xmlns:a="http://schemas.openxmlformats.org/drawingml/2006/main" xmlns:r="http://schemas.openxmlformats.org/officeDocument/2006/relationships" xmlns:p="http://schemas.openxmlformats.org/presentationml/2006/main">
+  <p:cSld>
+    <p:spTree>
+      <p:nvGrpSpPr>
+        <p:cNvPr id="1" name=""/>
+        <p:cNvGrpSpPr/>
+        <p:nvPr/>
+      </p:nvGrpSpPr>
+      <p:grpSpPr>
+        <a:xfrm>
+          <a:off x="0" y="0"/>
+          <a:ext cx="0" cy="0"/>
+          <a:chOff x="0" y="0"/>
+          <a:chExt cx="0" cy="0"/>
+        </a:xfrm>
+      </p:grpSpPr>
+      <p:sp>
+        <p:nvSpPr>
+          <p:cNvPr id="2" name="Title 1"/>
+          <p:cNvSpPr>
+            <a:spLocks noGrp="1"/>
+          </p:cNvSpPr>
+          <p:nvPr>
+            <p:ph type="ctrTitle"/>
+          </p:nvPr>
+        </p:nvSpPr>
+        <p:spPr>
+          <a:xfrm>
+            <a:off x="1410711" y="216055"/>
+            <a:ext cx="9144000" cy="2387600"/>
+          </a:xfrm>
+        </p:spPr>
+        <p:txBody>
+          <a:bodyPr/>
+          <a:lstStyle/>
+          <a:p>
+            <a:r>
+              <a:rPr lang="en-US" dirty="0" smtClean="0"/>
+              <a:t>Algorithm to find the:</a:t>
+            </a:r>
+            <a:endParaRPr lang="en-US" dirty="0"/>
+          </a:p>
+        </p:txBody>
+      </p:sp>
+      <p:sp>
+        <p:nvSpPr>
+          <p:cNvPr id="3" name="Subtitle 2"/>
+          <p:cNvSpPr>
+            <a:spLocks noGrp="1"/>
+          </p:cNvSpPr>
+          <p:nvPr>
+            <p:ph type="subTitle" idx="1"/>
+          </p:nvPr>
+        </p:nvSpPr>
+        <p:spPr>
+          <a:xfrm>
+            <a:off x="1410711" y="2603654"/>
+            <a:ext cx="9144000" cy="3343991"/>
+          </a:xfrm>
+        </p:spPr>
+        <p:txBody>
+          <a:bodyPr>
+            <a:normAutofit/>
+          </a:bodyPr>
+          <a:lstStyle/>
+          <a:p>
+            <a:pPr marL="457200" indent="-457200">
+              <a:buAutoNum type="arabicPeriod"/>
+            </a:pPr>
+            <a:r>
+              <a:rPr lang="en-US" dirty="0" smtClean="0"/>
+              <a:t>Find the largest of three numbers</a:t>
+            </a:r>
+            <a:endParaRPr lang="en-US" dirty="0" smtClean="0"/>
+          </a:p>
+        </p:txBody>
+      </p:sp>
+    </p:spTree>
+    <p:extLst>
+      <p:ext uri="{BB962C8B-B14F-4D97-AF65-F5344CB8AC3E}">
+        <p14:creationId xmlns:p14="http://schemas.microsoft.com/office/powerpoint/2010/main" val="2237891645"/>
+      </p:ext>
+    </p:extLst>
+  </p:cSld>
+  <p:clrMapOvr>
+    <a:masterClrMapping/>
+  </p:clrMapOvr>
+</p:sld>
+</file>
+
+<file path=ppt/slides/slide9.xml><?xml version="1.0" encoding="utf-8"?>
+<p:sld xmlns:a="http://schemas.openxmlformats.org/drawingml/2006/main" xmlns:r="http://schemas.openxmlformats.org/officeDocument/2006/relationships" xmlns:p="http://schemas.openxmlformats.org/presentationml/2006/main">
+  <p:cSld>
+    <p:bg>
+      <p:bgPr>
+        <a:solidFill>
+          <a:schemeClr val="accent1"/>
+        </a:solidFill>
+        <a:effectLst/>
+      </p:bgPr>
+    </p:bg>
+    <p:spTree>
+      <p:nvGrpSpPr>
+        <p:cNvPr id="1" name=""/>
+        <p:cNvGrpSpPr/>
+        <p:nvPr/>
+      </p:nvGrpSpPr>
+      <p:grpSpPr>
+        <a:xfrm>
+          <a:off x="0" y="0"/>
+          <a:ext cx="0" cy="0"/>
+          <a:chOff x="0" y="0"/>
+          <a:chExt cx="0" cy="0"/>
+        </a:xfrm>
+      </p:grpSpPr>
+      <p:sp>
+        <p:nvSpPr>
+          <p:cNvPr id="2" name="TextBox 1"/>
+          <p:cNvSpPr txBox="1"/>
+          <p:nvPr/>
+        </p:nvSpPr>
+        <p:spPr>
+          <a:xfrm>
+            <a:off x="48127" y="9625"/>
+            <a:ext cx="12124623" cy="3693319"/>
+          </a:xfrm>
+          <a:prstGeom prst="rect">
+            <a:avLst/>
+          </a:prstGeom>
+          <a:noFill/>
+        </p:spPr>
+        <p:txBody>
+          <a:bodyPr wrap="square" rtlCol="0">
+            <a:spAutoFit/>
+          </a:bodyPr>
+          <a:lstStyle/>
+          <a:p>
+            <a:r>
+              <a:rPr lang="en-US" dirty="0" smtClean="0"/>
+              <a:t>INPUT A</a:t>
+            </a:r>
+          </a:p>
+          <a:p>
+            <a:r>
+              <a:rPr lang="en-US" dirty="0"/>
+              <a:t>INPUT </a:t>
+            </a:r>
+            <a:r>
+              <a:rPr lang="en-US" dirty="0" smtClean="0"/>
+              <a:t>B</a:t>
+            </a:r>
+          </a:p>
+          <a:p>
+            <a:r>
+              <a:rPr lang="en-US" dirty="0"/>
+              <a:t>INPUT </a:t>
+            </a:r>
+            <a:r>
+              <a:rPr lang="en-US" dirty="0" smtClean="0"/>
+              <a:t>C</a:t>
+            </a:r>
+          </a:p>
+          <a:p>
+            <a:r>
+              <a:rPr lang="en-US" dirty="0"/>
+              <a:t>COMPUTE D = A-B</a:t>
+            </a:r>
+          </a:p>
+          <a:p>
+            <a:r>
+              <a:rPr lang="en-US" dirty="0" smtClean="0"/>
+              <a:t>COMPUTE  E = A-C</a:t>
+            </a:r>
+          </a:p>
+          <a:p>
+            <a:r>
+              <a:rPr lang="en-US" dirty="0"/>
+              <a:t>COMPUTE </a:t>
+            </a:r>
+            <a:r>
+              <a:rPr lang="en-US" dirty="0" smtClean="0"/>
+              <a:t>F = B-C</a:t>
+            </a:r>
+          </a:p>
+          <a:p>
+            <a:r>
+              <a:rPr lang="en-US" dirty="0" smtClean="0"/>
+              <a:t>IF D&gt;=0 AND E&gt;=0 THEN</a:t>
+            </a:r>
+          </a:p>
+          <a:p>
+            <a:r>
+              <a:rPr lang="en-US" dirty="0"/>
+              <a:t>	</a:t>
+            </a:r>
+            <a:r>
+              <a:rPr lang="en-US" dirty="0" smtClean="0"/>
+              <a:t>PRINT A</a:t>
+            </a:r>
+          </a:p>
+          <a:p>
+            <a:r>
+              <a:rPr lang="en-US" dirty="0" smtClean="0"/>
+              <a:t>ELSE</a:t>
+            </a:r>
+          </a:p>
+          <a:p>
+            <a:r>
+              <a:rPr lang="en-US" dirty="0"/>
+              <a:t>	</a:t>
+            </a:r>
+            <a:r>
+              <a:rPr lang="en-US" dirty="0" smtClean="0"/>
+              <a:t>IF D&lt;=0 AND F&gt;=0 THEN</a:t>
+            </a:r>
+          </a:p>
+          <a:p>
+            <a:r>
+              <a:rPr lang="en-US" dirty="0"/>
+              <a:t>	</a:t>
+            </a:r>
+            <a:r>
+              <a:rPr lang="en-US" dirty="0" smtClean="0"/>
+              <a:t>	PRINT B</a:t>
+            </a:r>
+          </a:p>
+          <a:p>
+            <a:r>
+              <a:rPr lang="en-US" dirty="0"/>
+              <a:t>	</a:t>
+            </a:r>
+            <a:r>
+              <a:rPr lang="en-US" dirty="0" smtClean="0"/>
+              <a:t>ELSE</a:t>
+            </a:r>
+          </a:p>
+          <a:p>
+            <a:r>
+              <a:rPr lang="en-US" dirty="0"/>
+              <a:t>	</a:t>
+            </a:r>
+            <a:r>
+              <a:rPr lang="en-US" dirty="0" smtClean="0"/>
+              <a:t>	PRINT C</a:t>
+            </a:r>
+            <a:endParaRPr lang="en-US" dirty="0"/>
+          </a:p>
+        </p:txBody>
+      </p:sp>
+    </p:spTree>
+    <p:extLst>
+      <p:ext uri="{BB962C8B-B14F-4D97-AF65-F5344CB8AC3E}">
+        <p14:creationId xmlns:p14="http://schemas.microsoft.com/office/powerpoint/2010/main" val="2146949798"/>
       </p:ext>
     </p:extLst>
   </p:cSld>

--- a/Lotanna OkekeAA1.pptx
+++ b/Lotanna OkekeAA1.pptx
@@ -4,6 +4,9 @@
   <p:sldMasterIdLst>
     <p:sldMasterId id="2147483648" r:id="rId1"/>
   </p:sldMasterIdLst>
+  <p:notesMasterIdLst>
+    <p:notesMasterId r:id="rId21"/>
+  </p:notesMasterIdLst>
   <p:sldIdLst>
     <p:sldId id="256" r:id="rId2"/>
     <p:sldId id="257" r:id="rId3"/>
@@ -15,6 +18,15 @@
     <p:sldId id="264" r:id="rId9"/>
     <p:sldId id="263" r:id="rId10"/>
     <p:sldId id="265" r:id="rId11"/>
+    <p:sldId id="266" r:id="rId12"/>
+    <p:sldId id="267" r:id="rId13"/>
+    <p:sldId id="268" r:id="rId14"/>
+    <p:sldId id="271" r:id="rId15"/>
+    <p:sldId id="269" r:id="rId16"/>
+    <p:sldId id="270" r:id="rId17"/>
+    <p:sldId id="272" r:id="rId18"/>
+    <p:sldId id="273" r:id="rId19"/>
+    <p:sldId id="274" r:id="rId20"/>
   </p:sldIdLst>
   <p:sldSz cx="12192000" cy="6858000"/>
   <p:notesSz cx="6858000" cy="9144000"/>
@@ -119,6 +131,440 @@
     </p:ext>
   </p:extLst>
 </p:presentation>
+</file>
+
+<file path=ppt/notesMasters/notesMaster1.xml><?xml version="1.0" encoding="utf-8"?>
+<p:notesMaster xmlns:a="http://schemas.openxmlformats.org/drawingml/2006/main" xmlns:r="http://schemas.openxmlformats.org/officeDocument/2006/relationships" xmlns:p="http://schemas.openxmlformats.org/presentationml/2006/main">
+  <p:cSld>
+    <p:bg>
+      <p:bgRef idx="1001">
+        <a:schemeClr val="bg1"/>
+      </p:bgRef>
+    </p:bg>
+    <p:spTree>
+      <p:nvGrpSpPr>
+        <p:cNvPr id="1" name=""/>
+        <p:cNvGrpSpPr/>
+        <p:nvPr/>
+      </p:nvGrpSpPr>
+      <p:grpSpPr>
+        <a:xfrm>
+          <a:off x="0" y="0"/>
+          <a:ext cx="0" cy="0"/>
+          <a:chOff x="0" y="0"/>
+          <a:chExt cx="0" cy="0"/>
+        </a:xfrm>
+      </p:grpSpPr>
+      <p:sp>
+        <p:nvSpPr>
+          <p:cNvPr id="2" name="Header Placeholder 1"/>
+          <p:cNvSpPr>
+            <a:spLocks noGrp="1"/>
+          </p:cNvSpPr>
+          <p:nvPr>
+            <p:ph type="hdr" sz="quarter"/>
+          </p:nvPr>
+        </p:nvSpPr>
+        <p:spPr>
+          <a:xfrm>
+            <a:off x="0" y="0"/>
+            <a:ext cx="2971800" cy="458788"/>
+          </a:xfrm>
+          <a:prstGeom prst="rect">
+            <a:avLst/>
+          </a:prstGeom>
+        </p:spPr>
+        <p:txBody>
+          <a:bodyPr vert="horz" lIns="91440" tIns="45720" rIns="91440" bIns="45720" rtlCol="0"/>
+          <a:lstStyle>
+            <a:lvl1pPr algn="l">
+              <a:defRPr sz="1200"/>
+            </a:lvl1pPr>
+          </a:lstStyle>
+          <a:p>
+            <a:endParaRPr lang="en-US"/>
+          </a:p>
+        </p:txBody>
+      </p:sp>
+      <p:sp>
+        <p:nvSpPr>
+          <p:cNvPr id="3" name="Date Placeholder 2"/>
+          <p:cNvSpPr>
+            <a:spLocks noGrp="1"/>
+          </p:cNvSpPr>
+          <p:nvPr>
+            <p:ph type="dt" idx="1"/>
+          </p:nvPr>
+        </p:nvSpPr>
+        <p:spPr>
+          <a:xfrm>
+            <a:off x="3884613" y="0"/>
+            <a:ext cx="2971800" cy="458788"/>
+          </a:xfrm>
+          <a:prstGeom prst="rect">
+            <a:avLst/>
+          </a:prstGeom>
+        </p:spPr>
+        <p:txBody>
+          <a:bodyPr vert="horz" lIns="91440" tIns="45720" rIns="91440" bIns="45720" rtlCol="0"/>
+          <a:lstStyle>
+            <a:lvl1pPr algn="r">
+              <a:defRPr sz="1200"/>
+            </a:lvl1pPr>
+          </a:lstStyle>
+          <a:p>
+            <a:fld id="{BC2EF17D-739B-40CF-A1A8-03366A820640}" type="datetimeFigureOut">
+              <a:rPr lang="en-US" smtClean="0"/>
+              <a:t>4/26/2021</a:t>
+            </a:fld>
+            <a:endParaRPr lang="en-US"/>
+          </a:p>
+        </p:txBody>
+      </p:sp>
+      <p:sp>
+        <p:nvSpPr>
+          <p:cNvPr id="4" name="Slide Image Placeholder 3"/>
+          <p:cNvSpPr>
+            <a:spLocks noGrp="1" noRot="1" noChangeAspect="1"/>
+          </p:cNvSpPr>
+          <p:nvPr>
+            <p:ph type="sldImg" idx="2"/>
+          </p:nvPr>
+        </p:nvSpPr>
+        <p:spPr>
+          <a:xfrm>
+            <a:off x="685800" y="1143000"/>
+            <a:ext cx="5486400" cy="3086100"/>
+          </a:xfrm>
+          <a:prstGeom prst="rect">
+            <a:avLst/>
+          </a:prstGeom>
+          <a:noFill/>
+          <a:ln w="12700">
+            <a:solidFill>
+              <a:prstClr val="black"/>
+            </a:solidFill>
+          </a:ln>
+        </p:spPr>
+        <p:txBody>
+          <a:bodyPr vert="horz" lIns="91440" tIns="45720" rIns="91440" bIns="45720" rtlCol="0" anchor="ctr"/>
+          <a:lstStyle/>
+          <a:p>
+            <a:endParaRPr lang="en-US"/>
+          </a:p>
+        </p:txBody>
+      </p:sp>
+      <p:sp>
+        <p:nvSpPr>
+          <p:cNvPr id="5" name="Notes Placeholder 4"/>
+          <p:cNvSpPr>
+            <a:spLocks noGrp="1"/>
+          </p:cNvSpPr>
+          <p:nvPr>
+            <p:ph type="body" sz="quarter" idx="3"/>
+          </p:nvPr>
+        </p:nvSpPr>
+        <p:spPr>
+          <a:xfrm>
+            <a:off x="685800" y="4400550"/>
+            <a:ext cx="5486400" cy="3600450"/>
+          </a:xfrm>
+          <a:prstGeom prst="rect">
+            <a:avLst/>
+          </a:prstGeom>
+        </p:spPr>
+        <p:txBody>
+          <a:bodyPr vert="horz" lIns="91440" tIns="45720" rIns="91440" bIns="45720" rtlCol="0"/>
+          <a:lstStyle/>
+          <a:p>
+            <a:pPr lvl="0"/>
+            <a:r>
+              <a:rPr lang="en-US" smtClean="0"/>
+              <a:t>Click to edit Master text styles</a:t>
+            </a:r>
+          </a:p>
+          <a:p>
+            <a:pPr lvl="1"/>
+            <a:r>
+              <a:rPr lang="en-US" smtClean="0"/>
+              <a:t>Second level</a:t>
+            </a:r>
+          </a:p>
+          <a:p>
+            <a:pPr lvl="2"/>
+            <a:r>
+              <a:rPr lang="en-US" smtClean="0"/>
+              <a:t>Third level</a:t>
+            </a:r>
+          </a:p>
+          <a:p>
+            <a:pPr lvl="3"/>
+            <a:r>
+              <a:rPr lang="en-US" smtClean="0"/>
+              <a:t>Fourth level</a:t>
+            </a:r>
+          </a:p>
+          <a:p>
+            <a:pPr lvl="4"/>
+            <a:r>
+              <a:rPr lang="en-US" smtClean="0"/>
+              <a:t>Fifth level</a:t>
+            </a:r>
+            <a:endParaRPr lang="en-US"/>
+          </a:p>
+        </p:txBody>
+      </p:sp>
+      <p:sp>
+        <p:nvSpPr>
+          <p:cNvPr id="6" name="Footer Placeholder 5"/>
+          <p:cNvSpPr>
+            <a:spLocks noGrp="1"/>
+          </p:cNvSpPr>
+          <p:nvPr>
+            <p:ph type="ftr" sz="quarter" idx="4"/>
+          </p:nvPr>
+        </p:nvSpPr>
+        <p:spPr>
+          <a:xfrm>
+            <a:off x="0" y="8685213"/>
+            <a:ext cx="2971800" cy="458787"/>
+          </a:xfrm>
+          <a:prstGeom prst="rect">
+            <a:avLst/>
+          </a:prstGeom>
+        </p:spPr>
+        <p:txBody>
+          <a:bodyPr vert="horz" lIns="91440" tIns="45720" rIns="91440" bIns="45720" rtlCol="0" anchor="b"/>
+          <a:lstStyle>
+            <a:lvl1pPr algn="l">
+              <a:defRPr sz="1200"/>
+            </a:lvl1pPr>
+          </a:lstStyle>
+          <a:p>
+            <a:endParaRPr lang="en-US"/>
+          </a:p>
+        </p:txBody>
+      </p:sp>
+      <p:sp>
+        <p:nvSpPr>
+          <p:cNvPr id="7" name="Slide Number Placeholder 6"/>
+          <p:cNvSpPr>
+            <a:spLocks noGrp="1"/>
+          </p:cNvSpPr>
+          <p:nvPr>
+            <p:ph type="sldNum" sz="quarter" idx="5"/>
+          </p:nvPr>
+        </p:nvSpPr>
+        <p:spPr>
+          <a:xfrm>
+            <a:off x="3884613" y="8685213"/>
+            <a:ext cx="2971800" cy="458787"/>
+          </a:xfrm>
+          <a:prstGeom prst="rect">
+            <a:avLst/>
+          </a:prstGeom>
+        </p:spPr>
+        <p:txBody>
+          <a:bodyPr vert="horz" lIns="91440" tIns="45720" rIns="91440" bIns="45720" rtlCol="0" anchor="b"/>
+          <a:lstStyle>
+            <a:lvl1pPr algn="r">
+              <a:defRPr sz="1200"/>
+            </a:lvl1pPr>
+          </a:lstStyle>
+          <a:p>
+            <a:fld id="{D3C72CB2-9A9A-4DC3-BD84-38CA823D7135}" type="slidenum">
+              <a:rPr lang="en-US" smtClean="0"/>
+              <a:t>‹#›</a:t>
+            </a:fld>
+            <a:endParaRPr lang="en-US"/>
+          </a:p>
+        </p:txBody>
+      </p:sp>
+    </p:spTree>
+    <p:extLst>
+      <p:ext uri="{BB962C8B-B14F-4D97-AF65-F5344CB8AC3E}">
+        <p14:creationId xmlns:p14="http://schemas.microsoft.com/office/powerpoint/2010/main" val="284549656"/>
+      </p:ext>
+    </p:extLst>
+  </p:cSld>
+  <p:clrMap bg1="lt1" tx1="dk1" bg2="lt2" tx2="dk2" accent1="accent1" accent2="accent2" accent3="accent3" accent4="accent4" accent5="accent5" accent6="accent6" hlink="hlink" folHlink="folHlink"/>
+  <p:notesStyle>
+    <a:lvl1pPr marL="0" algn="l" defTabSz="914400" rtl="0" eaLnBrk="1" latinLnBrk="0" hangingPunct="1">
+      <a:defRPr sz="1200" kern="1200">
+        <a:solidFill>
+          <a:schemeClr val="tx1"/>
+        </a:solidFill>
+        <a:latin typeface="+mn-lt"/>
+        <a:ea typeface="+mn-ea"/>
+        <a:cs typeface="+mn-cs"/>
+      </a:defRPr>
+    </a:lvl1pPr>
+    <a:lvl2pPr marL="457200" algn="l" defTabSz="914400" rtl="0" eaLnBrk="1" latinLnBrk="0" hangingPunct="1">
+      <a:defRPr sz="1200" kern="1200">
+        <a:solidFill>
+          <a:schemeClr val="tx1"/>
+        </a:solidFill>
+        <a:latin typeface="+mn-lt"/>
+        <a:ea typeface="+mn-ea"/>
+        <a:cs typeface="+mn-cs"/>
+      </a:defRPr>
+    </a:lvl2pPr>
+    <a:lvl3pPr marL="914400" algn="l" defTabSz="914400" rtl="0" eaLnBrk="1" latinLnBrk="0" hangingPunct="1">
+      <a:defRPr sz="1200" kern="1200">
+        <a:solidFill>
+          <a:schemeClr val="tx1"/>
+        </a:solidFill>
+        <a:latin typeface="+mn-lt"/>
+        <a:ea typeface="+mn-ea"/>
+        <a:cs typeface="+mn-cs"/>
+      </a:defRPr>
+    </a:lvl3pPr>
+    <a:lvl4pPr marL="1371600" algn="l" defTabSz="914400" rtl="0" eaLnBrk="1" latinLnBrk="0" hangingPunct="1">
+      <a:defRPr sz="1200" kern="1200">
+        <a:solidFill>
+          <a:schemeClr val="tx1"/>
+        </a:solidFill>
+        <a:latin typeface="+mn-lt"/>
+        <a:ea typeface="+mn-ea"/>
+        <a:cs typeface="+mn-cs"/>
+      </a:defRPr>
+    </a:lvl4pPr>
+    <a:lvl5pPr marL="1828800" algn="l" defTabSz="914400" rtl="0" eaLnBrk="1" latinLnBrk="0" hangingPunct="1">
+      <a:defRPr sz="1200" kern="1200">
+        <a:solidFill>
+          <a:schemeClr val="tx1"/>
+        </a:solidFill>
+        <a:latin typeface="+mn-lt"/>
+        <a:ea typeface="+mn-ea"/>
+        <a:cs typeface="+mn-cs"/>
+      </a:defRPr>
+    </a:lvl5pPr>
+    <a:lvl6pPr marL="2286000" algn="l" defTabSz="914400" rtl="0" eaLnBrk="1" latinLnBrk="0" hangingPunct="1">
+      <a:defRPr sz="1200" kern="1200">
+        <a:solidFill>
+          <a:schemeClr val="tx1"/>
+        </a:solidFill>
+        <a:latin typeface="+mn-lt"/>
+        <a:ea typeface="+mn-ea"/>
+        <a:cs typeface="+mn-cs"/>
+      </a:defRPr>
+    </a:lvl6pPr>
+    <a:lvl7pPr marL="2743200" algn="l" defTabSz="914400" rtl="0" eaLnBrk="1" latinLnBrk="0" hangingPunct="1">
+      <a:defRPr sz="1200" kern="1200">
+        <a:solidFill>
+          <a:schemeClr val="tx1"/>
+        </a:solidFill>
+        <a:latin typeface="+mn-lt"/>
+        <a:ea typeface="+mn-ea"/>
+        <a:cs typeface="+mn-cs"/>
+      </a:defRPr>
+    </a:lvl7pPr>
+    <a:lvl8pPr marL="3200400" algn="l" defTabSz="914400" rtl="0" eaLnBrk="1" latinLnBrk="0" hangingPunct="1">
+      <a:defRPr sz="1200" kern="1200">
+        <a:solidFill>
+          <a:schemeClr val="tx1"/>
+        </a:solidFill>
+        <a:latin typeface="+mn-lt"/>
+        <a:ea typeface="+mn-ea"/>
+        <a:cs typeface="+mn-cs"/>
+      </a:defRPr>
+    </a:lvl8pPr>
+    <a:lvl9pPr marL="3657600" algn="l" defTabSz="914400" rtl="0" eaLnBrk="1" latinLnBrk="0" hangingPunct="1">
+      <a:defRPr sz="1200" kern="1200">
+        <a:solidFill>
+          <a:schemeClr val="tx1"/>
+        </a:solidFill>
+        <a:latin typeface="+mn-lt"/>
+        <a:ea typeface="+mn-ea"/>
+        <a:cs typeface="+mn-cs"/>
+      </a:defRPr>
+    </a:lvl9pPr>
+  </p:notesStyle>
+</p:notesMaster>
+</file>
+
+<file path=ppt/notesSlides/notesSlide1.xml><?xml version="1.0" encoding="utf-8"?>
+<p:notes xmlns:a="http://schemas.openxmlformats.org/drawingml/2006/main" xmlns:r="http://schemas.openxmlformats.org/officeDocument/2006/relationships" xmlns:p="http://schemas.openxmlformats.org/presentationml/2006/main">
+  <p:cSld>
+    <p:spTree>
+      <p:nvGrpSpPr>
+        <p:cNvPr id="1" name=""/>
+        <p:cNvGrpSpPr/>
+        <p:nvPr/>
+      </p:nvGrpSpPr>
+      <p:grpSpPr>
+        <a:xfrm>
+          <a:off x="0" y="0"/>
+          <a:ext cx="0" cy="0"/>
+          <a:chOff x="0" y="0"/>
+          <a:chExt cx="0" cy="0"/>
+        </a:xfrm>
+      </p:grpSpPr>
+      <p:sp>
+        <p:nvSpPr>
+          <p:cNvPr id="2" name="Slide Image Placeholder 1"/>
+          <p:cNvSpPr>
+            <a:spLocks noGrp="1" noRot="1" noChangeAspect="1"/>
+          </p:cNvSpPr>
+          <p:nvPr>
+            <p:ph type="sldImg"/>
+          </p:nvPr>
+        </p:nvSpPr>
+        <p:spPr/>
+      </p:sp>
+      <p:sp>
+        <p:nvSpPr>
+          <p:cNvPr id="3" name="Notes Placeholder 2"/>
+          <p:cNvSpPr>
+            <a:spLocks noGrp="1"/>
+          </p:cNvSpPr>
+          <p:nvPr>
+            <p:ph type="body" idx="1"/>
+          </p:nvPr>
+        </p:nvSpPr>
+        <p:spPr/>
+        <p:txBody>
+          <a:bodyPr/>
+          <a:lstStyle/>
+          <a:p>
+            <a:endParaRPr lang="en-US"/>
+          </a:p>
+        </p:txBody>
+      </p:sp>
+      <p:sp>
+        <p:nvSpPr>
+          <p:cNvPr id="4" name="Slide Number Placeholder 3"/>
+          <p:cNvSpPr>
+            <a:spLocks noGrp="1"/>
+          </p:cNvSpPr>
+          <p:nvPr>
+            <p:ph type="sldNum" sz="quarter" idx="10"/>
+          </p:nvPr>
+        </p:nvSpPr>
+        <p:spPr/>
+        <p:txBody>
+          <a:bodyPr/>
+          <a:lstStyle/>
+          <a:p>
+            <a:fld id="{D3C72CB2-9A9A-4DC3-BD84-38CA823D7135}" type="slidenum">
+              <a:rPr lang="en-US" smtClean="0"/>
+              <a:t>12</a:t>
+            </a:fld>
+            <a:endParaRPr lang="en-US"/>
+          </a:p>
+        </p:txBody>
+      </p:sp>
+    </p:spTree>
+    <p:extLst>
+      <p:ext uri="{BB962C8B-B14F-4D97-AF65-F5344CB8AC3E}">
+        <p14:creationId xmlns:p14="http://schemas.microsoft.com/office/powerpoint/2010/main" val="1634099344"/>
+      </p:ext>
+    </p:extLst>
+  </p:cSld>
+  <p:clrMapOvr>
+    <a:masterClrMapping/>
+  </p:clrMapOvr>
+</p:notes>
 </file>
 
 <file path=ppt/slideLayouts/slideLayout1.xml><?xml version="1.0" encoding="utf-8"?>
@@ -3052,6 +3498,36 @@
 <file path=ppt/slides/slide10.xml><?xml version="1.0" encoding="utf-8"?>
 <p:sld xmlns:a="http://schemas.openxmlformats.org/drawingml/2006/main" xmlns:r="http://schemas.openxmlformats.org/officeDocument/2006/relationships" xmlns:p="http://schemas.openxmlformats.org/presentationml/2006/main">
   <p:cSld>
+    <p:bg>
+      <p:bgPr>
+        <a:gradFill>
+          <a:gsLst>
+            <a:gs pos="12000">
+              <a:schemeClr val="accent1">
+                <a:lumMod val="75000"/>
+              </a:schemeClr>
+            </a:gs>
+            <a:gs pos="72000">
+              <a:schemeClr val="accent1">
+                <a:lumMod val="50000"/>
+              </a:schemeClr>
+            </a:gs>
+            <a:gs pos="39000">
+              <a:schemeClr val="accent1">
+                <a:lumMod val="50000"/>
+              </a:schemeClr>
+            </a:gs>
+            <a:gs pos="100000">
+              <a:schemeClr val="accent1">
+                <a:lumMod val="75000"/>
+              </a:schemeClr>
+            </a:gs>
+          </a:gsLst>
+          <a:lin ang="5400000" scaled="0"/>
+        </a:gradFill>
+        <a:effectLst/>
+      </p:bgPr>
+    </p:bg>
     <p:spTree>
       <p:nvGrpSpPr>
         <p:cNvPr id="1" name=""/>
@@ -3074,7 +3550,7 @@
         </p:nvSpPr>
         <p:spPr>
           <a:xfrm>
-            <a:off x="3840480" y="77002"/>
+            <a:off x="774583" y="159060"/>
             <a:ext cx="1588168" cy="442763"/>
           </a:xfrm>
           <a:prstGeom prst="flowChartTerminator">
@@ -3115,13 +3591,14 @@
           <p:cNvPr id="4" name="Straight Arrow Connector 3"/>
           <p:cNvCxnSpPr>
             <a:stCxn id="2" idx="2"/>
+            <a:endCxn id="2" idx="2"/>
           </p:cNvCxnSpPr>
           <p:nvPr/>
         </p:nvCxnSpPr>
         <p:spPr>
-          <a:xfrm flipH="1">
-            <a:off x="4629752" y="519765"/>
-            <a:ext cx="4812" cy="356134"/>
+          <a:xfrm>
+            <a:off x="1568667" y="601823"/>
+            <a:ext cx="0" cy="0"/>
           </a:xfrm>
           <a:prstGeom prst="straightConnector1">
             <a:avLst/>
@@ -3215,6 +3692,984 @@
           <a:xfrm>
             <a:off x="4629752" y="1674796"/>
             <a:ext cx="0" cy="452387"/>
+          </a:xfrm>
+          <a:prstGeom prst="straightConnector1">
+            <a:avLst/>
+          </a:prstGeom>
+          <a:ln>
+            <a:tailEnd type="triangle"/>
+          </a:ln>
+        </p:spPr>
+        <p:style>
+          <a:lnRef idx="1">
+            <a:schemeClr val="dk1"/>
+          </a:lnRef>
+          <a:fillRef idx="0">
+            <a:schemeClr val="dk1"/>
+          </a:fillRef>
+          <a:effectRef idx="0">
+            <a:schemeClr val="dk1"/>
+          </a:effectRef>
+          <a:fontRef idx="minor">
+            <a:schemeClr val="tx1"/>
+          </a:fontRef>
+        </p:style>
+      </p:cxnSp>
+      <p:sp>
+        <p:nvSpPr>
+          <p:cNvPr id="8" name="Flowchart: Decision 7"/>
+          <p:cNvSpPr/>
+          <p:nvPr/>
+        </p:nvSpPr>
+        <p:spPr>
+          <a:xfrm>
+            <a:off x="3306278" y="2127183"/>
+            <a:ext cx="2646947" cy="885524"/>
+          </a:xfrm>
+          <a:prstGeom prst="flowChartDecision">
+            <a:avLst/>
+          </a:prstGeom>
+        </p:spPr>
+        <p:style>
+          <a:lnRef idx="2">
+            <a:schemeClr val="accent6">
+              <a:shade val="50000"/>
+            </a:schemeClr>
+          </a:lnRef>
+          <a:fillRef idx="1">
+            <a:schemeClr val="accent6"/>
+          </a:fillRef>
+          <a:effectRef idx="0">
+            <a:schemeClr val="accent6"/>
+          </a:effectRef>
+          <a:fontRef idx="minor">
+            <a:schemeClr val="lt1"/>
+          </a:fontRef>
+        </p:style>
+        <p:txBody>
+          <a:bodyPr rtlCol="0" anchor="ctr"/>
+          <a:lstStyle/>
+          <a:p>
+            <a:pPr algn="ctr"/>
+            <a:r>
+              <a:rPr lang="en-US" dirty="0" smtClean="0"/>
+              <a:t>IS D&gt;=0 AND E&gt;=0</a:t>
+            </a:r>
+            <a:endParaRPr lang="en-US" dirty="0"/>
+          </a:p>
+        </p:txBody>
+      </p:sp>
+      <p:cxnSp>
+        <p:nvCxnSpPr>
+          <p:cNvPr id="10" name="Straight Arrow Connector 9"/>
+          <p:cNvCxnSpPr>
+            <a:stCxn id="8" idx="3"/>
+          </p:cNvCxnSpPr>
+          <p:nvPr/>
+        </p:nvCxnSpPr>
+        <p:spPr>
+          <a:xfrm>
+            <a:off x="5953225" y="2569945"/>
+            <a:ext cx="857150" cy="11330"/>
+          </a:xfrm>
+          <a:prstGeom prst="straightConnector1">
+            <a:avLst/>
+          </a:prstGeom>
+          <a:ln>
+            <a:tailEnd type="triangle"/>
+          </a:ln>
+        </p:spPr>
+        <p:style>
+          <a:lnRef idx="1">
+            <a:schemeClr val="dk1"/>
+          </a:lnRef>
+          <a:fillRef idx="0">
+            <a:schemeClr val="dk1"/>
+          </a:fillRef>
+          <a:effectRef idx="0">
+            <a:schemeClr val="dk1"/>
+          </a:effectRef>
+          <a:fontRef idx="minor">
+            <a:schemeClr val="tx1"/>
+          </a:fontRef>
+        </p:style>
+      </p:cxnSp>
+      <p:cxnSp>
+        <p:nvCxnSpPr>
+          <p:cNvPr id="12" name="Straight Arrow Connector 11"/>
+          <p:cNvCxnSpPr>
+            <a:endCxn id="15" idx="0"/>
+          </p:cNvCxnSpPr>
+          <p:nvPr/>
+        </p:nvCxnSpPr>
+        <p:spPr>
+          <a:xfrm>
+            <a:off x="6762750" y="2569945"/>
+            <a:ext cx="23812" cy="973355"/>
+          </a:xfrm>
+          <a:prstGeom prst="straightConnector1">
+            <a:avLst/>
+          </a:prstGeom>
+          <a:ln>
+            <a:tailEnd type="triangle"/>
+          </a:ln>
+        </p:spPr>
+        <p:style>
+          <a:lnRef idx="1">
+            <a:schemeClr val="dk1"/>
+          </a:lnRef>
+          <a:fillRef idx="0">
+            <a:schemeClr val="dk1"/>
+          </a:fillRef>
+          <a:effectRef idx="0">
+            <a:schemeClr val="dk1"/>
+          </a:effectRef>
+          <a:fontRef idx="minor">
+            <a:schemeClr val="tx1"/>
+          </a:fontRef>
+        </p:style>
+      </p:cxnSp>
+      <p:sp>
+        <p:nvSpPr>
+          <p:cNvPr id="15" name="Flowchart: Decision 14"/>
+          <p:cNvSpPr/>
+          <p:nvPr/>
+        </p:nvSpPr>
+        <p:spPr>
+          <a:xfrm>
+            <a:off x="5500386" y="3543300"/>
+            <a:ext cx="2572352" cy="666750"/>
+          </a:xfrm>
+          <a:prstGeom prst="flowChartDecision">
+            <a:avLst/>
+          </a:prstGeom>
+        </p:spPr>
+        <p:style>
+          <a:lnRef idx="2">
+            <a:schemeClr val="accent6">
+              <a:shade val="50000"/>
+            </a:schemeClr>
+          </a:lnRef>
+          <a:fillRef idx="1">
+            <a:schemeClr val="accent6"/>
+          </a:fillRef>
+          <a:effectRef idx="0">
+            <a:schemeClr val="accent6"/>
+          </a:effectRef>
+          <a:fontRef idx="minor">
+            <a:schemeClr val="lt1"/>
+          </a:fontRef>
+        </p:style>
+        <p:txBody>
+          <a:bodyPr rtlCol="0" anchor="ctr"/>
+          <a:lstStyle/>
+          <a:p>
+            <a:pPr algn="ctr"/>
+            <a:r>
+              <a:rPr lang="en-US" dirty="0" smtClean="0"/>
+              <a:t>IS D&lt;=0 AND F&gt;=0</a:t>
+            </a:r>
+            <a:endParaRPr lang="en-US" dirty="0"/>
+          </a:p>
+        </p:txBody>
+      </p:sp>
+      <p:cxnSp>
+        <p:nvCxnSpPr>
+          <p:cNvPr id="18" name="Straight Arrow Connector 17"/>
+          <p:cNvCxnSpPr>
+            <a:stCxn id="15" idx="3"/>
+          </p:cNvCxnSpPr>
+          <p:nvPr/>
+        </p:nvCxnSpPr>
+        <p:spPr>
+          <a:xfrm>
+            <a:off x="8072738" y="3876675"/>
+            <a:ext cx="890287" cy="0"/>
+          </a:xfrm>
+          <a:prstGeom prst="straightConnector1">
+            <a:avLst/>
+          </a:prstGeom>
+          <a:ln>
+            <a:tailEnd type="triangle"/>
+          </a:ln>
+        </p:spPr>
+        <p:style>
+          <a:lnRef idx="1">
+            <a:schemeClr val="dk1"/>
+          </a:lnRef>
+          <a:fillRef idx="0">
+            <a:schemeClr val="dk1"/>
+          </a:fillRef>
+          <a:effectRef idx="0">
+            <a:schemeClr val="dk1"/>
+          </a:effectRef>
+          <a:fontRef idx="minor">
+            <a:schemeClr val="tx1"/>
+          </a:fontRef>
+        </p:style>
+      </p:cxnSp>
+      <p:cxnSp>
+        <p:nvCxnSpPr>
+          <p:cNvPr id="20" name="Straight Arrow Connector 19"/>
+          <p:cNvCxnSpPr/>
+          <p:nvPr/>
+        </p:nvCxnSpPr>
+        <p:spPr>
+          <a:xfrm>
+            <a:off x="8915400" y="3876675"/>
+            <a:ext cx="28575" cy="1095375"/>
+          </a:xfrm>
+          <a:prstGeom prst="straightConnector1">
+            <a:avLst/>
+          </a:prstGeom>
+          <a:ln>
+            <a:tailEnd type="triangle"/>
+          </a:ln>
+        </p:spPr>
+        <p:style>
+          <a:lnRef idx="1">
+            <a:schemeClr val="dk1"/>
+          </a:lnRef>
+          <a:fillRef idx="0">
+            <a:schemeClr val="dk1"/>
+          </a:fillRef>
+          <a:effectRef idx="0">
+            <a:schemeClr val="dk1"/>
+          </a:effectRef>
+          <a:fontRef idx="minor">
+            <a:schemeClr val="tx1"/>
+          </a:fontRef>
+        </p:style>
+      </p:cxnSp>
+      <p:sp>
+        <p:nvSpPr>
+          <p:cNvPr id="24" name="Flowchart: Display 23"/>
+          <p:cNvSpPr/>
+          <p:nvPr/>
+        </p:nvSpPr>
+        <p:spPr>
+          <a:xfrm>
+            <a:off x="8143875" y="4972050"/>
+            <a:ext cx="1638300" cy="704850"/>
+          </a:xfrm>
+          <a:prstGeom prst="flowChartDisplay">
+            <a:avLst/>
+          </a:prstGeom>
+        </p:spPr>
+        <p:style>
+          <a:lnRef idx="2">
+            <a:schemeClr val="accent3">
+              <a:shade val="50000"/>
+            </a:schemeClr>
+          </a:lnRef>
+          <a:fillRef idx="1">
+            <a:schemeClr val="accent3"/>
+          </a:fillRef>
+          <a:effectRef idx="0">
+            <a:schemeClr val="accent3"/>
+          </a:effectRef>
+          <a:fontRef idx="minor">
+            <a:schemeClr val="lt1"/>
+          </a:fontRef>
+        </p:style>
+        <p:txBody>
+          <a:bodyPr rtlCol="0" anchor="ctr"/>
+          <a:lstStyle/>
+          <a:p>
+            <a:pPr algn="ctr"/>
+            <a:r>
+              <a:rPr lang="en-US" dirty="0" smtClean="0"/>
+              <a:t>PRINT C</a:t>
+            </a:r>
+            <a:endParaRPr lang="en-US" dirty="0"/>
+          </a:p>
+        </p:txBody>
+      </p:sp>
+      <p:cxnSp>
+        <p:nvCxnSpPr>
+          <p:cNvPr id="26" name="Straight Arrow Connector 25"/>
+          <p:cNvCxnSpPr>
+            <a:stCxn id="15" idx="1"/>
+          </p:cNvCxnSpPr>
+          <p:nvPr/>
+        </p:nvCxnSpPr>
+        <p:spPr>
+          <a:xfrm flipH="1" flipV="1">
+            <a:off x="4629751" y="3876674"/>
+            <a:ext cx="870635" cy="1"/>
+          </a:xfrm>
+          <a:prstGeom prst="straightConnector1">
+            <a:avLst/>
+          </a:prstGeom>
+          <a:ln>
+            <a:tailEnd type="triangle"/>
+          </a:ln>
+        </p:spPr>
+        <p:style>
+          <a:lnRef idx="1">
+            <a:schemeClr val="dk1"/>
+          </a:lnRef>
+          <a:fillRef idx="0">
+            <a:schemeClr val="dk1"/>
+          </a:fillRef>
+          <a:effectRef idx="0">
+            <a:schemeClr val="dk1"/>
+          </a:effectRef>
+          <a:fontRef idx="minor">
+            <a:schemeClr val="tx1"/>
+          </a:fontRef>
+        </p:style>
+      </p:cxnSp>
+      <p:cxnSp>
+        <p:nvCxnSpPr>
+          <p:cNvPr id="28" name="Straight Arrow Connector 27"/>
+          <p:cNvCxnSpPr>
+            <a:endCxn id="30" idx="0"/>
+          </p:cNvCxnSpPr>
+          <p:nvPr/>
+        </p:nvCxnSpPr>
+        <p:spPr>
+          <a:xfrm>
+            <a:off x="4629751" y="3876675"/>
+            <a:ext cx="6569" cy="1133475"/>
+          </a:xfrm>
+          <a:prstGeom prst="straightConnector1">
+            <a:avLst/>
+          </a:prstGeom>
+          <a:ln>
+            <a:tailEnd type="triangle"/>
+          </a:ln>
+        </p:spPr>
+        <p:style>
+          <a:lnRef idx="1">
+            <a:schemeClr val="dk1"/>
+          </a:lnRef>
+          <a:fillRef idx="0">
+            <a:schemeClr val="dk1"/>
+          </a:fillRef>
+          <a:effectRef idx="0">
+            <a:schemeClr val="dk1"/>
+          </a:effectRef>
+          <a:fontRef idx="minor">
+            <a:schemeClr val="tx1"/>
+          </a:fontRef>
+        </p:style>
+      </p:cxnSp>
+      <p:sp>
+        <p:nvSpPr>
+          <p:cNvPr id="30" name="Flowchart: Display 29"/>
+          <p:cNvSpPr/>
+          <p:nvPr/>
+        </p:nvSpPr>
+        <p:spPr>
+          <a:xfrm>
+            <a:off x="3888607" y="5010150"/>
+            <a:ext cx="1495425" cy="666750"/>
+          </a:xfrm>
+          <a:prstGeom prst="flowChartDisplay">
+            <a:avLst/>
+          </a:prstGeom>
+        </p:spPr>
+        <p:style>
+          <a:lnRef idx="2">
+            <a:schemeClr val="accent3">
+              <a:shade val="50000"/>
+            </a:schemeClr>
+          </a:lnRef>
+          <a:fillRef idx="1">
+            <a:schemeClr val="accent3"/>
+          </a:fillRef>
+          <a:effectRef idx="0">
+            <a:schemeClr val="accent3"/>
+          </a:effectRef>
+          <a:fontRef idx="minor">
+            <a:schemeClr val="lt1"/>
+          </a:fontRef>
+        </p:style>
+        <p:txBody>
+          <a:bodyPr rtlCol="0" anchor="ctr"/>
+          <a:lstStyle/>
+          <a:p>
+            <a:pPr algn="ctr"/>
+            <a:r>
+              <a:rPr lang="en-US" dirty="0" smtClean="0"/>
+              <a:t>PRINT B</a:t>
+            </a:r>
+            <a:endParaRPr lang="en-US" dirty="0"/>
+          </a:p>
+        </p:txBody>
+      </p:sp>
+      <p:cxnSp>
+        <p:nvCxnSpPr>
+          <p:cNvPr id="33" name="Straight Arrow Connector 32"/>
+          <p:cNvCxnSpPr>
+            <a:stCxn id="8" idx="1"/>
+          </p:cNvCxnSpPr>
+          <p:nvPr/>
+        </p:nvCxnSpPr>
+        <p:spPr>
+          <a:xfrm flipH="1">
+            <a:off x="1419225" y="2569945"/>
+            <a:ext cx="1887053" cy="9625"/>
+          </a:xfrm>
+          <a:prstGeom prst="straightConnector1">
+            <a:avLst/>
+          </a:prstGeom>
+          <a:ln>
+            <a:tailEnd type="triangle"/>
+          </a:ln>
+        </p:spPr>
+        <p:style>
+          <a:lnRef idx="1">
+            <a:schemeClr val="dk1"/>
+          </a:lnRef>
+          <a:fillRef idx="0">
+            <a:schemeClr val="dk1"/>
+          </a:fillRef>
+          <a:effectRef idx="0">
+            <a:schemeClr val="dk1"/>
+          </a:effectRef>
+          <a:fontRef idx="minor">
+            <a:schemeClr val="tx1"/>
+          </a:fontRef>
+        </p:style>
+      </p:cxnSp>
+      <p:cxnSp>
+        <p:nvCxnSpPr>
+          <p:cNvPr id="35" name="Straight Arrow Connector 34"/>
+          <p:cNvCxnSpPr>
+            <a:endCxn id="36" idx="0"/>
+          </p:cNvCxnSpPr>
+          <p:nvPr/>
+        </p:nvCxnSpPr>
+        <p:spPr>
+          <a:xfrm flipH="1">
+            <a:off x="1428750" y="2569945"/>
+            <a:ext cx="28576" cy="2435442"/>
+          </a:xfrm>
+          <a:prstGeom prst="straightConnector1">
+            <a:avLst/>
+          </a:prstGeom>
+          <a:ln>
+            <a:tailEnd type="triangle"/>
+          </a:ln>
+        </p:spPr>
+        <p:style>
+          <a:lnRef idx="1">
+            <a:schemeClr val="dk1"/>
+          </a:lnRef>
+          <a:fillRef idx="0">
+            <a:schemeClr val="dk1"/>
+          </a:fillRef>
+          <a:effectRef idx="0">
+            <a:schemeClr val="dk1"/>
+          </a:effectRef>
+          <a:fontRef idx="minor">
+            <a:schemeClr val="tx1"/>
+          </a:fontRef>
+        </p:style>
+      </p:cxnSp>
+      <p:sp>
+        <p:nvSpPr>
+          <p:cNvPr id="36" name="Flowchart: Display 35"/>
+          <p:cNvSpPr/>
+          <p:nvPr/>
+        </p:nvSpPr>
+        <p:spPr>
+          <a:xfrm>
+            <a:off x="600075" y="5005387"/>
+            <a:ext cx="1657350" cy="676275"/>
+          </a:xfrm>
+          <a:prstGeom prst="flowChartDisplay">
+            <a:avLst/>
+          </a:prstGeom>
+        </p:spPr>
+        <p:style>
+          <a:lnRef idx="2">
+            <a:schemeClr val="accent3">
+              <a:shade val="50000"/>
+            </a:schemeClr>
+          </a:lnRef>
+          <a:fillRef idx="1">
+            <a:schemeClr val="accent3"/>
+          </a:fillRef>
+          <a:effectRef idx="0">
+            <a:schemeClr val="accent3"/>
+          </a:effectRef>
+          <a:fontRef idx="minor">
+            <a:schemeClr val="lt1"/>
+          </a:fontRef>
+        </p:style>
+        <p:txBody>
+          <a:bodyPr rtlCol="0" anchor="ctr"/>
+          <a:lstStyle/>
+          <a:p>
+            <a:pPr algn="ctr"/>
+            <a:r>
+              <a:rPr lang="en-US" dirty="0" smtClean="0"/>
+              <a:t>PRINT A</a:t>
+            </a:r>
+            <a:endParaRPr lang="en-US" dirty="0"/>
+          </a:p>
+        </p:txBody>
+      </p:sp>
+      <p:sp>
+        <p:nvSpPr>
+          <p:cNvPr id="40" name="Flowchart: Terminator 39"/>
+          <p:cNvSpPr/>
+          <p:nvPr/>
+        </p:nvSpPr>
+        <p:spPr>
+          <a:xfrm>
+            <a:off x="3888607" y="6400800"/>
+            <a:ext cx="1693043" cy="457200"/>
+          </a:xfrm>
+          <a:prstGeom prst="flowChartTerminator">
+            <a:avLst/>
+          </a:prstGeom>
+        </p:spPr>
+        <p:style>
+          <a:lnRef idx="2">
+            <a:schemeClr val="accent1">
+              <a:shade val="50000"/>
+            </a:schemeClr>
+          </a:lnRef>
+          <a:fillRef idx="1">
+            <a:schemeClr val="accent1"/>
+          </a:fillRef>
+          <a:effectRef idx="0">
+            <a:schemeClr val="accent1"/>
+          </a:effectRef>
+          <a:fontRef idx="minor">
+            <a:schemeClr val="lt1"/>
+          </a:fontRef>
+        </p:style>
+        <p:txBody>
+          <a:bodyPr rtlCol="0" anchor="ctr"/>
+          <a:lstStyle/>
+          <a:p>
+            <a:pPr algn="ctr"/>
+            <a:r>
+              <a:rPr lang="en-US" dirty="0" smtClean="0"/>
+              <a:t>END</a:t>
+            </a:r>
+            <a:endParaRPr lang="en-US" dirty="0"/>
+          </a:p>
+        </p:txBody>
+      </p:sp>
+      <p:cxnSp>
+        <p:nvCxnSpPr>
+          <p:cNvPr id="46" name="Straight Arrow Connector 45"/>
+          <p:cNvCxnSpPr>
+            <a:stCxn id="30" idx="2"/>
+          </p:cNvCxnSpPr>
+          <p:nvPr/>
+        </p:nvCxnSpPr>
+        <p:spPr>
+          <a:xfrm flipH="1">
+            <a:off x="4629751" y="5676900"/>
+            <a:ext cx="6569" cy="723900"/>
+          </a:xfrm>
+          <a:prstGeom prst="straightConnector1">
+            <a:avLst/>
+          </a:prstGeom>
+          <a:ln>
+            <a:tailEnd type="triangle"/>
+          </a:ln>
+        </p:spPr>
+        <p:style>
+          <a:lnRef idx="1">
+            <a:schemeClr val="dk1"/>
+          </a:lnRef>
+          <a:fillRef idx="0">
+            <a:schemeClr val="dk1"/>
+          </a:fillRef>
+          <a:effectRef idx="0">
+            <a:schemeClr val="dk1"/>
+          </a:effectRef>
+          <a:fontRef idx="minor">
+            <a:schemeClr val="tx1"/>
+          </a:fontRef>
+        </p:style>
+      </p:cxnSp>
+      <p:cxnSp>
+        <p:nvCxnSpPr>
+          <p:cNvPr id="48" name="Straight Arrow Connector 47"/>
+          <p:cNvCxnSpPr>
+            <a:stCxn id="36" idx="2"/>
+          </p:cNvCxnSpPr>
+          <p:nvPr/>
+        </p:nvCxnSpPr>
+        <p:spPr>
+          <a:xfrm>
+            <a:off x="1428750" y="5681662"/>
+            <a:ext cx="0" cy="947738"/>
+          </a:xfrm>
+          <a:prstGeom prst="straightConnector1">
+            <a:avLst/>
+          </a:prstGeom>
+          <a:ln>
+            <a:tailEnd type="triangle"/>
+          </a:ln>
+        </p:spPr>
+        <p:style>
+          <a:lnRef idx="1">
+            <a:schemeClr val="dk1"/>
+          </a:lnRef>
+          <a:fillRef idx="0">
+            <a:schemeClr val="dk1"/>
+          </a:fillRef>
+          <a:effectRef idx="0">
+            <a:schemeClr val="dk1"/>
+          </a:effectRef>
+          <a:fontRef idx="minor">
+            <a:schemeClr val="tx1"/>
+          </a:fontRef>
+        </p:style>
+      </p:cxnSp>
+      <p:cxnSp>
+        <p:nvCxnSpPr>
+          <p:cNvPr id="52" name="Straight Arrow Connector 51"/>
+          <p:cNvCxnSpPr>
+            <a:endCxn id="40" idx="1"/>
+          </p:cNvCxnSpPr>
+          <p:nvPr/>
+        </p:nvCxnSpPr>
+        <p:spPr>
+          <a:xfrm>
+            <a:off x="1419225" y="6629400"/>
+            <a:ext cx="2469382" cy="0"/>
+          </a:xfrm>
+          <a:prstGeom prst="straightConnector1">
+            <a:avLst/>
+          </a:prstGeom>
+          <a:ln>
+            <a:tailEnd type="triangle"/>
+          </a:ln>
+        </p:spPr>
+        <p:style>
+          <a:lnRef idx="1">
+            <a:schemeClr val="dk1"/>
+          </a:lnRef>
+          <a:fillRef idx="0">
+            <a:schemeClr val="dk1"/>
+          </a:fillRef>
+          <a:effectRef idx="0">
+            <a:schemeClr val="dk1"/>
+          </a:effectRef>
+          <a:fontRef idx="minor">
+            <a:schemeClr val="tx1"/>
+          </a:fontRef>
+        </p:style>
+      </p:cxnSp>
+      <p:cxnSp>
+        <p:nvCxnSpPr>
+          <p:cNvPr id="59" name="Straight Arrow Connector 58"/>
+          <p:cNvCxnSpPr>
+            <a:endCxn id="40" idx="3"/>
+          </p:cNvCxnSpPr>
+          <p:nvPr/>
+        </p:nvCxnSpPr>
+        <p:spPr>
+          <a:xfrm flipH="1">
+            <a:off x="5581650" y="6629400"/>
+            <a:ext cx="3381375" cy="0"/>
+          </a:xfrm>
+          <a:prstGeom prst="straightConnector1">
+            <a:avLst/>
+          </a:prstGeom>
+          <a:ln>
+            <a:tailEnd type="triangle"/>
+          </a:ln>
+        </p:spPr>
+        <p:style>
+          <a:lnRef idx="1">
+            <a:schemeClr val="dk1"/>
+          </a:lnRef>
+          <a:fillRef idx="0">
+            <a:schemeClr val="dk1"/>
+          </a:fillRef>
+          <a:effectRef idx="0">
+            <a:schemeClr val="dk1"/>
+          </a:effectRef>
+          <a:fontRef idx="minor">
+            <a:schemeClr val="tx1"/>
+          </a:fontRef>
+        </p:style>
+      </p:cxnSp>
+      <p:cxnSp>
+        <p:nvCxnSpPr>
+          <p:cNvPr id="64" name="Straight Arrow Connector 63"/>
+          <p:cNvCxnSpPr>
+            <a:stCxn id="24" idx="2"/>
+          </p:cNvCxnSpPr>
+          <p:nvPr/>
+        </p:nvCxnSpPr>
+        <p:spPr>
+          <a:xfrm>
+            <a:off x="8963025" y="5676900"/>
+            <a:ext cx="0" cy="952500"/>
+          </a:xfrm>
+          <a:prstGeom prst="straightConnector1">
+            <a:avLst/>
+          </a:prstGeom>
+          <a:ln>
+            <a:tailEnd type="triangle"/>
+          </a:ln>
+        </p:spPr>
+        <p:style>
+          <a:lnRef idx="1">
+            <a:schemeClr val="dk1"/>
+          </a:lnRef>
+          <a:fillRef idx="0">
+            <a:schemeClr val="dk1"/>
+          </a:fillRef>
+          <a:effectRef idx="0">
+            <a:schemeClr val="dk1"/>
+          </a:effectRef>
+          <a:fontRef idx="minor">
+            <a:schemeClr val="tx1"/>
+          </a:fontRef>
+        </p:style>
+      </p:cxnSp>
+      <p:sp>
+        <p:nvSpPr>
+          <p:cNvPr id="66" name="TextBox 65"/>
+          <p:cNvSpPr txBox="1"/>
+          <p:nvPr/>
+        </p:nvSpPr>
+        <p:spPr>
+          <a:xfrm>
+            <a:off x="5953225" y="2270979"/>
+            <a:ext cx="928687" cy="369332"/>
+          </a:xfrm>
+          <a:prstGeom prst="rect">
+            <a:avLst/>
+          </a:prstGeom>
+          <a:noFill/>
+        </p:spPr>
+        <p:txBody>
+          <a:bodyPr wrap="square" rtlCol="0">
+            <a:spAutoFit/>
+          </a:bodyPr>
+          <a:lstStyle/>
+          <a:p>
+            <a:r>
+              <a:rPr lang="en-US" dirty="0" smtClean="0">
+                <a:solidFill>
+                  <a:schemeClr val="bg1"/>
+                </a:solidFill>
+              </a:rPr>
+              <a:t>FALSE</a:t>
+            </a:r>
+            <a:endParaRPr lang="en-US" dirty="0">
+              <a:solidFill>
+                <a:schemeClr val="bg1"/>
+              </a:solidFill>
+            </a:endParaRPr>
+          </a:p>
+        </p:txBody>
+      </p:sp>
+      <p:sp>
+        <p:nvSpPr>
+          <p:cNvPr id="67" name="TextBox 66"/>
+          <p:cNvSpPr txBox="1"/>
+          <p:nvPr/>
+        </p:nvSpPr>
+        <p:spPr>
+          <a:xfrm>
+            <a:off x="2131800" y="2270979"/>
+            <a:ext cx="1204225" cy="369332"/>
+          </a:xfrm>
+          <a:prstGeom prst="rect">
+            <a:avLst/>
+          </a:prstGeom>
+          <a:noFill/>
+        </p:spPr>
+        <p:txBody>
+          <a:bodyPr wrap="square" rtlCol="0">
+            <a:spAutoFit/>
+          </a:bodyPr>
+          <a:lstStyle/>
+          <a:p>
+            <a:r>
+              <a:rPr lang="en-US" dirty="0" smtClean="0">
+                <a:solidFill>
+                  <a:schemeClr val="bg1"/>
+                </a:solidFill>
+              </a:rPr>
+              <a:t>TRUE</a:t>
+            </a:r>
+            <a:endParaRPr lang="en-US" dirty="0">
+              <a:solidFill>
+                <a:schemeClr val="bg1"/>
+              </a:solidFill>
+            </a:endParaRPr>
+          </a:p>
+        </p:txBody>
+      </p:sp>
+      <p:sp>
+        <p:nvSpPr>
+          <p:cNvPr id="68" name="TextBox 67"/>
+          <p:cNvSpPr txBox="1"/>
+          <p:nvPr/>
+        </p:nvSpPr>
+        <p:spPr>
+          <a:xfrm>
+            <a:off x="4629751" y="3543300"/>
+            <a:ext cx="798897" cy="369332"/>
+          </a:xfrm>
+          <a:prstGeom prst="rect">
+            <a:avLst/>
+          </a:prstGeom>
+          <a:noFill/>
+        </p:spPr>
+        <p:txBody>
+          <a:bodyPr wrap="square" rtlCol="0">
+            <a:spAutoFit/>
+          </a:bodyPr>
+          <a:lstStyle/>
+          <a:p>
+            <a:r>
+              <a:rPr lang="en-US">
+                <a:solidFill>
+                  <a:schemeClr val="bg1"/>
+                </a:solidFill>
+              </a:rPr>
+              <a:t>TRUE</a:t>
+            </a:r>
+            <a:endParaRPr lang="en-US" dirty="0"/>
+          </a:p>
+        </p:txBody>
+      </p:sp>
+      <p:sp>
+        <p:nvSpPr>
+          <p:cNvPr id="69" name="TextBox 68"/>
+          <p:cNvSpPr txBox="1"/>
+          <p:nvPr/>
+        </p:nvSpPr>
+        <p:spPr>
+          <a:xfrm>
+            <a:off x="8143875" y="3543300"/>
+            <a:ext cx="738388" cy="369332"/>
+          </a:xfrm>
+          <a:prstGeom prst="rect">
+            <a:avLst/>
+          </a:prstGeom>
+          <a:noFill/>
+        </p:spPr>
+        <p:txBody>
+          <a:bodyPr wrap="square" rtlCol="0">
+            <a:spAutoFit/>
+          </a:bodyPr>
+          <a:lstStyle/>
+          <a:p>
+            <a:r>
+              <a:rPr lang="en-US" dirty="0" smtClean="0">
+                <a:solidFill>
+                  <a:schemeClr val="bg1"/>
+                </a:solidFill>
+              </a:rPr>
+              <a:t>FALSE</a:t>
+            </a:r>
+            <a:endParaRPr lang="en-US" dirty="0">
+              <a:solidFill>
+                <a:schemeClr val="bg1"/>
+              </a:solidFill>
+            </a:endParaRPr>
+          </a:p>
+        </p:txBody>
+      </p:sp>
+      <p:cxnSp>
+        <p:nvCxnSpPr>
+          <p:cNvPr id="73" name="Straight Arrow Connector 72"/>
+          <p:cNvCxnSpPr>
+            <a:stCxn id="2" idx="3"/>
+            <a:endCxn id="74" idx="2"/>
+          </p:cNvCxnSpPr>
+          <p:nvPr/>
+        </p:nvCxnSpPr>
+        <p:spPr>
+          <a:xfrm>
+            <a:off x="2362751" y="380442"/>
+            <a:ext cx="1473217" cy="1550"/>
+          </a:xfrm>
+          <a:prstGeom prst="straightConnector1">
+            <a:avLst/>
+          </a:prstGeom>
+          <a:ln>
+            <a:tailEnd type="triangle"/>
+          </a:ln>
+        </p:spPr>
+        <p:style>
+          <a:lnRef idx="1">
+            <a:schemeClr val="dk1"/>
+          </a:lnRef>
+          <a:fillRef idx="0">
+            <a:schemeClr val="dk1"/>
+          </a:fillRef>
+          <a:effectRef idx="0">
+            <a:schemeClr val="dk1"/>
+          </a:effectRef>
+          <a:fontRef idx="minor">
+            <a:schemeClr val="tx1"/>
+          </a:fontRef>
+        </p:style>
+      </p:cxnSp>
+      <p:sp>
+        <p:nvSpPr>
+          <p:cNvPr id="74" name="Flowchart: Data 73"/>
+          <p:cNvSpPr/>
+          <p:nvPr/>
+        </p:nvSpPr>
+        <p:spPr>
+          <a:xfrm>
+            <a:off x="3611178" y="86360"/>
+            <a:ext cx="2247900" cy="591263"/>
+          </a:xfrm>
+          <a:prstGeom prst="flowChartInputOutput">
+            <a:avLst/>
+          </a:prstGeom>
+        </p:spPr>
+        <p:style>
+          <a:lnRef idx="3">
+            <a:schemeClr val="lt1"/>
+          </a:lnRef>
+          <a:fillRef idx="1">
+            <a:schemeClr val="accent2"/>
+          </a:fillRef>
+          <a:effectRef idx="1">
+            <a:schemeClr val="accent2"/>
+          </a:effectRef>
+          <a:fontRef idx="minor">
+            <a:schemeClr val="lt1"/>
+          </a:fontRef>
+        </p:style>
+        <p:txBody>
+          <a:bodyPr rtlCol="0" anchor="ctr"/>
+          <a:lstStyle/>
+          <a:p>
+            <a:pPr algn="ctr"/>
+            <a:r>
+              <a:rPr lang="en-US" dirty="0" smtClean="0"/>
+              <a:t>INPUT A,B,C</a:t>
+            </a:r>
+            <a:endParaRPr lang="en-US" dirty="0"/>
+          </a:p>
+        </p:txBody>
+      </p:sp>
+      <p:cxnSp>
+        <p:nvCxnSpPr>
+          <p:cNvPr id="83" name="Straight Arrow Connector 82"/>
+          <p:cNvCxnSpPr>
+            <a:endCxn id="5" idx="0"/>
+          </p:cNvCxnSpPr>
+          <p:nvPr/>
+        </p:nvCxnSpPr>
+        <p:spPr>
+          <a:xfrm flipH="1">
+            <a:off x="4629752" y="736177"/>
+            <a:ext cx="6567" cy="139722"/>
           </a:xfrm>
           <a:prstGeom prst="straightConnector1">
             <a:avLst/>
@@ -3242,6 +4697,4599 @@
     <p:extLst>
       <p:ext uri="{BB962C8B-B14F-4D97-AF65-F5344CB8AC3E}">
         <p14:creationId xmlns:p14="http://schemas.microsoft.com/office/powerpoint/2010/main" val="2570656888"/>
+      </p:ext>
+    </p:extLst>
+  </p:cSld>
+  <p:clrMapOvr>
+    <a:masterClrMapping/>
+  </p:clrMapOvr>
+</p:sld>
+</file>
+
+<file path=ppt/slides/slide11.xml><?xml version="1.0" encoding="utf-8"?>
+<p:sld xmlns:a="http://schemas.openxmlformats.org/drawingml/2006/main" xmlns:r="http://schemas.openxmlformats.org/officeDocument/2006/relationships" xmlns:p="http://schemas.openxmlformats.org/presentationml/2006/main">
+  <p:cSld>
+    <p:spTree>
+      <p:nvGrpSpPr>
+        <p:cNvPr id="1" name=""/>
+        <p:cNvGrpSpPr/>
+        <p:nvPr/>
+      </p:nvGrpSpPr>
+      <p:grpSpPr>
+        <a:xfrm>
+          <a:off x="0" y="0"/>
+          <a:ext cx="0" cy="0"/>
+          <a:chOff x="0" y="0"/>
+          <a:chExt cx="0" cy="0"/>
+        </a:xfrm>
+      </p:grpSpPr>
+      <p:sp>
+        <p:nvSpPr>
+          <p:cNvPr id="2" name="Title 1"/>
+          <p:cNvSpPr>
+            <a:spLocks noGrp="1"/>
+          </p:cNvSpPr>
+          <p:nvPr>
+            <p:ph type="ctrTitle"/>
+          </p:nvPr>
+        </p:nvSpPr>
+        <p:spPr>
+          <a:xfrm>
+            <a:off x="1410711" y="216055"/>
+            <a:ext cx="9144000" cy="2387600"/>
+          </a:xfrm>
+        </p:spPr>
+        <p:txBody>
+          <a:bodyPr/>
+          <a:lstStyle/>
+          <a:p>
+            <a:r>
+              <a:rPr lang="en-US" dirty="0" smtClean="0"/>
+              <a:t>Algorithm to find the:</a:t>
+            </a:r>
+            <a:endParaRPr lang="en-US" dirty="0"/>
+          </a:p>
+        </p:txBody>
+      </p:sp>
+      <p:sp>
+        <p:nvSpPr>
+          <p:cNvPr id="3" name="Subtitle 2"/>
+          <p:cNvSpPr>
+            <a:spLocks noGrp="1"/>
+          </p:cNvSpPr>
+          <p:nvPr>
+            <p:ph type="subTitle" idx="1"/>
+          </p:nvPr>
+        </p:nvSpPr>
+        <p:spPr>
+          <a:xfrm>
+            <a:off x="1410711" y="2603654"/>
+            <a:ext cx="9144000" cy="3343991"/>
+          </a:xfrm>
+        </p:spPr>
+        <p:txBody>
+          <a:bodyPr>
+            <a:normAutofit/>
+          </a:bodyPr>
+          <a:lstStyle/>
+          <a:p>
+            <a:pPr marL="457200" indent="-457200">
+              <a:buAutoNum type="arabicPeriod"/>
+            </a:pPr>
+            <a:r>
+              <a:rPr lang="en-US" dirty="0" smtClean="0"/>
+              <a:t>Find the GCD of two numbers</a:t>
+            </a:r>
+            <a:endParaRPr lang="en-US" dirty="0" smtClean="0"/>
+          </a:p>
+        </p:txBody>
+      </p:sp>
+    </p:spTree>
+    <p:extLst>
+      <p:ext uri="{BB962C8B-B14F-4D97-AF65-F5344CB8AC3E}">
+        <p14:creationId xmlns:p14="http://schemas.microsoft.com/office/powerpoint/2010/main" val="3122477568"/>
+      </p:ext>
+    </p:extLst>
+  </p:cSld>
+  <p:clrMapOvr>
+    <a:masterClrMapping/>
+  </p:clrMapOvr>
+</p:sld>
+</file>
+
+<file path=ppt/slides/slide12.xml><?xml version="1.0" encoding="utf-8"?>
+<p:sld xmlns:a="http://schemas.openxmlformats.org/drawingml/2006/main" xmlns:r="http://schemas.openxmlformats.org/officeDocument/2006/relationships" xmlns:p="http://schemas.openxmlformats.org/presentationml/2006/main">
+  <p:cSld>
+    <p:bg>
+      <p:bgPr>
+        <a:solidFill>
+          <a:schemeClr val="bg1">
+            <a:lumMod val="50000"/>
+          </a:schemeClr>
+        </a:solidFill>
+        <a:effectLst/>
+      </p:bgPr>
+    </p:bg>
+    <p:spTree>
+      <p:nvGrpSpPr>
+        <p:cNvPr id="1" name=""/>
+        <p:cNvGrpSpPr/>
+        <p:nvPr/>
+      </p:nvGrpSpPr>
+      <p:grpSpPr>
+        <a:xfrm>
+          <a:off x="0" y="0"/>
+          <a:ext cx="0" cy="0"/>
+          <a:chOff x="0" y="0"/>
+          <a:chExt cx="0" cy="0"/>
+        </a:xfrm>
+      </p:grpSpPr>
+      <p:sp>
+        <p:nvSpPr>
+          <p:cNvPr id="3" name="TextBox 2"/>
+          <p:cNvSpPr txBox="1"/>
+          <p:nvPr/>
+        </p:nvSpPr>
+        <p:spPr>
+          <a:xfrm>
+            <a:off x="133350" y="85725"/>
+            <a:ext cx="12039600" cy="3416320"/>
+          </a:xfrm>
+          <a:prstGeom prst="rect">
+            <a:avLst/>
+          </a:prstGeom>
+          <a:noFill/>
+        </p:spPr>
+        <p:txBody>
+          <a:bodyPr wrap="square" rtlCol="0">
+            <a:spAutoFit/>
+          </a:bodyPr>
+          <a:lstStyle/>
+          <a:p>
+            <a:r>
+              <a:rPr lang="en-US" dirty="0" smtClean="0"/>
+              <a:t>INPUT A</a:t>
+            </a:r>
+          </a:p>
+          <a:p>
+            <a:r>
+              <a:rPr lang="en-US" dirty="0" smtClean="0"/>
+              <a:t>INPUT B</a:t>
+            </a:r>
+          </a:p>
+          <a:p>
+            <a:r>
+              <a:rPr lang="en-US" dirty="0" smtClean="0"/>
+              <a:t>IF A=0 OR B=0 THEN</a:t>
+            </a:r>
+          </a:p>
+          <a:p>
+            <a:r>
+              <a:rPr lang="en-US" dirty="0" smtClean="0"/>
+              <a:t>	PRINT 0 ISNT A NATURAL NUMBER</a:t>
+            </a:r>
+          </a:p>
+          <a:p>
+            <a:r>
+              <a:rPr lang="en-US" dirty="0" smtClean="0"/>
+              <a:t>ELSE</a:t>
+            </a:r>
+          </a:p>
+          <a:p>
+            <a:r>
+              <a:rPr lang="en-US" dirty="0" smtClean="0"/>
+              <a:t>	COMPUTE R1 = RANGE(1,A+1)</a:t>
+            </a:r>
+          </a:p>
+          <a:p>
+            <a:r>
+              <a:rPr lang="en-US" dirty="0" smtClean="0"/>
+              <a:t>	COMPUTE R2 = RANGE(1,B+1)</a:t>
+            </a:r>
+          </a:p>
+          <a:p>
+            <a:r>
+              <a:rPr lang="en-US" dirty="0"/>
+              <a:t>	</a:t>
+            </a:r>
+            <a:r>
+              <a:rPr lang="en-US" dirty="0" smtClean="0"/>
+              <a:t>IF C IS IN R1 AND R2 THEN</a:t>
+            </a:r>
+          </a:p>
+          <a:p>
+            <a:r>
+              <a:rPr lang="en-US" dirty="0"/>
+              <a:t>	</a:t>
+            </a:r>
+            <a:r>
+              <a:rPr lang="en-US" dirty="0" smtClean="0"/>
+              <a:t>	IF A%C=0 AND B%C=0 THEN</a:t>
+            </a:r>
+          </a:p>
+          <a:p>
+            <a:r>
+              <a:rPr lang="en-US" dirty="0"/>
+              <a:t>	</a:t>
+            </a:r>
+            <a:r>
+              <a:rPr lang="en-US" dirty="0" smtClean="0"/>
+              <a:t>		F=C</a:t>
+            </a:r>
+          </a:p>
+          <a:p>
+            <a:r>
+              <a:rPr lang="en-US" dirty="0"/>
+              <a:t>	</a:t>
+            </a:r>
+            <a:r>
+              <a:rPr lang="en-US" dirty="0" smtClean="0"/>
+              <a:t>PRINT F</a:t>
+            </a:r>
+          </a:p>
+          <a:p>
+            <a:r>
+              <a:rPr lang="en-US" dirty="0"/>
+              <a:t>	</a:t>
+            </a:r>
+            <a:r>
+              <a:rPr lang="en-US" dirty="0" smtClean="0"/>
+              <a:t>	</a:t>
+            </a:r>
+            <a:endParaRPr lang="en-US" dirty="0"/>
+          </a:p>
+        </p:txBody>
+      </p:sp>
+    </p:spTree>
+    <p:extLst>
+      <p:ext uri="{BB962C8B-B14F-4D97-AF65-F5344CB8AC3E}">
+        <p14:creationId xmlns:p14="http://schemas.microsoft.com/office/powerpoint/2010/main" val="3831322970"/>
+      </p:ext>
+    </p:extLst>
+  </p:cSld>
+  <p:clrMapOvr>
+    <a:masterClrMapping/>
+  </p:clrMapOvr>
+</p:sld>
+</file>
+
+<file path=ppt/slides/slide13.xml><?xml version="1.0" encoding="utf-8"?>
+<p:sld xmlns:a="http://schemas.openxmlformats.org/drawingml/2006/main" xmlns:r="http://schemas.openxmlformats.org/officeDocument/2006/relationships" xmlns:p="http://schemas.openxmlformats.org/presentationml/2006/main">
+  <p:cSld>
+    <p:bg>
+      <p:bgPr>
+        <a:gradFill>
+          <a:gsLst>
+            <a:gs pos="11000">
+              <a:schemeClr val="bg1">
+                <a:lumMod val="85000"/>
+              </a:schemeClr>
+            </a:gs>
+            <a:gs pos="50000">
+              <a:schemeClr val="tx1">
+                <a:lumMod val="75000"/>
+                <a:lumOff val="25000"/>
+              </a:schemeClr>
+            </a:gs>
+            <a:gs pos="100000">
+              <a:schemeClr val="bg1">
+                <a:lumMod val="85000"/>
+              </a:schemeClr>
+            </a:gs>
+          </a:gsLst>
+          <a:lin ang="5400000" scaled="0"/>
+        </a:gradFill>
+        <a:effectLst/>
+      </p:bgPr>
+    </p:bg>
+    <p:spTree>
+      <p:nvGrpSpPr>
+        <p:cNvPr id="1" name=""/>
+        <p:cNvGrpSpPr/>
+        <p:nvPr/>
+      </p:nvGrpSpPr>
+      <p:grpSpPr>
+        <a:xfrm>
+          <a:off x="0" y="0"/>
+          <a:ext cx="0" cy="0"/>
+          <a:chOff x="0" y="0"/>
+          <a:chExt cx="0" cy="0"/>
+        </a:xfrm>
+      </p:grpSpPr>
+      <p:sp>
+        <p:nvSpPr>
+          <p:cNvPr id="3" name="Flowchart: Terminator 2"/>
+          <p:cNvSpPr/>
+          <p:nvPr/>
+        </p:nvSpPr>
+        <p:spPr>
+          <a:xfrm>
+            <a:off x="890110" y="210163"/>
+            <a:ext cx="1104900" cy="247650"/>
+          </a:xfrm>
+          <a:prstGeom prst="flowChartTerminator">
+            <a:avLst/>
+          </a:prstGeom>
+        </p:spPr>
+        <p:style>
+          <a:lnRef idx="2">
+            <a:schemeClr val="accent4">
+              <a:shade val="50000"/>
+            </a:schemeClr>
+          </a:lnRef>
+          <a:fillRef idx="1">
+            <a:schemeClr val="accent4"/>
+          </a:fillRef>
+          <a:effectRef idx="0">
+            <a:schemeClr val="accent4"/>
+          </a:effectRef>
+          <a:fontRef idx="minor">
+            <a:schemeClr val="lt1"/>
+          </a:fontRef>
+        </p:style>
+        <p:txBody>
+          <a:bodyPr rtlCol="0" anchor="ctr"/>
+          <a:lstStyle/>
+          <a:p>
+            <a:pPr algn="ctr"/>
+            <a:r>
+              <a:rPr lang="en-US" dirty="0" smtClean="0"/>
+              <a:t>START</a:t>
+            </a:r>
+            <a:endParaRPr lang="en-US" dirty="0"/>
+          </a:p>
+        </p:txBody>
+      </p:sp>
+      <p:cxnSp>
+        <p:nvCxnSpPr>
+          <p:cNvPr id="5" name="Straight Arrow Connector 4"/>
+          <p:cNvCxnSpPr>
+            <a:stCxn id="3" idx="3"/>
+            <a:endCxn id="6" idx="2"/>
+          </p:cNvCxnSpPr>
+          <p:nvPr/>
+        </p:nvCxnSpPr>
+        <p:spPr>
+          <a:xfrm>
+            <a:off x="1995010" y="333988"/>
+            <a:ext cx="449581" cy="2979"/>
+          </a:xfrm>
+          <a:prstGeom prst="straightConnector1">
+            <a:avLst/>
+          </a:prstGeom>
+          <a:ln>
+            <a:tailEnd type="triangle"/>
+          </a:ln>
+        </p:spPr>
+        <p:style>
+          <a:lnRef idx="1">
+            <a:schemeClr val="dk1"/>
+          </a:lnRef>
+          <a:fillRef idx="0">
+            <a:schemeClr val="dk1"/>
+          </a:fillRef>
+          <a:effectRef idx="0">
+            <a:schemeClr val="dk1"/>
+          </a:effectRef>
+          <a:fontRef idx="minor">
+            <a:schemeClr val="tx1"/>
+          </a:fontRef>
+        </p:style>
+      </p:cxnSp>
+      <p:sp>
+        <p:nvSpPr>
+          <p:cNvPr id="6" name="Flowchart: Data 5"/>
+          <p:cNvSpPr/>
+          <p:nvPr/>
+        </p:nvSpPr>
+        <p:spPr>
+          <a:xfrm>
+            <a:off x="2245518" y="165517"/>
+            <a:ext cx="1990725" cy="342899"/>
+          </a:xfrm>
+          <a:prstGeom prst="flowChartInputOutput">
+            <a:avLst/>
+          </a:prstGeom>
+        </p:spPr>
+        <p:style>
+          <a:lnRef idx="2">
+            <a:schemeClr val="accent6">
+              <a:shade val="50000"/>
+            </a:schemeClr>
+          </a:lnRef>
+          <a:fillRef idx="1">
+            <a:schemeClr val="accent6"/>
+          </a:fillRef>
+          <a:effectRef idx="0">
+            <a:schemeClr val="accent6"/>
+          </a:effectRef>
+          <a:fontRef idx="minor">
+            <a:schemeClr val="lt1"/>
+          </a:fontRef>
+        </p:style>
+        <p:txBody>
+          <a:bodyPr rtlCol="0" anchor="ctr"/>
+          <a:lstStyle/>
+          <a:p>
+            <a:pPr algn="ctr"/>
+            <a:r>
+              <a:rPr lang="en-US" dirty="0" smtClean="0"/>
+              <a:t>INPUT A,B</a:t>
+            </a:r>
+            <a:endParaRPr lang="en-US" dirty="0"/>
+          </a:p>
+        </p:txBody>
+      </p:sp>
+      <p:cxnSp>
+        <p:nvCxnSpPr>
+          <p:cNvPr id="8" name="Straight Arrow Connector 7"/>
+          <p:cNvCxnSpPr/>
+          <p:nvPr/>
+        </p:nvCxnSpPr>
+        <p:spPr>
+          <a:xfrm flipH="1">
+            <a:off x="1259324" y="1126337"/>
+            <a:ext cx="540902" cy="17386"/>
+          </a:xfrm>
+          <a:prstGeom prst="straightConnector1">
+            <a:avLst/>
+          </a:prstGeom>
+          <a:ln>
+            <a:tailEnd type="triangle"/>
+          </a:ln>
+        </p:spPr>
+        <p:style>
+          <a:lnRef idx="1">
+            <a:schemeClr val="dk1"/>
+          </a:lnRef>
+          <a:fillRef idx="0">
+            <a:schemeClr val="dk1"/>
+          </a:fillRef>
+          <a:effectRef idx="0">
+            <a:schemeClr val="dk1"/>
+          </a:effectRef>
+          <a:fontRef idx="minor">
+            <a:schemeClr val="tx1"/>
+          </a:fontRef>
+        </p:style>
+      </p:cxnSp>
+      <p:cxnSp>
+        <p:nvCxnSpPr>
+          <p:cNvPr id="14" name="Straight Arrow Connector 13"/>
+          <p:cNvCxnSpPr/>
+          <p:nvPr/>
+        </p:nvCxnSpPr>
+        <p:spPr>
+          <a:xfrm>
+            <a:off x="1258612" y="1143723"/>
+            <a:ext cx="0" cy="1313727"/>
+          </a:xfrm>
+          <a:prstGeom prst="straightConnector1">
+            <a:avLst/>
+          </a:prstGeom>
+          <a:ln>
+            <a:tailEnd type="triangle"/>
+          </a:ln>
+        </p:spPr>
+        <p:style>
+          <a:lnRef idx="1">
+            <a:schemeClr val="dk1"/>
+          </a:lnRef>
+          <a:fillRef idx="0">
+            <a:schemeClr val="dk1"/>
+          </a:fillRef>
+          <a:effectRef idx="0">
+            <a:schemeClr val="dk1"/>
+          </a:effectRef>
+          <a:fontRef idx="minor">
+            <a:schemeClr val="tx1"/>
+          </a:fontRef>
+        </p:style>
+      </p:cxnSp>
+      <p:sp>
+        <p:nvSpPr>
+          <p:cNvPr id="15" name="Flowchart: Display 14"/>
+          <p:cNvSpPr/>
+          <p:nvPr/>
+        </p:nvSpPr>
+        <p:spPr>
+          <a:xfrm>
+            <a:off x="790575" y="2457450"/>
+            <a:ext cx="1990725" cy="1009650"/>
+          </a:xfrm>
+          <a:prstGeom prst="flowChartDisplay">
+            <a:avLst/>
+          </a:prstGeom>
+        </p:spPr>
+        <p:style>
+          <a:lnRef idx="2">
+            <a:schemeClr val="accent3">
+              <a:shade val="50000"/>
+            </a:schemeClr>
+          </a:lnRef>
+          <a:fillRef idx="1">
+            <a:schemeClr val="accent3"/>
+          </a:fillRef>
+          <a:effectRef idx="0">
+            <a:schemeClr val="accent3"/>
+          </a:effectRef>
+          <a:fontRef idx="minor">
+            <a:schemeClr val="lt1"/>
+          </a:fontRef>
+        </p:style>
+        <p:txBody>
+          <a:bodyPr rtlCol="0" anchor="ctr"/>
+          <a:lstStyle/>
+          <a:p>
+            <a:pPr algn="ctr"/>
+            <a:r>
+              <a:rPr lang="en-US" dirty="0" smtClean="0"/>
+              <a:t>PRINT ZERO ISN’T A NATURAL NUMBER</a:t>
+            </a:r>
+            <a:endParaRPr lang="en-US" dirty="0"/>
+          </a:p>
+        </p:txBody>
+      </p:sp>
+      <p:cxnSp>
+        <p:nvCxnSpPr>
+          <p:cNvPr id="17" name="Straight Arrow Connector 16"/>
+          <p:cNvCxnSpPr>
+            <a:stCxn id="102" idx="3"/>
+          </p:cNvCxnSpPr>
+          <p:nvPr/>
+        </p:nvCxnSpPr>
+        <p:spPr>
+          <a:xfrm>
+            <a:off x="4680821" y="1116811"/>
+            <a:ext cx="1415179" cy="9526"/>
+          </a:xfrm>
+          <a:prstGeom prst="straightConnector1">
+            <a:avLst/>
+          </a:prstGeom>
+          <a:ln>
+            <a:tailEnd type="triangle"/>
+          </a:ln>
+        </p:spPr>
+        <p:style>
+          <a:lnRef idx="1">
+            <a:schemeClr val="dk1"/>
+          </a:lnRef>
+          <a:fillRef idx="0">
+            <a:schemeClr val="dk1"/>
+          </a:fillRef>
+          <a:effectRef idx="0">
+            <a:schemeClr val="dk1"/>
+          </a:effectRef>
+          <a:fontRef idx="minor">
+            <a:schemeClr val="tx1"/>
+          </a:fontRef>
+        </p:style>
+      </p:cxnSp>
+      <p:sp>
+        <p:nvSpPr>
+          <p:cNvPr id="21" name="Rectangle 20"/>
+          <p:cNvSpPr/>
+          <p:nvPr/>
+        </p:nvSpPr>
+        <p:spPr>
+          <a:xfrm>
+            <a:off x="6094570" y="959649"/>
+            <a:ext cx="1876425" cy="314324"/>
+          </a:xfrm>
+          <a:prstGeom prst="rect">
+            <a:avLst/>
+          </a:prstGeom>
+        </p:spPr>
+        <p:style>
+          <a:lnRef idx="2">
+            <a:schemeClr val="accent2">
+              <a:shade val="50000"/>
+            </a:schemeClr>
+          </a:lnRef>
+          <a:fillRef idx="1">
+            <a:schemeClr val="accent2"/>
+          </a:fillRef>
+          <a:effectRef idx="0">
+            <a:schemeClr val="accent2"/>
+          </a:effectRef>
+          <a:fontRef idx="minor">
+            <a:schemeClr val="lt1"/>
+          </a:fontRef>
+        </p:style>
+        <p:txBody>
+          <a:bodyPr rtlCol="0" anchor="ctr"/>
+          <a:lstStyle/>
+          <a:p>
+            <a:pPr algn="ctr"/>
+            <a:r>
+              <a:rPr lang="en-US" dirty="0" smtClean="0"/>
+              <a:t>R1=RANGE(1,A+1)</a:t>
+            </a:r>
+            <a:endParaRPr lang="en-US" dirty="0"/>
+          </a:p>
+        </p:txBody>
+      </p:sp>
+      <p:cxnSp>
+        <p:nvCxnSpPr>
+          <p:cNvPr id="78" name="Straight Arrow Connector 77"/>
+          <p:cNvCxnSpPr/>
+          <p:nvPr/>
+        </p:nvCxnSpPr>
+        <p:spPr>
+          <a:xfrm flipH="1">
+            <a:off x="3213497" y="2865597"/>
+            <a:ext cx="7616" cy="853915"/>
+          </a:xfrm>
+          <a:prstGeom prst="straightConnector1">
+            <a:avLst/>
+          </a:prstGeom>
+          <a:ln>
+            <a:tailEnd type="triangle"/>
+          </a:ln>
+        </p:spPr>
+        <p:style>
+          <a:lnRef idx="1">
+            <a:schemeClr val="dk1"/>
+          </a:lnRef>
+          <a:fillRef idx="0">
+            <a:schemeClr val="dk1"/>
+          </a:fillRef>
+          <a:effectRef idx="0">
+            <a:schemeClr val="dk1"/>
+          </a:effectRef>
+          <a:fontRef idx="minor">
+            <a:schemeClr val="tx1"/>
+          </a:fontRef>
+        </p:style>
+      </p:cxnSp>
+      <p:sp>
+        <p:nvSpPr>
+          <p:cNvPr id="80" name="Flowchart: Display 79"/>
+          <p:cNvSpPr/>
+          <p:nvPr/>
+        </p:nvSpPr>
+        <p:spPr>
+          <a:xfrm>
+            <a:off x="2522577" y="6210300"/>
+            <a:ext cx="1436608" cy="438150"/>
+          </a:xfrm>
+          <a:prstGeom prst="flowChartDisplay">
+            <a:avLst/>
+          </a:prstGeom>
+        </p:spPr>
+        <p:style>
+          <a:lnRef idx="2">
+            <a:schemeClr val="accent3">
+              <a:shade val="50000"/>
+            </a:schemeClr>
+          </a:lnRef>
+          <a:fillRef idx="1">
+            <a:schemeClr val="accent3"/>
+          </a:fillRef>
+          <a:effectRef idx="0">
+            <a:schemeClr val="accent3"/>
+          </a:effectRef>
+          <a:fontRef idx="minor">
+            <a:schemeClr val="lt1"/>
+          </a:fontRef>
+        </p:style>
+        <p:txBody>
+          <a:bodyPr rtlCol="0" anchor="ctr"/>
+          <a:lstStyle/>
+          <a:p>
+            <a:pPr algn="ctr"/>
+            <a:r>
+              <a:rPr lang="en-US" dirty="0" smtClean="0"/>
+              <a:t>PRINT F</a:t>
+            </a:r>
+            <a:endParaRPr lang="en-US" dirty="0"/>
+          </a:p>
+        </p:txBody>
+      </p:sp>
+      <p:sp>
+        <p:nvSpPr>
+          <p:cNvPr id="85" name="Flowchart: Alternate Process 84"/>
+          <p:cNvSpPr/>
+          <p:nvPr/>
+        </p:nvSpPr>
+        <p:spPr>
+          <a:xfrm>
+            <a:off x="2606518" y="3719512"/>
+            <a:ext cx="1279683" cy="685801"/>
+          </a:xfrm>
+          <a:prstGeom prst="flowChartAlternateProcess">
+            <a:avLst/>
+          </a:prstGeom>
+        </p:spPr>
+        <p:style>
+          <a:lnRef idx="2">
+            <a:schemeClr val="dk1">
+              <a:shade val="50000"/>
+            </a:schemeClr>
+          </a:lnRef>
+          <a:fillRef idx="1">
+            <a:schemeClr val="dk1"/>
+          </a:fillRef>
+          <a:effectRef idx="0">
+            <a:schemeClr val="dk1"/>
+          </a:effectRef>
+          <a:fontRef idx="minor">
+            <a:schemeClr val="lt1"/>
+          </a:fontRef>
+        </p:style>
+        <p:txBody>
+          <a:bodyPr rtlCol="0" anchor="ctr"/>
+          <a:lstStyle/>
+          <a:p>
+            <a:pPr algn="ctr"/>
+            <a:r>
+              <a:rPr lang="en-US" dirty="0" smtClean="0"/>
+              <a:t>EXIT FROM LOOP</a:t>
+            </a:r>
+            <a:endParaRPr lang="en-US" dirty="0"/>
+          </a:p>
+        </p:txBody>
+      </p:sp>
+      <p:cxnSp>
+        <p:nvCxnSpPr>
+          <p:cNvPr id="87" name="Straight Arrow Connector 86"/>
+          <p:cNvCxnSpPr/>
+          <p:nvPr/>
+        </p:nvCxnSpPr>
+        <p:spPr>
+          <a:xfrm flipH="1">
+            <a:off x="3240881" y="4386263"/>
+            <a:ext cx="5479" cy="1804987"/>
+          </a:xfrm>
+          <a:prstGeom prst="straightConnector1">
+            <a:avLst/>
+          </a:prstGeom>
+          <a:ln>
+            <a:tailEnd type="triangle"/>
+          </a:ln>
+        </p:spPr>
+        <p:style>
+          <a:lnRef idx="1">
+            <a:schemeClr val="dk1"/>
+          </a:lnRef>
+          <a:fillRef idx="0">
+            <a:schemeClr val="dk1"/>
+          </a:fillRef>
+          <a:effectRef idx="0">
+            <a:schemeClr val="dk1"/>
+          </a:effectRef>
+          <a:fontRef idx="minor">
+            <a:schemeClr val="tx1"/>
+          </a:fontRef>
+        </p:style>
+      </p:cxnSp>
+      <p:cxnSp>
+        <p:nvCxnSpPr>
+          <p:cNvPr id="91" name="Straight Arrow Connector 90"/>
+          <p:cNvCxnSpPr>
+            <a:stCxn id="15" idx="2"/>
+          </p:cNvCxnSpPr>
+          <p:nvPr/>
+        </p:nvCxnSpPr>
+        <p:spPr>
+          <a:xfrm>
+            <a:off x="1785938" y="3467100"/>
+            <a:ext cx="14287" cy="2743200"/>
+          </a:xfrm>
+          <a:prstGeom prst="straightConnector1">
+            <a:avLst/>
+          </a:prstGeom>
+          <a:ln>
+            <a:tailEnd type="triangle"/>
+          </a:ln>
+        </p:spPr>
+        <p:style>
+          <a:lnRef idx="1">
+            <a:schemeClr val="dk1"/>
+          </a:lnRef>
+          <a:fillRef idx="0">
+            <a:schemeClr val="dk1"/>
+          </a:fillRef>
+          <a:effectRef idx="0">
+            <a:schemeClr val="dk1"/>
+          </a:effectRef>
+          <a:fontRef idx="minor">
+            <a:schemeClr val="tx1"/>
+          </a:fontRef>
+        </p:style>
+      </p:cxnSp>
+      <p:sp>
+        <p:nvSpPr>
+          <p:cNvPr id="92" name="Flowchart: Terminator 91"/>
+          <p:cNvSpPr/>
+          <p:nvPr/>
+        </p:nvSpPr>
+        <p:spPr>
+          <a:xfrm>
+            <a:off x="1259324" y="6191250"/>
+            <a:ext cx="1085850" cy="457200"/>
+          </a:xfrm>
+          <a:prstGeom prst="flowChartTerminator">
+            <a:avLst/>
+          </a:prstGeom>
+        </p:spPr>
+        <p:style>
+          <a:lnRef idx="2">
+            <a:schemeClr val="accent4">
+              <a:shade val="50000"/>
+            </a:schemeClr>
+          </a:lnRef>
+          <a:fillRef idx="1">
+            <a:schemeClr val="accent4"/>
+          </a:fillRef>
+          <a:effectRef idx="0">
+            <a:schemeClr val="accent4"/>
+          </a:effectRef>
+          <a:fontRef idx="minor">
+            <a:schemeClr val="lt1"/>
+          </a:fontRef>
+        </p:style>
+        <p:txBody>
+          <a:bodyPr rtlCol="0" anchor="ctr"/>
+          <a:lstStyle/>
+          <a:p>
+            <a:pPr algn="ctr"/>
+            <a:r>
+              <a:rPr lang="en-US" dirty="0" smtClean="0"/>
+              <a:t>END</a:t>
+            </a:r>
+            <a:endParaRPr lang="en-US" dirty="0"/>
+          </a:p>
+        </p:txBody>
+      </p:sp>
+      <p:cxnSp>
+        <p:nvCxnSpPr>
+          <p:cNvPr id="94" name="Straight Arrow Connector 93"/>
+          <p:cNvCxnSpPr>
+            <a:stCxn id="80" idx="1"/>
+            <a:endCxn id="92" idx="3"/>
+          </p:cNvCxnSpPr>
+          <p:nvPr/>
+        </p:nvCxnSpPr>
+        <p:spPr>
+          <a:xfrm flipH="1" flipV="1">
+            <a:off x="2345174" y="6419850"/>
+            <a:ext cx="177403" cy="9525"/>
+          </a:xfrm>
+          <a:prstGeom prst="straightConnector1">
+            <a:avLst/>
+          </a:prstGeom>
+          <a:ln>
+            <a:tailEnd type="triangle"/>
+          </a:ln>
+        </p:spPr>
+        <p:style>
+          <a:lnRef idx="1">
+            <a:schemeClr val="dk1"/>
+          </a:lnRef>
+          <a:fillRef idx="0">
+            <a:schemeClr val="dk1"/>
+          </a:fillRef>
+          <a:effectRef idx="0">
+            <a:schemeClr val="dk1"/>
+          </a:effectRef>
+          <a:fontRef idx="minor">
+            <a:schemeClr val="tx1"/>
+          </a:fontRef>
+        </p:style>
+      </p:cxnSp>
+      <p:sp>
+        <p:nvSpPr>
+          <p:cNvPr id="102" name="Flowchart: Decision 101"/>
+          <p:cNvSpPr/>
+          <p:nvPr/>
+        </p:nvSpPr>
+        <p:spPr>
+          <a:xfrm>
+            <a:off x="1800938" y="806064"/>
+            <a:ext cx="2879883" cy="621494"/>
+          </a:xfrm>
+          <a:prstGeom prst="flowChartDecision">
+            <a:avLst/>
+          </a:prstGeom>
+        </p:spPr>
+        <p:style>
+          <a:lnRef idx="2">
+            <a:schemeClr val="accent1">
+              <a:shade val="50000"/>
+            </a:schemeClr>
+          </a:lnRef>
+          <a:fillRef idx="1">
+            <a:schemeClr val="accent1"/>
+          </a:fillRef>
+          <a:effectRef idx="0">
+            <a:schemeClr val="accent1"/>
+          </a:effectRef>
+          <a:fontRef idx="minor">
+            <a:schemeClr val="lt1"/>
+          </a:fontRef>
+        </p:style>
+        <p:txBody>
+          <a:bodyPr rtlCol="0" anchor="ctr"/>
+          <a:lstStyle/>
+          <a:p>
+            <a:pPr algn="ctr"/>
+            <a:r>
+              <a:rPr lang="en-US" dirty="0" smtClean="0"/>
+              <a:t>IS A=0 OR B=0</a:t>
+            </a:r>
+            <a:endParaRPr lang="en-US" dirty="0"/>
+          </a:p>
+        </p:txBody>
+      </p:sp>
+      <p:cxnSp>
+        <p:nvCxnSpPr>
+          <p:cNvPr id="113" name="Straight Arrow Connector 112"/>
+          <p:cNvCxnSpPr>
+            <a:stCxn id="6" idx="4"/>
+            <a:endCxn id="102" idx="0"/>
+          </p:cNvCxnSpPr>
+          <p:nvPr/>
+        </p:nvCxnSpPr>
+        <p:spPr>
+          <a:xfrm flipH="1">
+            <a:off x="3240880" y="508416"/>
+            <a:ext cx="1" cy="297648"/>
+          </a:xfrm>
+          <a:prstGeom prst="straightConnector1">
+            <a:avLst/>
+          </a:prstGeom>
+          <a:ln>
+            <a:tailEnd type="triangle"/>
+          </a:ln>
+        </p:spPr>
+        <p:style>
+          <a:lnRef idx="1">
+            <a:schemeClr val="dk1"/>
+          </a:lnRef>
+          <a:fillRef idx="0">
+            <a:schemeClr val="dk1"/>
+          </a:fillRef>
+          <a:effectRef idx="0">
+            <a:schemeClr val="dk1"/>
+          </a:effectRef>
+          <a:fontRef idx="minor">
+            <a:schemeClr val="tx1"/>
+          </a:fontRef>
+        </p:style>
+      </p:cxnSp>
+      <p:sp>
+        <p:nvSpPr>
+          <p:cNvPr id="126" name="TextBox 125"/>
+          <p:cNvSpPr txBox="1"/>
+          <p:nvPr/>
+        </p:nvSpPr>
+        <p:spPr>
+          <a:xfrm>
+            <a:off x="4598309" y="729383"/>
+            <a:ext cx="802482" cy="369332"/>
+          </a:xfrm>
+          <a:prstGeom prst="rect">
+            <a:avLst/>
+          </a:prstGeom>
+          <a:noFill/>
+        </p:spPr>
+        <p:txBody>
+          <a:bodyPr wrap="square" rtlCol="0">
+            <a:spAutoFit/>
+          </a:bodyPr>
+          <a:lstStyle/>
+          <a:p>
+            <a:r>
+              <a:rPr lang="en-US" dirty="0" smtClean="0"/>
+              <a:t>FALSE</a:t>
+            </a:r>
+            <a:endParaRPr lang="en-US" dirty="0"/>
+          </a:p>
+        </p:txBody>
+      </p:sp>
+      <p:sp>
+        <p:nvSpPr>
+          <p:cNvPr id="127" name="TextBox 126"/>
+          <p:cNvSpPr txBox="1"/>
+          <p:nvPr/>
+        </p:nvSpPr>
+        <p:spPr>
+          <a:xfrm>
+            <a:off x="1096148" y="697710"/>
+            <a:ext cx="770752" cy="369332"/>
+          </a:xfrm>
+          <a:prstGeom prst="rect">
+            <a:avLst/>
+          </a:prstGeom>
+          <a:noFill/>
+        </p:spPr>
+        <p:txBody>
+          <a:bodyPr wrap="square" rtlCol="0">
+            <a:spAutoFit/>
+          </a:bodyPr>
+          <a:lstStyle/>
+          <a:p>
+            <a:r>
+              <a:rPr lang="en-US" dirty="0" smtClean="0"/>
+              <a:t>TRUE</a:t>
+            </a:r>
+            <a:endParaRPr lang="en-US" dirty="0"/>
+          </a:p>
+        </p:txBody>
+      </p:sp>
+      <p:cxnSp>
+        <p:nvCxnSpPr>
+          <p:cNvPr id="138" name="Straight Arrow Connector 137"/>
+          <p:cNvCxnSpPr>
+            <a:stCxn id="21" idx="2"/>
+          </p:cNvCxnSpPr>
+          <p:nvPr/>
+        </p:nvCxnSpPr>
+        <p:spPr>
+          <a:xfrm flipH="1">
+            <a:off x="7032781" y="1273973"/>
+            <a:ext cx="2" cy="526613"/>
+          </a:xfrm>
+          <a:prstGeom prst="straightConnector1">
+            <a:avLst/>
+          </a:prstGeom>
+          <a:ln>
+            <a:tailEnd type="triangle"/>
+          </a:ln>
+        </p:spPr>
+        <p:style>
+          <a:lnRef idx="1">
+            <a:schemeClr val="dk1"/>
+          </a:lnRef>
+          <a:fillRef idx="0">
+            <a:schemeClr val="dk1"/>
+          </a:fillRef>
+          <a:effectRef idx="0">
+            <a:schemeClr val="dk1"/>
+          </a:effectRef>
+          <a:fontRef idx="minor">
+            <a:schemeClr val="tx1"/>
+          </a:fontRef>
+        </p:style>
+      </p:cxnSp>
+      <p:sp>
+        <p:nvSpPr>
+          <p:cNvPr id="139" name="Rectangle 138"/>
+          <p:cNvSpPr/>
+          <p:nvPr/>
+        </p:nvSpPr>
+        <p:spPr>
+          <a:xfrm>
+            <a:off x="6094568" y="1800586"/>
+            <a:ext cx="1876425" cy="314324"/>
+          </a:xfrm>
+          <a:prstGeom prst="rect">
+            <a:avLst/>
+          </a:prstGeom>
+        </p:spPr>
+        <p:style>
+          <a:lnRef idx="2">
+            <a:schemeClr val="accent2">
+              <a:shade val="50000"/>
+            </a:schemeClr>
+          </a:lnRef>
+          <a:fillRef idx="1">
+            <a:schemeClr val="accent2"/>
+          </a:fillRef>
+          <a:effectRef idx="0">
+            <a:schemeClr val="accent2"/>
+          </a:effectRef>
+          <a:fontRef idx="minor">
+            <a:schemeClr val="lt1"/>
+          </a:fontRef>
+        </p:style>
+        <p:txBody>
+          <a:bodyPr rtlCol="0" anchor="ctr"/>
+          <a:lstStyle/>
+          <a:p>
+            <a:pPr algn="ctr"/>
+            <a:r>
+              <a:rPr lang="en-US" dirty="0" smtClean="0"/>
+              <a:t>R2=RANGE(1,B+1)</a:t>
+            </a:r>
+            <a:endParaRPr lang="en-US" dirty="0"/>
+          </a:p>
+        </p:txBody>
+      </p:sp>
+      <p:sp>
+        <p:nvSpPr>
+          <p:cNvPr id="146" name="Flowchart: Decision 145"/>
+          <p:cNvSpPr/>
+          <p:nvPr/>
+        </p:nvSpPr>
+        <p:spPr>
+          <a:xfrm>
+            <a:off x="5592838" y="2496265"/>
+            <a:ext cx="2879883" cy="621494"/>
+          </a:xfrm>
+          <a:prstGeom prst="flowChartDecision">
+            <a:avLst/>
+          </a:prstGeom>
+        </p:spPr>
+        <p:style>
+          <a:lnRef idx="2">
+            <a:schemeClr val="accent1">
+              <a:shade val="50000"/>
+            </a:schemeClr>
+          </a:lnRef>
+          <a:fillRef idx="1">
+            <a:schemeClr val="accent1"/>
+          </a:fillRef>
+          <a:effectRef idx="0">
+            <a:schemeClr val="accent1"/>
+          </a:effectRef>
+          <a:fontRef idx="minor">
+            <a:schemeClr val="lt1"/>
+          </a:fontRef>
+        </p:style>
+        <p:txBody>
+          <a:bodyPr rtlCol="0" anchor="ctr"/>
+          <a:lstStyle/>
+          <a:p>
+            <a:pPr algn="ctr"/>
+            <a:r>
+              <a:rPr lang="en-US" dirty="0" smtClean="0"/>
+              <a:t>IS C IN RI AND R2</a:t>
+            </a:r>
+            <a:endParaRPr lang="en-US" dirty="0"/>
+          </a:p>
+        </p:txBody>
+      </p:sp>
+      <p:cxnSp>
+        <p:nvCxnSpPr>
+          <p:cNvPr id="147" name="Straight Arrow Connector 146"/>
+          <p:cNvCxnSpPr>
+            <a:stCxn id="139" idx="2"/>
+          </p:cNvCxnSpPr>
+          <p:nvPr/>
+        </p:nvCxnSpPr>
+        <p:spPr>
+          <a:xfrm flipH="1">
+            <a:off x="7032779" y="2114910"/>
+            <a:ext cx="2" cy="381355"/>
+          </a:xfrm>
+          <a:prstGeom prst="straightConnector1">
+            <a:avLst/>
+          </a:prstGeom>
+          <a:ln>
+            <a:tailEnd type="triangle"/>
+          </a:ln>
+        </p:spPr>
+        <p:style>
+          <a:lnRef idx="1">
+            <a:schemeClr val="dk1"/>
+          </a:lnRef>
+          <a:fillRef idx="0">
+            <a:schemeClr val="dk1"/>
+          </a:fillRef>
+          <a:effectRef idx="0">
+            <a:schemeClr val="dk1"/>
+          </a:effectRef>
+          <a:fontRef idx="minor">
+            <a:schemeClr val="tx1"/>
+          </a:fontRef>
+        </p:style>
+      </p:cxnSp>
+      <p:cxnSp>
+        <p:nvCxnSpPr>
+          <p:cNvPr id="150" name="Straight Arrow Connector 149"/>
+          <p:cNvCxnSpPr>
+            <a:stCxn id="146" idx="3"/>
+          </p:cNvCxnSpPr>
+          <p:nvPr/>
+        </p:nvCxnSpPr>
+        <p:spPr>
+          <a:xfrm flipV="1">
+            <a:off x="8472721" y="2801781"/>
+            <a:ext cx="680804" cy="5231"/>
+          </a:xfrm>
+          <a:prstGeom prst="straightConnector1">
+            <a:avLst/>
+          </a:prstGeom>
+          <a:ln>
+            <a:tailEnd type="triangle"/>
+          </a:ln>
+        </p:spPr>
+        <p:style>
+          <a:lnRef idx="1">
+            <a:schemeClr val="dk1"/>
+          </a:lnRef>
+          <a:fillRef idx="0">
+            <a:schemeClr val="dk1"/>
+          </a:fillRef>
+          <a:effectRef idx="0">
+            <a:schemeClr val="dk1"/>
+          </a:effectRef>
+          <a:fontRef idx="minor">
+            <a:schemeClr val="tx1"/>
+          </a:fontRef>
+        </p:style>
+      </p:cxnSp>
+      <p:cxnSp>
+        <p:nvCxnSpPr>
+          <p:cNvPr id="151" name="Straight Arrow Connector 150"/>
+          <p:cNvCxnSpPr/>
+          <p:nvPr/>
+        </p:nvCxnSpPr>
+        <p:spPr>
+          <a:xfrm flipH="1">
+            <a:off x="9153523" y="2849221"/>
+            <a:ext cx="2" cy="526613"/>
+          </a:xfrm>
+          <a:prstGeom prst="straightConnector1">
+            <a:avLst/>
+          </a:prstGeom>
+          <a:ln>
+            <a:tailEnd type="triangle"/>
+          </a:ln>
+        </p:spPr>
+        <p:style>
+          <a:lnRef idx="1">
+            <a:schemeClr val="dk1"/>
+          </a:lnRef>
+          <a:fillRef idx="0">
+            <a:schemeClr val="dk1"/>
+          </a:fillRef>
+          <a:effectRef idx="0">
+            <a:schemeClr val="dk1"/>
+          </a:effectRef>
+          <a:fontRef idx="minor">
+            <a:schemeClr val="tx1"/>
+          </a:fontRef>
+        </p:style>
+      </p:cxnSp>
+      <p:sp>
+        <p:nvSpPr>
+          <p:cNvPr id="152" name="Flowchart: Decision 151"/>
+          <p:cNvSpPr/>
+          <p:nvPr/>
+        </p:nvSpPr>
+        <p:spPr>
+          <a:xfrm>
+            <a:off x="7713581" y="3438386"/>
+            <a:ext cx="2879883" cy="621494"/>
+          </a:xfrm>
+          <a:prstGeom prst="flowChartDecision">
+            <a:avLst/>
+          </a:prstGeom>
+        </p:spPr>
+        <p:style>
+          <a:lnRef idx="2">
+            <a:schemeClr val="accent1">
+              <a:shade val="50000"/>
+            </a:schemeClr>
+          </a:lnRef>
+          <a:fillRef idx="1">
+            <a:schemeClr val="accent1"/>
+          </a:fillRef>
+          <a:effectRef idx="0">
+            <a:schemeClr val="accent1"/>
+          </a:effectRef>
+          <a:fontRef idx="minor">
+            <a:schemeClr val="lt1"/>
+          </a:fontRef>
+        </p:style>
+        <p:txBody>
+          <a:bodyPr rtlCol="0" anchor="ctr"/>
+          <a:lstStyle/>
+          <a:p>
+            <a:pPr algn="ctr"/>
+            <a:r>
+              <a:rPr lang="en-US" dirty="0" smtClean="0"/>
+              <a:t>IS A%C=0 AND B%C=0 </a:t>
+            </a:r>
+            <a:endParaRPr lang="en-US" dirty="0"/>
+          </a:p>
+        </p:txBody>
+      </p:sp>
+      <p:cxnSp>
+        <p:nvCxnSpPr>
+          <p:cNvPr id="154" name="Straight Arrow Connector 153"/>
+          <p:cNvCxnSpPr>
+            <a:stCxn id="152" idx="1"/>
+          </p:cNvCxnSpPr>
+          <p:nvPr/>
+        </p:nvCxnSpPr>
+        <p:spPr>
+          <a:xfrm flipH="1">
+            <a:off x="7032779" y="3749133"/>
+            <a:ext cx="680802" cy="0"/>
+          </a:xfrm>
+          <a:prstGeom prst="straightConnector1">
+            <a:avLst/>
+          </a:prstGeom>
+          <a:ln>
+            <a:tailEnd type="triangle"/>
+          </a:ln>
+        </p:spPr>
+        <p:style>
+          <a:lnRef idx="1">
+            <a:schemeClr val="dk1"/>
+          </a:lnRef>
+          <a:fillRef idx="0">
+            <a:schemeClr val="dk1"/>
+          </a:fillRef>
+          <a:effectRef idx="0">
+            <a:schemeClr val="dk1"/>
+          </a:effectRef>
+          <a:fontRef idx="minor">
+            <a:schemeClr val="tx1"/>
+          </a:fontRef>
+        </p:style>
+      </p:cxnSp>
+      <p:cxnSp>
+        <p:nvCxnSpPr>
+          <p:cNvPr id="156" name="Straight Arrow Connector 155"/>
+          <p:cNvCxnSpPr>
+            <a:endCxn id="146" idx="2"/>
+          </p:cNvCxnSpPr>
+          <p:nvPr/>
+        </p:nvCxnSpPr>
+        <p:spPr>
+          <a:xfrm flipV="1">
+            <a:off x="7032779" y="3117759"/>
+            <a:ext cx="1" cy="631374"/>
+          </a:xfrm>
+          <a:prstGeom prst="straightConnector1">
+            <a:avLst/>
+          </a:prstGeom>
+          <a:ln>
+            <a:tailEnd type="triangle"/>
+          </a:ln>
+        </p:spPr>
+        <p:style>
+          <a:lnRef idx="1">
+            <a:schemeClr val="dk1"/>
+          </a:lnRef>
+          <a:fillRef idx="0">
+            <a:schemeClr val="dk1"/>
+          </a:fillRef>
+          <a:effectRef idx="0">
+            <a:schemeClr val="dk1"/>
+          </a:effectRef>
+          <a:fontRef idx="minor">
+            <a:schemeClr val="tx1"/>
+          </a:fontRef>
+        </p:style>
+      </p:cxnSp>
+      <p:cxnSp>
+        <p:nvCxnSpPr>
+          <p:cNvPr id="158" name="Straight Arrow Connector 157"/>
+          <p:cNvCxnSpPr>
+            <a:stCxn id="152" idx="2"/>
+          </p:cNvCxnSpPr>
+          <p:nvPr/>
+        </p:nvCxnSpPr>
+        <p:spPr>
+          <a:xfrm flipH="1">
+            <a:off x="9153522" y="4059880"/>
+            <a:ext cx="1" cy="674045"/>
+          </a:xfrm>
+          <a:prstGeom prst="straightConnector1">
+            <a:avLst/>
+          </a:prstGeom>
+          <a:ln>
+            <a:tailEnd type="triangle"/>
+          </a:ln>
+        </p:spPr>
+        <p:style>
+          <a:lnRef idx="1">
+            <a:schemeClr val="dk1"/>
+          </a:lnRef>
+          <a:fillRef idx="0">
+            <a:schemeClr val="dk1"/>
+          </a:fillRef>
+          <a:effectRef idx="0">
+            <a:schemeClr val="dk1"/>
+          </a:effectRef>
+          <a:fontRef idx="minor">
+            <a:schemeClr val="tx1"/>
+          </a:fontRef>
+        </p:style>
+      </p:cxnSp>
+      <p:sp>
+        <p:nvSpPr>
+          <p:cNvPr id="159" name="Rectangle 158"/>
+          <p:cNvSpPr/>
+          <p:nvPr/>
+        </p:nvSpPr>
+        <p:spPr>
+          <a:xfrm>
+            <a:off x="8260670" y="4733925"/>
+            <a:ext cx="1785704" cy="466725"/>
+          </a:xfrm>
+          <a:prstGeom prst="rect">
+            <a:avLst/>
+          </a:prstGeom>
+        </p:spPr>
+        <p:style>
+          <a:lnRef idx="2">
+            <a:schemeClr val="accent2">
+              <a:shade val="50000"/>
+            </a:schemeClr>
+          </a:lnRef>
+          <a:fillRef idx="1">
+            <a:schemeClr val="accent2"/>
+          </a:fillRef>
+          <a:effectRef idx="0">
+            <a:schemeClr val="accent2"/>
+          </a:effectRef>
+          <a:fontRef idx="minor">
+            <a:schemeClr val="lt1"/>
+          </a:fontRef>
+        </p:style>
+        <p:txBody>
+          <a:bodyPr rtlCol="0" anchor="ctr"/>
+          <a:lstStyle/>
+          <a:p>
+            <a:pPr algn="ctr"/>
+            <a:r>
+              <a:rPr lang="en-US" dirty="0" smtClean="0"/>
+              <a:t>F = C</a:t>
+            </a:r>
+            <a:endParaRPr lang="en-US" dirty="0"/>
+          </a:p>
+        </p:txBody>
+      </p:sp>
+      <p:cxnSp>
+        <p:nvCxnSpPr>
+          <p:cNvPr id="161" name="Straight Arrow Connector 160"/>
+          <p:cNvCxnSpPr>
+            <a:stCxn id="159" idx="3"/>
+          </p:cNvCxnSpPr>
+          <p:nvPr/>
+        </p:nvCxnSpPr>
+        <p:spPr>
+          <a:xfrm>
+            <a:off x="10046374" y="4967288"/>
+            <a:ext cx="1536026" cy="4762"/>
+          </a:xfrm>
+          <a:prstGeom prst="straightConnector1">
+            <a:avLst/>
+          </a:prstGeom>
+          <a:ln>
+            <a:tailEnd type="triangle"/>
+          </a:ln>
+        </p:spPr>
+        <p:style>
+          <a:lnRef idx="1">
+            <a:schemeClr val="dk1"/>
+          </a:lnRef>
+          <a:fillRef idx="0">
+            <a:schemeClr val="dk1"/>
+          </a:fillRef>
+          <a:effectRef idx="0">
+            <a:schemeClr val="dk1"/>
+          </a:effectRef>
+          <a:fontRef idx="minor">
+            <a:schemeClr val="tx1"/>
+          </a:fontRef>
+        </p:style>
+      </p:cxnSp>
+      <p:cxnSp>
+        <p:nvCxnSpPr>
+          <p:cNvPr id="163" name="Straight Arrow Connector 162"/>
+          <p:cNvCxnSpPr/>
+          <p:nvPr/>
+        </p:nvCxnSpPr>
+        <p:spPr>
+          <a:xfrm flipV="1">
+            <a:off x="11525250" y="2343507"/>
+            <a:ext cx="9525" cy="2623780"/>
+          </a:xfrm>
+          <a:prstGeom prst="straightConnector1">
+            <a:avLst/>
+          </a:prstGeom>
+          <a:ln>
+            <a:tailEnd type="triangle"/>
+          </a:ln>
+        </p:spPr>
+        <p:style>
+          <a:lnRef idx="1">
+            <a:schemeClr val="dk1"/>
+          </a:lnRef>
+          <a:fillRef idx="0">
+            <a:schemeClr val="dk1"/>
+          </a:fillRef>
+          <a:effectRef idx="0">
+            <a:schemeClr val="dk1"/>
+          </a:effectRef>
+          <a:fontRef idx="minor">
+            <a:schemeClr val="tx1"/>
+          </a:fontRef>
+        </p:style>
+      </p:cxnSp>
+      <p:cxnSp>
+        <p:nvCxnSpPr>
+          <p:cNvPr id="165" name="Straight Arrow Connector 164"/>
+          <p:cNvCxnSpPr/>
+          <p:nvPr/>
+        </p:nvCxnSpPr>
+        <p:spPr>
+          <a:xfrm flipH="1">
+            <a:off x="7028017" y="2343507"/>
+            <a:ext cx="4458298" cy="0"/>
+          </a:xfrm>
+          <a:prstGeom prst="straightConnector1">
+            <a:avLst/>
+          </a:prstGeom>
+          <a:ln>
+            <a:tailEnd type="triangle"/>
+          </a:ln>
+        </p:spPr>
+        <p:style>
+          <a:lnRef idx="1">
+            <a:schemeClr val="dk1"/>
+          </a:lnRef>
+          <a:fillRef idx="0">
+            <a:schemeClr val="dk1"/>
+          </a:fillRef>
+          <a:effectRef idx="0">
+            <a:schemeClr val="dk1"/>
+          </a:effectRef>
+          <a:fontRef idx="minor">
+            <a:schemeClr val="tx1"/>
+          </a:fontRef>
+        </p:style>
+      </p:cxnSp>
+      <p:sp>
+        <p:nvSpPr>
+          <p:cNvPr id="167" name="TextBox 166"/>
+          <p:cNvSpPr txBox="1"/>
+          <p:nvPr/>
+        </p:nvSpPr>
+        <p:spPr>
+          <a:xfrm>
+            <a:off x="7071715" y="3433446"/>
+            <a:ext cx="767359" cy="369332"/>
+          </a:xfrm>
+          <a:prstGeom prst="rect">
+            <a:avLst/>
+          </a:prstGeom>
+          <a:noFill/>
+        </p:spPr>
+        <p:txBody>
+          <a:bodyPr wrap="square" rtlCol="0">
+            <a:spAutoFit/>
+          </a:bodyPr>
+          <a:lstStyle/>
+          <a:p>
+            <a:r>
+              <a:rPr lang="en-US" dirty="0" smtClean="0"/>
+              <a:t>FALSE</a:t>
+            </a:r>
+            <a:endParaRPr lang="en-US" dirty="0"/>
+          </a:p>
+        </p:txBody>
+      </p:sp>
+      <p:sp>
+        <p:nvSpPr>
+          <p:cNvPr id="168" name="TextBox 167"/>
+          <p:cNvSpPr txBox="1"/>
+          <p:nvPr/>
+        </p:nvSpPr>
+        <p:spPr>
+          <a:xfrm>
+            <a:off x="9192457" y="4229100"/>
+            <a:ext cx="780218" cy="369332"/>
+          </a:xfrm>
+          <a:prstGeom prst="rect">
+            <a:avLst/>
+          </a:prstGeom>
+          <a:noFill/>
+        </p:spPr>
+        <p:txBody>
+          <a:bodyPr wrap="square" rtlCol="0">
+            <a:spAutoFit/>
+          </a:bodyPr>
+          <a:lstStyle/>
+          <a:p>
+            <a:r>
+              <a:rPr lang="en-US" dirty="0" smtClean="0"/>
+              <a:t>TRUE</a:t>
+            </a:r>
+            <a:endParaRPr lang="en-US" dirty="0"/>
+          </a:p>
+        </p:txBody>
+      </p:sp>
+      <p:sp>
+        <p:nvSpPr>
+          <p:cNvPr id="169" name="TextBox 168"/>
+          <p:cNvSpPr txBox="1"/>
+          <p:nvPr/>
+        </p:nvSpPr>
+        <p:spPr>
+          <a:xfrm>
+            <a:off x="8378670" y="2496265"/>
+            <a:ext cx="727227" cy="369332"/>
+          </a:xfrm>
+          <a:prstGeom prst="rect">
+            <a:avLst/>
+          </a:prstGeom>
+          <a:noFill/>
+        </p:spPr>
+        <p:txBody>
+          <a:bodyPr wrap="square" rtlCol="0">
+            <a:spAutoFit/>
+          </a:bodyPr>
+          <a:lstStyle/>
+          <a:p>
+            <a:r>
+              <a:rPr lang="en-US" dirty="0" smtClean="0"/>
+              <a:t>TRUE</a:t>
+            </a:r>
+            <a:endParaRPr lang="en-US" dirty="0"/>
+          </a:p>
+        </p:txBody>
+      </p:sp>
+      <p:cxnSp>
+        <p:nvCxnSpPr>
+          <p:cNvPr id="171" name="Straight Arrow Connector 170"/>
+          <p:cNvCxnSpPr>
+            <a:stCxn id="146" idx="1"/>
+          </p:cNvCxnSpPr>
+          <p:nvPr/>
+        </p:nvCxnSpPr>
+        <p:spPr>
+          <a:xfrm flipH="1">
+            <a:off x="3209925" y="2807012"/>
+            <a:ext cx="2382913" cy="42209"/>
+          </a:xfrm>
+          <a:prstGeom prst="straightConnector1">
+            <a:avLst/>
+          </a:prstGeom>
+          <a:ln>
+            <a:tailEnd type="triangle"/>
+          </a:ln>
+        </p:spPr>
+        <p:style>
+          <a:lnRef idx="1">
+            <a:schemeClr val="dk1"/>
+          </a:lnRef>
+          <a:fillRef idx="0">
+            <a:schemeClr val="dk1"/>
+          </a:fillRef>
+          <a:effectRef idx="0">
+            <a:schemeClr val="dk1"/>
+          </a:effectRef>
+          <a:fontRef idx="minor">
+            <a:schemeClr val="tx1"/>
+          </a:fontRef>
+        </p:style>
+      </p:cxnSp>
+      <p:sp>
+        <p:nvSpPr>
+          <p:cNvPr id="173" name="TextBox 172"/>
+          <p:cNvSpPr txBox="1"/>
+          <p:nvPr/>
+        </p:nvSpPr>
+        <p:spPr>
+          <a:xfrm>
+            <a:off x="4438052" y="2516268"/>
+            <a:ext cx="1628770" cy="369332"/>
+          </a:xfrm>
+          <a:prstGeom prst="rect">
+            <a:avLst/>
+          </a:prstGeom>
+          <a:noFill/>
+        </p:spPr>
+        <p:txBody>
+          <a:bodyPr wrap="square" rtlCol="0">
+            <a:spAutoFit/>
+          </a:bodyPr>
+          <a:lstStyle/>
+          <a:p>
+            <a:r>
+              <a:rPr lang="en-US" dirty="0" smtClean="0"/>
+              <a:t>FALSE</a:t>
+            </a:r>
+            <a:endParaRPr lang="en-US" dirty="0"/>
+          </a:p>
+        </p:txBody>
+      </p:sp>
+    </p:spTree>
+    <p:extLst>
+      <p:ext uri="{BB962C8B-B14F-4D97-AF65-F5344CB8AC3E}">
+        <p14:creationId xmlns:p14="http://schemas.microsoft.com/office/powerpoint/2010/main" val="1480597796"/>
+      </p:ext>
+    </p:extLst>
+  </p:cSld>
+  <p:clrMapOvr>
+    <a:masterClrMapping/>
+  </p:clrMapOvr>
+</p:sld>
+</file>
+
+<file path=ppt/slides/slide14.xml><?xml version="1.0" encoding="utf-8"?>
+<p:sld xmlns:a="http://schemas.openxmlformats.org/drawingml/2006/main" xmlns:r="http://schemas.openxmlformats.org/officeDocument/2006/relationships" xmlns:p="http://schemas.openxmlformats.org/presentationml/2006/main">
+  <p:cSld>
+    <p:spTree>
+      <p:nvGrpSpPr>
+        <p:cNvPr id="1" name=""/>
+        <p:cNvGrpSpPr/>
+        <p:nvPr/>
+      </p:nvGrpSpPr>
+      <p:grpSpPr>
+        <a:xfrm>
+          <a:off x="0" y="0"/>
+          <a:ext cx="0" cy="0"/>
+          <a:chOff x="0" y="0"/>
+          <a:chExt cx="0" cy="0"/>
+        </a:xfrm>
+      </p:grpSpPr>
+      <p:sp>
+        <p:nvSpPr>
+          <p:cNvPr id="2" name="Title 1"/>
+          <p:cNvSpPr>
+            <a:spLocks noGrp="1"/>
+          </p:cNvSpPr>
+          <p:nvPr>
+            <p:ph type="ctrTitle"/>
+          </p:nvPr>
+        </p:nvSpPr>
+        <p:spPr>
+          <a:xfrm>
+            <a:off x="1410711" y="216055"/>
+            <a:ext cx="9144000" cy="2387600"/>
+          </a:xfrm>
+        </p:spPr>
+        <p:txBody>
+          <a:bodyPr/>
+          <a:lstStyle/>
+          <a:p>
+            <a:r>
+              <a:rPr lang="en-US" dirty="0" smtClean="0"/>
+              <a:t>Algorithm to find the:</a:t>
+            </a:r>
+            <a:endParaRPr lang="en-US" dirty="0"/>
+          </a:p>
+        </p:txBody>
+      </p:sp>
+      <p:sp>
+        <p:nvSpPr>
+          <p:cNvPr id="3" name="Subtitle 2"/>
+          <p:cNvSpPr>
+            <a:spLocks noGrp="1"/>
+          </p:cNvSpPr>
+          <p:nvPr>
+            <p:ph type="subTitle" idx="1"/>
+          </p:nvPr>
+        </p:nvSpPr>
+        <p:spPr>
+          <a:xfrm>
+            <a:off x="1410711" y="2603654"/>
+            <a:ext cx="9144000" cy="3343991"/>
+          </a:xfrm>
+        </p:spPr>
+        <p:txBody>
+          <a:bodyPr>
+            <a:normAutofit/>
+          </a:bodyPr>
+          <a:lstStyle/>
+          <a:p>
+            <a:pPr marL="457200" indent="-457200">
+              <a:buAutoNum type="arabicPeriod"/>
+            </a:pPr>
+            <a:r>
+              <a:rPr lang="en-US" dirty="0" smtClean="0"/>
+              <a:t>Find the LCM of two numbers</a:t>
+            </a:r>
+            <a:endParaRPr lang="en-US" dirty="0" smtClean="0"/>
+          </a:p>
+        </p:txBody>
+      </p:sp>
+    </p:spTree>
+    <p:extLst>
+      <p:ext uri="{BB962C8B-B14F-4D97-AF65-F5344CB8AC3E}">
+        <p14:creationId xmlns:p14="http://schemas.microsoft.com/office/powerpoint/2010/main" val="1880156126"/>
+      </p:ext>
+    </p:extLst>
+  </p:cSld>
+  <p:clrMapOvr>
+    <a:masterClrMapping/>
+  </p:clrMapOvr>
+</p:sld>
+</file>
+
+<file path=ppt/slides/slide15.xml><?xml version="1.0" encoding="utf-8"?>
+<p:sld xmlns:a="http://schemas.openxmlformats.org/drawingml/2006/main" xmlns:r="http://schemas.openxmlformats.org/officeDocument/2006/relationships" xmlns:p="http://schemas.openxmlformats.org/presentationml/2006/main">
+  <p:cSld>
+    <p:bg>
+      <p:bgPr>
+        <a:solidFill>
+          <a:srgbClr val="7131A1"/>
+        </a:solidFill>
+        <a:effectLst/>
+      </p:bgPr>
+    </p:bg>
+    <p:spTree>
+      <p:nvGrpSpPr>
+        <p:cNvPr id="1" name=""/>
+        <p:cNvGrpSpPr/>
+        <p:nvPr/>
+      </p:nvGrpSpPr>
+      <p:grpSpPr>
+        <a:xfrm>
+          <a:off x="0" y="0"/>
+          <a:ext cx="0" cy="0"/>
+          <a:chOff x="0" y="0"/>
+          <a:chExt cx="0" cy="0"/>
+        </a:xfrm>
+      </p:grpSpPr>
+      <p:sp>
+        <p:nvSpPr>
+          <p:cNvPr id="2" name="TextBox 1"/>
+          <p:cNvSpPr txBox="1"/>
+          <p:nvPr/>
+        </p:nvSpPr>
+        <p:spPr>
+          <a:xfrm>
+            <a:off x="133350" y="0"/>
+            <a:ext cx="11925300" cy="2585323"/>
+          </a:xfrm>
+          <a:prstGeom prst="rect">
+            <a:avLst/>
+          </a:prstGeom>
+          <a:noFill/>
+        </p:spPr>
+        <p:txBody>
+          <a:bodyPr wrap="square" rtlCol="0">
+            <a:spAutoFit/>
+          </a:bodyPr>
+          <a:lstStyle/>
+          <a:p>
+            <a:r>
+              <a:rPr lang="en-US" dirty="0" smtClean="0"/>
+              <a:t>INPUT A </a:t>
+            </a:r>
+          </a:p>
+          <a:p>
+            <a:r>
+              <a:rPr lang="en-US" dirty="0" smtClean="0"/>
+              <a:t>INPUT B</a:t>
+            </a:r>
+          </a:p>
+          <a:p>
+            <a:r>
+              <a:rPr lang="en-US" dirty="0" smtClean="0"/>
+              <a:t>COMPUTE PROD = A*B</a:t>
+            </a:r>
+          </a:p>
+          <a:p>
+            <a:r>
+              <a:rPr lang="en-US" dirty="0" smtClean="0"/>
+              <a:t>COMPUTE R1 = RANGE(1, PROD+1)</a:t>
+            </a:r>
+          </a:p>
+          <a:p>
+            <a:r>
+              <a:rPr lang="en-US" dirty="0" smtClean="0"/>
+              <a:t>IF C IS IN R1 THEN</a:t>
+            </a:r>
+          </a:p>
+          <a:p>
+            <a:r>
+              <a:rPr lang="en-US" dirty="0" smtClean="0"/>
+              <a:t>	IF C%A = 0 AND C%B = 0</a:t>
+            </a:r>
+          </a:p>
+          <a:p>
+            <a:r>
+              <a:rPr lang="en-US" dirty="0"/>
+              <a:t>	</a:t>
+            </a:r>
+            <a:r>
+              <a:rPr lang="en-US" dirty="0" smtClean="0"/>
+              <a:t>	D=C</a:t>
+            </a:r>
+          </a:p>
+          <a:p>
+            <a:r>
+              <a:rPr lang="en-US" dirty="0"/>
+              <a:t>	</a:t>
+            </a:r>
+            <a:r>
+              <a:rPr lang="en-US" dirty="0" smtClean="0"/>
+              <a:t>	BREAK</a:t>
+            </a:r>
+          </a:p>
+          <a:p>
+            <a:r>
+              <a:rPr lang="en-US" dirty="0" smtClean="0"/>
+              <a:t>PRINT D</a:t>
+            </a:r>
+            <a:endParaRPr lang="en-US" dirty="0"/>
+          </a:p>
+        </p:txBody>
+      </p:sp>
+    </p:spTree>
+    <p:extLst>
+      <p:ext uri="{BB962C8B-B14F-4D97-AF65-F5344CB8AC3E}">
+        <p14:creationId xmlns:p14="http://schemas.microsoft.com/office/powerpoint/2010/main" val="3869490522"/>
+      </p:ext>
+    </p:extLst>
+  </p:cSld>
+  <p:clrMapOvr>
+    <a:masterClrMapping/>
+  </p:clrMapOvr>
+</p:sld>
+</file>
+
+<file path=ppt/slides/slide16.xml><?xml version="1.0" encoding="utf-8"?>
+<p:sld xmlns:a="http://schemas.openxmlformats.org/drawingml/2006/main" xmlns:r="http://schemas.openxmlformats.org/officeDocument/2006/relationships" xmlns:p="http://schemas.openxmlformats.org/presentationml/2006/main">
+  <p:cSld>
+    <p:bg>
+      <p:bgPr>
+        <a:gradFill>
+          <a:gsLst>
+            <a:gs pos="10000">
+              <a:srgbClr val="B07BD7"/>
+            </a:gs>
+            <a:gs pos="50000">
+              <a:schemeClr val="accent1">
+                <a:lumMod val="40000"/>
+                <a:lumOff val="60000"/>
+              </a:schemeClr>
+            </a:gs>
+            <a:gs pos="99000">
+              <a:srgbClr val="B07BD7"/>
+            </a:gs>
+          </a:gsLst>
+          <a:lin ang="5400000" scaled="0"/>
+        </a:gradFill>
+        <a:effectLst/>
+      </p:bgPr>
+    </p:bg>
+    <p:spTree>
+      <p:nvGrpSpPr>
+        <p:cNvPr id="1" name=""/>
+        <p:cNvGrpSpPr/>
+        <p:nvPr/>
+      </p:nvGrpSpPr>
+      <p:grpSpPr>
+        <a:xfrm>
+          <a:off x="0" y="0"/>
+          <a:ext cx="0" cy="0"/>
+          <a:chOff x="0" y="0"/>
+          <a:chExt cx="0" cy="0"/>
+        </a:xfrm>
+      </p:grpSpPr>
+      <p:sp>
+        <p:nvSpPr>
+          <p:cNvPr id="3" name="Flowchart: Terminator 2"/>
+          <p:cNvSpPr/>
+          <p:nvPr/>
+        </p:nvSpPr>
+        <p:spPr>
+          <a:xfrm>
+            <a:off x="3267075" y="38100"/>
+            <a:ext cx="1200150" cy="438150"/>
+          </a:xfrm>
+          <a:prstGeom prst="flowChartTerminator">
+            <a:avLst/>
+          </a:prstGeom>
+        </p:spPr>
+        <p:style>
+          <a:lnRef idx="2">
+            <a:schemeClr val="accent1">
+              <a:shade val="50000"/>
+            </a:schemeClr>
+          </a:lnRef>
+          <a:fillRef idx="1">
+            <a:schemeClr val="accent1"/>
+          </a:fillRef>
+          <a:effectRef idx="0">
+            <a:schemeClr val="accent1"/>
+          </a:effectRef>
+          <a:fontRef idx="minor">
+            <a:schemeClr val="lt1"/>
+          </a:fontRef>
+        </p:style>
+        <p:txBody>
+          <a:bodyPr rtlCol="0" anchor="ctr"/>
+          <a:lstStyle/>
+          <a:p>
+            <a:pPr algn="ctr"/>
+            <a:r>
+              <a:rPr lang="en-US" dirty="0" smtClean="0"/>
+              <a:t>START</a:t>
+            </a:r>
+            <a:endParaRPr lang="en-US" dirty="0"/>
+          </a:p>
+        </p:txBody>
+      </p:sp>
+      <p:cxnSp>
+        <p:nvCxnSpPr>
+          <p:cNvPr id="5" name="Straight Arrow Connector 4"/>
+          <p:cNvCxnSpPr>
+            <a:stCxn id="3" idx="3"/>
+            <a:endCxn id="6" idx="2"/>
+          </p:cNvCxnSpPr>
+          <p:nvPr/>
+        </p:nvCxnSpPr>
+        <p:spPr>
+          <a:xfrm>
+            <a:off x="4467225" y="257175"/>
+            <a:ext cx="1037273" cy="0"/>
+          </a:xfrm>
+          <a:prstGeom prst="straightConnector1">
+            <a:avLst/>
+          </a:prstGeom>
+          <a:ln>
+            <a:tailEnd type="triangle"/>
+          </a:ln>
+        </p:spPr>
+        <p:style>
+          <a:lnRef idx="1">
+            <a:schemeClr val="dk1"/>
+          </a:lnRef>
+          <a:fillRef idx="0">
+            <a:schemeClr val="dk1"/>
+          </a:fillRef>
+          <a:effectRef idx="0">
+            <a:schemeClr val="dk1"/>
+          </a:effectRef>
+          <a:fontRef idx="minor">
+            <a:schemeClr val="tx1"/>
+          </a:fontRef>
+        </p:style>
+      </p:cxnSp>
+      <p:sp>
+        <p:nvSpPr>
+          <p:cNvPr id="6" name="Flowchart: Data 5"/>
+          <p:cNvSpPr/>
+          <p:nvPr/>
+        </p:nvSpPr>
+        <p:spPr>
+          <a:xfrm>
+            <a:off x="5314950" y="38100"/>
+            <a:ext cx="1895475" cy="438150"/>
+          </a:xfrm>
+          <a:prstGeom prst="flowChartInputOutput">
+            <a:avLst/>
+          </a:prstGeom>
+        </p:spPr>
+        <p:style>
+          <a:lnRef idx="2">
+            <a:schemeClr val="accent3">
+              <a:shade val="50000"/>
+            </a:schemeClr>
+          </a:lnRef>
+          <a:fillRef idx="1">
+            <a:schemeClr val="accent3"/>
+          </a:fillRef>
+          <a:effectRef idx="0">
+            <a:schemeClr val="accent3"/>
+          </a:effectRef>
+          <a:fontRef idx="minor">
+            <a:schemeClr val="lt1"/>
+          </a:fontRef>
+        </p:style>
+        <p:txBody>
+          <a:bodyPr rtlCol="0" anchor="ctr"/>
+          <a:lstStyle/>
+          <a:p>
+            <a:pPr algn="ctr"/>
+            <a:r>
+              <a:rPr lang="en-US" dirty="0" smtClean="0"/>
+              <a:t>INPUT A,B</a:t>
+            </a:r>
+            <a:endParaRPr lang="en-US" dirty="0"/>
+          </a:p>
+        </p:txBody>
+      </p:sp>
+      <p:cxnSp>
+        <p:nvCxnSpPr>
+          <p:cNvPr id="10" name="Straight Arrow Connector 9"/>
+          <p:cNvCxnSpPr>
+            <a:stCxn id="6" idx="4"/>
+          </p:cNvCxnSpPr>
+          <p:nvPr/>
+        </p:nvCxnSpPr>
+        <p:spPr>
+          <a:xfrm flipH="1">
+            <a:off x="6262687" y="476250"/>
+            <a:ext cx="1" cy="400050"/>
+          </a:xfrm>
+          <a:prstGeom prst="straightConnector1">
+            <a:avLst/>
+          </a:prstGeom>
+          <a:ln>
+            <a:tailEnd type="triangle"/>
+          </a:ln>
+        </p:spPr>
+        <p:style>
+          <a:lnRef idx="1">
+            <a:schemeClr val="dk1"/>
+          </a:lnRef>
+          <a:fillRef idx="0">
+            <a:schemeClr val="dk1"/>
+          </a:fillRef>
+          <a:effectRef idx="0">
+            <a:schemeClr val="dk1"/>
+          </a:effectRef>
+          <a:fontRef idx="minor">
+            <a:schemeClr val="tx1"/>
+          </a:fontRef>
+        </p:style>
+      </p:cxnSp>
+      <p:sp>
+        <p:nvSpPr>
+          <p:cNvPr id="11" name="Rectangle 10"/>
+          <p:cNvSpPr/>
+          <p:nvPr/>
+        </p:nvSpPr>
+        <p:spPr>
+          <a:xfrm>
+            <a:off x="5504498" y="904875"/>
+            <a:ext cx="1505902" cy="371475"/>
+          </a:xfrm>
+          <a:prstGeom prst="rect">
+            <a:avLst/>
+          </a:prstGeom>
+        </p:spPr>
+        <p:style>
+          <a:lnRef idx="2">
+            <a:schemeClr val="accent4">
+              <a:shade val="50000"/>
+            </a:schemeClr>
+          </a:lnRef>
+          <a:fillRef idx="1">
+            <a:schemeClr val="accent4"/>
+          </a:fillRef>
+          <a:effectRef idx="0">
+            <a:schemeClr val="accent4"/>
+          </a:effectRef>
+          <a:fontRef idx="minor">
+            <a:schemeClr val="lt1"/>
+          </a:fontRef>
+        </p:style>
+        <p:txBody>
+          <a:bodyPr rtlCol="0" anchor="ctr"/>
+          <a:lstStyle/>
+          <a:p>
+            <a:pPr algn="ctr"/>
+            <a:r>
+              <a:rPr lang="en-US" dirty="0" smtClean="0"/>
+              <a:t>PROD = A*B</a:t>
+            </a:r>
+            <a:endParaRPr lang="en-US" dirty="0"/>
+          </a:p>
+        </p:txBody>
+      </p:sp>
+      <p:cxnSp>
+        <p:nvCxnSpPr>
+          <p:cNvPr id="13" name="Straight Arrow Connector 12"/>
+          <p:cNvCxnSpPr>
+            <a:stCxn id="11" idx="2"/>
+          </p:cNvCxnSpPr>
+          <p:nvPr/>
+        </p:nvCxnSpPr>
+        <p:spPr>
+          <a:xfrm>
+            <a:off x="6257449" y="1276350"/>
+            <a:ext cx="0" cy="447675"/>
+          </a:xfrm>
+          <a:prstGeom prst="straightConnector1">
+            <a:avLst/>
+          </a:prstGeom>
+          <a:ln>
+            <a:tailEnd type="triangle"/>
+          </a:ln>
+        </p:spPr>
+        <p:style>
+          <a:lnRef idx="1">
+            <a:schemeClr val="dk1"/>
+          </a:lnRef>
+          <a:fillRef idx="0">
+            <a:schemeClr val="dk1"/>
+          </a:fillRef>
+          <a:effectRef idx="0">
+            <a:schemeClr val="dk1"/>
+          </a:effectRef>
+          <a:fontRef idx="minor">
+            <a:schemeClr val="tx1"/>
+          </a:fontRef>
+        </p:style>
+      </p:cxnSp>
+      <p:sp>
+        <p:nvSpPr>
+          <p:cNvPr id="14" name="Rectangle 13"/>
+          <p:cNvSpPr/>
+          <p:nvPr/>
+        </p:nvSpPr>
+        <p:spPr>
+          <a:xfrm>
+            <a:off x="5043487" y="1704975"/>
+            <a:ext cx="2286000" cy="390525"/>
+          </a:xfrm>
+          <a:prstGeom prst="rect">
+            <a:avLst/>
+          </a:prstGeom>
+        </p:spPr>
+        <p:style>
+          <a:lnRef idx="2">
+            <a:schemeClr val="accent4">
+              <a:shade val="50000"/>
+            </a:schemeClr>
+          </a:lnRef>
+          <a:fillRef idx="1">
+            <a:schemeClr val="accent4"/>
+          </a:fillRef>
+          <a:effectRef idx="0">
+            <a:schemeClr val="accent4"/>
+          </a:effectRef>
+          <a:fontRef idx="minor">
+            <a:schemeClr val="lt1"/>
+          </a:fontRef>
+        </p:style>
+        <p:txBody>
+          <a:bodyPr rtlCol="0" anchor="ctr"/>
+          <a:lstStyle/>
+          <a:p>
+            <a:pPr algn="ctr"/>
+            <a:r>
+              <a:rPr lang="en-US" dirty="0" smtClean="0"/>
+              <a:t>R2=RANGE(1,PROD+1)</a:t>
+            </a:r>
+            <a:endParaRPr lang="en-US" dirty="0"/>
+          </a:p>
+        </p:txBody>
+      </p:sp>
+      <p:cxnSp>
+        <p:nvCxnSpPr>
+          <p:cNvPr id="21" name="Straight Arrow Connector 20"/>
+          <p:cNvCxnSpPr>
+            <a:endCxn id="25" idx="0"/>
+          </p:cNvCxnSpPr>
+          <p:nvPr/>
+        </p:nvCxnSpPr>
+        <p:spPr>
+          <a:xfrm flipH="1">
+            <a:off x="6257449" y="2114550"/>
+            <a:ext cx="5238" cy="390525"/>
+          </a:xfrm>
+          <a:prstGeom prst="straightConnector1">
+            <a:avLst/>
+          </a:prstGeom>
+          <a:ln>
+            <a:tailEnd type="triangle"/>
+          </a:ln>
+        </p:spPr>
+        <p:style>
+          <a:lnRef idx="1">
+            <a:schemeClr val="dk1"/>
+          </a:lnRef>
+          <a:fillRef idx="0">
+            <a:schemeClr val="dk1"/>
+          </a:fillRef>
+          <a:effectRef idx="0">
+            <a:schemeClr val="dk1"/>
+          </a:effectRef>
+          <a:fontRef idx="minor">
+            <a:schemeClr val="tx1"/>
+          </a:fontRef>
+        </p:style>
+      </p:cxnSp>
+      <p:sp>
+        <p:nvSpPr>
+          <p:cNvPr id="25" name="Flowchart: Decision 24"/>
+          <p:cNvSpPr/>
+          <p:nvPr/>
+        </p:nvSpPr>
+        <p:spPr>
+          <a:xfrm>
+            <a:off x="5004911" y="2505075"/>
+            <a:ext cx="2505075" cy="657225"/>
+          </a:xfrm>
+          <a:prstGeom prst="flowChartDecision">
+            <a:avLst/>
+          </a:prstGeom>
+        </p:spPr>
+        <p:style>
+          <a:lnRef idx="2">
+            <a:schemeClr val="accent2">
+              <a:shade val="50000"/>
+            </a:schemeClr>
+          </a:lnRef>
+          <a:fillRef idx="1">
+            <a:schemeClr val="accent2"/>
+          </a:fillRef>
+          <a:effectRef idx="0">
+            <a:schemeClr val="accent2"/>
+          </a:effectRef>
+          <a:fontRef idx="minor">
+            <a:schemeClr val="lt1"/>
+          </a:fontRef>
+        </p:style>
+        <p:txBody>
+          <a:bodyPr rtlCol="0" anchor="ctr"/>
+          <a:lstStyle/>
+          <a:p>
+            <a:pPr algn="ctr"/>
+            <a:r>
+              <a:rPr lang="en-US" dirty="0" smtClean="0"/>
+              <a:t>IS C IN R1</a:t>
+            </a:r>
+            <a:endParaRPr lang="en-US" dirty="0"/>
+          </a:p>
+        </p:txBody>
+      </p:sp>
+      <p:cxnSp>
+        <p:nvCxnSpPr>
+          <p:cNvPr id="32" name="Straight Arrow Connector 31"/>
+          <p:cNvCxnSpPr>
+            <a:stCxn id="25" idx="3"/>
+          </p:cNvCxnSpPr>
+          <p:nvPr/>
+        </p:nvCxnSpPr>
+        <p:spPr>
+          <a:xfrm>
+            <a:off x="7509986" y="2833688"/>
+            <a:ext cx="614839" cy="14287"/>
+          </a:xfrm>
+          <a:prstGeom prst="straightConnector1">
+            <a:avLst/>
+          </a:prstGeom>
+          <a:ln>
+            <a:tailEnd type="triangle"/>
+          </a:ln>
+        </p:spPr>
+        <p:style>
+          <a:lnRef idx="1">
+            <a:schemeClr val="dk1"/>
+          </a:lnRef>
+          <a:fillRef idx="0">
+            <a:schemeClr val="dk1"/>
+          </a:fillRef>
+          <a:effectRef idx="0">
+            <a:schemeClr val="dk1"/>
+          </a:effectRef>
+          <a:fontRef idx="minor">
+            <a:schemeClr val="tx1"/>
+          </a:fontRef>
+        </p:style>
+      </p:cxnSp>
+      <p:cxnSp>
+        <p:nvCxnSpPr>
+          <p:cNvPr id="34" name="Straight Arrow Connector 33"/>
+          <p:cNvCxnSpPr/>
+          <p:nvPr/>
+        </p:nvCxnSpPr>
+        <p:spPr>
+          <a:xfrm>
+            <a:off x="8096250" y="2847975"/>
+            <a:ext cx="28575" cy="581025"/>
+          </a:xfrm>
+          <a:prstGeom prst="straightConnector1">
+            <a:avLst/>
+          </a:prstGeom>
+          <a:ln>
+            <a:tailEnd type="triangle"/>
+          </a:ln>
+        </p:spPr>
+        <p:style>
+          <a:lnRef idx="1">
+            <a:schemeClr val="dk1"/>
+          </a:lnRef>
+          <a:fillRef idx="0">
+            <a:schemeClr val="dk1"/>
+          </a:fillRef>
+          <a:effectRef idx="0">
+            <a:schemeClr val="dk1"/>
+          </a:effectRef>
+          <a:fontRef idx="minor">
+            <a:schemeClr val="tx1"/>
+          </a:fontRef>
+        </p:style>
+      </p:cxnSp>
+      <p:sp>
+        <p:nvSpPr>
+          <p:cNvPr id="40" name="Flowchart: Decision 39"/>
+          <p:cNvSpPr/>
+          <p:nvPr/>
+        </p:nvSpPr>
+        <p:spPr>
+          <a:xfrm>
+            <a:off x="6872287" y="3443287"/>
+            <a:ext cx="2805113" cy="657225"/>
+          </a:xfrm>
+          <a:prstGeom prst="flowChartDecision">
+            <a:avLst/>
+          </a:prstGeom>
+        </p:spPr>
+        <p:style>
+          <a:lnRef idx="2">
+            <a:schemeClr val="accent2">
+              <a:shade val="50000"/>
+            </a:schemeClr>
+          </a:lnRef>
+          <a:fillRef idx="1">
+            <a:schemeClr val="accent2"/>
+          </a:fillRef>
+          <a:effectRef idx="0">
+            <a:schemeClr val="accent2"/>
+          </a:effectRef>
+          <a:fontRef idx="minor">
+            <a:schemeClr val="lt1"/>
+          </a:fontRef>
+        </p:style>
+        <p:txBody>
+          <a:bodyPr rtlCol="0" anchor="ctr"/>
+          <a:lstStyle/>
+          <a:p>
+            <a:pPr algn="ctr"/>
+            <a:r>
+              <a:rPr lang="en-US" dirty="0" smtClean="0"/>
+              <a:t>IS C%A=0 AND C%B=0 </a:t>
+            </a:r>
+            <a:endParaRPr lang="en-US" dirty="0"/>
+          </a:p>
+        </p:txBody>
+      </p:sp>
+      <p:cxnSp>
+        <p:nvCxnSpPr>
+          <p:cNvPr id="42" name="Straight Arrow Connector 41"/>
+          <p:cNvCxnSpPr>
+            <a:stCxn id="40" idx="1"/>
+          </p:cNvCxnSpPr>
+          <p:nvPr/>
+        </p:nvCxnSpPr>
+        <p:spPr>
+          <a:xfrm flipH="1">
+            <a:off x="6257448" y="3771900"/>
+            <a:ext cx="614839" cy="9525"/>
+          </a:xfrm>
+          <a:prstGeom prst="straightConnector1">
+            <a:avLst/>
+          </a:prstGeom>
+          <a:ln>
+            <a:tailEnd type="triangle"/>
+          </a:ln>
+        </p:spPr>
+        <p:style>
+          <a:lnRef idx="1">
+            <a:schemeClr val="dk1"/>
+          </a:lnRef>
+          <a:fillRef idx="0">
+            <a:schemeClr val="dk1"/>
+          </a:fillRef>
+          <a:effectRef idx="0">
+            <a:schemeClr val="dk1"/>
+          </a:effectRef>
+          <a:fontRef idx="minor">
+            <a:schemeClr val="tx1"/>
+          </a:fontRef>
+        </p:style>
+      </p:cxnSp>
+      <p:cxnSp>
+        <p:nvCxnSpPr>
+          <p:cNvPr id="44" name="Straight Arrow Connector 43"/>
+          <p:cNvCxnSpPr>
+            <a:endCxn id="25" idx="2"/>
+          </p:cNvCxnSpPr>
+          <p:nvPr/>
+        </p:nvCxnSpPr>
+        <p:spPr>
+          <a:xfrm flipV="1">
+            <a:off x="6257448" y="3162300"/>
+            <a:ext cx="1" cy="619125"/>
+          </a:xfrm>
+          <a:prstGeom prst="straightConnector1">
+            <a:avLst/>
+          </a:prstGeom>
+          <a:ln>
+            <a:tailEnd type="triangle"/>
+          </a:ln>
+        </p:spPr>
+        <p:style>
+          <a:lnRef idx="1">
+            <a:schemeClr val="dk1"/>
+          </a:lnRef>
+          <a:fillRef idx="0">
+            <a:schemeClr val="dk1"/>
+          </a:fillRef>
+          <a:effectRef idx="0">
+            <a:schemeClr val="dk1"/>
+          </a:effectRef>
+          <a:fontRef idx="minor">
+            <a:schemeClr val="tx1"/>
+          </a:fontRef>
+        </p:style>
+      </p:cxnSp>
+      <p:cxnSp>
+        <p:nvCxnSpPr>
+          <p:cNvPr id="48" name="Straight Arrow Connector 47"/>
+          <p:cNvCxnSpPr>
+            <a:stCxn id="40" idx="2"/>
+          </p:cNvCxnSpPr>
+          <p:nvPr/>
+        </p:nvCxnSpPr>
+        <p:spPr>
+          <a:xfrm>
+            <a:off x="8274844" y="4100512"/>
+            <a:ext cx="30956" cy="519113"/>
+          </a:xfrm>
+          <a:prstGeom prst="straightConnector1">
+            <a:avLst/>
+          </a:prstGeom>
+          <a:ln>
+            <a:tailEnd type="triangle"/>
+          </a:ln>
+        </p:spPr>
+        <p:style>
+          <a:lnRef idx="1">
+            <a:schemeClr val="dk1"/>
+          </a:lnRef>
+          <a:fillRef idx="0">
+            <a:schemeClr val="dk1"/>
+          </a:fillRef>
+          <a:effectRef idx="0">
+            <a:schemeClr val="dk1"/>
+          </a:effectRef>
+          <a:fontRef idx="minor">
+            <a:schemeClr val="tx1"/>
+          </a:fontRef>
+        </p:style>
+      </p:cxnSp>
+      <p:sp>
+        <p:nvSpPr>
+          <p:cNvPr id="49" name="Rectangle 48"/>
+          <p:cNvSpPr/>
+          <p:nvPr/>
+        </p:nvSpPr>
+        <p:spPr>
+          <a:xfrm>
+            <a:off x="7509986" y="4591050"/>
+            <a:ext cx="1643539" cy="514350"/>
+          </a:xfrm>
+          <a:prstGeom prst="rect">
+            <a:avLst/>
+          </a:prstGeom>
+        </p:spPr>
+        <p:style>
+          <a:lnRef idx="2">
+            <a:schemeClr val="accent4">
+              <a:shade val="50000"/>
+            </a:schemeClr>
+          </a:lnRef>
+          <a:fillRef idx="1">
+            <a:schemeClr val="accent4"/>
+          </a:fillRef>
+          <a:effectRef idx="0">
+            <a:schemeClr val="accent4"/>
+          </a:effectRef>
+          <a:fontRef idx="minor">
+            <a:schemeClr val="lt1"/>
+          </a:fontRef>
+        </p:style>
+        <p:txBody>
+          <a:bodyPr rtlCol="0" anchor="ctr"/>
+          <a:lstStyle/>
+          <a:p>
+            <a:pPr algn="ctr"/>
+            <a:r>
+              <a:rPr lang="en-US" dirty="0" smtClean="0"/>
+              <a:t>D = C</a:t>
+            </a:r>
+            <a:endParaRPr lang="en-US" dirty="0"/>
+          </a:p>
+        </p:txBody>
+      </p:sp>
+      <p:cxnSp>
+        <p:nvCxnSpPr>
+          <p:cNvPr id="55" name="Straight Arrow Connector 54"/>
+          <p:cNvCxnSpPr/>
+          <p:nvPr/>
+        </p:nvCxnSpPr>
+        <p:spPr>
+          <a:xfrm>
+            <a:off x="8448675" y="5114925"/>
+            <a:ext cx="9525" cy="466725"/>
+          </a:xfrm>
+          <a:prstGeom prst="straightConnector1">
+            <a:avLst/>
+          </a:prstGeom>
+          <a:ln>
+            <a:tailEnd type="triangle"/>
+          </a:ln>
+        </p:spPr>
+        <p:style>
+          <a:lnRef idx="1">
+            <a:schemeClr val="dk1"/>
+          </a:lnRef>
+          <a:fillRef idx="0">
+            <a:schemeClr val="dk1"/>
+          </a:fillRef>
+          <a:effectRef idx="0">
+            <a:schemeClr val="dk1"/>
+          </a:effectRef>
+          <a:fontRef idx="minor">
+            <a:schemeClr val="tx1"/>
+          </a:fontRef>
+        </p:style>
+      </p:cxnSp>
+      <p:sp>
+        <p:nvSpPr>
+          <p:cNvPr id="56" name="Flowchart: Decision 55"/>
+          <p:cNvSpPr/>
+          <p:nvPr/>
+        </p:nvSpPr>
+        <p:spPr>
+          <a:xfrm>
+            <a:off x="7010400" y="5591175"/>
+            <a:ext cx="2943225" cy="581025"/>
+          </a:xfrm>
+          <a:prstGeom prst="flowChartDecision">
+            <a:avLst/>
+          </a:prstGeom>
+        </p:spPr>
+        <p:style>
+          <a:lnRef idx="2">
+            <a:schemeClr val="accent2">
+              <a:shade val="50000"/>
+            </a:schemeClr>
+          </a:lnRef>
+          <a:fillRef idx="1">
+            <a:schemeClr val="accent2"/>
+          </a:fillRef>
+          <a:effectRef idx="0">
+            <a:schemeClr val="accent2"/>
+          </a:effectRef>
+          <a:fontRef idx="minor">
+            <a:schemeClr val="lt1"/>
+          </a:fontRef>
+        </p:style>
+        <p:txBody>
+          <a:bodyPr rtlCol="0" anchor="ctr"/>
+          <a:lstStyle/>
+          <a:p>
+            <a:pPr algn="ctr"/>
+            <a:r>
+              <a:rPr lang="en-US" dirty="0" smtClean="0"/>
+              <a:t>IS C%A=0 AND C%B = 0</a:t>
+            </a:r>
+            <a:endParaRPr lang="en-US" dirty="0"/>
+          </a:p>
+        </p:txBody>
+      </p:sp>
+      <p:cxnSp>
+        <p:nvCxnSpPr>
+          <p:cNvPr id="58" name="Straight Arrow Connector 57"/>
+          <p:cNvCxnSpPr>
+            <a:stCxn id="56" idx="1"/>
+          </p:cNvCxnSpPr>
+          <p:nvPr/>
+        </p:nvCxnSpPr>
+        <p:spPr>
+          <a:xfrm flipH="1" flipV="1">
+            <a:off x="4086225" y="5857875"/>
+            <a:ext cx="2924175" cy="23813"/>
+          </a:xfrm>
+          <a:prstGeom prst="straightConnector1">
+            <a:avLst/>
+          </a:prstGeom>
+          <a:ln>
+            <a:tailEnd type="triangle"/>
+          </a:ln>
+        </p:spPr>
+        <p:style>
+          <a:lnRef idx="1">
+            <a:schemeClr val="dk1"/>
+          </a:lnRef>
+          <a:fillRef idx="0">
+            <a:schemeClr val="dk1"/>
+          </a:fillRef>
+          <a:effectRef idx="0">
+            <a:schemeClr val="dk1"/>
+          </a:effectRef>
+          <a:fontRef idx="minor">
+            <a:schemeClr val="tx1"/>
+          </a:fontRef>
+        </p:style>
+      </p:cxnSp>
+      <p:sp>
+        <p:nvSpPr>
+          <p:cNvPr id="59" name="Flowchart: Display 58"/>
+          <p:cNvSpPr/>
+          <p:nvPr/>
+        </p:nvSpPr>
+        <p:spPr>
+          <a:xfrm>
+            <a:off x="2962275" y="5574506"/>
+            <a:ext cx="1123950" cy="597694"/>
+          </a:xfrm>
+          <a:prstGeom prst="flowChartDisplay">
+            <a:avLst/>
+          </a:prstGeom>
+        </p:spPr>
+        <p:style>
+          <a:lnRef idx="2">
+            <a:schemeClr val="accent6">
+              <a:shade val="50000"/>
+            </a:schemeClr>
+          </a:lnRef>
+          <a:fillRef idx="1">
+            <a:schemeClr val="accent6"/>
+          </a:fillRef>
+          <a:effectRef idx="0">
+            <a:schemeClr val="accent6"/>
+          </a:effectRef>
+          <a:fontRef idx="minor">
+            <a:schemeClr val="lt1"/>
+          </a:fontRef>
+        </p:style>
+        <p:txBody>
+          <a:bodyPr rtlCol="0" anchor="ctr"/>
+          <a:lstStyle/>
+          <a:p>
+            <a:pPr algn="ctr"/>
+            <a:r>
+              <a:rPr lang="en-US" dirty="0" smtClean="0"/>
+              <a:t>PRINT D</a:t>
+            </a:r>
+            <a:endParaRPr lang="en-US" dirty="0"/>
+          </a:p>
+        </p:txBody>
+      </p:sp>
+      <p:cxnSp>
+        <p:nvCxnSpPr>
+          <p:cNvPr id="61" name="Straight Arrow Connector 60"/>
+          <p:cNvCxnSpPr>
+            <a:stCxn id="25" idx="1"/>
+          </p:cNvCxnSpPr>
+          <p:nvPr/>
+        </p:nvCxnSpPr>
+        <p:spPr>
+          <a:xfrm flipH="1" flipV="1">
+            <a:off x="3524250" y="2833687"/>
+            <a:ext cx="1480661" cy="1"/>
+          </a:xfrm>
+          <a:prstGeom prst="straightConnector1">
+            <a:avLst/>
+          </a:prstGeom>
+          <a:ln>
+            <a:tailEnd type="triangle"/>
+          </a:ln>
+        </p:spPr>
+        <p:style>
+          <a:lnRef idx="1">
+            <a:schemeClr val="dk1"/>
+          </a:lnRef>
+          <a:fillRef idx="0">
+            <a:schemeClr val="dk1"/>
+          </a:fillRef>
+          <a:effectRef idx="0">
+            <a:schemeClr val="dk1"/>
+          </a:effectRef>
+          <a:fontRef idx="minor">
+            <a:schemeClr val="tx1"/>
+          </a:fontRef>
+        </p:style>
+      </p:cxnSp>
+      <p:cxnSp>
+        <p:nvCxnSpPr>
+          <p:cNvPr id="63" name="Straight Arrow Connector 62"/>
+          <p:cNvCxnSpPr>
+            <a:endCxn id="59" idx="0"/>
+          </p:cNvCxnSpPr>
+          <p:nvPr/>
+        </p:nvCxnSpPr>
+        <p:spPr>
+          <a:xfrm>
+            <a:off x="3524249" y="4495800"/>
+            <a:ext cx="1" cy="1078706"/>
+          </a:xfrm>
+          <a:prstGeom prst="straightConnector1">
+            <a:avLst/>
+          </a:prstGeom>
+          <a:ln>
+            <a:tailEnd type="triangle"/>
+          </a:ln>
+        </p:spPr>
+        <p:style>
+          <a:lnRef idx="1">
+            <a:schemeClr val="dk1"/>
+          </a:lnRef>
+          <a:fillRef idx="0">
+            <a:schemeClr val="dk1"/>
+          </a:fillRef>
+          <a:effectRef idx="0">
+            <a:schemeClr val="dk1"/>
+          </a:effectRef>
+          <a:fontRef idx="minor">
+            <a:schemeClr val="tx1"/>
+          </a:fontRef>
+        </p:style>
+      </p:cxnSp>
+      <p:cxnSp>
+        <p:nvCxnSpPr>
+          <p:cNvPr id="68" name="Straight Arrow Connector 67"/>
+          <p:cNvCxnSpPr>
+            <a:stCxn id="59" idx="2"/>
+          </p:cNvCxnSpPr>
+          <p:nvPr/>
+        </p:nvCxnSpPr>
+        <p:spPr>
+          <a:xfrm>
+            <a:off x="3524250" y="6172200"/>
+            <a:ext cx="0" cy="266700"/>
+          </a:xfrm>
+          <a:prstGeom prst="straightConnector1">
+            <a:avLst/>
+          </a:prstGeom>
+          <a:ln>
+            <a:tailEnd type="triangle"/>
+          </a:ln>
+        </p:spPr>
+        <p:style>
+          <a:lnRef idx="1">
+            <a:schemeClr val="dk1"/>
+          </a:lnRef>
+          <a:fillRef idx="0">
+            <a:schemeClr val="dk1"/>
+          </a:fillRef>
+          <a:effectRef idx="0">
+            <a:schemeClr val="dk1"/>
+          </a:effectRef>
+          <a:fontRef idx="minor">
+            <a:schemeClr val="tx1"/>
+          </a:fontRef>
+        </p:style>
+      </p:cxnSp>
+      <p:sp>
+        <p:nvSpPr>
+          <p:cNvPr id="69" name="Flowchart: Terminator 68"/>
+          <p:cNvSpPr/>
+          <p:nvPr/>
+        </p:nvSpPr>
+        <p:spPr>
+          <a:xfrm>
+            <a:off x="3005137" y="6438900"/>
+            <a:ext cx="1038225" cy="330994"/>
+          </a:xfrm>
+          <a:prstGeom prst="flowChartTerminator">
+            <a:avLst/>
+          </a:prstGeom>
+        </p:spPr>
+        <p:style>
+          <a:lnRef idx="2">
+            <a:schemeClr val="accent1">
+              <a:shade val="50000"/>
+            </a:schemeClr>
+          </a:lnRef>
+          <a:fillRef idx="1">
+            <a:schemeClr val="accent1"/>
+          </a:fillRef>
+          <a:effectRef idx="0">
+            <a:schemeClr val="accent1"/>
+          </a:effectRef>
+          <a:fontRef idx="minor">
+            <a:schemeClr val="lt1"/>
+          </a:fontRef>
+        </p:style>
+        <p:txBody>
+          <a:bodyPr rtlCol="0" anchor="ctr"/>
+          <a:lstStyle/>
+          <a:p>
+            <a:pPr algn="ctr"/>
+            <a:r>
+              <a:rPr lang="en-US" dirty="0" smtClean="0"/>
+              <a:t>END</a:t>
+            </a:r>
+            <a:endParaRPr lang="en-US" dirty="0"/>
+          </a:p>
+        </p:txBody>
+      </p:sp>
+      <p:sp>
+        <p:nvSpPr>
+          <p:cNvPr id="71" name="Flowchart: Alternate Process 70"/>
+          <p:cNvSpPr/>
+          <p:nvPr/>
+        </p:nvSpPr>
+        <p:spPr>
+          <a:xfrm>
+            <a:off x="2874168" y="3640932"/>
+            <a:ext cx="1300162" cy="859631"/>
+          </a:xfrm>
+          <a:prstGeom prst="flowChartAlternateProcess">
+            <a:avLst/>
+          </a:prstGeom>
+        </p:spPr>
+        <p:style>
+          <a:lnRef idx="2">
+            <a:schemeClr val="accent1">
+              <a:shade val="50000"/>
+            </a:schemeClr>
+          </a:lnRef>
+          <a:fillRef idx="1">
+            <a:schemeClr val="accent1"/>
+          </a:fillRef>
+          <a:effectRef idx="0">
+            <a:schemeClr val="accent1"/>
+          </a:effectRef>
+          <a:fontRef idx="minor">
+            <a:schemeClr val="lt1"/>
+          </a:fontRef>
+        </p:style>
+        <p:txBody>
+          <a:bodyPr rtlCol="0" anchor="ctr"/>
+          <a:lstStyle/>
+          <a:p>
+            <a:pPr algn="ctr"/>
+            <a:r>
+              <a:rPr lang="en-US" dirty="0" smtClean="0"/>
+              <a:t>EXIT FROM LOOP</a:t>
+            </a:r>
+            <a:endParaRPr lang="en-US" dirty="0"/>
+          </a:p>
+        </p:txBody>
+      </p:sp>
+      <p:cxnSp>
+        <p:nvCxnSpPr>
+          <p:cNvPr id="73" name="Straight Arrow Connector 72"/>
+          <p:cNvCxnSpPr>
+            <a:endCxn id="71" idx="0"/>
+          </p:cNvCxnSpPr>
+          <p:nvPr/>
+        </p:nvCxnSpPr>
+        <p:spPr>
+          <a:xfrm>
+            <a:off x="3524249" y="2880123"/>
+            <a:ext cx="0" cy="760809"/>
+          </a:xfrm>
+          <a:prstGeom prst="straightConnector1">
+            <a:avLst/>
+          </a:prstGeom>
+          <a:ln>
+            <a:tailEnd type="triangle"/>
+          </a:ln>
+        </p:spPr>
+        <p:style>
+          <a:lnRef idx="1">
+            <a:schemeClr val="dk1"/>
+          </a:lnRef>
+          <a:fillRef idx="0">
+            <a:schemeClr val="dk1"/>
+          </a:fillRef>
+          <a:effectRef idx="0">
+            <a:schemeClr val="dk1"/>
+          </a:effectRef>
+          <a:fontRef idx="minor">
+            <a:schemeClr val="tx1"/>
+          </a:fontRef>
+        </p:style>
+      </p:cxnSp>
+      <p:cxnSp>
+        <p:nvCxnSpPr>
+          <p:cNvPr id="77" name="Straight Arrow Connector 76"/>
+          <p:cNvCxnSpPr>
+            <a:stCxn id="56" idx="3"/>
+          </p:cNvCxnSpPr>
+          <p:nvPr/>
+        </p:nvCxnSpPr>
+        <p:spPr>
+          <a:xfrm flipV="1">
+            <a:off x="9953625" y="5881687"/>
+            <a:ext cx="1438275" cy="1"/>
+          </a:xfrm>
+          <a:prstGeom prst="straightConnector1">
+            <a:avLst/>
+          </a:prstGeom>
+          <a:ln>
+            <a:tailEnd type="triangle"/>
+          </a:ln>
+        </p:spPr>
+        <p:style>
+          <a:lnRef idx="1">
+            <a:schemeClr val="dk1"/>
+          </a:lnRef>
+          <a:fillRef idx="0">
+            <a:schemeClr val="dk1"/>
+          </a:fillRef>
+          <a:effectRef idx="0">
+            <a:schemeClr val="dk1"/>
+          </a:effectRef>
+          <a:fontRef idx="minor">
+            <a:schemeClr val="tx1"/>
+          </a:fontRef>
+        </p:style>
+      </p:cxnSp>
+      <p:cxnSp>
+        <p:nvCxnSpPr>
+          <p:cNvPr id="79" name="Straight Arrow Connector 78"/>
+          <p:cNvCxnSpPr/>
+          <p:nvPr/>
+        </p:nvCxnSpPr>
+        <p:spPr>
+          <a:xfrm flipH="1" flipV="1">
+            <a:off x="11337133" y="2468166"/>
+            <a:ext cx="16667" cy="3401616"/>
+          </a:xfrm>
+          <a:prstGeom prst="straightConnector1">
+            <a:avLst/>
+          </a:prstGeom>
+          <a:ln>
+            <a:tailEnd type="triangle"/>
+          </a:ln>
+        </p:spPr>
+        <p:style>
+          <a:lnRef idx="1">
+            <a:schemeClr val="dk1"/>
+          </a:lnRef>
+          <a:fillRef idx="0">
+            <a:schemeClr val="dk1"/>
+          </a:fillRef>
+          <a:effectRef idx="0">
+            <a:schemeClr val="dk1"/>
+          </a:effectRef>
+          <a:fontRef idx="minor">
+            <a:schemeClr val="tx1"/>
+          </a:fontRef>
+        </p:style>
+      </p:cxnSp>
+      <p:cxnSp>
+        <p:nvCxnSpPr>
+          <p:cNvPr id="81" name="Straight Arrow Connector 80"/>
+          <p:cNvCxnSpPr/>
+          <p:nvPr/>
+        </p:nvCxnSpPr>
+        <p:spPr>
+          <a:xfrm flipH="1" flipV="1">
+            <a:off x="6257447" y="2419350"/>
+            <a:ext cx="5098735" cy="85725"/>
+          </a:xfrm>
+          <a:prstGeom prst="straightConnector1">
+            <a:avLst/>
+          </a:prstGeom>
+          <a:ln>
+            <a:tailEnd type="triangle"/>
+          </a:ln>
+        </p:spPr>
+        <p:style>
+          <a:lnRef idx="1">
+            <a:schemeClr val="dk1"/>
+          </a:lnRef>
+          <a:fillRef idx="0">
+            <a:schemeClr val="dk1"/>
+          </a:fillRef>
+          <a:effectRef idx="0">
+            <a:schemeClr val="dk1"/>
+          </a:effectRef>
+          <a:fontRef idx="minor">
+            <a:schemeClr val="tx1"/>
+          </a:fontRef>
+        </p:style>
+      </p:cxnSp>
+      <p:sp>
+        <p:nvSpPr>
+          <p:cNvPr id="84" name="TextBox 83"/>
+          <p:cNvSpPr txBox="1"/>
+          <p:nvPr/>
+        </p:nvSpPr>
+        <p:spPr>
+          <a:xfrm>
+            <a:off x="3867150" y="2489240"/>
+            <a:ext cx="1230393" cy="369332"/>
+          </a:xfrm>
+          <a:prstGeom prst="rect">
+            <a:avLst/>
+          </a:prstGeom>
+          <a:noFill/>
+        </p:spPr>
+        <p:txBody>
+          <a:bodyPr wrap="square" rtlCol="0">
+            <a:spAutoFit/>
+          </a:bodyPr>
+          <a:lstStyle/>
+          <a:p>
+            <a:r>
+              <a:rPr lang="en-US" dirty="0" smtClean="0"/>
+              <a:t>FALSE</a:t>
+            </a:r>
+            <a:endParaRPr lang="en-US" dirty="0"/>
+          </a:p>
+        </p:txBody>
+      </p:sp>
+      <p:sp>
+        <p:nvSpPr>
+          <p:cNvPr id="85" name="TextBox 84"/>
+          <p:cNvSpPr txBox="1"/>
+          <p:nvPr/>
+        </p:nvSpPr>
+        <p:spPr>
+          <a:xfrm>
+            <a:off x="7507604" y="2552700"/>
+            <a:ext cx="767239" cy="369332"/>
+          </a:xfrm>
+          <a:prstGeom prst="rect">
+            <a:avLst/>
+          </a:prstGeom>
+          <a:noFill/>
+        </p:spPr>
+        <p:txBody>
+          <a:bodyPr wrap="square" rtlCol="0">
+            <a:spAutoFit/>
+          </a:bodyPr>
+          <a:lstStyle/>
+          <a:p>
+            <a:r>
+              <a:rPr lang="en-US" dirty="0" smtClean="0"/>
+              <a:t>TRUE</a:t>
+            </a:r>
+            <a:endParaRPr lang="en-US" dirty="0"/>
+          </a:p>
+        </p:txBody>
+      </p:sp>
+      <p:sp>
+        <p:nvSpPr>
+          <p:cNvPr id="86" name="TextBox 85"/>
+          <p:cNvSpPr txBox="1"/>
+          <p:nvPr/>
+        </p:nvSpPr>
+        <p:spPr>
+          <a:xfrm>
+            <a:off x="6257447" y="3471862"/>
+            <a:ext cx="789625" cy="369332"/>
+          </a:xfrm>
+          <a:prstGeom prst="rect">
+            <a:avLst/>
+          </a:prstGeom>
+          <a:noFill/>
+        </p:spPr>
+        <p:txBody>
+          <a:bodyPr wrap="square" rtlCol="0">
+            <a:spAutoFit/>
+          </a:bodyPr>
+          <a:lstStyle/>
+          <a:p>
+            <a:r>
+              <a:rPr lang="en-US" dirty="0" smtClean="0"/>
+              <a:t>FALSE</a:t>
+            </a:r>
+            <a:endParaRPr lang="en-US" dirty="0"/>
+          </a:p>
+        </p:txBody>
+      </p:sp>
+      <p:sp>
+        <p:nvSpPr>
+          <p:cNvPr id="87" name="TextBox 86"/>
+          <p:cNvSpPr txBox="1"/>
+          <p:nvPr/>
+        </p:nvSpPr>
+        <p:spPr>
+          <a:xfrm>
+            <a:off x="8240078" y="4184928"/>
+            <a:ext cx="1008698" cy="369332"/>
+          </a:xfrm>
+          <a:prstGeom prst="rect">
+            <a:avLst/>
+          </a:prstGeom>
+          <a:noFill/>
+        </p:spPr>
+        <p:txBody>
+          <a:bodyPr wrap="square" rtlCol="0">
+            <a:spAutoFit/>
+          </a:bodyPr>
+          <a:lstStyle/>
+          <a:p>
+            <a:r>
+              <a:rPr lang="en-US" dirty="0" smtClean="0"/>
+              <a:t>TRUE</a:t>
+            </a:r>
+            <a:endParaRPr lang="en-US" dirty="0"/>
+          </a:p>
+        </p:txBody>
+      </p:sp>
+      <p:sp>
+        <p:nvSpPr>
+          <p:cNvPr id="88" name="TextBox 87"/>
+          <p:cNvSpPr txBox="1"/>
+          <p:nvPr/>
+        </p:nvSpPr>
+        <p:spPr>
+          <a:xfrm>
+            <a:off x="9965530" y="5591175"/>
+            <a:ext cx="1020842" cy="369332"/>
+          </a:xfrm>
+          <a:prstGeom prst="rect">
+            <a:avLst/>
+          </a:prstGeom>
+          <a:noFill/>
+        </p:spPr>
+        <p:txBody>
+          <a:bodyPr wrap="square" rtlCol="0">
+            <a:spAutoFit/>
+          </a:bodyPr>
+          <a:lstStyle/>
+          <a:p>
+            <a:r>
+              <a:rPr lang="en-US" dirty="0" smtClean="0"/>
+              <a:t>FALSE</a:t>
+            </a:r>
+            <a:endParaRPr lang="en-US" dirty="0"/>
+          </a:p>
+        </p:txBody>
+      </p:sp>
+      <p:sp>
+        <p:nvSpPr>
+          <p:cNvPr id="89" name="TextBox 88"/>
+          <p:cNvSpPr txBox="1"/>
+          <p:nvPr/>
+        </p:nvSpPr>
+        <p:spPr>
+          <a:xfrm>
+            <a:off x="5626892" y="5574506"/>
+            <a:ext cx="1245395" cy="369332"/>
+          </a:xfrm>
+          <a:prstGeom prst="rect">
+            <a:avLst/>
+          </a:prstGeom>
+          <a:noFill/>
+        </p:spPr>
+        <p:txBody>
+          <a:bodyPr wrap="square" rtlCol="0">
+            <a:spAutoFit/>
+          </a:bodyPr>
+          <a:lstStyle/>
+          <a:p>
+            <a:r>
+              <a:rPr lang="en-US" dirty="0" smtClean="0"/>
+              <a:t>TRUE</a:t>
+            </a:r>
+            <a:endParaRPr lang="en-US" dirty="0"/>
+          </a:p>
+        </p:txBody>
+      </p:sp>
+    </p:spTree>
+    <p:extLst>
+      <p:ext uri="{BB962C8B-B14F-4D97-AF65-F5344CB8AC3E}">
+        <p14:creationId xmlns:p14="http://schemas.microsoft.com/office/powerpoint/2010/main" val="3714348746"/>
+      </p:ext>
+    </p:extLst>
+  </p:cSld>
+  <p:clrMapOvr>
+    <a:masterClrMapping/>
+  </p:clrMapOvr>
+</p:sld>
+</file>
+
+<file path=ppt/slides/slide17.xml><?xml version="1.0" encoding="utf-8"?>
+<p:sld xmlns:a="http://schemas.openxmlformats.org/drawingml/2006/main" xmlns:r="http://schemas.openxmlformats.org/officeDocument/2006/relationships" xmlns:p="http://schemas.openxmlformats.org/presentationml/2006/main">
+  <p:cSld>
+    <p:spTree>
+      <p:nvGrpSpPr>
+        <p:cNvPr id="1" name=""/>
+        <p:cNvGrpSpPr/>
+        <p:nvPr/>
+      </p:nvGrpSpPr>
+      <p:grpSpPr>
+        <a:xfrm>
+          <a:off x="0" y="0"/>
+          <a:ext cx="0" cy="0"/>
+          <a:chOff x="0" y="0"/>
+          <a:chExt cx="0" cy="0"/>
+        </a:xfrm>
+      </p:grpSpPr>
+      <p:sp>
+        <p:nvSpPr>
+          <p:cNvPr id="2" name="Title 1"/>
+          <p:cNvSpPr>
+            <a:spLocks noGrp="1"/>
+          </p:cNvSpPr>
+          <p:nvPr>
+            <p:ph type="ctrTitle"/>
+          </p:nvPr>
+        </p:nvSpPr>
+        <p:spPr>
+          <a:xfrm>
+            <a:off x="1410711" y="216055"/>
+            <a:ext cx="9144000" cy="2387600"/>
+          </a:xfrm>
+        </p:spPr>
+        <p:txBody>
+          <a:bodyPr/>
+          <a:lstStyle/>
+          <a:p>
+            <a:r>
+              <a:rPr lang="en-US" dirty="0" smtClean="0"/>
+              <a:t>Algorithm to find the:</a:t>
+            </a:r>
+            <a:endParaRPr lang="en-US" dirty="0"/>
+          </a:p>
+        </p:txBody>
+      </p:sp>
+      <p:sp>
+        <p:nvSpPr>
+          <p:cNvPr id="3" name="Subtitle 2"/>
+          <p:cNvSpPr>
+            <a:spLocks noGrp="1"/>
+          </p:cNvSpPr>
+          <p:nvPr>
+            <p:ph type="subTitle" idx="1"/>
+          </p:nvPr>
+        </p:nvSpPr>
+        <p:spPr>
+          <a:xfrm>
+            <a:off x="1410711" y="2603654"/>
+            <a:ext cx="9144000" cy="3343991"/>
+          </a:xfrm>
+        </p:spPr>
+        <p:txBody>
+          <a:bodyPr>
+            <a:normAutofit/>
+          </a:bodyPr>
+          <a:lstStyle/>
+          <a:p>
+            <a:pPr marL="457200" indent="-457200">
+              <a:buAutoNum type="arabicPeriod"/>
+            </a:pPr>
+            <a:r>
+              <a:rPr lang="en-US" dirty="0" smtClean="0"/>
+              <a:t>Find the factorial of a number</a:t>
+            </a:r>
+            <a:endParaRPr lang="en-US" dirty="0" smtClean="0"/>
+          </a:p>
+        </p:txBody>
+      </p:sp>
+    </p:spTree>
+    <p:extLst>
+      <p:ext uri="{BB962C8B-B14F-4D97-AF65-F5344CB8AC3E}">
+        <p14:creationId xmlns:p14="http://schemas.microsoft.com/office/powerpoint/2010/main" val="2299888007"/>
+      </p:ext>
+    </p:extLst>
+  </p:cSld>
+  <p:clrMapOvr>
+    <a:masterClrMapping/>
+  </p:clrMapOvr>
+</p:sld>
+</file>
+
+<file path=ppt/slides/slide18.xml><?xml version="1.0" encoding="utf-8"?>
+<p:sld xmlns:a="http://schemas.openxmlformats.org/drawingml/2006/main" xmlns:r="http://schemas.openxmlformats.org/officeDocument/2006/relationships" xmlns:p="http://schemas.openxmlformats.org/presentationml/2006/main">
+  <p:cSld>
+    <p:bg>
+      <p:bgPr>
+        <a:solidFill>
+          <a:schemeClr val="accent6">
+            <a:lumMod val="50000"/>
+          </a:schemeClr>
+        </a:solidFill>
+        <a:effectLst/>
+      </p:bgPr>
+    </p:bg>
+    <p:spTree>
+      <p:nvGrpSpPr>
+        <p:cNvPr id="1" name=""/>
+        <p:cNvGrpSpPr/>
+        <p:nvPr/>
+      </p:nvGrpSpPr>
+      <p:grpSpPr>
+        <a:xfrm>
+          <a:off x="0" y="0"/>
+          <a:ext cx="0" cy="0"/>
+          <a:chOff x="0" y="0"/>
+          <a:chExt cx="0" cy="0"/>
+        </a:xfrm>
+      </p:grpSpPr>
+      <p:sp>
+        <p:nvSpPr>
+          <p:cNvPr id="2" name="TextBox 1"/>
+          <p:cNvSpPr txBox="1"/>
+          <p:nvPr/>
+        </p:nvSpPr>
+        <p:spPr>
+          <a:xfrm>
+            <a:off x="0" y="0"/>
+            <a:ext cx="12468225" cy="2585323"/>
+          </a:xfrm>
+          <a:prstGeom prst="rect">
+            <a:avLst/>
+          </a:prstGeom>
+          <a:noFill/>
+        </p:spPr>
+        <p:txBody>
+          <a:bodyPr wrap="square" rtlCol="0">
+            <a:spAutoFit/>
+          </a:bodyPr>
+          <a:lstStyle/>
+          <a:p>
+            <a:r>
+              <a:rPr lang="en-US" dirty="0" smtClean="0"/>
+              <a:t>INPUT A</a:t>
+            </a:r>
+          </a:p>
+          <a:p>
+            <a:r>
+              <a:rPr lang="en-US" dirty="0" smtClean="0"/>
+              <a:t>COMPUTE D = 1</a:t>
+            </a:r>
+          </a:p>
+          <a:p>
+            <a:r>
+              <a:rPr lang="en-US" dirty="0" smtClean="0"/>
+              <a:t>COMPUTE R1 = RANGE(1, A+1)</a:t>
+            </a:r>
+          </a:p>
+          <a:p>
+            <a:r>
+              <a:rPr lang="en-US" dirty="0" smtClean="0"/>
+              <a:t>IF A&lt;0 THEN</a:t>
+            </a:r>
+          </a:p>
+          <a:p>
+            <a:r>
+              <a:rPr lang="en-US" dirty="0"/>
+              <a:t>	</a:t>
+            </a:r>
+            <a:r>
+              <a:rPr lang="en-US" dirty="0" smtClean="0"/>
+              <a:t>PRINT A ISNT A WHOLE NUMBER</a:t>
+            </a:r>
+          </a:p>
+          <a:p>
+            <a:r>
+              <a:rPr lang="en-US" dirty="0" smtClean="0"/>
+              <a:t>ELSE </a:t>
+            </a:r>
+          </a:p>
+          <a:p>
+            <a:r>
+              <a:rPr lang="en-US" dirty="0"/>
+              <a:t>	</a:t>
+            </a:r>
+            <a:r>
+              <a:rPr lang="en-US" dirty="0" smtClean="0"/>
+              <a:t>IF B IS IN R1 THEN</a:t>
+            </a:r>
+          </a:p>
+          <a:p>
+            <a:r>
+              <a:rPr lang="en-US" dirty="0"/>
+              <a:t>	</a:t>
+            </a:r>
+            <a:r>
+              <a:rPr lang="en-US" dirty="0" smtClean="0"/>
+              <a:t>	D = D*B</a:t>
+            </a:r>
+          </a:p>
+          <a:p>
+            <a:r>
+              <a:rPr lang="en-US" dirty="0"/>
+              <a:t>	</a:t>
+            </a:r>
+            <a:r>
+              <a:rPr lang="en-US" dirty="0" smtClean="0"/>
+              <a:t>PRINT D</a:t>
+            </a:r>
+            <a:endParaRPr lang="en-US" dirty="0"/>
+          </a:p>
+        </p:txBody>
+      </p:sp>
+    </p:spTree>
+    <p:extLst>
+      <p:ext uri="{BB962C8B-B14F-4D97-AF65-F5344CB8AC3E}">
+        <p14:creationId xmlns:p14="http://schemas.microsoft.com/office/powerpoint/2010/main" val="2730564148"/>
+      </p:ext>
+    </p:extLst>
+  </p:cSld>
+  <p:clrMapOvr>
+    <a:masterClrMapping/>
+  </p:clrMapOvr>
+</p:sld>
+</file>
+
+<file path=ppt/slides/slide19.xml><?xml version="1.0" encoding="utf-8"?>
+<p:sld xmlns:a="http://schemas.openxmlformats.org/drawingml/2006/main" xmlns:r="http://schemas.openxmlformats.org/officeDocument/2006/relationships" xmlns:p="http://schemas.openxmlformats.org/presentationml/2006/main">
+  <p:cSld>
+    <p:bg>
+      <p:bgPr>
+        <a:gradFill>
+          <a:gsLst>
+            <a:gs pos="11000">
+              <a:schemeClr val="accent6">
+                <a:lumMod val="60000"/>
+                <a:lumOff val="40000"/>
+              </a:schemeClr>
+            </a:gs>
+            <a:gs pos="50000">
+              <a:schemeClr val="bg1">
+                <a:lumMod val="75000"/>
+              </a:schemeClr>
+            </a:gs>
+            <a:gs pos="100000">
+              <a:schemeClr val="accent6">
+                <a:lumMod val="60000"/>
+                <a:lumOff val="40000"/>
+              </a:schemeClr>
+            </a:gs>
+          </a:gsLst>
+          <a:lin ang="5400000" scaled="0"/>
+        </a:gradFill>
+        <a:effectLst/>
+      </p:bgPr>
+    </p:bg>
+    <p:spTree>
+      <p:nvGrpSpPr>
+        <p:cNvPr id="1" name=""/>
+        <p:cNvGrpSpPr/>
+        <p:nvPr/>
+      </p:nvGrpSpPr>
+      <p:grpSpPr>
+        <a:xfrm>
+          <a:off x="0" y="0"/>
+          <a:ext cx="0" cy="0"/>
+          <a:chOff x="0" y="0"/>
+          <a:chExt cx="0" cy="0"/>
+        </a:xfrm>
+      </p:grpSpPr>
+      <p:sp>
+        <p:nvSpPr>
+          <p:cNvPr id="2" name="Flowchart: Terminator 1"/>
+          <p:cNvSpPr/>
+          <p:nvPr/>
+        </p:nvSpPr>
+        <p:spPr>
+          <a:xfrm>
+            <a:off x="4486275" y="552450"/>
+            <a:ext cx="1266825" cy="457200"/>
+          </a:xfrm>
+          <a:prstGeom prst="flowChartTerminator">
+            <a:avLst/>
+          </a:prstGeom>
+        </p:spPr>
+        <p:style>
+          <a:lnRef idx="2">
+            <a:schemeClr val="dk1">
+              <a:shade val="50000"/>
+            </a:schemeClr>
+          </a:lnRef>
+          <a:fillRef idx="1">
+            <a:schemeClr val="dk1"/>
+          </a:fillRef>
+          <a:effectRef idx="0">
+            <a:schemeClr val="dk1"/>
+          </a:effectRef>
+          <a:fontRef idx="minor">
+            <a:schemeClr val="lt1"/>
+          </a:fontRef>
+        </p:style>
+        <p:txBody>
+          <a:bodyPr rtlCol="0" anchor="ctr"/>
+          <a:lstStyle/>
+          <a:p>
+            <a:pPr algn="ctr"/>
+            <a:r>
+              <a:rPr lang="en-US" dirty="0" smtClean="0"/>
+              <a:t>START</a:t>
+            </a:r>
+            <a:endParaRPr lang="en-US" dirty="0"/>
+          </a:p>
+        </p:txBody>
+      </p:sp>
+      <p:cxnSp>
+        <p:nvCxnSpPr>
+          <p:cNvPr id="4" name="Straight Arrow Connector 3"/>
+          <p:cNvCxnSpPr>
+            <a:stCxn id="2" idx="2"/>
+          </p:cNvCxnSpPr>
+          <p:nvPr/>
+        </p:nvCxnSpPr>
+        <p:spPr>
+          <a:xfrm>
+            <a:off x="5119688" y="1009650"/>
+            <a:ext cx="4762" cy="381000"/>
+          </a:xfrm>
+          <a:prstGeom prst="straightConnector1">
+            <a:avLst/>
+          </a:prstGeom>
+          <a:ln>
+            <a:tailEnd type="triangle"/>
+          </a:ln>
+        </p:spPr>
+        <p:style>
+          <a:lnRef idx="1">
+            <a:schemeClr val="dk1"/>
+          </a:lnRef>
+          <a:fillRef idx="0">
+            <a:schemeClr val="dk1"/>
+          </a:fillRef>
+          <a:effectRef idx="0">
+            <a:schemeClr val="dk1"/>
+          </a:effectRef>
+          <a:fontRef idx="minor">
+            <a:schemeClr val="tx1"/>
+          </a:fontRef>
+        </p:style>
+      </p:cxnSp>
+      <p:sp>
+        <p:nvSpPr>
+          <p:cNvPr id="6" name="Flowchart: Data 5"/>
+          <p:cNvSpPr/>
+          <p:nvPr/>
+        </p:nvSpPr>
+        <p:spPr>
+          <a:xfrm>
+            <a:off x="4324349" y="1390650"/>
+            <a:ext cx="1590675" cy="333375"/>
+          </a:xfrm>
+          <a:prstGeom prst="flowChartInputOutput">
+            <a:avLst/>
+          </a:prstGeom>
+        </p:spPr>
+        <p:style>
+          <a:lnRef idx="2">
+            <a:schemeClr val="accent6">
+              <a:shade val="50000"/>
+            </a:schemeClr>
+          </a:lnRef>
+          <a:fillRef idx="1">
+            <a:schemeClr val="accent6"/>
+          </a:fillRef>
+          <a:effectRef idx="0">
+            <a:schemeClr val="accent6"/>
+          </a:effectRef>
+          <a:fontRef idx="minor">
+            <a:schemeClr val="lt1"/>
+          </a:fontRef>
+        </p:style>
+        <p:txBody>
+          <a:bodyPr rtlCol="0" anchor="ctr"/>
+          <a:lstStyle/>
+          <a:p>
+            <a:pPr algn="ctr"/>
+            <a:r>
+              <a:rPr lang="en-US" dirty="0" smtClean="0"/>
+              <a:t>INPUT A</a:t>
+            </a:r>
+            <a:endParaRPr lang="en-US" dirty="0"/>
+          </a:p>
+        </p:txBody>
+      </p:sp>
+      <p:cxnSp>
+        <p:nvCxnSpPr>
+          <p:cNvPr id="8" name="Straight Arrow Connector 7"/>
+          <p:cNvCxnSpPr>
+            <a:stCxn id="6" idx="4"/>
+          </p:cNvCxnSpPr>
+          <p:nvPr/>
+        </p:nvCxnSpPr>
+        <p:spPr>
+          <a:xfrm>
+            <a:off x="5119687" y="1724025"/>
+            <a:ext cx="0" cy="381000"/>
+          </a:xfrm>
+          <a:prstGeom prst="straightConnector1">
+            <a:avLst/>
+          </a:prstGeom>
+          <a:ln>
+            <a:tailEnd type="triangle"/>
+          </a:ln>
+        </p:spPr>
+        <p:style>
+          <a:lnRef idx="1">
+            <a:schemeClr val="dk1"/>
+          </a:lnRef>
+          <a:fillRef idx="0">
+            <a:schemeClr val="dk1"/>
+          </a:fillRef>
+          <a:effectRef idx="0">
+            <a:schemeClr val="dk1"/>
+          </a:effectRef>
+          <a:fontRef idx="minor">
+            <a:schemeClr val="tx1"/>
+          </a:fontRef>
+        </p:style>
+      </p:cxnSp>
+      <p:sp>
+        <p:nvSpPr>
+          <p:cNvPr id="9" name="Rectangle 8"/>
+          <p:cNvSpPr/>
+          <p:nvPr/>
+        </p:nvSpPr>
+        <p:spPr>
+          <a:xfrm>
+            <a:off x="4324349" y="2124075"/>
+            <a:ext cx="1590675" cy="447675"/>
+          </a:xfrm>
+          <a:prstGeom prst="rect">
+            <a:avLst/>
+          </a:prstGeom>
+        </p:spPr>
+        <p:style>
+          <a:lnRef idx="2">
+            <a:schemeClr val="accent4">
+              <a:shade val="50000"/>
+            </a:schemeClr>
+          </a:lnRef>
+          <a:fillRef idx="1">
+            <a:schemeClr val="accent4"/>
+          </a:fillRef>
+          <a:effectRef idx="0">
+            <a:schemeClr val="accent4"/>
+          </a:effectRef>
+          <a:fontRef idx="minor">
+            <a:schemeClr val="lt1"/>
+          </a:fontRef>
+        </p:style>
+        <p:txBody>
+          <a:bodyPr rtlCol="0" anchor="ctr"/>
+          <a:lstStyle/>
+          <a:p>
+            <a:pPr algn="ctr"/>
+            <a:r>
+              <a:rPr lang="en-US" dirty="0" smtClean="0"/>
+              <a:t>RI=RANGE(1, A+1)</a:t>
+            </a:r>
+            <a:endParaRPr lang="en-US" dirty="0"/>
+          </a:p>
+        </p:txBody>
+      </p:sp>
+      <p:cxnSp>
+        <p:nvCxnSpPr>
+          <p:cNvPr id="11" name="Straight Arrow Connector 10"/>
+          <p:cNvCxnSpPr>
+            <a:stCxn id="9" idx="2"/>
+          </p:cNvCxnSpPr>
+          <p:nvPr/>
+        </p:nvCxnSpPr>
+        <p:spPr>
+          <a:xfrm>
+            <a:off x="5119687" y="2571750"/>
+            <a:ext cx="0" cy="438150"/>
+          </a:xfrm>
+          <a:prstGeom prst="straightConnector1">
+            <a:avLst/>
+          </a:prstGeom>
+          <a:ln>
+            <a:tailEnd type="triangle"/>
+          </a:ln>
+        </p:spPr>
+        <p:style>
+          <a:lnRef idx="1">
+            <a:schemeClr val="dk1"/>
+          </a:lnRef>
+          <a:fillRef idx="0">
+            <a:schemeClr val="dk1"/>
+          </a:fillRef>
+          <a:effectRef idx="0">
+            <a:schemeClr val="dk1"/>
+          </a:effectRef>
+          <a:fontRef idx="minor">
+            <a:schemeClr val="tx1"/>
+          </a:fontRef>
+        </p:style>
+      </p:cxnSp>
+      <p:sp>
+        <p:nvSpPr>
+          <p:cNvPr id="12" name="Flowchart: Decision 11"/>
+          <p:cNvSpPr/>
+          <p:nvPr/>
+        </p:nvSpPr>
+        <p:spPr>
+          <a:xfrm>
+            <a:off x="3948111" y="3019425"/>
+            <a:ext cx="2343150" cy="609600"/>
+          </a:xfrm>
+          <a:prstGeom prst="flowChartDecision">
+            <a:avLst/>
+          </a:prstGeom>
+        </p:spPr>
+        <p:style>
+          <a:lnRef idx="2">
+            <a:schemeClr val="accent1">
+              <a:shade val="50000"/>
+            </a:schemeClr>
+          </a:lnRef>
+          <a:fillRef idx="1">
+            <a:schemeClr val="accent1"/>
+          </a:fillRef>
+          <a:effectRef idx="0">
+            <a:schemeClr val="accent1"/>
+          </a:effectRef>
+          <a:fontRef idx="minor">
+            <a:schemeClr val="lt1"/>
+          </a:fontRef>
+        </p:style>
+        <p:txBody>
+          <a:bodyPr rtlCol="0" anchor="ctr"/>
+          <a:lstStyle/>
+          <a:p>
+            <a:pPr algn="ctr"/>
+            <a:r>
+              <a:rPr lang="en-US" dirty="0" smtClean="0"/>
+              <a:t>IS A&lt;0</a:t>
+            </a:r>
+            <a:endParaRPr lang="en-US" dirty="0"/>
+          </a:p>
+        </p:txBody>
+      </p:sp>
+      <p:cxnSp>
+        <p:nvCxnSpPr>
+          <p:cNvPr id="14" name="Straight Arrow Connector 13"/>
+          <p:cNvCxnSpPr>
+            <a:stCxn id="12" idx="3"/>
+          </p:cNvCxnSpPr>
+          <p:nvPr/>
+        </p:nvCxnSpPr>
+        <p:spPr>
+          <a:xfrm>
+            <a:off x="6291261" y="3324225"/>
+            <a:ext cx="985839" cy="19050"/>
+          </a:xfrm>
+          <a:prstGeom prst="straightConnector1">
+            <a:avLst/>
+          </a:prstGeom>
+          <a:ln>
+            <a:tailEnd type="triangle"/>
+          </a:ln>
+        </p:spPr>
+        <p:style>
+          <a:lnRef idx="1">
+            <a:schemeClr val="dk1"/>
+          </a:lnRef>
+          <a:fillRef idx="0">
+            <a:schemeClr val="dk1"/>
+          </a:fillRef>
+          <a:effectRef idx="0">
+            <a:schemeClr val="dk1"/>
+          </a:effectRef>
+          <a:fontRef idx="minor">
+            <a:schemeClr val="tx1"/>
+          </a:fontRef>
+        </p:style>
+      </p:cxnSp>
+      <p:cxnSp>
+        <p:nvCxnSpPr>
+          <p:cNvPr id="16" name="Straight Arrow Connector 15"/>
+          <p:cNvCxnSpPr/>
+          <p:nvPr/>
+        </p:nvCxnSpPr>
+        <p:spPr>
+          <a:xfrm>
+            <a:off x="7277099" y="3343275"/>
+            <a:ext cx="1" cy="942975"/>
+          </a:xfrm>
+          <a:prstGeom prst="straightConnector1">
+            <a:avLst/>
+          </a:prstGeom>
+          <a:ln>
+            <a:tailEnd type="triangle"/>
+          </a:ln>
+        </p:spPr>
+        <p:style>
+          <a:lnRef idx="1">
+            <a:schemeClr val="dk1"/>
+          </a:lnRef>
+          <a:fillRef idx="0">
+            <a:schemeClr val="dk1"/>
+          </a:fillRef>
+          <a:effectRef idx="0">
+            <a:schemeClr val="dk1"/>
+          </a:effectRef>
+          <a:fontRef idx="minor">
+            <a:schemeClr val="tx1"/>
+          </a:fontRef>
+        </p:style>
+      </p:cxnSp>
+      <p:sp>
+        <p:nvSpPr>
+          <p:cNvPr id="18" name="Flowchart: Decision 17"/>
+          <p:cNvSpPr/>
+          <p:nvPr/>
+        </p:nvSpPr>
+        <p:spPr>
+          <a:xfrm>
+            <a:off x="6067424" y="4286250"/>
+            <a:ext cx="2419351" cy="752475"/>
+          </a:xfrm>
+          <a:prstGeom prst="flowChartDecision">
+            <a:avLst/>
+          </a:prstGeom>
+        </p:spPr>
+        <p:style>
+          <a:lnRef idx="2">
+            <a:schemeClr val="accent1">
+              <a:shade val="50000"/>
+            </a:schemeClr>
+          </a:lnRef>
+          <a:fillRef idx="1">
+            <a:schemeClr val="accent1"/>
+          </a:fillRef>
+          <a:effectRef idx="0">
+            <a:schemeClr val="accent1"/>
+          </a:effectRef>
+          <a:fontRef idx="minor">
+            <a:schemeClr val="lt1"/>
+          </a:fontRef>
+        </p:style>
+        <p:txBody>
+          <a:bodyPr rtlCol="0" anchor="ctr"/>
+          <a:lstStyle/>
+          <a:p>
+            <a:pPr algn="ctr"/>
+            <a:r>
+              <a:rPr lang="en-US" dirty="0" smtClean="0"/>
+              <a:t>IS B IN R1</a:t>
+            </a:r>
+            <a:endParaRPr lang="en-US" dirty="0"/>
+          </a:p>
+        </p:txBody>
+      </p:sp>
+      <p:cxnSp>
+        <p:nvCxnSpPr>
+          <p:cNvPr id="21" name="Straight Arrow Connector 20"/>
+          <p:cNvCxnSpPr>
+            <a:stCxn id="18" idx="3"/>
+          </p:cNvCxnSpPr>
+          <p:nvPr/>
+        </p:nvCxnSpPr>
+        <p:spPr>
+          <a:xfrm>
+            <a:off x="8486775" y="4662488"/>
+            <a:ext cx="847725" cy="14287"/>
+          </a:xfrm>
+          <a:prstGeom prst="straightConnector1">
+            <a:avLst/>
+          </a:prstGeom>
+          <a:ln>
+            <a:tailEnd type="triangle"/>
+          </a:ln>
+        </p:spPr>
+        <p:style>
+          <a:lnRef idx="1">
+            <a:schemeClr val="dk1"/>
+          </a:lnRef>
+          <a:fillRef idx="0">
+            <a:schemeClr val="dk1"/>
+          </a:fillRef>
+          <a:effectRef idx="0">
+            <a:schemeClr val="dk1"/>
+          </a:effectRef>
+          <a:fontRef idx="minor">
+            <a:schemeClr val="tx1"/>
+          </a:fontRef>
+        </p:style>
+      </p:cxnSp>
+      <p:sp>
+        <p:nvSpPr>
+          <p:cNvPr id="22" name="Rectangle 21"/>
+          <p:cNvSpPr/>
+          <p:nvPr/>
+        </p:nvSpPr>
+        <p:spPr>
+          <a:xfrm>
+            <a:off x="9334500" y="4371975"/>
+            <a:ext cx="2114550" cy="609600"/>
+          </a:xfrm>
+          <a:prstGeom prst="rect">
+            <a:avLst/>
+          </a:prstGeom>
+        </p:spPr>
+        <p:style>
+          <a:lnRef idx="2">
+            <a:schemeClr val="accent4">
+              <a:shade val="50000"/>
+            </a:schemeClr>
+          </a:lnRef>
+          <a:fillRef idx="1">
+            <a:schemeClr val="accent4"/>
+          </a:fillRef>
+          <a:effectRef idx="0">
+            <a:schemeClr val="accent4"/>
+          </a:effectRef>
+          <a:fontRef idx="minor">
+            <a:schemeClr val="lt1"/>
+          </a:fontRef>
+        </p:style>
+        <p:txBody>
+          <a:bodyPr rtlCol="0" anchor="ctr"/>
+          <a:lstStyle/>
+          <a:p>
+            <a:pPr algn="ctr"/>
+            <a:r>
+              <a:rPr lang="en-US" dirty="0" smtClean="0"/>
+              <a:t>D = D*B</a:t>
+            </a:r>
+            <a:endParaRPr lang="en-US" dirty="0"/>
+          </a:p>
+        </p:txBody>
+      </p:sp>
+      <p:cxnSp>
+        <p:nvCxnSpPr>
+          <p:cNvPr id="24" name="Straight Arrow Connector 23"/>
+          <p:cNvCxnSpPr>
+            <a:stCxn id="22" idx="0"/>
+          </p:cNvCxnSpPr>
+          <p:nvPr/>
+        </p:nvCxnSpPr>
+        <p:spPr>
+          <a:xfrm flipH="1" flipV="1">
+            <a:off x="10382250" y="3814762"/>
+            <a:ext cx="9525" cy="557213"/>
+          </a:xfrm>
+          <a:prstGeom prst="straightConnector1">
+            <a:avLst/>
+          </a:prstGeom>
+          <a:ln>
+            <a:tailEnd type="triangle"/>
+          </a:ln>
+        </p:spPr>
+        <p:style>
+          <a:lnRef idx="1">
+            <a:schemeClr val="dk1"/>
+          </a:lnRef>
+          <a:fillRef idx="0">
+            <a:schemeClr val="dk1"/>
+          </a:fillRef>
+          <a:effectRef idx="0">
+            <a:schemeClr val="dk1"/>
+          </a:effectRef>
+          <a:fontRef idx="minor">
+            <a:schemeClr val="tx1"/>
+          </a:fontRef>
+        </p:style>
+      </p:cxnSp>
+      <p:cxnSp>
+        <p:nvCxnSpPr>
+          <p:cNvPr id="26" name="Straight Arrow Connector 25"/>
+          <p:cNvCxnSpPr/>
+          <p:nvPr/>
+        </p:nvCxnSpPr>
+        <p:spPr>
+          <a:xfrm flipH="1">
+            <a:off x="7277099" y="3814762"/>
+            <a:ext cx="3114676" cy="0"/>
+          </a:xfrm>
+          <a:prstGeom prst="straightConnector1">
+            <a:avLst/>
+          </a:prstGeom>
+          <a:ln>
+            <a:tailEnd type="triangle"/>
+          </a:ln>
+        </p:spPr>
+        <p:style>
+          <a:lnRef idx="1">
+            <a:schemeClr val="dk1"/>
+          </a:lnRef>
+          <a:fillRef idx="0">
+            <a:schemeClr val="dk1"/>
+          </a:fillRef>
+          <a:effectRef idx="0">
+            <a:schemeClr val="dk1"/>
+          </a:effectRef>
+          <a:fontRef idx="minor">
+            <a:schemeClr val="tx1"/>
+          </a:fontRef>
+        </p:style>
+      </p:cxnSp>
+      <p:cxnSp>
+        <p:nvCxnSpPr>
+          <p:cNvPr id="28" name="Straight Arrow Connector 27"/>
+          <p:cNvCxnSpPr>
+            <a:stCxn id="18" idx="1"/>
+          </p:cNvCxnSpPr>
+          <p:nvPr/>
+        </p:nvCxnSpPr>
+        <p:spPr>
+          <a:xfrm flipH="1">
+            <a:off x="5114923" y="4662488"/>
+            <a:ext cx="952501" cy="28574"/>
+          </a:xfrm>
+          <a:prstGeom prst="straightConnector1">
+            <a:avLst/>
+          </a:prstGeom>
+          <a:ln>
+            <a:tailEnd type="triangle"/>
+          </a:ln>
+        </p:spPr>
+        <p:style>
+          <a:lnRef idx="1">
+            <a:schemeClr val="dk1"/>
+          </a:lnRef>
+          <a:fillRef idx="0">
+            <a:schemeClr val="dk1"/>
+          </a:fillRef>
+          <a:effectRef idx="0">
+            <a:schemeClr val="dk1"/>
+          </a:effectRef>
+          <a:fontRef idx="minor">
+            <a:schemeClr val="tx1"/>
+          </a:fontRef>
+        </p:style>
+      </p:cxnSp>
+      <p:cxnSp>
+        <p:nvCxnSpPr>
+          <p:cNvPr id="30" name="Straight Arrow Connector 29"/>
+          <p:cNvCxnSpPr/>
+          <p:nvPr/>
+        </p:nvCxnSpPr>
+        <p:spPr>
+          <a:xfrm>
+            <a:off x="5114923" y="4691062"/>
+            <a:ext cx="9525" cy="833437"/>
+          </a:xfrm>
+          <a:prstGeom prst="straightConnector1">
+            <a:avLst/>
+          </a:prstGeom>
+          <a:ln>
+            <a:tailEnd type="triangle"/>
+          </a:ln>
+        </p:spPr>
+        <p:style>
+          <a:lnRef idx="1">
+            <a:schemeClr val="dk1"/>
+          </a:lnRef>
+          <a:fillRef idx="0">
+            <a:schemeClr val="dk1"/>
+          </a:fillRef>
+          <a:effectRef idx="0">
+            <a:schemeClr val="dk1"/>
+          </a:effectRef>
+          <a:fontRef idx="minor">
+            <a:schemeClr val="tx1"/>
+          </a:fontRef>
+        </p:style>
+      </p:cxnSp>
+      <p:sp>
+        <p:nvSpPr>
+          <p:cNvPr id="31" name="Flowchart: Alternate Process 30"/>
+          <p:cNvSpPr/>
+          <p:nvPr/>
+        </p:nvSpPr>
+        <p:spPr>
+          <a:xfrm>
+            <a:off x="4324349" y="5524499"/>
+            <a:ext cx="1743075" cy="647700"/>
+          </a:xfrm>
+          <a:prstGeom prst="flowChartAlternateProcess">
+            <a:avLst/>
+          </a:prstGeom>
+        </p:spPr>
+        <p:style>
+          <a:lnRef idx="1">
+            <a:schemeClr val="dk1"/>
+          </a:lnRef>
+          <a:fillRef idx="1002">
+            <a:schemeClr val="dk2"/>
+          </a:fillRef>
+          <a:effectRef idx="1">
+            <a:schemeClr val="dk1"/>
+          </a:effectRef>
+          <a:fontRef idx="minor">
+            <a:schemeClr val="dk1"/>
+          </a:fontRef>
+        </p:style>
+        <p:txBody>
+          <a:bodyPr rtlCol="0" anchor="ctr"/>
+          <a:lstStyle/>
+          <a:p>
+            <a:pPr algn="ctr"/>
+            <a:r>
+              <a:rPr lang="en-US" b="1" spc="50" dirty="0" smtClean="0">
+                <a:ln w="0"/>
+                <a:solidFill>
+                  <a:schemeClr val="bg2"/>
+                </a:solidFill>
+                <a:effectLst>
+                  <a:innerShdw blurRad="63500" dist="50800" dir="13500000">
+                    <a:srgbClr val="000000">
+                      <a:alpha val="50000"/>
+                    </a:srgbClr>
+                  </a:innerShdw>
+                </a:effectLst>
+              </a:rPr>
+              <a:t>EXIT FROM LOOP</a:t>
+            </a:r>
+            <a:endParaRPr lang="en-US" dirty="0"/>
+          </a:p>
+        </p:txBody>
+      </p:sp>
+      <p:cxnSp>
+        <p:nvCxnSpPr>
+          <p:cNvPr id="33" name="Straight Arrow Connector 32"/>
+          <p:cNvCxnSpPr>
+            <a:stCxn id="31" idx="1"/>
+          </p:cNvCxnSpPr>
+          <p:nvPr/>
+        </p:nvCxnSpPr>
+        <p:spPr>
+          <a:xfrm flipH="1">
+            <a:off x="3829050" y="5848349"/>
+            <a:ext cx="495299" cy="0"/>
+          </a:xfrm>
+          <a:prstGeom prst="straightConnector1">
+            <a:avLst/>
+          </a:prstGeom>
+          <a:ln>
+            <a:tailEnd type="triangle"/>
+          </a:ln>
+        </p:spPr>
+        <p:style>
+          <a:lnRef idx="1">
+            <a:schemeClr val="dk1"/>
+          </a:lnRef>
+          <a:fillRef idx="0">
+            <a:schemeClr val="dk1"/>
+          </a:fillRef>
+          <a:effectRef idx="0">
+            <a:schemeClr val="dk1"/>
+          </a:effectRef>
+          <a:fontRef idx="minor">
+            <a:schemeClr val="tx1"/>
+          </a:fontRef>
+        </p:style>
+      </p:cxnSp>
+      <p:sp>
+        <p:nvSpPr>
+          <p:cNvPr id="34" name="Flowchart: Display 33"/>
+          <p:cNvSpPr/>
+          <p:nvPr/>
+        </p:nvSpPr>
+        <p:spPr>
+          <a:xfrm>
+            <a:off x="2628899" y="5643561"/>
+            <a:ext cx="1200151" cy="485774"/>
+          </a:xfrm>
+          <a:prstGeom prst="flowChartDisplay">
+            <a:avLst/>
+          </a:prstGeom>
+        </p:spPr>
+        <p:style>
+          <a:lnRef idx="2">
+            <a:schemeClr val="accent3">
+              <a:shade val="50000"/>
+            </a:schemeClr>
+          </a:lnRef>
+          <a:fillRef idx="1">
+            <a:schemeClr val="accent3"/>
+          </a:fillRef>
+          <a:effectRef idx="0">
+            <a:schemeClr val="accent3"/>
+          </a:effectRef>
+          <a:fontRef idx="minor">
+            <a:schemeClr val="lt1"/>
+          </a:fontRef>
+        </p:style>
+        <p:txBody>
+          <a:bodyPr rtlCol="0" anchor="ctr"/>
+          <a:lstStyle/>
+          <a:p>
+            <a:pPr algn="ctr"/>
+            <a:r>
+              <a:rPr lang="en-US" dirty="0" smtClean="0"/>
+              <a:t>PRINT D</a:t>
+            </a:r>
+            <a:endParaRPr lang="en-US" dirty="0"/>
+          </a:p>
+        </p:txBody>
+      </p:sp>
+      <p:sp>
+        <p:nvSpPr>
+          <p:cNvPr id="35" name="Flowchart: Terminator 34"/>
+          <p:cNvSpPr/>
+          <p:nvPr/>
+        </p:nvSpPr>
+        <p:spPr>
+          <a:xfrm>
+            <a:off x="1257298" y="5605461"/>
+            <a:ext cx="771525" cy="523874"/>
+          </a:xfrm>
+          <a:prstGeom prst="flowChartTerminator">
+            <a:avLst/>
+          </a:prstGeom>
+        </p:spPr>
+        <p:style>
+          <a:lnRef idx="2">
+            <a:schemeClr val="dk1">
+              <a:shade val="50000"/>
+            </a:schemeClr>
+          </a:lnRef>
+          <a:fillRef idx="1">
+            <a:schemeClr val="dk1"/>
+          </a:fillRef>
+          <a:effectRef idx="0">
+            <a:schemeClr val="dk1"/>
+          </a:effectRef>
+          <a:fontRef idx="minor">
+            <a:schemeClr val="lt1"/>
+          </a:fontRef>
+        </p:style>
+        <p:txBody>
+          <a:bodyPr rtlCol="0" anchor="ctr"/>
+          <a:lstStyle/>
+          <a:p>
+            <a:pPr algn="ctr"/>
+            <a:r>
+              <a:rPr lang="en-US" dirty="0" smtClean="0"/>
+              <a:t>END</a:t>
+            </a:r>
+            <a:endParaRPr lang="en-US" dirty="0"/>
+          </a:p>
+        </p:txBody>
+      </p:sp>
+      <p:cxnSp>
+        <p:nvCxnSpPr>
+          <p:cNvPr id="37" name="Straight Arrow Connector 36"/>
+          <p:cNvCxnSpPr>
+            <a:stCxn id="34" idx="1"/>
+            <a:endCxn id="35" idx="3"/>
+          </p:cNvCxnSpPr>
+          <p:nvPr/>
+        </p:nvCxnSpPr>
+        <p:spPr>
+          <a:xfrm flipH="1" flipV="1">
+            <a:off x="2028823" y="5867398"/>
+            <a:ext cx="600076" cy="19050"/>
+          </a:xfrm>
+          <a:prstGeom prst="straightConnector1">
+            <a:avLst/>
+          </a:prstGeom>
+          <a:ln>
+            <a:tailEnd type="triangle"/>
+          </a:ln>
+        </p:spPr>
+        <p:style>
+          <a:lnRef idx="1">
+            <a:schemeClr val="dk1"/>
+          </a:lnRef>
+          <a:fillRef idx="0">
+            <a:schemeClr val="dk1"/>
+          </a:fillRef>
+          <a:effectRef idx="0">
+            <a:schemeClr val="dk1"/>
+          </a:effectRef>
+          <a:fontRef idx="minor">
+            <a:schemeClr val="tx1"/>
+          </a:fontRef>
+        </p:style>
+      </p:cxnSp>
+      <p:cxnSp>
+        <p:nvCxnSpPr>
+          <p:cNvPr id="48" name="Straight Arrow Connector 47"/>
+          <p:cNvCxnSpPr>
+            <a:stCxn id="12" idx="1"/>
+            <a:endCxn id="49" idx="3"/>
+          </p:cNvCxnSpPr>
+          <p:nvPr/>
+        </p:nvCxnSpPr>
+        <p:spPr>
+          <a:xfrm flipH="1">
+            <a:off x="3031331" y="3324225"/>
+            <a:ext cx="916780" cy="0"/>
+          </a:xfrm>
+          <a:prstGeom prst="straightConnector1">
+            <a:avLst/>
+          </a:prstGeom>
+          <a:ln>
+            <a:tailEnd type="triangle"/>
+          </a:ln>
+        </p:spPr>
+        <p:style>
+          <a:lnRef idx="1">
+            <a:schemeClr val="dk1"/>
+          </a:lnRef>
+          <a:fillRef idx="0">
+            <a:schemeClr val="dk1"/>
+          </a:fillRef>
+          <a:effectRef idx="0">
+            <a:schemeClr val="dk1"/>
+          </a:effectRef>
+          <a:fontRef idx="minor">
+            <a:schemeClr val="tx1"/>
+          </a:fontRef>
+        </p:style>
+      </p:cxnSp>
+      <p:sp>
+        <p:nvSpPr>
+          <p:cNvPr id="49" name="Flowchart: Display 48"/>
+          <p:cNvSpPr/>
+          <p:nvPr/>
+        </p:nvSpPr>
+        <p:spPr>
+          <a:xfrm>
+            <a:off x="202406" y="2965847"/>
+            <a:ext cx="2828925" cy="716756"/>
+          </a:xfrm>
+          <a:prstGeom prst="flowChartDisplay">
+            <a:avLst/>
+          </a:prstGeom>
+        </p:spPr>
+        <p:style>
+          <a:lnRef idx="2">
+            <a:schemeClr val="accent3">
+              <a:shade val="50000"/>
+            </a:schemeClr>
+          </a:lnRef>
+          <a:fillRef idx="1">
+            <a:schemeClr val="accent3"/>
+          </a:fillRef>
+          <a:effectRef idx="0">
+            <a:schemeClr val="accent3"/>
+          </a:effectRef>
+          <a:fontRef idx="minor">
+            <a:schemeClr val="lt1"/>
+          </a:fontRef>
+        </p:style>
+        <p:txBody>
+          <a:bodyPr rtlCol="0" anchor="ctr"/>
+          <a:lstStyle/>
+          <a:p>
+            <a:pPr algn="ctr"/>
+            <a:r>
+              <a:rPr lang="en-US" dirty="0" smtClean="0"/>
+              <a:t>PRINT RENENTER A WHOLE NUMBER</a:t>
+            </a:r>
+            <a:endParaRPr lang="en-US" dirty="0"/>
+          </a:p>
+        </p:txBody>
+      </p:sp>
+      <p:cxnSp>
+        <p:nvCxnSpPr>
+          <p:cNvPr id="58" name="Straight Arrow Connector 57"/>
+          <p:cNvCxnSpPr>
+            <a:stCxn id="49" idx="2"/>
+            <a:endCxn id="35" idx="0"/>
+          </p:cNvCxnSpPr>
+          <p:nvPr/>
+        </p:nvCxnSpPr>
+        <p:spPr>
+          <a:xfrm>
+            <a:off x="1616869" y="3682603"/>
+            <a:ext cx="26192" cy="1922858"/>
+          </a:xfrm>
+          <a:prstGeom prst="straightConnector1">
+            <a:avLst/>
+          </a:prstGeom>
+          <a:ln>
+            <a:tailEnd type="triangle"/>
+          </a:ln>
+        </p:spPr>
+        <p:style>
+          <a:lnRef idx="1">
+            <a:schemeClr val="dk1"/>
+          </a:lnRef>
+          <a:fillRef idx="0">
+            <a:schemeClr val="dk1"/>
+          </a:fillRef>
+          <a:effectRef idx="0">
+            <a:schemeClr val="dk1"/>
+          </a:effectRef>
+          <a:fontRef idx="minor">
+            <a:schemeClr val="tx1"/>
+          </a:fontRef>
+        </p:style>
+      </p:cxnSp>
+      <p:sp>
+        <p:nvSpPr>
+          <p:cNvPr id="61" name="TextBox 60"/>
+          <p:cNvSpPr txBox="1"/>
+          <p:nvPr/>
+        </p:nvSpPr>
+        <p:spPr>
+          <a:xfrm>
+            <a:off x="3124200" y="2965847"/>
+            <a:ext cx="823911" cy="369332"/>
+          </a:xfrm>
+          <a:prstGeom prst="rect">
+            <a:avLst/>
+          </a:prstGeom>
+          <a:noFill/>
+        </p:spPr>
+        <p:txBody>
+          <a:bodyPr wrap="square" rtlCol="0">
+            <a:spAutoFit/>
+          </a:bodyPr>
+          <a:lstStyle/>
+          <a:p>
+            <a:r>
+              <a:rPr lang="en-US" dirty="0" smtClean="0"/>
+              <a:t>TRUE</a:t>
+            </a:r>
+            <a:endParaRPr lang="en-US" dirty="0"/>
+          </a:p>
+        </p:txBody>
+      </p:sp>
+      <p:sp>
+        <p:nvSpPr>
+          <p:cNvPr id="62" name="TextBox 61"/>
+          <p:cNvSpPr txBox="1"/>
+          <p:nvPr/>
+        </p:nvSpPr>
+        <p:spPr>
+          <a:xfrm>
+            <a:off x="6298402" y="2964418"/>
+            <a:ext cx="1071564" cy="369332"/>
+          </a:xfrm>
+          <a:prstGeom prst="rect">
+            <a:avLst/>
+          </a:prstGeom>
+          <a:noFill/>
+        </p:spPr>
+        <p:txBody>
+          <a:bodyPr wrap="square" rtlCol="0">
+            <a:spAutoFit/>
+          </a:bodyPr>
+          <a:lstStyle/>
+          <a:p>
+            <a:r>
+              <a:rPr lang="en-US" dirty="0" smtClean="0"/>
+              <a:t>FALSE</a:t>
+            </a:r>
+            <a:endParaRPr lang="en-US" dirty="0"/>
+          </a:p>
+        </p:txBody>
+      </p:sp>
+      <p:sp>
+        <p:nvSpPr>
+          <p:cNvPr id="63" name="TextBox 62"/>
+          <p:cNvSpPr txBox="1"/>
+          <p:nvPr/>
+        </p:nvSpPr>
+        <p:spPr>
+          <a:xfrm>
+            <a:off x="5195886" y="4371975"/>
+            <a:ext cx="957261" cy="369332"/>
+          </a:xfrm>
+          <a:prstGeom prst="rect">
+            <a:avLst/>
+          </a:prstGeom>
+          <a:noFill/>
+        </p:spPr>
+        <p:txBody>
+          <a:bodyPr wrap="square" rtlCol="0">
+            <a:spAutoFit/>
+          </a:bodyPr>
+          <a:lstStyle/>
+          <a:p>
+            <a:r>
+              <a:rPr lang="en-US" dirty="0" smtClean="0"/>
+              <a:t>FALSE</a:t>
+            </a:r>
+            <a:endParaRPr lang="en-US" dirty="0"/>
+          </a:p>
+        </p:txBody>
+      </p:sp>
+      <p:sp>
+        <p:nvSpPr>
+          <p:cNvPr id="64" name="TextBox 63"/>
+          <p:cNvSpPr txBox="1"/>
+          <p:nvPr/>
+        </p:nvSpPr>
+        <p:spPr>
+          <a:xfrm>
+            <a:off x="8486775" y="4371975"/>
+            <a:ext cx="838200" cy="369332"/>
+          </a:xfrm>
+          <a:prstGeom prst="rect">
+            <a:avLst/>
+          </a:prstGeom>
+          <a:noFill/>
+        </p:spPr>
+        <p:txBody>
+          <a:bodyPr wrap="square" rtlCol="0">
+            <a:spAutoFit/>
+          </a:bodyPr>
+          <a:lstStyle/>
+          <a:p>
+            <a:r>
+              <a:rPr lang="en-US" dirty="0" smtClean="0"/>
+              <a:t>TRUE</a:t>
+            </a:r>
+            <a:endParaRPr lang="en-US" dirty="0"/>
+          </a:p>
+        </p:txBody>
+      </p:sp>
+    </p:spTree>
+    <p:extLst>
+      <p:ext uri="{BB962C8B-B14F-4D97-AF65-F5344CB8AC3E}">
+        <p14:creationId xmlns:p14="http://schemas.microsoft.com/office/powerpoint/2010/main" val="2745227483"/>
       </p:ext>
     </p:extLst>
   </p:cSld>
@@ -3448,7 +9496,9 @@
     <p:bg>
       <p:bgPr>
         <a:solidFill>
-          <a:srgbClr val="C00000"/>
+          <a:schemeClr val="accent5">
+            <a:lumMod val="75000"/>
+          </a:schemeClr>
         </a:solidFill>
         <a:effectLst/>
       </p:bgPr>
@@ -3481,7 +9531,11 @@
           <a:prstGeom prst="rect">
             <a:avLst/>
           </a:prstGeom>
-          <a:noFill/>
+          <a:solidFill>
+            <a:schemeClr val="accent5">
+              <a:lumMod val="75000"/>
+            </a:schemeClr>
+          </a:solidFill>
         </p:spPr>
         <p:txBody>
           <a:bodyPr wrap="square" rtlCol="0">
@@ -3545,8 +9599,13 @@
           <a:p>
             <a:r>
               <a:rPr lang="en-US" dirty="0" smtClean="0"/>
-              <a:t>    PRINT X1 AND X2</a:t>
-            </a:r>
+              <a:t>    PRINT X1 AND </a:t>
+            </a:r>
+            <a:r>
+              <a:rPr lang="en-US" dirty="0" smtClean="0"/>
+              <a:t>X2</a:t>
+            </a:r>
+            <a:endParaRPr lang="en-US" dirty="0" smtClean="0"/>
           </a:p>
         </p:txBody>
       </p:sp>
@@ -4753,9 +10812,7 @@
     <p:bg>
       <p:bgPr>
         <a:solidFill>
-          <a:schemeClr val="accent6">
-            <a:lumMod val="75000"/>
-          </a:schemeClr>
+          <a:srgbClr val="E50101"/>
         </a:solidFill>
         <a:effectLst/>
       </p:bgPr>
@@ -4904,7 +10961,15 @@
           <a:p>
             <a:r>
               <a:rPr lang="en-US" dirty="0"/>
-              <a:t>COMPUTE S = (R </a:t>
+              <a:t>COMPUTE </a:t>
+            </a:r>
+            <a:r>
+              <a:rPr lang="en-US" dirty="0" smtClean="0"/>
+              <a:t>T </a:t>
+            </a:r>
+            <a:r>
+              <a:rPr lang="en-US" dirty="0"/>
+              <a:t>= (R </a:t>
             </a:r>
             <a:r>
               <a:rPr lang="en-US" dirty="0" smtClean="0"/>
@@ -5023,11 +11088,12 @@
               <a:srgbClr val="C00000"/>
             </a:gs>
             <a:gs pos="75000">
-              <a:srgbClr val="00B0F0"/>
+              <a:srgbClr val="FF0000"/>
             </a:gs>
             <a:gs pos="100000">
-              <a:schemeClr val="bg1">
-                <a:lumMod val="95000"/>
+              <a:schemeClr val="accent2">
+                <a:lumMod val="60000"/>
+                <a:lumOff val="40000"/>
               </a:schemeClr>
             </a:gs>
           </a:gsLst>
@@ -8957,7 +15023,7 @@
         </p:nvSpPr>
         <p:spPr>
           <a:xfrm>
-            <a:off x="3252997" y="4207858"/>
+            <a:off x="2120117" y="4862169"/>
             <a:ext cx="933992" cy="369332"/>
           </a:xfrm>
           <a:prstGeom prst="rect">
@@ -9522,4 +15588,265 @@
     </a:ext>
   </a:extLst>
 </a:theme>
+</file>
+
+<file path=ppt/theme/theme2.xml><?xml version="1.0" encoding="utf-8"?>
+<a:theme xmlns:a="http://schemas.openxmlformats.org/drawingml/2006/main" name="Office Theme">
+  <a:themeElements>
+    <a:clrScheme name="Office">
+      <a:dk1>
+        <a:sysClr val="windowText" lastClr="000000"/>
+      </a:dk1>
+      <a:lt1>
+        <a:sysClr val="window" lastClr="FFFFFF"/>
+      </a:lt1>
+      <a:dk2>
+        <a:srgbClr val="44546A"/>
+      </a:dk2>
+      <a:lt2>
+        <a:srgbClr val="E7E6E6"/>
+      </a:lt2>
+      <a:accent1>
+        <a:srgbClr val="5B9BD5"/>
+      </a:accent1>
+      <a:accent2>
+        <a:srgbClr val="ED7D31"/>
+      </a:accent2>
+      <a:accent3>
+        <a:srgbClr val="A5A5A5"/>
+      </a:accent3>
+      <a:accent4>
+        <a:srgbClr val="FFC000"/>
+      </a:accent4>
+      <a:accent5>
+        <a:srgbClr val="4472C4"/>
+      </a:accent5>
+      <a:accent6>
+        <a:srgbClr val="70AD47"/>
+      </a:accent6>
+      <a:hlink>
+        <a:srgbClr val="0563C1"/>
+      </a:hlink>
+      <a:folHlink>
+        <a:srgbClr val="954F72"/>
+      </a:folHlink>
+    </a:clrScheme>
+    <a:fontScheme name="Office">
+      <a:majorFont>
+        <a:latin typeface="Calibri Light" panose="020F0302020204030204"/>
+        <a:ea typeface=""/>
+        <a:cs typeface=""/>
+        <a:font script="Jpan" typeface="ＭＳ Ｐゴシック"/>
+        <a:font script="Hang" typeface="맑은 고딕"/>
+        <a:font script="Hans" typeface="宋体"/>
+        <a:font script="Hant" typeface="新細明體"/>
+        <a:font script="Arab" typeface="Times New Roman"/>
+        <a:font script="Hebr" typeface="Times New Roman"/>
+        <a:font script="Thai" typeface="Angsana New"/>
+        <a:font script="Ethi" typeface="Nyala"/>
+        <a:font script="Beng" typeface="Vrinda"/>
+        <a:font script="Gujr" typeface="Shruti"/>
+        <a:font script="Khmr" typeface="MoolBoran"/>
+        <a:font script="Knda" typeface="Tunga"/>
+        <a:font script="Guru" typeface="Raavi"/>
+        <a:font script="Cans" typeface="Euphemia"/>
+        <a:font script="Cher" typeface="Plantagenet Cherokee"/>
+        <a:font script="Yiii" typeface="Microsoft Yi Baiti"/>
+        <a:font script="Tibt" typeface="Microsoft Himalaya"/>
+        <a:font script="Thaa" typeface="MV Boli"/>
+        <a:font script="Deva" typeface="Mangal"/>
+        <a:font script="Telu" typeface="Gautami"/>
+        <a:font script="Taml" typeface="Latha"/>
+        <a:font script="Syrc" typeface="Estrangelo Edessa"/>
+        <a:font script="Orya" typeface="Kalinga"/>
+        <a:font script="Mlym" typeface="Kartika"/>
+        <a:font script="Laoo" typeface="DokChampa"/>
+        <a:font script="Sinh" typeface="Iskoola Pota"/>
+        <a:font script="Mong" typeface="Mongolian Baiti"/>
+        <a:font script="Viet" typeface="Times New Roman"/>
+        <a:font script="Uigh" typeface="Microsoft Uighur"/>
+        <a:font script="Geor" typeface="Sylfaen"/>
+      </a:majorFont>
+      <a:minorFont>
+        <a:latin typeface="Calibri" panose="020F0502020204030204"/>
+        <a:ea typeface=""/>
+        <a:cs typeface=""/>
+        <a:font script="Jpan" typeface="ＭＳ Ｐゴシック"/>
+        <a:font script="Hang" typeface="맑은 고딕"/>
+        <a:font script="Hans" typeface="宋体"/>
+        <a:font script="Hant" typeface="新細明體"/>
+        <a:font script="Arab" typeface="Arial"/>
+        <a:font script="Hebr" typeface="Arial"/>
+        <a:font script="Thai" typeface="Cordia New"/>
+        <a:font script="Ethi" typeface="Nyala"/>
+        <a:font script="Beng" typeface="Vrinda"/>
+        <a:font script="Gujr" typeface="Shruti"/>
+        <a:font script="Khmr" typeface="DaunPenh"/>
+        <a:font script="Knda" typeface="Tunga"/>
+        <a:font script="Guru" typeface="Raavi"/>
+        <a:font script="Cans" typeface="Euphemia"/>
+        <a:font script="Cher" typeface="Plantagenet Cherokee"/>
+        <a:font script="Yiii" typeface="Microsoft Yi Baiti"/>
+        <a:font script="Tibt" typeface="Microsoft Himalaya"/>
+        <a:font script="Thaa" typeface="MV Boli"/>
+        <a:font script="Deva" typeface="Mangal"/>
+        <a:font script="Telu" typeface="Gautami"/>
+        <a:font script="Taml" typeface="Latha"/>
+        <a:font script="Syrc" typeface="Estrangelo Edessa"/>
+        <a:font script="Orya" typeface="Kalinga"/>
+        <a:font script="Mlym" typeface="Kartika"/>
+        <a:font script="Laoo" typeface="DokChampa"/>
+        <a:font script="Sinh" typeface="Iskoola Pota"/>
+        <a:font script="Mong" typeface="Mongolian Baiti"/>
+        <a:font script="Viet" typeface="Arial"/>
+        <a:font script="Uigh" typeface="Microsoft Uighur"/>
+        <a:font script="Geor" typeface="Sylfaen"/>
+      </a:minorFont>
+    </a:fontScheme>
+    <a:fmtScheme name="Office">
+      <a:fillStyleLst>
+        <a:solidFill>
+          <a:schemeClr val="phClr"/>
+        </a:solidFill>
+        <a:gradFill rotWithShape="1">
+          <a:gsLst>
+            <a:gs pos="0">
+              <a:schemeClr val="phClr">
+                <a:lumMod val="110000"/>
+                <a:satMod val="105000"/>
+                <a:tint val="67000"/>
+              </a:schemeClr>
+            </a:gs>
+            <a:gs pos="50000">
+              <a:schemeClr val="phClr">
+                <a:lumMod val="105000"/>
+                <a:satMod val="103000"/>
+                <a:tint val="73000"/>
+              </a:schemeClr>
+            </a:gs>
+            <a:gs pos="100000">
+              <a:schemeClr val="phClr">
+                <a:lumMod val="105000"/>
+                <a:satMod val="109000"/>
+                <a:tint val="81000"/>
+              </a:schemeClr>
+            </a:gs>
+          </a:gsLst>
+          <a:lin ang="5400000" scaled="0"/>
+        </a:gradFill>
+        <a:gradFill rotWithShape="1">
+          <a:gsLst>
+            <a:gs pos="0">
+              <a:schemeClr val="phClr">
+                <a:satMod val="103000"/>
+                <a:lumMod val="102000"/>
+                <a:tint val="94000"/>
+              </a:schemeClr>
+            </a:gs>
+            <a:gs pos="50000">
+              <a:schemeClr val="phClr">
+                <a:satMod val="110000"/>
+                <a:lumMod val="100000"/>
+                <a:shade val="100000"/>
+              </a:schemeClr>
+            </a:gs>
+            <a:gs pos="100000">
+              <a:schemeClr val="phClr">
+                <a:lumMod val="99000"/>
+                <a:satMod val="120000"/>
+                <a:shade val="78000"/>
+              </a:schemeClr>
+            </a:gs>
+          </a:gsLst>
+          <a:lin ang="5400000" scaled="0"/>
+        </a:gradFill>
+      </a:fillStyleLst>
+      <a:lnStyleLst>
+        <a:ln w="6350" cap="flat" cmpd="sng" algn="ctr">
+          <a:solidFill>
+            <a:schemeClr val="phClr"/>
+          </a:solidFill>
+          <a:prstDash val="solid"/>
+          <a:miter lim="800000"/>
+        </a:ln>
+        <a:ln w="12700" cap="flat" cmpd="sng" algn="ctr">
+          <a:solidFill>
+            <a:schemeClr val="phClr"/>
+          </a:solidFill>
+          <a:prstDash val="solid"/>
+          <a:miter lim="800000"/>
+        </a:ln>
+        <a:ln w="19050" cap="flat" cmpd="sng" algn="ctr">
+          <a:solidFill>
+            <a:schemeClr val="phClr"/>
+          </a:solidFill>
+          <a:prstDash val="solid"/>
+          <a:miter lim="800000"/>
+        </a:ln>
+      </a:lnStyleLst>
+      <a:effectStyleLst>
+        <a:effectStyle>
+          <a:effectLst/>
+        </a:effectStyle>
+        <a:effectStyle>
+          <a:effectLst/>
+        </a:effectStyle>
+        <a:effectStyle>
+          <a:effectLst>
+            <a:outerShdw blurRad="57150" dist="19050" dir="5400000" algn="ctr" rotWithShape="0">
+              <a:srgbClr val="000000">
+                <a:alpha val="63000"/>
+              </a:srgbClr>
+            </a:outerShdw>
+          </a:effectLst>
+        </a:effectStyle>
+      </a:effectStyleLst>
+      <a:bgFillStyleLst>
+        <a:solidFill>
+          <a:schemeClr val="phClr"/>
+        </a:solidFill>
+        <a:solidFill>
+          <a:schemeClr val="phClr">
+            <a:tint val="95000"/>
+            <a:satMod val="170000"/>
+          </a:schemeClr>
+        </a:solidFill>
+        <a:gradFill rotWithShape="1">
+          <a:gsLst>
+            <a:gs pos="0">
+              <a:schemeClr val="phClr">
+                <a:tint val="93000"/>
+                <a:satMod val="150000"/>
+                <a:shade val="98000"/>
+                <a:lumMod val="102000"/>
+              </a:schemeClr>
+            </a:gs>
+            <a:gs pos="50000">
+              <a:schemeClr val="phClr">
+                <a:tint val="98000"/>
+                <a:satMod val="130000"/>
+                <a:shade val="90000"/>
+                <a:lumMod val="103000"/>
+              </a:schemeClr>
+            </a:gs>
+            <a:gs pos="100000">
+              <a:schemeClr val="phClr">
+                <a:shade val="63000"/>
+                <a:satMod val="120000"/>
+              </a:schemeClr>
+            </a:gs>
+          </a:gsLst>
+          <a:lin ang="5400000" scaled="0"/>
+        </a:gradFill>
+      </a:bgFillStyleLst>
+    </a:fmtScheme>
+  </a:themeElements>
+  <a:objectDefaults/>
+  <a:extraClrSchemeLst/>
+  <a:extLst>
+    <a:ext uri="{05A4C25C-085E-4340-85A3-A5531E510DB2}">
+      <thm15:themeFamily xmlns:thm15="http://schemas.microsoft.com/office/thememl/2012/main" name="Office Theme" id="{62F939B6-93AF-4DB8-9C6B-D6C7DFDC589F}" vid="{4A3C46E8-61CC-4603-A589-7422A47A8E4A}"/>
+    </a:ext>
+  </a:extLst>
+</a:theme>
 </file>
--- a/Lotanna OkekeAA1.pptx
+++ b/Lotanna OkekeAA1.pptx
@@ -5,7 +5,7 @@
     <p:sldMasterId id="2147483648" r:id="rId1"/>
   </p:sldMasterIdLst>
   <p:notesMasterIdLst>
-    <p:notesMasterId r:id="rId21"/>
+    <p:notesMasterId r:id="rId18"/>
   </p:notesMasterIdLst>
   <p:sldIdLst>
     <p:sldId id="256" r:id="rId2"/>
@@ -21,12 +21,9 @@
     <p:sldId id="266" r:id="rId12"/>
     <p:sldId id="267" r:id="rId13"/>
     <p:sldId id="268" r:id="rId14"/>
-    <p:sldId id="271" r:id="rId15"/>
-    <p:sldId id="269" r:id="rId16"/>
-    <p:sldId id="270" r:id="rId17"/>
-    <p:sldId id="272" r:id="rId18"/>
-    <p:sldId id="273" r:id="rId19"/>
-    <p:sldId id="274" r:id="rId20"/>
+    <p:sldId id="272" r:id="rId15"/>
+    <p:sldId id="273" r:id="rId16"/>
+    <p:sldId id="274" r:id="rId17"/>
   </p:sldIdLst>
   <p:sldSz cx="12192000" cy="6858000"/>
   <p:notesSz cx="6858000" cy="9144000"/>
@@ -4778,7 +4775,7 @@
             </a:pPr>
             <a:r>
               <a:rPr lang="en-US" dirty="0" smtClean="0"/>
-              <a:t>Find the GCD of two numbers</a:t>
+              <a:t>Find the GCD and LCM of two numbers</a:t>
             </a:r>
             <a:endParaRPr lang="en-US" dirty="0" smtClean="0"/>
           </a:p>
@@ -4833,7 +4830,7 @@
         <p:spPr>
           <a:xfrm>
             <a:off x="133350" y="85725"/>
-            <a:ext cx="12039600" cy="3416320"/>
+            <a:ext cx="12039600" cy="3693319"/>
           </a:xfrm>
           <a:prstGeom prst="rect">
             <a:avLst/>
@@ -4909,22 +4906,24 @@
           </a:p>
           <a:p>
             <a:r>
+              <a:rPr lang="en-US" dirty="0" smtClean="0"/>
+              <a:t>			GCD=C</a:t>
+            </a:r>
+          </a:p>
+          <a:p>
+            <a:r>
+              <a:rPr lang="en-US" dirty="0" smtClean="0"/>
+              <a:t>	COMPUTE LCM = (A*B)/GCD</a:t>
+            </a:r>
+          </a:p>
+          <a:p>
+            <a:r>
               <a:rPr lang="en-US" dirty="0"/>
               <a:t>	</a:t>
             </a:r>
             <a:r>
               <a:rPr lang="en-US" dirty="0" smtClean="0"/>
-              <a:t>		F=C</a:t>
-            </a:r>
-          </a:p>
-          <a:p>
-            <a:r>
-              <a:rPr lang="en-US" dirty="0"/>
-              <a:t>	</a:t>
-            </a:r>
-            <a:r>
-              <a:rPr lang="en-US" dirty="0" smtClean="0"/>
-              <a:t>PRINT F</a:t>
+              <a:t>PRINT GCD AND LCM</a:t>
             </a:r>
           </a:p>
           <a:p>
@@ -5316,9 +5315,9 @@
           <p:nvPr/>
         </p:nvCxnSpPr>
         <p:spPr>
-          <a:xfrm flipH="1">
-            <a:off x="3213497" y="2865597"/>
-            <a:ext cx="7616" cy="853915"/>
+          <a:xfrm>
+            <a:off x="4278389" y="2787563"/>
+            <a:ext cx="0" cy="484543"/>
           </a:xfrm>
           <a:prstGeom prst="straightConnector1">
             <a:avLst/>
@@ -5350,8 +5349,8 @@
         </p:nvSpPr>
         <p:spPr>
           <a:xfrm>
-            <a:off x="2522577" y="6210300"/>
-            <a:ext cx="1436608" cy="438150"/>
+            <a:off x="3142654" y="6200775"/>
+            <a:ext cx="2295524" cy="438150"/>
           </a:xfrm>
           <a:prstGeom prst="flowChartDisplay">
             <a:avLst/>
@@ -5380,7 +5379,7 @@
             <a:pPr algn="ctr"/>
             <a:r>
               <a:rPr lang="en-US" dirty="0" smtClean="0"/>
-              <a:t>PRINT F</a:t>
+              <a:t>PRINT GCD AND LCM</a:t>
             </a:r>
             <a:endParaRPr lang="en-US" dirty="0"/>
           </a:p>
@@ -5394,7 +5393,7 @@
         </p:nvSpPr>
         <p:spPr>
           <a:xfrm>
-            <a:off x="2606518" y="3719512"/>
+            <a:off x="3650575" y="3291156"/>
             <a:ext cx="1279683" cy="685801"/>
           </a:xfrm>
           <a:prstGeom prst="flowChartAlternateProcess">
@@ -5430,39 +5429,6 @@
           </a:p>
         </p:txBody>
       </p:sp>
-      <p:cxnSp>
-        <p:nvCxnSpPr>
-          <p:cNvPr id="87" name="Straight Arrow Connector 86"/>
-          <p:cNvCxnSpPr/>
-          <p:nvPr/>
-        </p:nvCxnSpPr>
-        <p:spPr>
-          <a:xfrm flipH="1">
-            <a:off x="3240881" y="4386263"/>
-            <a:ext cx="5479" cy="1804987"/>
-          </a:xfrm>
-          <a:prstGeom prst="straightConnector1">
-            <a:avLst/>
-          </a:prstGeom>
-          <a:ln>
-            <a:tailEnd type="triangle"/>
-          </a:ln>
-        </p:spPr>
-        <p:style>
-          <a:lnRef idx="1">
-            <a:schemeClr val="dk1"/>
-          </a:lnRef>
-          <a:fillRef idx="0">
-            <a:schemeClr val="dk1"/>
-          </a:fillRef>
-          <a:effectRef idx="0">
-            <a:schemeClr val="dk1"/>
-          </a:effectRef>
-          <a:fontRef idx="minor">
-            <a:schemeClr val="tx1"/>
-          </a:fontRef>
-        </p:style>
-      </p:cxnSp>
       <p:cxnSp>
         <p:nvCxnSpPr>
           <p:cNvPr id="91" name="Straight Arrow Connector 90"/>
@@ -5552,9 +5518,9 @@
           <p:nvPr/>
         </p:nvCxnSpPr>
         <p:spPr>
-          <a:xfrm flipH="1" flipV="1">
+          <a:xfrm flipH="1">
             <a:off x="2345174" y="6419850"/>
-            <a:ext cx="177403" cy="9525"/>
+            <a:ext cx="797480" cy="0"/>
           </a:xfrm>
           <a:prstGeom prst="straightConnector1">
             <a:avLst/>
@@ -6131,7 +6097,7 @@
             <a:pPr algn="ctr"/>
             <a:r>
               <a:rPr lang="en-US" dirty="0" smtClean="0"/>
-              <a:t>F = C</a:t>
+              <a:t>GCD = C</a:t>
             </a:r>
             <a:endParaRPr lang="en-US" dirty="0"/>
           </a:p>
@@ -6337,9 +6303,9 @@
           <p:nvPr/>
         </p:nvCxnSpPr>
         <p:spPr>
-          <a:xfrm flipH="1">
-            <a:off x="3209925" y="2807012"/>
-            <a:ext cx="2382913" cy="42209"/>
+          <a:xfrm flipH="1" flipV="1">
+            <a:off x="4236243" y="2768114"/>
+            <a:ext cx="1356595" cy="38898"/>
           </a:xfrm>
           <a:prstGeom prst="straightConnector1">
             <a:avLst/>
@@ -6393,6 +6359,122 @@
           </a:p>
         </p:txBody>
       </p:sp>
+      <p:cxnSp>
+        <p:nvCxnSpPr>
+          <p:cNvPr id="178" name="Straight Arrow Connector 177"/>
+          <p:cNvCxnSpPr>
+            <a:stCxn id="85" idx="2"/>
+            <a:endCxn id="179" idx="0"/>
+          </p:cNvCxnSpPr>
+          <p:nvPr/>
+        </p:nvCxnSpPr>
+        <p:spPr>
+          <a:xfrm>
+            <a:off x="4290417" y="3976957"/>
+            <a:ext cx="596" cy="484144"/>
+          </a:xfrm>
+          <a:prstGeom prst="straightConnector1">
+            <a:avLst/>
+          </a:prstGeom>
+          <a:ln>
+            <a:tailEnd type="triangle"/>
+          </a:ln>
+        </p:spPr>
+        <p:style>
+          <a:lnRef idx="1">
+            <a:schemeClr val="dk1"/>
+          </a:lnRef>
+          <a:fillRef idx="0">
+            <a:schemeClr val="dk1"/>
+          </a:fillRef>
+          <a:effectRef idx="0">
+            <a:schemeClr val="dk1"/>
+          </a:effectRef>
+          <a:fontRef idx="minor">
+            <a:schemeClr val="tx1"/>
+          </a:fontRef>
+        </p:style>
+      </p:cxnSp>
+      <p:sp>
+        <p:nvSpPr>
+          <p:cNvPr id="179" name="Rectangle 178"/>
+          <p:cNvSpPr/>
+          <p:nvPr/>
+        </p:nvSpPr>
+        <p:spPr>
+          <a:xfrm>
+            <a:off x="3429001" y="4461101"/>
+            <a:ext cx="1724024" cy="506186"/>
+          </a:xfrm>
+          <a:prstGeom prst="rect">
+            <a:avLst/>
+          </a:prstGeom>
+        </p:spPr>
+        <p:style>
+          <a:lnRef idx="2">
+            <a:schemeClr val="accent2">
+              <a:shade val="50000"/>
+            </a:schemeClr>
+          </a:lnRef>
+          <a:fillRef idx="1">
+            <a:schemeClr val="accent2"/>
+          </a:fillRef>
+          <a:effectRef idx="0">
+            <a:schemeClr val="accent2"/>
+          </a:effectRef>
+          <a:fontRef idx="minor">
+            <a:schemeClr val="lt1"/>
+          </a:fontRef>
+        </p:style>
+        <p:txBody>
+          <a:bodyPr rtlCol="0" anchor="ctr"/>
+          <a:lstStyle/>
+          <a:p>
+            <a:pPr algn="ctr"/>
+            <a:r>
+              <a:rPr lang="en-US" dirty="0" smtClean="0"/>
+              <a:t>LCM = (A*B)/GCD</a:t>
+            </a:r>
+            <a:endParaRPr lang="en-US" dirty="0"/>
+          </a:p>
+        </p:txBody>
+      </p:sp>
+      <p:cxnSp>
+        <p:nvCxnSpPr>
+          <p:cNvPr id="186" name="Straight Arrow Connector 185"/>
+          <p:cNvCxnSpPr>
+            <a:stCxn id="179" idx="2"/>
+            <a:endCxn id="80" idx="0"/>
+          </p:cNvCxnSpPr>
+          <p:nvPr/>
+        </p:nvCxnSpPr>
+        <p:spPr>
+          <a:xfrm flipH="1">
+            <a:off x="4290416" y="4967287"/>
+            <a:ext cx="597" cy="1233488"/>
+          </a:xfrm>
+          <a:prstGeom prst="straightConnector1">
+            <a:avLst/>
+          </a:prstGeom>
+          <a:ln>
+            <a:tailEnd type="triangle"/>
+          </a:ln>
+        </p:spPr>
+        <p:style>
+          <a:lnRef idx="1">
+            <a:schemeClr val="dk1"/>
+          </a:lnRef>
+          <a:fillRef idx="0">
+            <a:schemeClr val="dk1"/>
+          </a:fillRef>
+          <a:effectRef idx="0">
+            <a:schemeClr val="dk1"/>
+          </a:effectRef>
+          <a:fontRef idx="minor">
+            <a:schemeClr val="tx1"/>
+          </a:fontRef>
+        </p:style>
+      </p:cxnSp>
     </p:spTree>
     <p:extLst>
       <p:ext uri="{BB962C8B-B14F-4D97-AF65-F5344CB8AC3E}">
@@ -6478,1561 +6560,7 @@
             </a:pPr>
             <a:r>
               <a:rPr lang="en-US" dirty="0" smtClean="0"/>
-              <a:t>Find the LCM of two numbers</a:t>
-            </a:r>
-            <a:endParaRPr lang="en-US" dirty="0" smtClean="0"/>
-          </a:p>
-        </p:txBody>
-      </p:sp>
-    </p:spTree>
-    <p:extLst>
-      <p:ext uri="{BB962C8B-B14F-4D97-AF65-F5344CB8AC3E}">
-        <p14:creationId xmlns:p14="http://schemas.microsoft.com/office/powerpoint/2010/main" val="1880156126"/>
-      </p:ext>
-    </p:extLst>
-  </p:cSld>
-  <p:clrMapOvr>
-    <a:masterClrMapping/>
-  </p:clrMapOvr>
-</p:sld>
-</file>
-
-<file path=ppt/slides/slide15.xml><?xml version="1.0" encoding="utf-8"?>
-<p:sld xmlns:a="http://schemas.openxmlformats.org/drawingml/2006/main" xmlns:r="http://schemas.openxmlformats.org/officeDocument/2006/relationships" xmlns:p="http://schemas.openxmlformats.org/presentationml/2006/main">
-  <p:cSld>
-    <p:bg>
-      <p:bgPr>
-        <a:solidFill>
-          <a:srgbClr val="7131A1"/>
-        </a:solidFill>
-        <a:effectLst/>
-      </p:bgPr>
-    </p:bg>
-    <p:spTree>
-      <p:nvGrpSpPr>
-        <p:cNvPr id="1" name=""/>
-        <p:cNvGrpSpPr/>
-        <p:nvPr/>
-      </p:nvGrpSpPr>
-      <p:grpSpPr>
-        <a:xfrm>
-          <a:off x="0" y="0"/>
-          <a:ext cx="0" cy="0"/>
-          <a:chOff x="0" y="0"/>
-          <a:chExt cx="0" cy="0"/>
-        </a:xfrm>
-      </p:grpSpPr>
-      <p:sp>
-        <p:nvSpPr>
-          <p:cNvPr id="2" name="TextBox 1"/>
-          <p:cNvSpPr txBox="1"/>
-          <p:nvPr/>
-        </p:nvSpPr>
-        <p:spPr>
-          <a:xfrm>
-            <a:off x="133350" y="0"/>
-            <a:ext cx="11925300" cy="2585323"/>
-          </a:xfrm>
-          <a:prstGeom prst="rect">
-            <a:avLst/>
-          </a:prstGeom>
-          <a:noFill/>
-        </p:spPr>
-        <p:txBody>
-          <a:bodyPr wrap="square" rtlCol="0">
-            <a:spAutoFit/>
-          </a:bodyPr>
-          <a:lstStyle/>
-          <a:p>
-            <a:r>
-              <a:rPr lang="en-US" dirty="0" smtClean="0"/>
-              <a:t>INPUT A </a:t>
-            </a:r>
-          </a:p>
-          <a:p>
-            <a:r>
-              <a:rPr lang="en-US" dirty="0" smtClean="0"/>
-              <a:t>INPUT B</a:t>
-            </a:r>
-          </a:p>
-          <a:p>
-            <a:r>
-              <a:rPr lang="en-US" dirty="0" smtClean="0"/>
-              <a:t>COMPUTE PROD = A*B</a:t>
-            </a:r>
-          </a:p>
-          <a:p>
-            <a:r>
-              <a:rPr lang="en-US" dirty="0" smtClean="0"/>
-              <a:t>COMPUTE R1 = RANGE(1, PROD+1)</a:t>
-            </a:r>
-          </a:p>
-          <a:p>
-            <a:r>
-              <a:rPr lang="en-US" dirty="0" smtClean="0"/>
-              <a:t>IF C IS IN R1 THEN</a:t>
-            </a:r>
-          </a:p>
-          <a:p>
-            <a:r>
-              <a:rPr lang="en-US" dirty="0" smtClean="0"/>
-              <a:t>	IF C%A = 0 AND C%B = 0</a:t>
-            </a:r>
-          </a:p>
-          <a:p>
-            <a:r>
-              <a:rPr lang="en-US" dirty="0"/>
-              <a:t>	</a:t>
-            </a:r>
-            <a:r>
-              <a:rPr lang="en-US" dirty="0" smtClean="0"/>
-              <a:t>	D=C</a:t>
-            </a:r>
-          </a:p>
-          <a:p>
-            <a:r>
-              <a:rPr lang="en-US" dirty="0"/>
-              <a:t>	</a:t>
-            </a:r>
-            <a:r>
-              <a:rPr lang="en-US" dirty="0" smtClean="0"/>
-              <a:t>	BREAK</a:t>
-            </a:r>
-          </a:p>
-          <a:p>
-            <a:r>
-              <a:rPr lang="en-US" dirty="0" smtClean="0"/>
-              <a:t>PRINT D</a:t>
-            </a:r>
-            <a:endParaRPr lang="en-US" dirty="0"/>
-          </a:p>
-        </p:txBody>
-      </p:sp>
-    </p:spTree>
-    <p:extLst>
-      <p:ext uri="{BB962C8B-B14F-4D97-AF65-F5344CB8AC3E}">
-        <p14:creationId xmlns:p14="http://schemas.microsoft.com/office/powerpoint/2010/main" val="3869490522"/>
-      </p:ext>
-    </p:extLst>
-  </p:cSld>
-  <p:clrMapOvr>
-    <a:masterClrMapping/>
-  </p:clrMapOvr>
-</p:sld>
-</file>
-
-<file path=ppt/slides/slide16.xml><?xml version="1.0" encoding="utf-8"?>
-<p:sld xmlns:a="http://schemas.openxmlformats.org/drawingml/2006/main" xmlns:r="http://schemas.openxmlformats.org/officeDocument/2006/relationships" xmlns:p="http://schemas.openxmlformats.org/presentationml/2006/main">
-  <p:cSld>
-    <p:bg>
-      <p:bgPr>
-        <a:gradFill>
-          <a:gsLst>
-            <a:gs pos="10000">
-              <a:srgbClr val="B07BD7"/>
-            </a:gs>
-            <a:gs pos="50000">
-              <a:schemeClr val="accent1">
-                <a:lumMod val="40000"/>
-                <a:lumOff val="60000"/>
-              </a:schemeClr>
-            </a:gs>
-            <a:gs pos="99000">
-              <a:srgbClr val="B07BD7"/>
-            </a:gs>
-          </a:gsLst>
-          <a:lin ang="5400000" scaled="0"/>
-        </a:gradFill>
-        <a:effectLst/>
-      </p:bgPr>
-    </p:bg>
-    <p:spTree>
-      <p:nvGrpSpPr>
-        <p:cNvPr id="1" name=""/>
-        <p:cNvGrpSpPr/>
-        <p:nvPr/>
-      </p:nvGrpSpPr>
-      <p:grpSpPr>
-        <a:xfrm>
-          <a:off x="0" y="0"/>
-          <a:ext cx="0" cy="0"/>
-          <a:chOff x="0" y="0"/>
-          <a:chExt cx="0" cy="0"/>
-        </a:xfrm>
-      </p:grpSpPr>
-      <p:sp>
-        <p:nvSpPr>
-          <p:cNvPr id="3" name="Flowchart: Terminator 2"/>
-          <p:cNvSpPr/>
-          <p:nvPr/>
-        </p:nvSpPr>
-        <p:spPr>
-          <a:xfrm>
-            <a:off x="3267075" y="38100"/>
-            <a:ext cx="1200150" cy="438150"/>
-          </a:xfrm>
-          <a:prstGeom prst="flowChartTerminator">
-            <a:avLst/>
-          </a:prstGeom>
-        </p:spPr>
-        <p:style>
-          <a:lnRef idx="2">
-            <a:schemeClr val="accent1">
-              <a:shade val="50000"/>
-            </a:schemeClr>
-          </a:lnRef>
-          <a:fillRef idx="1">
-            <a:schemeClr val="accent1"/>
-          </a:fillRef>
-          <a:effectRef idx="0">
-            <a:schemeClr val="accent1"/>
-          </a:effectRef>
-          <a:fontRef idx="minor">
-            <a:schemeClr val="lt1"/>
-          </a:fontRef>
-        </p:style>
-        <p:txBody>
-          <a:bodyPr rtlCol="0" anchor="ctr"/>
-          <a:lstStyle/>
-          <a:p>
-            <a:pPr algn="ctr"/>
-            <a:r>
-              <a:rPr lang="en-US" dirty="0" smtClean="0"/>
-              <a:t>START</a:t>
-            </a:r>
-            <a:endParaRPr lang="en-US" dirty="0"/>
-          </a:p>
-        </p:txBody>
-      </p:sp>
-      <p:cxnSp>
-        <p:nvCxnSpPr>
-          <p:cNvPr id="5" name="Straight Arrow Connector 4"/>
-          <p:cNvCxnSpPr>
-            <a:stCxn id="3" idx="3"/>
-            <a:endCxn id="6" idx="2"/>
-          </p:cNvCxnSpPr>
-          <p:nvPr/>
-        </p:nvCxnSpPr>
-        <p:spPr>
-          <a:xfrm>
-            <a:off x="4467225" y="257175"/>
-            <a:ext cx="1037273" cy="0"/>
-          </a:xfrm>
-          <a:prstGeom prst="straightConnector1">
-            <a:avLst/>
-          </a:prstGeom>
-          <a:ln>
-            <a:tailEnd type="triangle"/>
-          </a:ln>
-        </p:spPr>
-        <p:style>
-          <a:lnRef idx="1">
-            <a:schemeClr val="dk1"/>
-          </a:lnRef>
-          <a:fillRef idx="0">
-            <a:schemeClr val="dk1"/>
-          </a:fillRef>
-          <a:effectRef idx="0">
-            <a:schemeClr val="dk1"/>
-          </a:effectRef>
-          <a:fontRef idx="minor">
-            <a:schemeClr val="tx1"/>
-          </a:fontRef>
-        </p:style>
-      </p:cxnSp>
-      <p:sp>
-        <p:nvSpPr>
-          <p:cNvPr id="6" name="Flowchart: Data 5"/>
-          <p:cNvSpPr/>
-          <p:nvPr/>
-        </p:nvSpPr>
-        <p:spPr>
-          <a:xfrm>
-            <a:off x="5314950" y="38100"/>
-            <a:ext cx="1895475" cy="438150"/>
-          </a:xfrm>
-          <a:prstGeom prst="flowChartInputOutput">
-            <a:avLst/>
-          </a:prstGeom>
-        </p:spPr>
-        <p:style>
-          <a:lnRef idx="2">
-            <a:schemeClr val="accent3">
-              <a:shade val="50000"/>
-            </a:schemeClr>
-          </a:lnRef>
-          <a:fillRef idx="1">
-            <a:schemeClr val="accent3"/>
-          </a:fillRef>
-          <a:effectRef idx="0">
-            <a:schemeClr val="accent3"/>
-          </a:effectRef>
-          <a:fontRef idx="minor">
-            <a:schemeClr val="lt1"/>
-          </a:fontRef>
-        </p:style>
-        <p:txBody>
-          <a:bodyPr rtlCol="0" anchor="ctr"/>
-          <a:lstStyle/>
-          <a:p>
-            <a:pPr algn="ctr"/>
-            <a:r>
-              <a:rPr lang="en-US" dirty="0" smtClean="0"/>
-              <a:t>INPUT A,B</a:t>
-            </a:r>
-            <a:endParaRPr lang="en-US" dirty="0"/>
-          </a:p>
-        </p:txBody>
-      </p:sp>
-      <p:cxnSp>
-        <p:nvCxnSpPr>
-          <p:cNvPr id="10" name="Straight Arrow Connector 9"/>
-          <p:cNvCxnSpPr>
-            <a:stCxn id="6" idx="4"/>
-          </p:cNvCxnSpPr>
-          <p:nvPr/>
-        </p:nvCxnSpPr>
-        <p:spPr>
-          <a:xfrm flipH="1">
-            <a:off x="6262687" y="476250"/>
-            <a:ext cx="1" cy="400050"/>
-          </a:xfrm>
-          <a:prstGeom prst="straightConnector1">
-            <a:avLst/>
-          </a:prstGeom>
-          <a:ln>
-            <a:tailEnd type="triangle"/>
-          </a:ln>
-        </p:spPr>
-        <p:style>
-          <a:lnRef idx="1">
-            <a:schemeClr val="dk1"/>
-          </a:lnRef>
-          <a:fillRef idx="0">
-            <a:schemeClr val="dk1"/>
-          </a:fillRef>
-          <a:effectRef idx="0">
-            <a:schemeClr val="dk1"/>
-          </a:effectRef>
-          <a:fontRef idx="minor">
-            <a:schemeClr val="tx1"/>
-          </a:fontRef>
-        </p:style>
-      </p:cxnSp>
-      <p:sp>
-        <p:nvSpPr>
-          <p:cNvPr id="11" name="Rectangle 10"/>
-          <p:cNvSpPr/>
-          <p:nvPr/>
-        </p:nvSpPr>
-        <p:spPr>
-          <a:xfrm>
-            <a:off x="5504498" y="904875"/>
-            <a:ext cx="1505902" cy="371475"/>
-          </a:xfrm>
-          <a:prstGeom prst="rect">
-            <a:avLst/>
-          </a:prstGeom>
-        </p:spPr>
-        <p:style>
-          <a:lnRef idx="2">
-            <a:schemeClr val="accent4">
-              <a:shade val="50000"/>
-            </a:schemeClr>
-          </a:lnRef>
-          <a:fillRef idx="1">
-            <a:schemeClr val="accent4"/>
-          </a:fillRef>
-          <a:effectRef idx="0">
-            <a:schemeClr val="accent4"/>
-          </a:effectRef>
-          <a:fontRef idx="minor">
-            <a:schemeClr val="lt1"/>
-          </a:fontRef>
-        </p:style>
-        <p:txBody>
-          <a:bodyPr rtlCol="0" anchor="ctr"/>
-          <a:lstStyle/>
-          <a:p>
-            <a:pPr algn="ctr"/>
-            <a:r>
-              <a:rPr lang="en-US" dirty="0" smtClean="0"/>
-              <a:t>PROD = A*B</a:t>
-            </a:r>
-            <a:endParaRPr lang="en-US" dirty="0"/>
-          </a:p>
-        </p:txBody>
-      </p:sp>
-      <p:cxnSp>
-        <p:nvCxnSpPr>
-          <p:cNvPr id="13" name="Straight Arrow Connector 12"/>
-          <p:cNvCxnSpPr>
-            <a:stCxn id="11" idx="2"/>
-          </p:cNvCxnSpPr>
-          <p:nvPr/>
-        </p:nvCxnSpPr>
-        <p:spPr>
-          <a:xfrm>
-            <a:off x="6257449" y="1276350"/>
-            <a:ext cx="0" cy="447675"/>
-          </a:xfrm>
-          <a:prstGeom prst="straightConnector1">
-            <a:avLst/>
-          </a:prstGeom>
-          <a:ln>
-            <a:tailEnd type="triangle"/>
-          </a:ln>
-        </p:spPr>
-        <p:style>
-          <a:lnRef idx="1">
-            <a:schemeClr val="dk1"/>
-          </a:lnRef>
-          <a:fillRef idx="0">
-            <a:schemeClr val="dk1"/>
-          </a:fillRef>
-          <a:effectRef idx="0">
-            <a:schemeClr val="dk1"/>
-          </a:effectRef>
-          <a:fontRef idx="minor">
-            <a:schemeClr val="tx1"/>
-          </a:fontRef>
-        </p:style>
-      </p:cxnSp>
-      <p:sp>
-        <p:nvSpPr>
-          <p:cNvPr id="14" name="Rectangle 13"/>
-          <p:cNvSpPr/>
-          <p:nvPr/>
-        </p:nvSpPr>
-        <p:spPr>
-          <a:xfrm>
-            <a:off x="5043487" y="1704975"/>
-            <a:ext cx="2286000" cy="390525"/>
-          </a:xfrm>
-          <a:prstGeom prst="rect">
-            <a:avLst/>
-          </a:prstGeom>
-        </p:spPr>
-        <p:style>
-          <a:lnRef idx="2">
-            <a:schemeClr val="accent4">
-              <a:shade val="50000"/>
-            </a:schemeClr>
-          </a:lnRef>
-          <a:fillRef idx="1">
-            <a:schemeClr val="accent4"/>
-          </a:fillRef>
-          <a:effectRef idx="0">
-            <a:schemeClr val="accent4"/>
-          </a:effectRef>
-          <a:fontRef idx="minor">
-            <a:schemeClr val="lt1"/>
-          </a:fontRef>
-        </p:style>
-        <p:txBody>
-          <a:bodyPr rtlCol="0" anchor="ctr"/>
-          <a:lstStyle/>
-          <a:p>
-            <a:pPr algn="ctr"/>
-            <a:r>
-              <a:rPr lang="en-US" dirty="0" smtClean="0"/>
-              <a:t>R2=RANGE(1,PROD+1)</a:t>
-            </a:r>
-            <a:endParaRPr lang="en-US" dirty="0"/>
-          </a:p>
-        </p:txBody>
-      </p:sp>
-      <p:cxnSp>
-        <p:nvCxnSpPr>
-          <p:cNvPr id="21" name="Straight Arrow Connector 20"/>
-          <p:cNvCxnSpPr>
-            <a:endCxn id="25" idx="0"/>
-          </p:cNvCxnSpPr>
-          <p:nvPr/>
-        </p:nvCxnSpPr>
-        <p:spPr>
-          <a:xfrm flipH="1">
-            <a:off x="6257449" y="2114550"/>
-            <a:ext cx="5238" cy="390525"/>
-          </a:xfrm>
-          <a:prstGeom prst="straightConnector1">
-            <a:avLst/>
-          </a:prstGeom>
-          <a:ln>
-            <a:tailEnd type="triangle"/>
-          </a:ln>
-        </p:spPr>
-        <p:style>
-          <a:lnRef idx="1">
-            <a:schemeClr val="dk1"/>
-          </a:lnRef>
-          <a:fillRef idx="0">
-            <a:schemeClr val="dk1"/>
-          </a:fillRef>
-          <a:effectRef idx="0">
-            <a:schemeClr val="dk1"/>
-          </a:effectRef>
-          <a:fontRef idx="minor">
-            <a:schemeClr val="tx1"/>
-          </a:fontRef>
-        </p:style>
-      </p:cxnSp>
-      <p:sp>
-        <p:nvSpPr>
-          <p:cNvPr id="25" name="Flowchart: Decision 24"/>
-          <p:cNvSpPr/>
-          <p:nvPr/>
-        </p:nvSpPr>
-        <p:spPr>
-          <a:xfrm>
-            <a:off x="5004911" y="2505075"/>
-            <a:ext cx="2505075" cy="657225"/>
-          </a:xfrm>
-          <a:prstGeom prst="flowChartDecision">
-            <a:avLst/>
-          </a:prstGeom>
-        </p:spPr>
-        <p:style>
-          <a:lnRef idx="2">
-            <a:schemeClr val="accent2">
-              <a:shade val="50000"/>
-            </a:schemeClr>
-          </a:lnRef>
-          <a:fillRef idx="1">
-            <a:schemeClr val="accent2"/>
-          </a:fillRef>
-          <a:effectRef idx="0">
-            <a:schemeClr val="accent2"/>
-          </a:effectRef>
-          <a:fontRef idx="minor">
-            <a:schemeClr val="lt1"/>
-          </a:fontRef>
-        </p:style>
-        <p:txBody>
-          <a:bodyPr rtlCol="0" anchor="ctr"/>
-          <a:lstStyle/>
-          <a:p>
-            <a:pPr algn="ctr"/>
-            <a:r>
-              <a:rPr lang="en-US" dirty="0" smtClean="0"/>
-              <a:t>IS C IN R1</a:t>
-            </a:r>
-            <a:endParaRPr lang="en-US" dirty="0"/>
-          </a:p>
-        </p:txBody>
-      </p:sp>
-      <p:cxnSp>
-        <p:nvCxnSpPr>
-          <p:cNvPr id="32" name="Straight Arrow Connector 31"/>
-          <p:cNvCxnSpPr>
-            <a:stCxn id="25" idx="3"/>
-          </p:cNvCxnSpPr>
-          <p:nvPr/>
-        </p:nvCxnSpPr>
-        <p:spPr>
-          <a:xfrm>
-            <a:off x="7509986" y="2833688"/>
-            <a:ext cx="614839" cy="14287"/>
-          </a:xfrm>
-          <a:prstGeom prst="straightConnector1">
-            <a:avLst/>
-          </a:prstGeom>
-          <a:ln>
-            <a:tailEnd type="triangle"/>
-          </a:ln>
-        </p:spPr>
-        <p:style>
-          <a:lnRef idx="1">
-            <a:schemeClr val="dk1"/>
-          </a:lnRef>
-          <a:fillRef idx="0">
-            <a:schemeClr val="dk1"/>
-          </a:fillRef>
-          <a:effectRef idx="0">
-            <a:schemeClr val="dk1"/>
-          </a:effectRef>
-          <a:fontRef idx="minor">
-            <a:schemeClr val="tx1"/>
-          </a:fontRef>
-        </p:style>
-      </p:cxnSp>
-      <p:cxnSp>
-        <p:nvCxnSpPr>
-          <p:cNvPr id="34" name="Straight Arrow Connector 33"/>
-          <p:cNvCxnSpPr/>
-          <p:nvPr/>
-        </p:nvCxnSpPr>
-        <p:spPr>
-          <a:xfrm>
-            <a:off x="8096250" y="2847975"/>
-            <a:ext cx="28575" cy="581025"/>
-          </a:xfrm>
-          <a:prstGeom prst="straightConnector1">
-            <a:avLst/>
-          </a:prstGeom>
-          <a:ln>
-            <a:tailEnd type="triangle"/>
-          </a:ln>
-        </p:spPr>
-        <p:style>
-          <a:lnRef idx="1">
-            <a:schemeClr val="dk1"/>
-          </a:lnRef>
-          <a:fillRef idx="0">
-            <a:schemeClr val="dk1"/>
-          </a:fillRef>
-          <a:effectRef idx="0">
-            <a:schemeClr val="dk1"/>
-          </a:effectRef>
-          <a:fontRef idx="minor">
-            <a:schemeClr val="tx1"/>
-          </a:fontRef>
-        </p:style>
-      </p:cxnSp>
-      <p:sp>
-        <p:nvSpPr>
-          <p:cNvPr id="40" name="Flowchart: Decision 39"/>
-          <p:cNvSpPr/>
-          <p:nvPr/>
-        </p:nvSpPr>
-        <p:spPr>
-          <a:xfrm>
-            <a:off x="6872287" y="3443287"/>
-            <a:ext cx="2805113" cy="657225"/>
-          </a:xfrm>
-          <a:prstGeom prst="flowChartDecision">
-            <a:avLst/>
-          </a:prstGeom>
-        </p:spPr>
-        <p:style>
-          <a:lnRef idx="2">
-            <a:schemeClr val="accent2">
-              <a:shade val="50000"/>
-            </a:schemeClr>
-          </a:lnRef>
-          <a:fillRef idx="1">
-            <a:schemeClr val="accent2"/>
-          </a:fillRef>
-          <a:effectRef idx="0">
-            <a:schemeClr val="accent2"/>
-          </a:effectRef>
-          <a:fontRef idx="minor">
-            <a:schemeClr val="lt1"/>
-          </a:fontRef>
-        </p:style>
-        <p:txBody>
-          <a:bodyPr rtlCol="0" anchor="ctr"/>
-          <a:lstStyle/>
-          <a:p>
-            <a:pPr algn="ctr"/>
-            <a:r>
-              <a:rPr lang="en-US" dirty="0" smtClean="0"/>
-              <a:t>IS C%A=0 AND C%B=0 </a:t>
-            </a:r>
-            <a:endParaRPr lang="en-US" dirty="0"/>
-          </a:p>
-        </p:txBody>
-      </p:sp>
-      <p:cxnSp>
-        <p:nvCxnSpPr>
-          <p:cNvPr id="42" name="Straight Arrow Connector 41"/>
-          <p:cNvCxnSpPr>
-            <a:stCxn id="40" idx="1"/>
-          </p:cNvCxnSpPr>
-          <p:nvPr/>
-        </p:nvCxnSpPr>
-        <p:spPr>
-          <a:xfrm flipH="1">
-            <a:off x="6257448" y="3771900"/>
-            <a:ext cx="614839" cy="9525"/>
-          </a:xfrm>
-          <a:prstGeom prst="straightConnector1">
-            <a:avLst/>
-          </a:prstGeom>
-          <a:ln>
-            <a:tailEnd type="triangle"/>
-          </a:ln>
-        </p:spPr>
-        <p:style>
-          <a:lnRef idx="1">
-            <a:schemeClr val="dk1"/>
-          </a:lnRef>
-          <a:fillRef idx="0">
-            <a:schemeClr val="dk1"/>
-          </a:fillRef>
-          <a:effectRef idx="0">
-            <a:schemeClr val="dk1"/>
-          </a:effectRef>
-          <a:fontRef idx="minor">
-            <a:schemeClr val="tx1"/>
-          </a:fontRef>
-        </p:style>
-      </p:cxnSp>
-      <p:cxnSp>
-        <p:nvCxnSpPr>
-          <p:cNvPr id="44" name="Straight Arrow Connector 43"/>
-          <p:cNvCxnSpPr>
-            <a:endCxn id="25" idx="2"/>
-          </p:cNvCxnSpPr>
-          <p:nvPr/>
-        </p:nvCxnSpPr>
-        <p:spPr>
-          <a:xfrm flipV="1">
-            <a:off x="6257448" y="3162300"/>
-            <a:ext cx="1" cy="619125"/>
-          </a:xfrm>
-          <a:prstGeom prst="straightConnector1">
-            <a:avLst/>
-          </a:prstGeom>
-          <a:ln>
-            <a:tailEnd type="triangle"/>
-          </a:ln>
-        </p:spPr>
-        <p:style>
-          <a:lnRef idx="1">
-            <a:schemeClr val="dk1"/>
-          </a:lnRef>
-          <a:fillRef idx="0">
-            <a:schemeClr val="dk1"/>
-          </a:fillRef>
-          <a:effectRef idx="0">
-            <a:schemeClr val="dk1"/>
-          </a:effectRef>
-          <a:fontRef idx="minor">
-            <a:schemeClr val="tx1"/>
-          </a:fontRef>
-        </p:style>
-      </p:cxnSp>
-      <p:cxnSp>
-        <p:nvCxnSpPr>
-          <p:cNvPr id="48" name="Straight Arrow Connector 47"/>
-          <p:cNvCxnSpPr>
-            <a:stCxn id="40" idx="2"/>
-          </p:cNvCxnSpPr>
-          <p:nvPr/>
-        </p:nvCxnSpPr>
-        <p:spPr>
-          <a:xfrm>
-            <a:off x="8274844" y="4100512"/>
-            <a:ext cx="30956" cy="519113"/>
-          </a:xfrm>
-          <a:prstGeom prst="straightConnector1">
-            <a:avLst/>
-          </a:prstGeom>
-          <a:ln>
-            <a:tailEnd type="triangle"/>
-          </a:ln>
-        </p:spPr>
-        <p:style>
-          <a:lnRef idx="1">
-            <a:schemeClr val="dk1"/>
-          </a:lnRef>
-          <a:fillRef idx="0">
-            <a:schemeClr val="dk1"/>
-          </a:fillRef>
-          <a:effectRef idx="0">
-            <a:schemeClr val="dk1"/>
-          </a:effectRef>
-          <a:fontRef idx="minor">
-            <a:schemeClr val="tx1"/>
-          </a:fontRef>
-        </p:style>
-      </p:cxnSp>
-      <p:sp>
-        <p:nvSpPr>
-          <p:cNvPr id="49" name="Rectangle 48"/>
-          <p:cNvSpPr/>
-          <p:nvPr/>
-        </p:nvSpPr>
-        <p:spPr>
-          <a:xfrm>
-            <a:off x="7509986" y="4591050"/>
-            <a:ext cx="1643539" cy="514350"/>
-          </a:xfrm>
-          <a:prstGeom prst="rect">
-            <a:avLst/>
-          </a:prstGeom>
-        </p:spPr>
-        <p:style>
-          <a:lnRef idx="2">
-            <a:schemeClr val="accent4">
-              <a:shade val="50000"/>
-            </a:schemeClr>
-          </a:lnRef>
-          <a:fillRef idx="1">
-            <a:schemeClr val="accent4"/>
-          </a:fillRef>
-          <a:effectRef idx="0">
-            <a:schemeClr val="accent4"/>
-          </a:effectRef>
-          <a:fontRef idx="minor">
-            <a:schemeClr val="lt1"/>
-          </a:fontRef>
-        </p:style>
-        <p:txBody>
-          <a:bodyPr rtlCol="0" anchor="ctr"/>
-          <a:lstStyle/>
-          <a:p>
-            <a:pPr algn="ctr"/>
-            <a:r>
-              <a:rPr lang="en-US" dirty="0" smtClean="0"/>
-              <a:t>D = C</a:t>
-            </a:r>
-            <a:endParaRPr lang="en-US" dirty="0"/>
-          </a:p>
-        </p:txBody>
-      </p:sp>
-      <p:cxnSp>
-        <p:nvCxnSpPr>
-          <p:cNvPr id="55" name="Straight Arrow Connector 54"/>
-          <p:cNvCxnSpPr/>
-          <p:nvPr/>
-        </p:nvCxnSpPr>
-        <p:spPr>
-          <a:xfrm>
-            <a:off x="8448675" y="5114925"/>
-            <a:ext cx="9525" cy="466725"/>
-          </a:xfrm>
-          <a:prstGeom prst="straightConnector1">
-            <a:avLst/>
-          </a:prstGeom>
-          <a:ln>
-            <a:tailEnd type="triangle"/>
-          </a:ln>
-        </p:spPr>
-        <p:style>
-          <a:lnRef idx="1">
-            <a:schemeClr val="dk1"/>
-          </a:lnRef>
-          <a:fillRef idx="0">
-            <a:schemeClr val="dk1"/>
-          </a:fillRef>
-          <a:effectRef idx="0">
-            <a:schemeClr val="dk1"/>
-          </a:effectRef>
-          <a:fontRef idx="minor">
-            <a:schemeClr val="tx1"/>
-          </a:fontRef>
-        </p:style>
-      </p:cxnSp>
-      <p:sp>
-        <p:nvSpPr>
-          <p:cNvPr id="56" name="Flowchart: Decision 55"/>
-          <p:cNvSpPr/>
-          <p:nvPr/>
-        </p:nvSpPr>
-        <p:spPr>
-          <a:xfrm>
-            <a:off x="7010400" y="5591175"/>
-            <a:ext cx="2943225" cy="581025"/>
-          </a:xfrm>
-          <a:prstGeom prst="flowChartDecision">
-            <a:avLst/>
-          </a:prstGeom>
-        </p:spPr>
-        <p:style>
-          <a:lnRef idx="2">
-            <a:schemeClr val="accent2">
-              <a:shade val="50000"/>
-            </a:schemeClr>
-          </a:lnRef>
-          <a:fillRef idx="1">
-            <a:schemeClr val="accent2"/>
-          </a:fillRef>
-          <a:effectRef idx="0">
-            <a:schemeClr val="accent2"/>
-          </a:effectRef>
-          <a:fontRef idx="minor">
-            <a:schemeClr val="lt1"/>
-          </a:fontRef>
-        </p:style>
-        <p:txBody>
-          <a:bodyPr rtlCol="0" anchor="ctr"/>
-          <a:lstStyle/>
-          <a:p>
-            <a:pPr algn="ctr"/>
-            <a:r>
-              <a:rPr lang="en-US" dirty="0" smtClean="0"/>
-              <a:t>IS C%A=0 AND C%B = 0</a:t>
-            </a:r>
-            <a:endParaRPr lang="en-US" dirty="0"/>
-          </a:p>
-        </p:txBody>
-      </p:sp>
-      <p:cxnSp>
-        <p:nvCxnSpPr>
-          <p:cNvPr id="58" name="Straight Arrow Connector 57"/>
-          <p:cNvCxnSpPr>
-            <a:stCxn id="56" idx="1"/>
-          </p:cNvCxnSpPr>
-          <p:nvPr/>
-        </p:nvCxnSpPr>
-        <p:spPr>
-          <a:xfrm flipH="1" flipV="1">
-            <a:off x="4086225" y="5857875"/>
-            <a:ext cx="2924175" cy="23813"/>
-          </a:xfrm>
-          <a:prstGeom prst="straightConnector1">
-            <a:avLst/>
-          </a:prstGeom>
-          <a:ln>
-            <a:tailEnd type="triangle"/>
-          </a:ln>
-        </p:spPr>
-        <p:style>
-          <a:lnRef idx="1">
-            <a:schemeClr val="dk1"/>
-          </a:lnRef>
-          <a:fillRef idx="0">
-            <a:schemeClr val="dk1"/>
-          </a:fillRef>
-          <a:effectRef idx="0">
-            <a:schemeClr val="dk1"/>
-          </a:effectRef>
-          <a:fontRef idx="minor">
-            <a:schemeClr val="tx1"/>
-          </a:fontRef>
-        </p:style>
-      </p:cxnSp>
-      <p:sp>
-        <p:nvSpPr>
-          <p:cNvPr id="59" name="Flowchart: Display 58"/>
-          <p:cNvSpPr/>
-          <p:nvPr/>
-        </p:nvSpPr>
-        <p:spPr>
-          <a:xfrm>
-            <a:off x="2962275" y="5574506"/>
-            <a:ext cx="1123950" cy="597694"/>
-          </a:xfrm>
-          <a:prstGeom prst="flowChartDisplay">
-            <a:avLst/>
-          </a:prstGeom>
-        </p:spPr>
-        <p:style>
-          <a:lnRef idx="2">
-            <a:schemeClr val="accent6">
-              <a:shade val="50000"/>
-            </a:schemeClr>
-          </a:lnRef>
-          <a:fillRef idx="1">
-            <a:schemeClr val="accent6"/>
-          </a:fillRef>
-          <a:effectRef idx="0">
-            <a:schemeClr val="accent6"/>
-          </a:effectRef>
-          <a:fontRef idx="minor">
-            <a:schemeClr val="lt1"/>
-          </a:fontRef>
-        </p:style>
-        <p:txBody>
-          <a:bodyPr rtlCol="0" anchor="ctr"/>
-          <a:lstStyle/>
-          <a:p>
-            <a:pPr algn="ctr"/>
-            <a:r>
-              <a:rPr lang="en-US" dirty="0" smtClean="0"/>
-              <a:t>PRINT D</a:t>
-            </a:r>
-            <a:endParaRPr lang="en-US" dirty="0"/>
-          </a:p>
-        </p:txBody>
-      </p:sp>
-      <p:cxnSp>
-        <p:nvCxnSpPr>
-          <p:cNvPr id="61" name="Straight Arrow Connector 60"/>
-          <p:cNvCxnSpPr>
-            <a:stCxn id="25" idx="1"/>
-          </p:cNvCxnSpPr>
-          <p:nvPr/>
-        </p:nvCxnSpPr>
-        <p:spPr>
-          <a:xfrm flipH="1" flipV="1">
-            <a:off x="3524250" y="2833687"/>
-            <a:ext cx="1480661" cy="1"/>
-          </a:xfrm>
-          <a:prstGeom prst="straightConnector1">
-            <a:avLst/>
-          </a:prstGeom>
-          <a:ln>
-            <a:tailEnd type="triangle"/>
-          </a:ln>
-        </p:spPr>
-        <p:style>
-          <a:lnRef idx="1">
-            <a:schemeClr val="dk1"/>
-          </a:lnRef>
-          <a:fillRef idx="0">
-            <a:schemeClr val="dk1"/>
-          </a:fillRef>
-          <a:effectRef idx="0">
-            <a:schemeClr val="dk1"/>
-          </a:effectRef>
-          <a:fontRef idx="minor">
-            <a:schemeClr val="tx1"/>
-          </a:fontRef>
-        </p:style>
-      </p:cxnSp>
-      <p:cxnSp>
-        <p:nvCxnSpPr>
-          <p:cNvPr id="63" name="Straight Arrow Connector 62"/>
-          <p:cNvCxnSpPr>
-            <a:endCxn id="59" idx="0"/>
-          </p:cNvCxnSpPr>
-          <p:nvPr/>
-        </p:nvCxnSpPr>
-        <p:spPr>
-          <a:xfrm>
-            <a:off x="3524249" y="4495800"/>
-            <a:ext cx="1" cy="1078706"/>
-          </a:xfrm>
-          <a:prstGeom prst="straightConnector1">
-            <a:avLst/>
-          </a:prstGeom>
-          <a:ln>
-            <a:tailEnd type="triangle"/>
-          </a:ln>
-        </p:spPr>
-        <p:style>
-          <a:lnRef idx="1">
-            <a:schemeClr val="dk1"/>
-          </a:lnRef>
-          <a:fillRef idx="0">
-            <a:schemeClr val="dk1"/>
-          </a:fillRef>
-          <a:effectRef idx="0">
-            <a:schemeClr val="dk1"/>
-          </a:effectRef>
-          <a:fontRef idx="minor">
-            <a:schemeClr val="tx1"/>
-          </a:fontRef>
-        </p:style>
-      </p:cxnSp>
-      <p:cxnSp>
-        <p:nvCxnSpPr>
-          <p:cNvPr id="68" name="Straight Arrow Connector 67"/>
-          <p:cNvCxnSpPr>
-            <a:stCxn id="59" idx="2"/>
-          </p:cNvCxnSpPr>
-          <p:nvPr/>
-        </p:nvCxnSpPr>
-        <p:spPr>
-          <a:xfrm>
-            <a:off x="3524250" y="6172200"/>
-            <a:ext cx="0" cy="266700"/>
-          </a:xfrm>
-          <a:prstGeom prst="straightConnector1">
-            <a:avLst/>
-          </a:prstGeom>
-          <a:ln>
-            <a:tailEnd type="triangle"/>
-          </a:ln>
-        </p:spPr>
-        <p:style>
-          <a:lnRef idx="1">
-            <a:schemeClr val="dk1"/>
-          </a:lnRef>
-          <a:fillRef idx="0">
-            <a:schemeClr val="dk1"/>
-          </a:fillRef>
-          <a:effectRef idx="0">
-            <a:schemeClr val="dk1"/>
-          </a:effectRef>
-          <a:fontRef idx="minor">
-            <a:schemeClr val="tx1"/>
-          </a:fontRef>
-        </p:style>
-      </p:cxnSp>
-      <p:sp>
-        <p:nvSpPr>
-          <p:cNvPr id="69" name="Flowchart: Terminator 68"/>
-          <p:cNvSpPr/>
-          <p:nvPr/>
-        </p:nvSpPr>
-        <p:spPr>
-          <a:xfrm>
-            <a:off x="3005137" y="6438900"/>
-            <a:ext cx="1038225" cy="330994"/>
-          </a:xfrm>
-          <a:prstGeom prst="flowChartTerminator">
-            <a:avLst/>
-          </a:prstGeom>
-        </p:spPr>
-        <p:style>
-          <a:lnRef idx="2">
-            <a:schemeClr val="accent1">
-              <a:shade val="50000"/>
-            </a:schemeClr>
-          </a:lnRef>
-          <a:fillRef idx="1">
-            <a:schemeClr val="accent1"/>
-          </a:fillRef>
-          <a:effectRef idx="0">
-            <a:schemeClr val="accent1"/>
-          </a:effectRef>
-          <a:fontRef idx="minor">
-            <a:schemeClr val="lt1"/>
-          </a:fontRef>
-        </p:style>
-        <p:txBody>
-          <a:bodyPr rtlCol="0" anchor="ctr"/>
-          <a:lstStyle/>
-          <a:p>
-            <a:pPr algn="ctr"/>
-            <a:r>
-              <a:rPr lang="en-US" dirty="0" smtClean="0"/>
-              <a:t>END</a:t>
-            </a:r>
-            <a:endParaRPr lang="en-US" dirty="0"/>
-          </a:p>
-        </p:txBody>
-      </p:sp>
-      <p:sp>
-        <p:nvSpPr>
-          <p:cNvPr id="71" name="Flowchart: Alternate Process 70"/>
-          <p:cNvSpPr/>
-          <p:nvPr/>
-        </p:nvSpPr>
-        <p:spPr>
-          <a:xfrm>
-            <a:off x="2874168" y="3640932"/>
-            <a:ext cx="1300162" cy="859631"/>
-          </a:xfrm>
-          <a:prstGeom prst="flowChartAlternateProcess">
-            <a:avLst/>
-          </a:prstGeom>
-        </p:spPr>
-        <p:style>
-          <a:lnRef idx="2">
-            <a:schemeClr val="accent1">
-              <a:shade val="50000"/>
-            </a:schemeClr>
-          </a:lnRef>
-          <a:fillRef idx="1">
-            <a:schemeClr val="accent1"/>
-          </a:fillRef>
-          <a:effectRef idx="0">
-            <a:schemeClr val="accent1"/>
-          </a:effectRef>
-          <a:fontRef idx="minor">
-            <a:schemeClr val="lt1"/>
-          </a:fontRef>
-        </p:style>
-        <p:txBody>
-          <a:bodyPr rtlCol="0" anchor="ctr"/>
-          <a:lstStyle/>
-          <a:p>
-            <a:pPr algn="ctr"/>
-            <a:r>
-              <a:rPr lang="en-US" dirty="0" smtClean="0"/>
-              <a:t>EXIT FROM LOOP</a:t>
-            </a:r>
-            <a:endParaRPr lang="en-US" dirty="0"/>
-          </a:p>
-        </p:txBody>
-      </p:sp>
-      <p:cxnSp>
-        <p:nvCxnSpPr>
-          <p:cNvPr id="73" name="Straight Arrow Connector 72"/>
-          <p:cNvCxnSpPr>
-            <a:endCxn id="71" idx="0"/>
-          </p:cNvCxnSpPr>
-          <p:nvPr/>
-        </p:nvCxnSpPr>
-        <p:spPr>
-          <a:xfrm>
-            <a:off x="3524249" y="2880123"/>
-            <a:ext cx="0" cy="760809"/>
-          </a:xfrm>
-          <a:prstGeom prst="straightConnector1">
-            <a:avLst/>
-          </a:prstGeom>
-          <a:ln>
-            <a:tailEnd type="triangle"/>
-          </a:ln>
-        </p:spPr>
-        <p:style>
-          <a:lnRef idx="1">
-            <a:schemeClr val="dk1"/>
-          </a:lnRef>
-          <a:fillRef idx="0">
-            <a:schemeClr val="dk1"/>
-          </a:fillRef>
-          <a:effectRef idx="0">
-            <a:schemeClr val="dk1"/>
-          </a:effectRef>
-          <a:fontRef idx="minor">
-            <a:schemeClr val="tx1"/>
-          </a:fontRef>
-        </p:style>
-      </p:cxnSp>
-      <p:cxnSp>
-        <p:nvCxnSpPr>
-          <p:cNvPr id="77" name="Straight Arrow Connector 76"/>
-          <p:cNvCxnSpPr>
-            <a:stCxn id="56" idx="3"/>
-          </p:cNvCxnSpPr>
-          <p:nvPr/>
-        </p:nvCxnSpPr>
-        <p:spPr>
-          <a:xfrm flipV="1">
-            <a:off x="9953625" y="5881687"/>
-            <a:ext cx="1438275" cy="1"/>
-          </a:xfrm>
-          <a:prstGeom prst="straightConnector1">
-            <a:avLst/>
-          </a:prstGeom>
-          <a:ln>
-            <a:tailEnd type="triangle"/>
-          </a:ln>
-        </p:spPr>
-        <p:style>
-          <a:lnRef idx="1">
-            <a:schemeClr val="dk1"/>
-          </a:lnRef>
-          <a:fillRef idx="0">
-            <a:schemeClr val="dk1"/>
-          </a:fillRef>
-          <a:effectRef idx="0">
-            <a:schemeClr val="dk1"/>
-          </a:effectRef>
-          <a:fontRef idx="minor">
-            <a:schemeClr val="tx1"/>
-          </a:fontRef>
-        </p:style>
-      </p:cxnSp>
-      <p:cxnSp>
-        <p:nvCxnSpPr>
-          <p:cNvPr id="79" name="Straight Arrow Connector 78"/>
-          <p:cNvCxnSpPr/>
-          <p:nvPr/>
-        </p:nvCxnSpPr>
-        <p:spPr>
-          <a:xfrm flipH="1" flipV="1">
-            <a:off x="11337133" y="2468166"/>
-            <a:ext cx="16667" cy="3401616"/>
-          </a:xfrm>
-          <a:prstGeom prst="straightConnector1">
-            <a:avLst/>
-          </a:prstGeom>
-          <a:ln>
-            <a:tailEnd type="triangle"/>
-          </a:ln>
-        </p:spPr>
-        <p:style>
-          <a:lnRef idx="1">
-            <a:schemeClr val="dk1"/>
-          </a:lnRef>
-          <a:fillRef idx="0">
-            <a:schemeClr val="dk1"/>
-          </a:fillRef>
-          <a:effectRef idx="0">
-            <a:schemeClr val="dk1"/>
-          </a:effectRef>
-          <a:fontRef idx="minor">
-            <a:schemeClr val="tx1"/>
-          </a:fontRef>
-        </p:style>
-      </p:cxnSp>
-      <p:cxnSp>
-        <p:nvCxnSpPr>
-          <p:cNvPr id="81" name="Straight Arrow Connector 80"/>
-          <p:cNvCxnSpPr/>
-          <p:nvPr/>
-        </p:nvCxnSpPr>
-        <p:spPr>
-          <a:xfrm flipH="1" flipV="1">
-            <a:off x="6257447" y="2419350"/>
-            <a:ext cx="5098735" cy="85725"/>
-          </a:xfrm>
-          <a:prstGeom prst="straightConnector1">
-            <a:avLst/>
-          </a:prstGeom>
-          <a:ln>
-            <a:tailEnd type="triangle"/>
-          </a:ln>
-        </p:spPr>
-        <p:style>
-          <a:lnRef idx="1">
-            <a:schemeClr val="dk1"/>
-          </a:lnRef>
-          <a:fillRef idx="0">
-            <a:schemeClr val="dk1"/>
-          </a:fillRef>
-          <a:effectRef idx="0">
-            <a:schemeClr val="dk1"/>
-          </a:effectRef>
-          <a:fontRef idx="minor">
-            <a:schemeClr val="tx1"/>
-          </a:fontRef>
-        </p:style>
-      </p:cxnSp>
-      <p:sp>
-        <p:nvSpPr>
-          <p:cNvPr id="84" name="TextBox 83"/>
-          <p:cNvSpPr txBox="1"/>
-          <p:nvPr/>
-        </p:nvSpPr>
-        <p:spPr>
-          <a:xfrm>
-            <a:off x="3867150" y="2489240"/>
-            <a:ext cx="1230393" cy="369332"/>
-          </a:xfrm>
-          <a:prstGeom prst="rect">
-            <a:avLst/>
-          </a:prstGeom>
-          <a:noFill/>
-        </p:spPr>
-        <p:txBody>
-          <a:bodyPr wrap="square" rtlCol="0">
-            <a:spAutoFit/>
-          </a:bodyPr>
-          <a:lstStyle/>
-          <a:p>
-            <a:r>
-              <a:rPr lang="en-US" dirty="0" smtClean="0"/>
-              <a:t>FALSE</a:t>
-            </a:r>
-            <a:endParaRPr lang="en-US" dirty="0"/>
-          </a:p>
-        </p:txBody>
-      </p:sp>
-      <p:sp>
-        <p:nvSpPr>
-          <p:cNvPr id="85" name="TextBox 84"/>
-          <p:cNvSpPr txBox="1"/>
-          <p:nvPr/>
-        </p:nvSpPr>
-        <p:spPr>
-          <a:xfrm>
-            <a:off x="7507604" y="2552700"/>
-            <a:ext cx="767239" cy="369332"/>
-          </a:xfrm>
-          <a:prstGeom prst="rect">
-            <a:avLst/>
-          </a:prstGeom>
-          <a:noFill/>
-        </p:spPr>
-        <p:txBody>
-          <a:bodyPr wrap="square" rtlCol="0">
-            <a:spAutoFit/>
-          </a:bodyPr>
-          <a:lstStyle/>
-          <a:p>
-            <a:r>
-              <a:rPr lang="en-US" dirty="0" smtClean="0"/>
-              <a:t>TRUE</a:t>
-            </a:r>
-            <a:endParaRPr lang="en-US" dirty="0"/>
-          </a:p>
-        </p:txBody>
-      </p:sp>
-      <p:sp>
-        <p:nvSpPr>
-          <p:cNvPr id="86" name="TextBox 85"/>
-          <p:cNvSpPr txBox="1"/>
-          <p:nvPr/>
-        </p:nvSpPr>
-        <p:spPr>
-          <a:xfrm>
-            <a:off x="6257447" y="3471862"/>
-            <a:ext cx="789625" cy="369332"/>
-          </a:xfrm>
-          <a:prstGeom prst="rect">
-            <a:avLst/>
-          </a:prstGeom>
-          <a:noFill/>
-        </p:spPr>
-        <p:txBody>
-          <a:bodyPr wrap="square" rtlCol="0">
-            <a:spAutoFit/>
-          </a:bodyPr>
-          <a:lstStyle/>
-          <a:p>
-            <a:r>
-              <a:rPr lang="en-US" dirty="0" smtClean="0"/>
-              <a:t>FALSE</a:t>
-            </a:r>
-            <a:endParaRPr lang="en-US" dirty="0"/>
-          </a:p>
-        </p:txBody>
-      </p:sp>
-      <p:sp>
-        <p:nvSpPr>
-          <p:cNvPr id="87" name="TextBox 86"/>
-          <p:cNvSpPr txBox="1"/>
-          <p:nvPr/>
-        </p:nvSpPr>
-        <p:spPr>
-          <a:xfrm>
-            <a:off x="8240078" y="4184928"/>
-            <a:ext cx="1008698" cy="369332"/>
-          </a:xfrm>
-          <a:prstGeom prst="rect">
-            <a:avLst/>
-          </a:prstGeom>
-          <a:noFill/>
-        </p:spPr>
-        <p:txBody>
-          <a:bodyPr wrap="square" rtlCol="0">
-            <a:spAutoFit/>
-          </a:bodyPr>
-          <a:lstStyle/>
-          <a:p>
-            <a:r>
-              <a:rPr lang="en-US" dirty="0" smtClean="0"/>
-              <a:t>TRUE</a:t>
-            </a:r>
-            <a:endParaRPr lang="en-US" dirty="0"/>
-          </a:p>
-        </p:txBody>
-      </p:sp>
-      <p:sp>
-        <p:nvSpPr>
-          <p:cNvPr id="88" name="TextBox 87"/>
-          <p:cNvSpPr txBox="1"/>
-          <p:nvPr/>
-        </p:nvSpPr>
-        <p:spPr>
-          <a:xfrm>
-            <a:off x="9965530" y="5591175"/>
-            <a:ext cx="1020842" cy="369332"/>
-          </a:xfrm>
-          <a:prstGeom prst="rect">
-            <a:avLst/>
-          </a:prstGeom>
-          <a:noFill/>
-        </p:spPr>
-        <p:txBody>
-          <a:bodyPr wrap="square" rtlCol="0">
-            <a:spAutoFit/>
-          </a:bodyPr>
-          <a:lstStyle/>
-          <a:p>
-            <a:r>
-              <a:rPr lang="en-US" dirty="0" smtClean="0"/>
-              <a:t>FALSE</a:t>
-            </a:r>
-            <a:endParaRPr lang="en-US" dirty="0"/>
-          </a:p>
-        </p:txBody>
-      </p:sp>
-      <p:sp>
-        <p:nvSpPr>
-          <p:cNvPr id="89" name="TextBox 88"/>
-          <p:cNvSpPr txBox="1"/>
-          <p:nvPr/>
-        </p:nvSpPr>
-        <p:spPr>
-          <a:xfrm>
-            <a:off x="5626892" y="5574506"/>
-            <a:ext cx="1245395" cy="369332"/>
-          </a:xfrm>
-          <a:prstGeom prst="rect">
-            <a:avLst/>
-          </a:prstGeom>
-          <a:noFill/>
-        </p:spPr>
-        <p:txBody>
-          <a:bodyPr wrap="square" rtlCol="0">
-            <a:spAutoFit/>
-          </a:bodyPr>
-          <a:lstStyle/>
-          <a:p>
-            <a:r>
-              <a:rPr lang="en-US" dirty="0" smtClean="0"/>
-              <a:t>TRUE</a:t>
-            </a:r>
-            <a:endParaRPr lang="en-US" dirty="0"/>
-          </a:p>
-        </p:txBody>
-      </p:sp>
-    </p:spTree>
-    <p:extLst>
-      <p:ext uri="{BB962C8B-B14F-4D97-AF65-F5344CB8AC3E}">
-        <p14:creationId xmlns:p14="http://schemas.microsoft.com/office/powerpoint/2010/main" val="3714348746"/>
-      </p:ext>
-    </p:extLst>
-  </p:cSld>
-  <p:clrMapOvr>
-    <a:masterClrMapping/>
-  </p:clrMapOvr>
-</p:sld>
-</file>
-
-<file path=ppt/slides/slide17.xml><?xml version="1.0" encoding="utf-8"?>
-<p:sld xmlns:a="http://schemas.openxmlformats.org/drawingml/2006/main" xmlns:r="http://schemas.openxmlformats.org/officeDocument/2006/relationships" xmlns:p="http://schemas.openxmlformats.org/presentationml/2006/main">
-  <p:cSld>
-    <p:spTree>
-      <p:nvGrpSpPr>
-        <p:cNvPr id="1" name=""/>
-        <p:cNvGrpSpPr/>
-        <p:nvPr/>
-      </p:nvGrpSpPr>
-      <p:grpSpPr>
-        <a:xfrm>
-          <a:off x="0" y="0"/>
-          <a:ext cx="0" cy="0"/>
-          <a:chOff x="0" y="0"/>
-          <a:chExt cx="0" cy="0"/>
-        </a:xfrm>
-      </p:grpSpPr>
-      <p:sp>
-        <p:nvSpPr>
-          <p:cNvPr id="2" name="Title 1"/>
-          <p:cNvSpPr>
-            <a:spLocks noGrp="1"/>
-          </p:cNvSpPr>
-          <p:nvPr>
-            <p:ph type="ctrTitle"/>
-          </p:nvPr>
-        </p:nvSpPr>
-        <p:spPr>
-          <a:xfrm>
-            <a:off x="1410711" y="216055"/>
-            <a:ext cx="9144000" cy="2387600"/>
-          </a:xfrm>
-        </p:spPr>
-        <p:txBody>
-          <a:bodyPr/>
-          <a:lstStyle/>
-          <a:p>
-            <a:r>
-              <a:rPr lang="en-US" dirty="0" smtClean="0"/>
-              <a:t>Algorithm to find the:</a:t>
-            </a:r>
-            <a:endParaRPr lang="en-US" dirty="0"/>
-          </a:p>
-        </p:txBody>
-      </p:sp>
-      <p:sp>
-        <p:nvSpPr>
-          <p:cNvPr id="3" name="Subtitle 2"/>
-          <p:cNvSpPr>
-            <a:spLocks noGrp="1"/>
-          </p:cNvSpPr>
-          <p:nvPr>
-            <p:ph type="subTitle" idx="1"/>
-          </p:nvPr>
-        </p:nvSpPr>
-        <p:spPr>
-          <a:xfrm>
-            <a:off x="1410711" y="2603654"/>
-            <a:ext cx="9144000" cy="3343991"/>
-          </a:xfrm>
-        </p:spPr>
-        <p:txBody>
-          <a:bodyPr>
-            <a:normAutofit/>
-          </a:bodyPr>
-          <a:lstStyle/>
-          <a:p>
-            <a:pPr marL="457200" indent="-457200">
-              <a:buAutoNum type="arabicPeriod"/>
-            </a:pPr>
-            <a:r>
-              <a:rPr lang="en-US" dirty="0" smtClean="0"/>
-              <a:t>Find the factorial of a number</a:t>
+              <a:t>Find the factorial of number n(n! = 1 x 2 x 3 x … x n)</a:t>
             </a:r>
             <a:endParaRPr lang="en-US" dirty="0" smtClean="0"/>
           </a:p>
@@ -8051,7 +6579,7 @@
 </p:sld>
 </file>
 
-<file path=ppt/slides/slide18.xml><?xml version="1.0" encoding="utf-8"?>
+<file path=ppt/slides/slide15.xml><?xml version="1.0" encoding="utf-8"?>
 <p:sld xmlns:a="http://schemas.openxmlformats.org/drawingml/2006/main" xmlns:r="http://schemas.openxmlformats.org/officeDocument/2006/relationships" xmlns:p="http://schemas.openxmlformats.org/presentationml/2006/main">
   <p:cSld>
     <p:bg>
@@ -8102,7 +6630,7 @@
           <a:p>
             <a:r>
               <a:rPr lang="en-US" dirty="0" smtClean="0"/>
-              <a:t>INPUT A</a:t>
+              <a:t>INPUT N</a:t>
             </a:r>
           </a:p>
           <a:p>
@@ -8114,7 +6642,7 @@
           <a:p>
             <a:r>
               <a:rPr lang="en-US" dirty="0" smtClean="0"/>
-              <a:t>COMPUTE R1 = RANGE(1, A+1)</a:t>
+              <a:t>COMPUTE R1 = RANGE(1, N+1)</a:t>
             </a:r>
           </a:p>
           <a:p>
@@ -8130,7 +6658,7 @@
             </a:r>
             <a:r>
               <a:rPr lang="en-US" dirty="0" smtClean="0"/>
-              <a:t>PRINT A ISNT A WHOLE NUMBER</a:t>
+              <a:t>PRINT RE-ENTER A WHOLE NUMBER</a:t>
             </a:r>
           </a:p>
           <a:p>
@@ -8185,7 +6713,7 @@
 </p:sld>
 </file>
 
-<file path=ppt/slides/slide19.xml><?xml version="1.0" encoding="utf-8"?>
+<file path=ppt/slides/slide16.xml><?xml version="1.0" encoding="utf-8"?>
 <p:sld xmlns:a="http://schemas.openxmlformats.org/drawingml/2006/main" xmlns:r="http://schemas.openxmlformats.org/officeDocument/2006/relationships" xmlns:p="http://schemas.openxmlformats.org/presentationml/2006/main">
   <p:cSld>
     <p:bg>
@@ -9124,7 +7652,7 @@
             <a:pPr algn="ctr"/>
             <a:r>
               <a:rPr lang="en-US" dirty="0" smtClean="0"/>
-              <a:t>PRINT RENENTER A WHOLE NUMBER</a:t>
+              <a:t>PRINT RE-ENTER A WHOLE NUMBER</a:t>
             </a:r>
             <a:endParaRPr lang="en-US" dirty="0"/>
           </a:p>

--- a/Lotanna OkekeAA1.pptx
+++ b/Lotanna OkekeAA1.pptx
@@ -212,7 +212,7 @@
           <a:p>
             <a:fld id="{BC2EF17D-739B-40CF-A1A8-03366A820640}" type="datetimeFigureOut">
               <a:rPr lang="en-US" smtClean="0"/>
-              <a:t>4/26/2021</a:t>
+              <a:t>4/27/2021</a:t>
             </a:fld>
             <a:endParaRPr lang="en-US"/>
           </a:p>
@@ -276,38 +276,37 @@
           <a:p>
             <a:pPr lvl="0"/>
             <a:r>
-              <a:rPr lang="en-US" smtClean="0"/>
+              <a:rPr lang="en-US"/>
               <a:t>Click to edit Master text styles</a:t>
             </a:r>
           </a:p>
           <a:p>
             <a:pPr lvl="1"/>
             <a:r>
-              <a:rPr lang="en-US" smtClean="0"/>
+              <a:rPr lang="en-US"/>
               <a:t>Second level</a:t>
             </a:r>
           </a:p>
           <a:p>
             <a:pPr lvl="2"/>
             <a:r>
-              <a:rPr lang="en-US" smtClean="0"/>
+              <a:rPr lang="en-US"/>
               <a:t>Third level</a:t>
             </a:r>
           </a:p>
           <a:p>
             <a:pPr lvl="3"/>
             <a:r>
-              <a:rPr lang="en-US" smtClean="0"/>
+              <a:rPr lang="en-US"/>
               <a:t>Fourth level</a:t>
             </a:r>
           </a:p>
           <a:p>
             <a:pPr lvl="4"/>
             <a:r>
-              <a:rPr lang="en-US" smtClean="0"/>
+              <a:rPr lang="en-US"/>
               <a:t>Fifth level</a:t>
             </a:r>
-            <a:endParaRPr lang="en-US"/>
           </a:p>
         </p:txBody>
       </p:sp>
@@ -606,10 +605,9 @@
           </a:lstStyle>
           <a:p>
             <a:r>
-              <a:rPr lang="en-US" smtClean="0"/>
+              <a:rPr lang="en-US"/>
               <a:t>Click to edit Master title style</a:t>
             </a:r>
-            <a:endParaRPr lang="en-US"/>
           </a:p>
         </p:txBody>
       </p:sp>
@@ -671,10 +669,9 @@
           </a:lstStyle>
           <a:p>
             <a:r>
-              <a:rPr lang="en-US" smtClean="0"/>
+              <a:rPr lang="en-US"/>
               <a:t>Click to edit Master subtitle style</a:t>
             </a:r>
-            <a:endParaRPr lang="en-US"/>
           </a:p>
         </p:txBody>
       </p:sp>
@@ -695,7 +692,7 @@
           <a:p>
             <a:fld id="{E0347FD9-B6B4-4DF9-BB8B-97F46D1C8CB6}" type="datetimeFigureOut">
               <a:rPr lang="en-US" smtClean="0"/>
-              <a:t>4/25/2021</a:t>
+              <a:t>4/27/2021</a:t>
             </a:fld>
             <a:endParaRPr lang="en-US"/>
           </a:p>
@@ -789,10 +786,9 @@
           <a:lstStyle/>
           <a:p>
             <a:r>
-              <a:rPr lang="en-US" smtClean="0"/>
+              <a:rPr lang="en-US"/>
               <a:t>Click to edit Master title style</a:t>
             </a:r>
-            <a:endParaRPr lang="en-US"/>
           </a:p>
         </p:txBody>
       </p:sp>
@@ -813,38 +809,37 @@
           <a:p>
             <a:pPr lvl="0"/>
             <a:r>
-              <a:rPr lang="en-US" smtClean="0"/>
+              <a:rPr lang="en-US"/>
               <a:t>Click to edit Master text styles</a:t>
             </a:r>
           </a:p>
           <a:p>
             <a:pPr lvl="1"/>
             <a:r>
-              <a:rPr lang="en-US" smtClean="0"/>
+              <a:rPr lang="en-US"/>
               <a:t>Second level</a:t>
             </a:r>
           </a:p>
           <a:p>
             <a:pPr lvl="2"/>
             <a:r>
-              <a:rPr lang="en-US" smtClean="0"/>
+              <a:rPr lang="en-US"/>
               <a:t>Third level</a:t>
             </a:r>
           </a:p>
           <a:p>
             <a:pPr lvl="3"/>
             <a:r>
-              <a:rPr lang="en-US" smtClean="0"/>
+              <a:rPr lang="en-US"/>
               <a:t>Fourth level</a:t>
             </a:r>
           </a:p>
           <a:p>
             <a:pPr lvl="4"/>
             <a:r>
-              <a:rPr lang="en-US" smtClean="0"/>
+              <a:rPr lang="en-US"/>
               <a:t>Fifth level</a:t>
             </a:r>
-            <a:endParaRPr lang="en-US"/>
           </a:p>
         </p:txBody>
       </p:sp>
@@ -865,7 +860,7 @@
           <a:p>
             <a:fld id="{E0347FD9-B6B4-4DF9-BB8B-97F46D1C8CB6}" type="datetimeFigureOut">
               <a:rPr lang="en-US" smtClean="0"/>
-              <a:t>4/25/2021</a:t>
+              <a:t>4/27/2021</a:t>
             </a:fld>
             <a:endParaRPr lang="en-US"/>
           </a:p>
@@ -964,10 +959,9 @@
           <a:lstStyle/>
           <a:p>
             <a:r>
-              <a:rPr lang="en-US" smtClean="0"/>
+              <a:rPr lang="en-US"/>
               <a:t>Click to edit Master title style</a:t>
             </a:r>
-            <a:endParaRPr lang="en-US"/>
           </a:p>
         </p:txBody>
       </p:sp>
@@ -993,38 +987,37 @@
           <a:p>
             <a:pPr lvl="0"/>
             <a:r>
-              <a:rPr lang="en-US" smtClean="0"/>
+              <a:rPr lang="en-US"/>
               <a:t>Click to edit Master text styles</a:t>
             </a:r>
           </a:p>
           <a:p>
             <a:pPr lvl="1"/>
             <a:r>
-              <a:rPr lang="en-US" smtClean="0"/>
+              <a:rPr lang="en-US"/>
               <a:t>Second level</a:t>
             </a:r>
           </a:p>
           <a:p>
             <a:pPr lvl="2"/>
             <a:r>
-              <a:rPr lang="en-US" smtClean="0"/>
+              <a:rPr lang="en-US"/>
               <a:t>Third level</a:t>
             </a:r>
           </a:p>
           <a:p>
             <a:pPr lvl="3"/>
             <a:r>
-              <a:rPr lang="en-US" smtClean="0"/>
+              <a:rPr lang="en-US"/>
               <a:t>Fourth level</a:t>
             </a:r>
           </a:p>
           <a:p>
             <a:pPr lvl="4"/>
             <a:r>
-              <a:rPr lang="en-US" smtClean="0"/>
+              <a:rPr lang="en-US"/>
               <a:t>Fifth level</a:t>
             </a:r>
-            <a:endParaRPr lang="en-US"/>
           </a:p>
         </p:txBody>
       </p:sp>
@@ -1045,7 +1038,7 @@
           <a:p>
             <a:fld id="{E0347FD9-B6B4-4DF9-BB8B-97F46D1C8CB6}" type="datetimeFigureOut">
               <a:rPr lang="en-US" smtClean="0"/>
-              <a:t>4/25/2021</a:t>
+              <a:t>4/27/2021</a:t>
             </a:fld>
             <a:endParaRPr lang="en-US"/>
           </a:p>
@@ -1139,10 +1132,9 @@
           <a:lstStyle/>
           <a:p>
             <a:r>
-              <a:rPr lang="en-US" smtClean="0"/>
+              <a:rPr lang="en-US"/>
               <a:t>Click to edit Master title style</a:t>
             </a:r>
-            <a:endParaRPr lang="en-US"/>
           </a:p>
         </p:txBody>
       </p:sp>
@@ -1163,38 +1155,37 @@
           <a:p>
             <a:pPr lvl="0"/>
             <a:r>
-              <a:rPr lang="en-US" smtClean="0"/>
+              <a:rPr lang="en-US"/>
               <a:t>Click to edit Master text styles</a:t>
             </a:r>
           </a:p>
           <a:p>
             <a:pPr lvl="1"/>
             <a:r>
-              <a:rPr lang="en-US" smtClean="0"/>
+              <a:rPr lang="en-US"/>
               <a:t>Second level</a:t>
             </a:r>
           </a:p>
           <a:p>
             <a:pPr lvl="2"/>
             <a:r>
-              <a:rPr lang="en-US" smtClean="0"/>
+              <a:rPr lang="en-US"/>
               <a:t>Third level</a:t>
             </a:r>
           </a:p>
           <a:p>
             <a:pPr lvl="3"/>
             <a:r>
-              <a:rPr lang="en-US" smtClean="0"/>
+              <a:rPr lang="en-US"/>
               <a:t>Fourth level</a:t>
             </a:r>
           </a:p>
           <a:p>
             <a:pPr lvl="4"/>
             <a:r>
-              <a:rPr lang="en-US" smtClean="0"/>
+              <a:rPr lang="en-US"/>
               <a:t>Fifth level</a:t>
             </a:r>
-            <a:endParaRPr lang="en-US"/>
           </a:p>
         </p:txBody>
       </p:sp>
@@ -1215,7 +1206,7 @@
           <a:p>
             <a:fld id="{E0347FD9-B6B4-4DF9-BB8B-97F46D1C8CB6}" type="datetimeFigureOut">
               <a:rPr lang="en-US" smtClean="0"/>
-              <a:t>4/25/2021</a:t>
+              <a:t>4/27/2021</a:t>
             </a:fld>
             <a:endParaRPr lang="en-US"/>
           </a:p>
@@ -1318,10 +1309,9 @@
           </a:lstStyle>
           <a:p>
             <a:r>
-              <a:rPr lang="en-US" smtClean="0"/>
+              <a:rPr lang="en-US"/>
               <a:t>Click to edit Master title style</a:t>
             </a:r>
-            <a:endParaRPr lang="en-US"/>
           </a:p>
         </p:txBody>
       </p:sp>
@@ -1438,7 +1428,7 @@
           <a:p>
             <a:pPr lvl="0"/>
             <a:r>
-              <a:rPr lang="en-US" smtClean="0"/>
+              <a:rPr lang="en-US"/>
               <a:t>Click to edit Master text styles</a:t>
             </a:r>
           </a:p>
@@ -1461,7 +1451,7 @@
           <a:p>
             <a:fld id="{E0347FD9-B6B4-4DF9-BB8B-97F46D1C8CB6}" type="datetimeFigureOut">
               <a:rPr lang="en-US" smtClean="0"/>
-              <a:t>4/25/2021</a:t>
+              <a:t>4/27/2021</a:t>
             </a:fld>
             <a:endParaRPr lang="en-US"/>
           </a:p>
@@ -1555,10 +1545,9 @@
           <a:lstStyle/>
           <a:p>
             <a:r>
-              <a:rPr lang="en-US" smtClean="0"/>
+              <a:rPr lang="en-US"/>
               <a:t>Click to edit Master title style</a:t>
             </a:r>
-            <a:endParaRPr lang="en-US"/>
           </a:p>
         </p:txBody>
       </p:sp>
@@ -1584,38 +1573,37 @@
           <a:p>
             <a:pPr lvl="0"/>
             <a:r>
-              <a:rPr lang="en-US" smtClean="0"/>
+              <a:rPr lang="en-US"/>
               <a:t>Click to edit Master text styles</a:t>
             </a:r>
           </a:p>
           <a:p>
             <a:pPr lvl="1"/>
             <a:r>
-              <a:rPr lang="en-US" smtClean="0"/>
+              <a:rPr lang="en-US"/>
               <a:t>Second level</a:t>
             </a:r>
           </a:p>
           <a:p>
             <a:pPr lvl="2"/>
             <a:r>
-              <a:rPr lang="en-US" smtClean="0"/>
+              <a:rPr lang="en-US"/>
               <a:t>Third level</a:t>
             </a:r>
           </a:p>
           <a:p>
             <a:pPr lvl="3"/>
             <a:r>
-              <a:rPr lang="en-US" smtClean="0"/>
+              <a:rPr lang="en-US"/>
               <a:t>Fourth level</a:t>
             </a:r>
           </a:p>
           <a:p>
             <a:pPr lvl="4"/>
             <a:r>
-              <a:rPr lang="en-US" smtClean="0"/>
+              <a:rPr lang="en-US"/>
               <a:t>Fifth level</a:t>
             </a:r>
-            <a:endParaRPr lang="en-US"/>
           </a:p>
         </p:txBody>
       </p:sp>
@@ -1641,38 +1629,37 @@
           <a:p>
             <a:pPr lvl="0"/>
             <a:r>
-              <a:rPr lang="en-US" smtClean="0"/>
+              <a:rPr lang="en-US"/>
               <a:t>Click to edit Master text styles</a:t>
             </a:r>
           </a:p>
           <a:p>
             <a:pPr lvl="1"/>
             <a:r>
-              <a:rPr lang="en-US" smtClean="0"/>
+              <a:rPr lang="en-US"/>
               <a:t>Second level</a:t>
             </a:r>
           </a:p>
           <a:p>
             <a:pPr lvl="2"/>
             <a:r>
-              <a:rPr lang="en-US" smtClean="0"/>
+              <a:rPr lang="en-US"/>
               <a:t>Third level</a:t>
             </a:r>
           </a:p>
           <a:p>
             <a:pPr lvl="3"/>
             <a:r>
-              <a:rPr lang="en-US" smtClean="0"/>
+              <a:rPr lang="en-US"/>
               <a:t>Fourth level</a:t>
             </a:r>
           </a:p>
           <a:p>
             <a:pPr lvl="4"/>
             <a:r>
-              <a:rPr lang="en-US" smtClean="0"/>
+              <a:rPr lang="en-US"/>
               <a:t>Fifth level</a:t>
             </a:r>
-            <a:endParaRPr lang="en-US"/>
           </a:p>
         </p:txBody>
       </p:sp>
@@ -1693,7 +1680,7 @@
           <a:p>
             <a:fld id="{E0347FD9-B6B4-4DF9-BB8B-97F46D1C8CB6}" type="datetimeFigureOut">
               <a:rPr lang="en-US" smtClean="0"/>
-              <a:t>4/25/2021</a:t>
+              <a:t>4/27/2021</a:t>
             </a:fld>
             <a:endParaRPr lang="en-US"/>
           </a:p>
@@ -1792,10 +1779,9 @@
           <a:lstStyle/>
           <a:p>
             <a:r>
-              <a:rPr lang="en-US" smtClean="0"/>
+              <a:rPr lang="en-US"/>
               <a:t>Click to edit Master title style</a:t>
             </a:r>
-            <a:endParaRPr lang="en-US"/>
           </a:p>
         </p:txBody>
       </p:sp>
@@ -1858,7 +1844,7 @@
           <a:p>
             <a:pPr lvl="0"/>
             <a:r>
-              <a:rPr lang="en-US" smtClean="0"/>
+              <a:rPr lang="en-US"/>
               <a:t>Click to edit Master text styles</a:t>
             </a:r>
           </a:p>
@@ -1886,38 +1872,37 @@
           <a:p>
             <a:pPr lvl="0"/>
             <a:r>
-              <a:rPr lang="en-US" smtClean="0"/>
+              <a:rPr lang="en-US"/>
               <a:t>Click to edit Master text styles</a:t>
             </a:r>
           </a:p>
           <a:p>
             <a:pPr lvl="1"/>
             <a:r>
-              <a:rPr lang="en-US" smtClean="0"/>
+              <a:rPr lang="en-US"/>
               <a:t>Second level</a:t>
             </a:r>
           </a:p>
           <a:p>
             <a:pPr lvl="2"/>
             <a:r>
-              <a:rPr lang="en-US" smtClean="0"/>
+              <a:rPr lang="en-US"/>
               <a:t>Third level</a:t>
             </a:r>
           </a:p>
           <a:p>
             <a:pPr lvl="3"/>
             <a:r>
-              <a:rPr lang="en-US" smtClean="0"/>
+              <a:rPr lang="en-US"/>
               <a:t>Fourth level</a:t>
             </a:r>
           </a:p>
           <a:p>
             <a:pPr lvl="4"/>
             <a:r>
-              <a:rPr lang="en-US" smtClean="0"/>
+              <a:rPr lang="en-US"/>
               <a:t>Fifth level</a:t>
             </a:r>
-            <a:endParaRPr lang="en-US"/>
           </a:p>
         </p:txBody>
       </p:sp>
@@ -1980,7 +1965,7 @@
           <a:p>
             <a:pPr lvl="0"/>
             <a:r>
-              <a:rPr lang="en-US" smtClean="0"/>
+              <a:rPr lang="en-US"/>
               <a:t>Click to edit Master text styles</a:t>
             </a:r>
           </a:p>
@@ -2008,38 +1993,37 @@
           <a:p>
             <a:pPr lvl="0"/>
             <a:r>
-              <a:rPr lang="en-US" smtClean="0"/>
+              <a:rPr lang="en-US"/>
               <a:t>Click to edit Master text styles</a:t>
             </a:r>
           </a:p>
           <a:p>
             <a:pPr lvl="1"/>
             <a:r>
-              <a:rPr lang="en-US" smtClean="0"/>
+              <a:rPr lang="en-US"/>
               <a:t>Second level</a:t>
             </a:r>
           </a:p>
           <a:p>
             <a:pPr lvl="2"/>
             <a:r>
-              <a:rPr lang="en-US" smtClean="0"/>
+              <a:rPr lang="en-US"/>
               <a:t>Third level</a:t>
             </a:r>
           </a:p>
           <a:p>
             <a:pPr lvl="3"/>
             <a:r>
-              <a:rPr lang="en-US" smtClean="0"/>
+              <a:rPr lang="en-US"/>
               <a:t>Fourth level</a:t>
             </a:r>
           </a:p>
           <a:p>
             <a:pPr lvl="4"/>
             <a:r>
-              <a:rPr lang="en-US" smtClean="0"/>
+              <a:rPr lang="en-US"/>
               <a:t>Fifth level</a:t>
             </a:r>
-            <a:endParaRPr lang="en-US"/>
           </a:p>
         </p:txBody>
       </p:sp>
@@ -2060,7 +2044,7 @@
           <a:p>
             <a:fld id="{E0347FD9-B6B4-4DF9-BB8B-97F46D1C8CB6}" type="datetimeFigureOut">
               <a:rPr lang="en-US" smtClean="0"/>
-              <a:t>4/25/2021</a:t>
+              <a:t>4/27/2021</a:t>
             </a:fld>
             <a:endParaRPr lang="en-US"/>
           </a:p>
@@ -2154,10 +2138,9 @@
           <a:lstStyle/>
           <a:p>
             <a:r>
-              <a:rPr lang="en-US" smtClean="0"/>
+              <a:rPr lang="en-US"/>
               <a:t>Click to edit Master title style</a:t>
             </a:r>
-            <a:endParaRPr lang="en-US"/>
           </a:p>
         </p:txBody>
       </p:sp>
@@ -2178,7 +2161,7 @@
           <a:p>
             <a:fld id="{E0347FD9-B6B4-4DF9-BB8B-97F46D1C8CB6}" type="datetimeFigureOut">
               <a:rPr lang="en-US" smtClean="0"/>
-              <a:t>4/25/2021</a:t>
+              <a:t>4/27/2021</a:t>
             </a:fld>
             <a:endParaRPr lang="en-US"/>
           </a:p>
@@ -2273,7 +2256,7 @@
           <a:p>
             <a:fld id="{E0347FD9-B6B4-4DF9-BB8B-97F46D1C8CB6}" type="datetimeFigureOut">
               <a:rPr lang="en-US" smtClean="0"/>
-              <a:t>4/25/2021</a:t>
+              <a:t>4/27/2021</a:t>
             </a:fld>
             <a:endParaRPr lang="en-US"/>
           </a:p>
@@ -2376,10 +2359,9 @@
           </a:lstStyle>
           <a:p>
             <a:r>
-              <a:rPr lang="en-US" smtClean="0"/>
+              <a:rPr lang="en-US"/>
               <a:t>Click to edit Master title style</a:t>
             </a:r>
-            <a:endParaRPr lang="en-US"/>
           </a:p>
         </p:txBody>
       </p:sp>
@@ -2433,38 +2415,37 @@
           <a:p>
             <a:pPr lvl="0"/>
             <a:r>
-              <a:rPr lang="en-US" smtClean="0"/>
+              <a:rPr lang="en-US"/>
               <a:t>Click to edit Master text styles</a:t>
             </a:r>
           </a:p>
           <a:p>
             <a:pPr lvl="1"/>
             <a:r>
-              <a:rPr lang="en-US" smtClean="0"/>
+              <a:rPr lang="en-US"/>
               <a:t>Second level</a:t>
             </a:r>
           </a:p>
           <a:p>
             <a:pPr lvl="2"/>
             <a:r>
-              <a:rPr lang="en-US" smtClean="0"/>
+              <a:rPr lang="en-US"/>
               <a:t>Third level</a:t>
             </a:r>
           </a:p>
           <a:p>
             <a:pPr lvl="3"/>
             <a:r>
-              <a:rPr lang="en-US" smtClean="0"/>
+              <a:rPr lang="en-US"/>
               <a:t>Fourth level</a:t>
             </a:r>
           </a:p>
           <a:p>
             <a:pPr lvl="4"/>
             <a:r>
-              <a:rPr lang="en-US" smtClean="0"/>
+              <a:rPr lang="en-US"/>
               <a:t>Fifth level</a:t>
             </a:r>
-            <a:endParaRPr lang="en-US"/>
           </a:p>
         </p:txBody>
       </p:sp>
@@ -2527,7 +2508,7 @@
           <a:p>
             <a:pPr lvl="0"/>
             <a:r>
-              <a:rPr lang="en-US" smtClean="0"/>
+              <a:rPr lang="en-US"/>
               <a:t>Click to edit Master text styles</a:t>
             </a:r>
           </a:p>
@@ -2550,7 +2531,7 @@
           <a:p>
             <a:fld id="{E0347FD9-B6B4-4DF9-BB8B-97F46D1C8CB6}" type="datetimeFigureOut">
               <a:rPr lang="en-US" smtClean="0"/>
-              <a:t>4/25/2021</a:t>
+              <a:t>4/27/2021</a:t>
             </a:fld>
             <a:endParaRPr lang="en-US"/>
           </a:p>
@@ -2653,10 +2634,9 @@
           </a:lstStyle>
           <a:p>
             <a:r>
-              <a:rPr lang="en-US" smtClean="0"/>
+              <a:rPr lang="en-US"/>
               <a:t>Click to edit Master title style</a:t>
             </a:r>
-            <a:endParaRPr lang="en-US"/>
           </a:p>
         </p:txBody>
       </p:sp>
@@ -2780,7 +2760,7 @@
           <a:p>
             <a:pPr lvl="0"/>
             <a:r>
-              <a:rPr lang="en-US" smtClean="0"/>
+              <a:rPr lang="en-US"/>
               <a:t>Click to edit Master text styles</a:t>
             </a:r>
           </a:p>
@@ -2803,7 +2783,7 @@
           <a:p>
             <a:fld id="{E0347FD9-B6B4-4DF9-BB8B-97F46D1C8CB6}" type="datetimeFigureOut">
               <a:rPr lang="en-US" smtClean="0"/>
-              <a:t>4/25/2021</a:t>
+              <a:t>4/27/2021</a:t>
             </a:fld>
             <a:endParaRPr lang="en-US"/>
           </a:p>
@@ -2912,10 +2892,9 @@
           <a:lstStyle/>
           <a:p>
             <a:r>
-              <a:rPr lang="en-US" smtClean="0"/>
+              <a:rPr lang="en-US"/>
               <a:t>Click to edit Master title style</a:t>
             </a:r>
-            <a:endParaRPr lang="en-US"/>
           </a:p>
         </p:txBody>
       </p:sp>
@@ -2946,38 +2925,37 @@
           <a:p>
             <a:pPr lvl="0"/>
             <a:r>
-              <a:rPr lang="en-US" smtClean="0"/>
+              <a:rPr lang="en-US"/>
               <a:t>Click to edit Master text styles</a:t>
             </a:r>
           </a:p>
           <a:p>
             <a:pPr lvl="1"/>
             <a:r>
-              <a:rPr lang="en-US" smtClean="0"/>
+              <a:rPr lang="en-US"/>
               <a:t>Second level</a:t>
             </a:r>
           </a:p>
           <a:p>
             <a:pPr lvl="2"/>
             <a:r>
-              <a:rPr lang="en-US" smtClean="0"/>
+              <a:rPr lang="en-US"/>
               <a:t>Third level</a:t>
             </a:r>
           </a:p>
           <a:p>
             <a:pPr lvl="3"/>
             <a:r>
-              <a:rPr lang="en-US" smtClean="0"/>
+              <a:rPr lang="en-US"/>
               <a:t>Fourth level</a:t>
             </a:r>
           </a:p>
           <a:p>
             <a:pPr lvl="4"/>
             <a:r>
-              <a:rPr lang="en-US" smtClean="0"/>
+              <a:rPr lang="en-US"/>
               <a:t>Fifth level</a:t>
             </a:r>
-            <a:endParaRPr lang="en-US"/>
           </a:p>
         </p:txBody>
       </p:sp>
@@ -3016,7 +2994,7 @@
           <a:p>
             <a:fld id="{E0347FD9-B6B4-4DF9-BB8B-97F46D1C8CB6}" type="datetimeFigureOut">
               <a:rPr lang="en-US" smtClean="0"/>
-              <a:t>4/25/2021</a:t>
+              <a:t>4/27/2021</a:t>
             </a:fld>
             <a:endParaRPr lang="en-US"/>
           </a:p>
@@ -3437,10 +3415,9 @@
           <a:lstStyle/>
           <a:p>
             <a:r>
-              <a:rPr lang="en-US" dirty="0" smtClean="0"/>
+              <a:rPr lang="en-US" dirty="0"/>
               <a:t>Algorithm Assignment</a:t>
             </a:r>
-            <a:endParaRPr lang="en-US" dirty="0"/>
           </a:p>
         </p:txBody>
       </p:sp>
@@ -3460,22 +3437,21 @@
           <a:lstStyle/>
           <a:p>
             <a:r>
-              <a:rPr lang="en-US" dirty="0" smtClean="0"/>
+              <a:rPr lang="en-US" dirty="0"/>
               <a:t>NAME: Lotanna Okeke</a:t>
             </a:r>
           </a:p>
           <a:p>
             <a:r>
-              <a:rPr lang="en-US" dirty="0" smtClean="0"/>
+              <a:rPr lang="en-US" dirty="0"/>
               <a:t>MAT NO.: 20120612038</a:t>
             </a:r>
           </a:p>
           <a:p>
             <a:r>
-              <a:rPr lang="en-US" dirty="0" smtClean="0"/>
+              <a:rPr lang="en-US" dirty="0"/>
               <a:t>COURSE TITLE: CSC 102</a:t>
             </a:r>
-            <a:endParaRPr lang="en-US" dirty="0"/>
           </a:p>
         </p:txBody>
       </p:sp>
@@ -3576,10 +3552,9 @@
           <a:p>
             <a:pPr algn="ctr"/>
             <a:r>
-              <a:rPr lang="en-US" dirty="0" smtClean="0"/>
+              <a:rPr lang="en-US" dirty="0"/>
               <a:t>START</a:t>
             </a:r>
-            <a:endParaRPr lang="en-US" dirty="0"/>
           </a:p>
         </p:txBody>
       </p:sp>
@@ -3656,24 +3631,23 @@
           <a:p>
             <a:pPr algn="ctr"/>
             <a:r>
-              <a:rPr lang="en-US" dirty="0" smtClean="0"/>
+              <a:rPr lang="en-US" dirty="0"/>
               <a:t>D=A-B</a:t>
             </a:r>
           </a:p>
           <a:p>
             <a:pPr algn="ctr"/>
             <a:r>
-              <a:rPr lang="en-US" dirty="0" smtClean="0"/>
+              <a:rPr lang="en-US" dirty="0"/>
               <a:t>E=A-C</a:t>
             </a:r>
           </a:p>
           <a:p>
             <a:pPr algn="ctr"/>
             <a:r>
-              <a:rPr lang="en-US" dirty="0" smtClean="0"/>
+              <a:rPr lang="en-US" dirty="0"/>
               <a:t>F=B-C</a:t>
             </a:r>
-            <a:endParaRPr lang="en-US" dirty="0"/>
           </a:p>
         </p:txBody>
       </p:sp>
@@ -3749,10 +3723,9 @@
           <a:p>
             <a:pPr algn="ctr"/>
             <a:r>
-              <a:rPr lang="en-US" dirty="0" smtClean="0"/>
+              <a:rPr lang="en-US" dirty="0"/>
               <a:t>IS D&gt;=0 AND E&gt;=0</a:t>
             </a:r>
-            <a:endParaRPr lang="en-US" dirty="0"/>
           </a:p>
         </p:txBody>
       </p:sp>
@@ -3863,10 +3836,9 @@
           <a:p>
             <a:pPr algn="ctr"/>
             <a:r>
-              <a:rPr lang="en-US" dirty="0" smtClean="0"/>
+              <a:rPr lang="en-US" dirty="0"/>
               <a:t>IS D&lt;=0 AND F&gt;=0</a:t>
             </a:r>
-            <a:endParaRPr lang="en-US" dirty="0"/>
           </a:p>
         </p:txBody>
       </p:sp>
@@ -3975,10 +3947,9 @@
           <a:p>
             <a:pPr algn="ctr"/>
             <a:r>
-              <a:rPr lang="en-US" dirty="0" smtClean="0"/>
+              <a:rPr lang="en-US" dirty="0"/>
               <a:t>PRINT C</a:t>
             </a:r>
-            <a:endParaRPr lang="en-US" dirty="0"/>
           </a:p>
         </p:txBody>
       </p:sp>
@@ -4089,10 +4060,9 @@
           <a:p>
             <a:pPr algn="ctr"/>
             <a:r>
-              <a:rPr lang="en-US" dirty="0" smtClean="0"/>
+              <a:rPr lang="en-US" dirty="0"/>
               <a:t>PRINT B</a:t>
             </a:r>
-            <a:endParaRPr lang="en-US" dirty="0"/>
           </a:p>
         </p:txBody>
       </p:sp>
@@ -4203,10 +4173,9 @@
           <a:p>
             <a:pPr algn="ctr"/>
             <a:r>
-              <a:rPr lang="en-US" dirty="0" smtClean="0"/>
+              <a:rPr lang="en-US" dirty="0"/>
               <a:t>PRINT A</a:t>
             </a:r>
-            <a:endParaRPr lang="en-US" dirty="0"/>
           </a:p>
         </p:txBody>
       </p:sp>
@@ -4247,10 +4216,9 @@
           <a:p>
             <a:pPr algn="ctr"/>
             <a:r>
-              <a:rPr lang="en-US" dirty="0" smtClean="0"/>
+              <a:rPr lang="en-US" dirty="0"/>
               <a:t>END</a:t>
             </a:r>
-            <a:endParaRPr lang="en-US" dirty="0"/>
           </a:p>
         </p:txBody>
       </p:sp>
@@ -4452,18 +4420,13 @@
           <a:lstStyle/>
           <a:p>
             <a:r>
-              <a:rPr lang="en-US" dirty="0" smtClean="0">
+              <a:rPr lang="en-US" dirty="0">
                 <a:solidFill>
                   <a:schemeClr val="bg1"/>
                 </a:solidFill>
               </a:rPr>
               <a:t>FALSE</a:t>
             </a:r>
-            <a:endParaRPr lang="en-US" dirty="0">
-              <a:solidFill>
-                <a:schemeClr val="bg1"/>
-              </a:solidFill>
-            </a:endParaRPr>
           </a:p>
         </p:txBody>
       </p:sp>
@@ -4490,18 +4453,13 @@
           <a:lstStyle/>
           <a:p>
             <a:r>
-              <a:rPr lang="en-US" dirty="0" smtClean="0">
+              <a:rPr lang="en-US" dirty="0">
                 <a:solidFill>
                   <a:schemeClr val="bg1"/>
                 </a:solidFill>
               </a:rPr>
               <a:t>TRUE</a:t>
             </a:r>
-            <a:endParaRPr lang="en-US" dirty="0">
-              <a:solidFill>
-                <a:schemeClr val="bg1"/>
-              </a:solidFill>
-            </a:endParaRPr>
           </a:p>
         </p:txBody>
       </p:sp>
@@ -4562,18 +4520,13 @@
           <a:lstStyle/>
           <a:p>
             <a:r>
-              <a:rPr lang="en-US" dirty="0" smtClean="0">
+              <a:rPr lang="en-US" dirty="0">
                 <a:solidFill>
                   <a:schemeClr val="bg1"/>
                 </a:solidFill>
               </a:rPr>
               <a:t>FALSE</a:t>
             </a:r>
-            <a:endParaRPr lang="en-US" dirty="0">
-              <a:solidFill>
-                <a:schemeClr val="bg1"/>
-              </a:solidFill>
-            </a:endParaRPr>
           </a:p>
         </p:txBody>
       </p:sp>
@@ -4648,10 +4601,9 @@
           <a:p>
             <a:pPr algn="ctr"/>
             <a:r>
-              <a:rPr lang="en-US" dirty="0" smtClean="0"/>
+              <a:rPr lang="en-US" dirty="0"/>
               <a:t>INPUT A,B,C</a:t>
             </a:r>
-            <a:endParaRPr lang="en-US" dirty="0"/>
           </a:p>
         </p:txBody>
       </p:sp>
@@ -4741,10 +4693,9 @@
           <a:lstStyle/>
           <a:p>
             <a:r>
-              <a:rPr lang="en-US" dirty="0" smtClean="0"/>
+              <a:rPr lang="en-US" dirty="0"/>
               <a:t>Algorithm to find the:</a:t>
             </a:r>
-            <a:endParaRPr lang="en-US" dirty="0"/>
           </a:p>
         </p:txBody>
       </p:sp>
@@ -4774,10 +4725,9 @@
               <a:buAutoNum type="arabicPeriod"/>
             </a:pPr>
             <a:r>
-              <a:rPr lang="en-US" dirty="0" smtClean="0"/>
+              <a:rPr lang="en-US" dirty="0"/>
               <a:t>Find the GCD and LCM of two numbers</a:t>
             </a:r>
-            <a:endParaRPr lang="en-US" dirty="0" smtClean="0"/>
           </a:p>
         </p:txBody>
       </p:sp>
@@ -4844,98 +4794,81 @@
           <a:lstStyle/>
           <a:p>
             <a:r>
-              <a:rPr lang="en-US" dirty="0" smtClean="0"/>
+              <a:rPr lang="en-US" dirty="0"/>
               <a:t>INPUT A</a:t>
             </a:r>
           </a:p>
           <a:p>
             <a:r>
-              <a:rPr lang="en-US" dirty="0" smtClean="0"/>
+              <a:rPr lang="en-US" dirty="0"/>
               <a:t>INPUT B</a:t>
             </a:r>
           </a:p>
           <a:p>
             <a:r>
-              <a:rPr lang="en-US" dirty="0" smtClean="0"/>
+              <a:rPr lang="en-US" dirty="0"/>
               <a:t>IF A=0 OR B=0 THEN</a:t>
             </a:r>
           </a:p>
           <a:p>
             <a:r>
-              <a:rPr lang="en-US" dirty="0" smtClean="0"/>
+              <a:rPr lang="en-US" dirty="0"/>
               <a:t>	PRINT 0 ISNT A NATURAL NUMBER</a:t>
             </a:r>
           </a:p>
           <a:p>
             <a:r>
-              <a:rPr lang="en-US" dirty="0" smtClean="0"/>
+              <a:rPr lang="en-US" dirty="0"/>
               <a:t>ELSE</a:t>
             </a:r>
           </a:p>
           <a:p>
             <a:r>
-              <a:rPr lang="en-US" dirty="0" smtClean="0"/>
+              <a:rPr lang="en-US" dirty="0"/>
               <a:t>	COMPUTE R1 = RANGE(1,A+1)</a:t>
             </a:r>
           </a:p>
           <a:p>
             <a:r>
-              <a:rPr lang="en-US" dirty="0" smtClean="0"/>
+              <a:rPr lang="en-US" dirty="0"/>
               <a:t>	COMPUTE R2 = RANGE(1,B+1)</a:t>
             </a:r>
           </a:p>
           <a:p>
             <a:r>
               <a:rPr lang="en-US" dirty="0"/>
-              <a:t>	</a:t>
-            </a:r>
-            <a:r>
-              <a:rPr lang="en-US" dirty="0" smtClean="0"/>
-              <a:t>IF C IS IN R1 AND R2 THEN</a:t>
+              <a:t>	IF C IS IN R1 AND R2 THEN</a:t>
             </a:r>
           </a:p>
           <a:p>
             <a:r>
               <a:rPr lang="en-US" dirty="0"/>
-              <a:t>	</a:t>
-            </a:r>
-            <a:r>
-              <a:rPr lang="en-US" dirty="0" smtClean="0"/>
-              <a:t>	IF A%C=0 AND B%C=0 THEN</a:t>
-            </a:r>
-          </a:p>
-          <a:p>
-            <a:r>
-              <a:rPr lang="en-US" dirty="0" smtClean="0"/>
+              <a:t>		IF A%C=0 AND B%C=0 THEN</a:t>
+            </a:r>
+          </a:p>
+          <a:p>
+            <a:r>
+              <a:rPr lang="en-US" dirty="0"/>
               <a:t>			GCD=C</a:t>
             </a:r>
           </a:p>
           <a:p>
             <a:r>
-              <a:rPr lang="en-US" dirty="0" smtClean="0"/>
+              <a:rPr lang="en-US" dirty="0"/>
               <a:t>	COMPUTE LCM = (A*B)/GCD</a:t>
             </a:r>
           </a:p>
           <a:p>
             <a:r>
               <a:rPr lang="en-US" dirty="0"/>
-              <a:t>	</a:t>
-            </a:r>
-            <a:r>
-              <a:rPr lang="en-US" dirty="0" smtClean="0"/>
-              <a:t>PRINT GCD AND LCM</a:t>
+              <a:t>	PRINT GCD AND LCM</a:t>
             </a:r>
           </a:p>
           <a:p>
             <a:r>
               <a:rPr lang="en-US" dirty="0"/>
-              <a:t>	</a:t>
-            </a:r>
-            <a:r>
-              <a:rPr lang="en-US" dirty="0" smtClean="0"/>
-              <a:t>	</a:t>
-            </a:r>
-            <a:endParaRPr lang="en-US" dirty="0"/>
+              <a:t>		</a:t>
+            </a:r>
           </a:p>
         </p:txBody>
       </p:sp>
@@ -5032,10 +4965,9 @@
           <a:p>
             <a:pPr algn="ctr"/>
             <a:r>
-              <a:rPr lang="en-US" dirty="0" smtClean="0"/>
+              <a:rPr lang="en-US" dirty="0"/>
               <a:t>START</a:t>
             </a:r>
-            <a:endParaRPr lang="en-US" dirty="0"/>
           </a:p>
         </p:txBody>
       </p:sp>
@@ -5112,10 +5044,9 @@
           <a:p>
             <a:pPr algn="ctr"/>
             <a:r>
-              <a:rPr lang="en-US" dirty="0" smtClean="0"/>
+              <a:rPr lang="en-US" dirty="0"/>
               <a:t>INPUT A,B</a:t>
             </a:r>
-            <a:endParaRPr lang="en-US" dirty="0"/>
           </a:p>
         </p:txBody>
       </p:sp>
@@ -5222,10 +5153,9 @@
           <a:p>
             <a:pPr algn="ctr"/>
             <a:r>
-              <a:rPr lang="en-US" dirty="0" smtClean="0"/>
+              <a:rPr lang="en-US" dirty="0"/>
               <a:t>PRINT ZERO ISN’T A NATURAL NUMBER</a:t>
             </a:r>
-            <a:endParaRPr lang="en-US" dirty="0"/>
           </a:p>
         </p:txBody>
       </p:sp>
@@ -5301,10 +5231,9 @@
           <a:p>
             <a:pPr algn="ctr"/>
             <a:r>
-              <a:rPr lang="en-US" dirty="0" smtClean="0"/>
+              <a:rPr lang="en-US" dirty="0"/>
               <a:t>R1=RANGE(1,A+1)</a:t>
             </a:r>
-            <a:endParaRPr lang="en-US" dirty="0"/>
           </a:p>
         </p:txBody>
       </p:sp>
@@ -5378,10 +5307,9 @@
           <a:p>
             <a:pPr algn="ctr"/>
             <a:r>
-              <a:rPr lang="en-US" dirty="0" smtClean="0"/>
+              <a:rPr lang="en-US" dirty="0"/>
               <a:t>PRINT GCD AND LCM</a:t>
             </a:r>
-            <a:endParaRPr lang="en-US" dirty="0"/>
           </a:p>
         </p:txBody>
       </p:sp>
@@ -5422,10 +5350,9 @@
           <a:p>
             <a:pPr algn="ctr"/>
             <a:r>
-              <a:rPr lang="en-US" dirty="0" smtClean="0"/>
+              <a:rPr lang="en-US" dirty="0"/>
               <a:t>EXIT FROM LOOP</a:t>
             </a:r>
-            <a:endParaRPr lang="en-US" dirty="0"/>
           </a:p>
         </p:txBody>
       </p:sp>
@@ -5501,10 +5428,9 @@
           <a:p>
             <a:pPr algn="ctr"/>
             <a:r>
-              <a:rPr lang="en-US" dirty="0" smtClean="0"/>
+              <a:rPr lang="en-US" dirty="0"/>
               <a:t>END</a:t>
             </a:r>
-            <a:endParaRPr lang="en-US" dirty="0"/>
           </a:p>
         </p:txBody>
       </p:sp>
@@ -5581,10 +5507,9 @@
           <a:p>
             <a:pPr algn="ctr"/>
             <a:r>
-              <a:rPr lang="en-US" dirty="0" smtClean="0"/>
+              <a:rPr lang="en-US" dirty="0"/>
               <a:t>IS A=0 OR B=0</a:t>
             </a:r>
-            <a:endParaRPr lang="en-US" dirty="0"/>
           </a:p>
         </p:txBody>
       </p:sp>
@@ -5647,10 +5572,9 @@
           <a:lstStyle/>
           <a:p>
             <a:r>
-              <a:rPr lang="en-US" dirty="0" smtClean="0"/>
+              <a:rPr lang="en-US" dirty="0"/>
               <a:t>FALSE</a:t>
             </a:r>
-            <a:endParaRPr lang="en-US" dirty="0"/>
           </a:p>
         </p:txBody>
       </p:sp>
@@ -5677,10 +5601,9 @@
           <a:lstStyle/>
           <a:p>
             <a:r>
-              <a:rPr lang="en-US" dirty="0" smtClean="0"/>
+              <a:rPr lang="en-US" dirty="0"/>
               <a:t>TRUE</a:t>
             </a:r>
-            <a:endParaRPr lang="en-US" dirty="0"/>
           </a:p>
         </p:txBody>
       </p:sp>
@@ -5756,10 +5679,9 @@
           <a:p>
             <a:pPr algn="ctr"/>
             <a:r>
-              <a:rPr lang="en-US" dirty="0" smtClean="0"/>
+              <a:rPr lang="en-US" dirty="0"/>
               <a:t>R2=RANGE(1,B+1)</a:t>
             </a:r>
-            <a:endParaRPr lang="en-US" dirty="0"/>
           </a:p>
         </p:txBody>
       </p:sp>
@@ -5800,10 +5722,9 @@
           <a:p>
             <a:pPr algn="ctr"/>
             <a:r>
-              <a:rPr lang="en-US" dirty="0" smtClean="0"/>
+              <a:rPr lang="en-US" dirty="0"/>
               <a:t>IS C IN RI AND R2</a:t>
             </a:r>
-            <a:endParaRPr lang="en-US" dirty="0"/>
           </a:p>
         </p:txBody>
       </p:sp>
@@ -5947,10 +5868,9 @@
           <a:p>
             <a:pPr algn="ctr"/>
             <a:r>
-              <a:rPr lang="en-US" dirty="0" smtClean="0"/>
+              <a:rPr lang="en-US" dirty="0"/>
               <a:t>IS A%C=0 AND B%C=0 </a:t>
             </a:r>
-            <a:endParaRPr lang="en-US" dirty="0"/>
           </a:p>
         </p:txBody>
       </p:sp>
@@ -6096,10 +6016,9 @@
           <a:p>
             <a:pPr algn="ctr"/>
             <a:r>
-              <a:rPr lang="en-US" dirty="0" smtClean="0"/>
+              <a:rPr lang="en-US" dirty="0"/>
               <a:t>GCD = C</a:t>
             </a:r>
-            <a:endParaRPr lang="en-US" dirty="0"/>
           </a:p>
         </p:txBody>
       </p:sp>
@@ -6227,10 +6146,9 @@
           <a:lstStyle/>
           <a:p>
             <a:r>
-              <a:rPr lang="en-US" dirty="0" smtClean="0"/>
+              <a:rPr lang="en-US" dirty="0"/>
               <a:t>FALSE</a:t>
             </a:r>
-            <a:endParaRPr lang="en-US" dirty="0"/>
           </a:p>
         </p:txBody>
       </p:sp>
@@ -6257,10 +6175,9 @@
           <a:lstStyle/>
           <a:p>
             <a:r>
-              <a:rPr lang="en-US" dirty="0" smtClean="0"/>
+              <a:rPr lang="en-US" dirty="0"/>
               <a:t>TRUE</a:t>
             </a:r>
-            <a:endParaRPr lang="en-US" dirty="0"/>
           </a:p>
         </p:txBody>
       </p:sp>
@@ -6287,10 +6204,9 @@
           <a:lstStyle/>
           <a:p>
             <a:r>
-              <a:rPr lang="en-US" dirty="0" smtClean="0"/>
+              <a:rPr lang="en-US" dirty="0"/>
               <a:t>TRUE</a:t>
             </a:r>
-            <a:endParaRPr lang="en-US" dirty="0"/>
           </a:p>
         </p:txBody>
       </p:sp>
@@ -6352,10 +6268,9 @@
           <a:lstStyle/>
           <a:p>
             <a:r>
-              <a:rPr lang="en-US" dirty="0" smtClean="0"/>
+              <a:rPr lang="en-US" dirty="0"/>
               <a:t>FALSE</a:t>
             </a:r>
-            <a:endParaRPr lang="en-US" dirty="0"/>
           </a:p>
         </p:txBody>
       </p:sp>
@@ -6432,10 +6347,9 @@
           <a:p>
             <a:pPr algn="ctr"/>
             <a:r>
-              <a:rPr lang="en-US" dirty="0" smtClean="0"/>
+              <a:rPr lang="en-US" dirty="0"/>
               <a:t>LCM = (A*B)/GCD</a:t>
             </a:r>
-            <a:endParaRPr lang="en-US" dirty="0"/>
           </a:p>
         </p:txBody>
       </p:sp>
@@ -6526,10 +6440,9 @@
           <a:lstStyle/>
           <a:p>
             <a:r>
-              <a:rPr lang="en-US" dirty="0" smtClean="0"/>
+              <a:rPr lang="en-US" dirty="0"/>
               <a:t>Algorithm to find the:</a:t>
             </a:r>
-            <a:endParaRPr lang="en-US" dirty="0"/>
           </a:p>
         </p:txBody>
       </p:sp>
@@ -6559,10 +6472,9 @@
               <a:buAutoNum type="arabicPeriod"/>
             </a:pPr>
             <a:r>
-              <a:rPr lang="en-US" dirty="0" smtClean="0"/>
+              <a:rPr lang="en-US" dirty="0"/>
               <a:t>Find the factorial of number n(n! = 1 x 2 x 3 x … x n)</a:t>
             </a:r>
-            <a:endParaRPr lang="en-US" dirty="0" smtClean="0"/>
           </a:p>
         </p:txBody>
       </p:sp>
@@ -6629,74 +6541,57 @@
           <a:lstStyle/>
           <a:p>
             <a:r>
-              <a:rPr lang="en-US" dirty="0" smtClean="0"/>
+              <a:rPr lang="en-US" dirty="0"/>
               <a:t>INPUT N</a:t>
             </a:r>
           </a:p>
           <a:p>
             <a:r>
-              <a:rPr lang="en-US" dirty="0" smtClean="0"/>
+              <a:rPr lang="en-US" dirty="0"/>
               <a:t>COMPUTE D = 1</a:t>
             </a:r>
           </a:p>
           <a:p>
             <a:r>
-              <a:rPr lang="en-US" dirty="0" smtClean="0"/>
+              <a:rPr lang="en-US" dirty="0"/>
               <a:t>COMPUTE R1 = RANGE(1, N+1)</a:t>
             </a:r>
           </a:p>
           <a:p>
             <a:r>
-              <a:rPr lang="en-US" dirty="0" smtClean="0"/>
+              <a:rPr lang="en-US" dirty="0"/>
               <a:t>IF A&lt;0 THEN</a:t>
             </a:r>
           </a:p>
           <a:p>
             <a:r>
               <a:rPr lang="en-US" dirty="0"/>
-              <a:t>	</a:t>
-            </a:r>
-            <a:r>
-              <a:rPr lang="en-US" dirty="0" smtClean="0"/>
-              <a:t>PRINT RE-ENTER A WHOLE NUMBER</a:t>
-            </a:r>
-          </a:p>
-          <a:p>
-            <a:r>
-              <a:rPr lang="en-US" dirty="0" smtClean="0"/>
+              <a:t>	PRINT RE-ENTER A WHOLE NUMBER</a:t>
+            </a:r>
+          </a:p>
+          <a:p>
+            <a:r>
+              <a:rPr lang="en-US" dirty="0"/>
               <a:t>ELSE </a:t>
             </a:r>
           </a:p>
           <a:p>
             <a:r>
               <a:rPr lang="en-US" dirty="0"/>
-              <a:t>	</a:t>
-            </a:r>
-            <a:r>
-              <a:rPr lang="en-US" dirty="0" smtClean="0"/>
-              <a:t>IF B IS IN R1 THEN</a:t>
+              <a:t>	IF B IS IN R1 THEN</a:t>
             </a:r>
           </a:p>
           <a:p>
             <a:r>
               <a:rPr lang="en-US" dirty="0"/>
-              <a:t>	</a:t>
-            </a:r>
-            <a:r>
-              <a:rPr lang="en-US" dirty="0" smtClean="0"/>
-              <a:t>	D = D*B</a:t>
+              <a:t>		D = D*B</a:t>
             </a:r>
           </a:p>
           <a:p>
             <a:r>
               <a:rPr lang="en-US" dirty="0"/>
-              <a:t>	</a:t>
-            </a:r>
-            <a:r>
-              <a:rPr lang="en-US" dirty="0" smtClean="0"/>
-              <a:t>PRINT D</a:t>
-            </a:r>
-            <a:endParaRPr lang="en-US" dirty="0"/>
+              <a:t>	PRINT D</a:t>
+            </a:r>
           </a:p>
         </p:txBody>
       </p:sp>
@@ -6794,10 +6689,9 @@
           <a:p>
             <a:pPr algn="ctr"/>
             <a:r>
-              <a:rPr lang="en-US" dirty="0" smtClean="0"/>
+              <a:rPr lang="en-US" dirty="0"/>
               <a:t>START</a:t>
             </a:r>
-            <a:endParaRPr lang="en-US" dirty="0"/>
           </a:p>
         </p:txBody>
       </p:sp>
@@ -6873,10 +6767,9 @@
           <a:p>
             <a:pPr algn="ctr"/>
             <a:r>
-              <a:rPr lang="en-US" dirty="0" smtClean="0"/>
+              <a:rPr lang="en-US" dirty="0"/>
               <a:t>INPUT A</a:t>
             </a:r>
-            <a:endParaRPr lang="en-US" dirty="0"/>
           </a:p>
         </p:txBody>
       </p:sp>
@@ -6952,10 +6845,9 @@
           <a:p>
             <a:pPr algn="ctr"/>
             <a:r>
-              <a:rPr lang="en-US" dirty="0" smtClean="0"/>
+              <a:rPr lang="en-US" dirty="0"/>
               <a:t>RI=RANGE(1, A+1)</a:t>
             </a:r>
-            <a:endParaRPr lang="en-US" dirty="0"/>
           </a:p>
         </p:txBody>
       </p:sp>
@@ -7031,10 +6923,9 @@
           <a:p>
             <a:pPr algn="ctr"/>
             <a:r>
-              <a:rPr lang="en-US" dirty="0" smtClean="0"/>
+              <a:rPr lang="en-US" dirty="0"/>
               <a:t>IS A&lt;0</a:t>
             </a:r>
-            <a:endParaRPr lang="en-US" dirty="0"/>
           </a:p>
         </p:txBody>
       </p:sp>
@@ -7143,10 +7034,9 @@
           <a:p>
             <a:pPr algn="ctr"/>
             <a:r>
-              <a:rPr lang="en-US" dirty="0" smtClean="0"/>
+              <a:rPr lang="en-US" dirty="0"/>
               <a:t>IS B IN R1</a:t>
             </a:r>
-            <a:endParaRPr lang="en-US" dirty="0"/>
           </a:p>
         </p:txBody>
       </p:sp>
@@ -7222,10 +7112,9 @@
           <a:p>
             <a:pPr algn="ctr"/>
             <a:r>
-              <a:rPr lang="en-US" dirty="0" smtClean="0"/>
+              <a:rPr lang="en-US" dirty="0"/>
               <a:t>D = D*B</a:t>
             </a:r>
-            <a:endParaRPr lang="en-US" dirty="0"/>
           </a:p>
         </p:txBody>
       </p:sp>
@@ -7400,7 +7289,7 @@
           <a:p>
             <a:pPr algn="ctr"/>
             <a:r>
-              <a:rPr lang="en-US" b="1" spc="50" dirty="0" smtClean="0">
+              <a:rPr lang="en-US" b="1" spc="50" dirty="0">
                 <a:ln w="0"/>
                 <a:solidFill>
                   <a:schemeClr val="bg2"/>
@@ -7491,10 +7380,9 @@
           <a:p>
             <a:pPr algn="ctr"/>
             <a:r>
-              <a:rPr lang="en-US" dirty="0" smtClean="0"/>
+              <a:rPr lang="en-US" dirty="0"/>
               <a:t>PRINT D</a:t>
             </a:r>
-            <a:endParaRPr lang="en-US" dirty="0"/>
           </a:p>
         </p:txBody>
       </p:sp>
@@ -7535,10 +7423,9 @@
           <a:p>
             <a:pPr algn="ctr"/>
             <a:r>
-              <a:rPr lang="en-US" dirty="0" smtClean="0"/>
+              <a:rPr lang="en-US" dirty="0"/>
               <a:t>END</a:t>
             </a:r>
-            <a:endParaRPr lang="en-US" dirty="0"/>
           </a:p>
         </p:txBody>
       </p:sp>
@@ -7651,10 +7538,9 @@
           <a:p>
             <a:pPr algn="ctr"/>
             <a:r>
-              <a:rPr lang="en-US" dirty="0" smtClean="0"/>
+              <a:rPr lang="en-US" dirty="0"/>
               <a:t>PRINT RE-ENTER A WHOLE NUMBER</a:t>
             </a:r>
-            <a:endParaRPr lang="en-US" dirty="0"/>
           </a:p>
         </p:txBody>
       </p:sp>
@@ -7717,10 +7603,9 @@
           <a:lstStyle/>
           <a:p>
             <a:r>
-              <a:rPr lang="en-US" dirty="0" smtClean="0"/>
+              <a:rPr lang="en-US" dirty="0"/>
               <a:t>TRUE</a:t>
             </a:r>
-            <a:endParaRPr lang="en-US" dirty="0"/>
           </a:p>
         </p:txBody>
       </p:sp>
@@ -7747,10 +7632,9 @@
           <a:lstStyle/>
           <a:p>
             <a:r>
-              <a:rPr lang="en-US" dirty="0" smtClean="0"/>
+              <a:rPr lang="en-US" dirty="0"/>
               <a:t>FALSE</a:t>
             </a:r>
-            <a:endParaRPr lang="en-US" dirty="0"/>
           </a:p>
         </p:txBody>
       </p:sp>
@@ -7777,10 +7661,9 @@
           <a:lstStyle/>
           <a:p>
             <a:r>
-              <a:rPr lang="en-US" dirty="0" smtClean="0"/>
+              <a:rPr lang="en-US" dirty="0"/>
               <a:t>FALSE</a:t>
             </a:r>
-            <a:endParaRPr lang="en-US" dirty="0"/>
           </a:p>
         </p:txBody>
       </p:sp>
@@ -7807,10 +7690,9 @@
           <a:lstStyle/>
           <a:p>
             <a:r>
-              <a:rPr lang="en-US" dirty="0" smtClean="0"/>
+              <a:rPr lang="en-US" dirty="0"/>
               <a:t>TRUE</a:t>
             </a:r>
-            <a:endParaRPr lang="en-US" dirty="0"/>
           </a:p>
         </p:txBody>
       </p:sp>
@@ -7865,10 +7747,9 @@
           <a:lstStyle/>
           <a:p>
             <a:r>
-              <a:rPr lang="en-US" dirty="0" smtClean="0"/>
+              <a:rPr lang="en-US" dirty="0"/>
               <a:t>Algorithm to find the:</a:t>
             </a:r>
-            <a:endParaRPr lang="en-US" dirty="0"/>
           </a:p>
         </p:txBody>
       </p:sp>
@@ -7900,7 +7781,7 @@
                   <a:buAutoNum type="arabicPeriod"/>
                 </a:pPr>
                 <a:r>
-                  <a:rPr lang="en-US" dirty="0" smtClean="0"/>
+                  <a:rPr lang="en-US" dirty="0"/>
                   <a:t>Root of a quadratic equation: A</a:t>
                 </a:r>
                 <a14:m>
@@ -7962,7 +7843,7 @@
                     </m:r>
                   </m:oMath>
                 </a14:m>
-                <a:endParaRPr lang="en-US" dirty="0" smtClean="0"/>
+                <a:endParaRPr lang="en-US" dirty="0"/>
               </a:p>
             </p:txBody>
           </p:sp>
@@ -8072,68 +7953,63 @@
           <a:lstStyle/>
           <a:p>
             <a:r>
-              <a:rPr lang="en-US" dirty="0" smtClean="0"/>
+              <a:rPr lang="en-US" dirty="0"/>
               <a:t>INPUT A</a:t>
             </a:r>
           </a:p>
           <a:p>
             <a:r>
-              <a:rPr lang="en-US" dirty="0" smtClean="0"/>
+              <a:rPr lang="en-US" dirty="0"/>
               <a:t>INPUT B</a:t>
             </a:r>
           </a:p>
           <a:p>
             <a:r>
-              <a:rPr lang="en-US" dirty="0" smtClean="0"/>
+              <a:rPr lang="en-US" dirty="0"/>
               <a:t>INPUT C</a:t>
             </a:r>
           </a:p>
           <a:p>
             <a:r>
-              <a:rPr lang="en-US" dirty="0" smtClean="0"/>
+              <a:rPr lang="en-US" dirty="0"/>
               <a:t>COMPUTE D = B^2-4AC</a:t>
             </a:r>
           </a:p>
           <a:p>
             <a:r>
-              <a:rPr lang="en-US" dirty="0" smtClean="0"/>
+              <a:rPr lang="en-US" dirty="0"/>
               <a:t>COMPUTE X1 = (-B+(D)^0.5)/2A</a:t>
             </a:r>
           </a:p>
           <a:p>
             <a:r>
-              <a:rPr lang="en-US" dirty="0" smtClean="0"/>
+              <a:rPr lang="en-US" dirty="0"/>
               <a:t>COMPUTE X2 = (-B-(D)^0.5)/2A</a:t>
             </a:r>
           </a:p>
           <a:p>
             <a:r>
-              <a:rPr lang="en-US" dirty="0" smtClean="0"/>
+              <a:rPr lang="en-US" dirty="0"/>
               <a:t>IF D=0 THEN</a:t>
             </a:r>
           </a:p>
           <a:p>
             <a:r>
-              <a:rPr lang="en-US" dirty="0" smtClean="0"/>
+              <a:rPr lang="en-US" dirty="0"/>
               <a:t>    PRINT X1</a:t>
             </a:r>
           </a:p>
           <a:p>
             <a:r>
-              <a:rPr lang="en-US" dirty="0" smtClean="0"/>
+              <a:rPr lang="en-US" dirty="0"/>
               <a:t>ELSE</a:t>
             </a:r>
           </a:p>
           <a:p>
             <a:r>
-              <a:rPr lang="en-US" dirty="0" smtClean="0"/>
-              <a:t>    PRINT X1 AND </a:t>
-            </a:r>
-            <a:r>
-              <a:rPr lang="en-US" dirty="0" smtClean="0"/>
-              <a:t>X2</a:t>
-            </a:r>
-            <a:endParaRPr lang="en-US" dirty="0" smtClean="0"/>
+              <a:rPr lang="en-US" dirty="0"/>
+              <a:t>    PRINT X1 AND X2</a:t>
+            </a:r>
           </a:p>
         </p:txBody>
       </p:sp>
@@ -8237,10 +8113,9 @@
           <a:p>
             <a:pPr algn="ctr"/>
             <a:r>
-              <a:rPr lang="en-US" dirty="0" smtClean="0"/>
+              <a:rPr lang="en-US" dirty="0"/>
               <a:t>START</a:t>
             </a:r>
-            <a:endParaRPr lang="en-US" dirty="0"/>
           </a:p>
         </p:txBody>
       </p:sp>
@@ -8316,10 +8191,9 @@
           <a:p>
             <a:pPr algn="ctr"/>
             <a:r>
-              <a:rPr lang="en-US" dirty="0" smtClean="0"/>
+              <a:rPr lang="en-US" dirty="0"/>
               <a:t>INPUT A,B,C</a:t>
             </a:r>
-            <a:endParaRPr lang="en-US" dirty="0"/>
           </a:p>
         </p:txBody>
       </p:sp>
@@ -8395,10 +8269,9 @@
           <a:p>
             <a:pPr algn="ctr"/>
             <a:r>
-              <a:rPr lang="en-US" dirty="0" smtClean="0"/>
+              <a:rPr lang="en-US" dirty="0"/>
               <a:t>D = B^2-4*A*c</a:t>
             </a:r>
-            <a:endParaRPr lang="en-US" dirty="0"/>
           </a:p>
         </p:txBody>
       </p:sp>
@@ -8474,10 +8347,9 @@
           <a:p>
             <a:pPr algn="ctr"/>
             <a:r>
-              <a:rPr lang="en-US" dirty="0" smtClean="0"/>
+              <a:rPr lang="en-US" dirty="0"/>
               <a:t>X1 = -B +(D^0.5)</a:t>
             </a:r>
-            <a:endParaRPr lang="en-US" dirty="0"/>
           </a:p>
         </p:txBody>
       </p:sp>
@@ -8553,10 +8425,9 @@
           <a:p>
             <a:pPr algn="ctr"/>
             <a:r>
-              <a:rPr lang="en-US" dirty="0" smtClean="0"/>
+              <a:rPr lang="en-US" dirty="0"/>
               <a:t>X2 = -B-(D^0.5)</a:t>
             </a:r>
-            <a:endParaRPr lang="en-US" dirty="0"/>
           </a:p>
         </p:txBody>
       </p:sp>
@@ -8632,10 +8503,9 @@
           <a:p>
             <a:pPr algn="ctr"/>
             <a:r>
-              <a:rPr lang="en-US" dirty="0" smtClean="0"/>
+              <a:rPr lang="en-US" dirty="0"/>
               <a:t>IS D=0</a:t>
             </a:r>
-            <a:endParaRPr lang="en-US" dirty="0"/>
           </a:p>
         </p:txBody>
       </p:sp>
@@ -8742,10 +8612,9 @@
           <a:p>
             <a:pPr algn="ctr"/>
             <a:r>
-              <a:rPr lang="en-US" dirty="0" smtClean="0"/>
+              <a:rPr lang="en-US" dirty="0"/>
               <a:t>PRINT X1</a:t>
             </a:r>
-            <a:endParaRPr lang="en-US" dirty="0"/>
           </a:p>
         </p:txBody>
       </p:sp>
@@ -8852,10 +8721,9 @@
           <a:p>
             <a:pPr algn="ctr"/>
             <a:r>
-              <a:rPr lang="en-US" dirty="0" smtClean="0"/>
+              <a:rPr lang="en-US" dirty="0"/>
               <a:t>PRINT X1 &amp; X2</a:t>
             </a:r>
-            <a:endParaRPr lang="en-US" dirty="0"/>
           </a:p>
         </p:txBody>
       </p:sp>
@@ -8929,10 +8797,9 @@
           <a:p>
             <a:pPr algn="ctr"/>
             <a:r>
-              <a:rPr lang="en-US" dirty="0" smtClean="0"/>
+              <a:rPr lang="en-US" dirty="0"/>
               <a:t>END</a:t>
             </a:r>
-            <a:endParaRPr lang="en-US" dirty="0"/>
           </a:p>
         </p:txBody>
       </p:sp>
@@ -9060,10 +8927,9 @@
           <a:lstStyle/>
           <a:p>
             <a:r>
-              <a:rPr lang="en-US" dirty="0" smtClean="0"/>
+              <a:rPr lang="en-US" dirty="0"/>
               <a:t>TRUE</a:t>
             </a:r>
-            <a:endParaRPr lang="en-US" dirty="0"/>
           </a:p>
         </p:txBody>
       </p:sp>
@@ -9090,10 +8956,9 @@
           <a:lstStyle/>
           <a:p>
             <a:r>
-              <a:rPr lang="en-US" dirty="0" smtClean="0"/>
+              <a:rPr lang="en-US" dirty="0"/>
               <a:t>FALSE</a:t>
             </a:r>
-            <a:endParaRPr lang="en-US" dirty="0"/>
           </a:p>
         </p:txBody>
       </p:sp>
@@ -9148,10 +9013,9 @@
           <a:lstStyle/>
           <a:p>
             <a:r>
-              <a:rPr lang="en-US" dirty="0" smtClean="0"/>
+              <a:rPr lang="en-US" dirty="0"/>
               <a:t>Algorithm to find the:</a:t>
             </a:r>
-            <a:endParaRPr lang="en-US" dirty="0"/>
           </a:p>
         </p:txBody>
       </p:sp>
@@ -9183,7 +9047,7 @@
                   <a:buAutoNum type="arabicPeriod"/>
                 </a:pPr>
                 <a:r>
-                  <a:rPr lang="en-US" dirty="0" smtClean="0"/>
+                  <a:rPr lang="en-US" dirty="0"/>
                   <a:t>Root of a cubic equation: </a:t>
                 </a:r>
                 <a14:m>
@@ -9216,7 +9080,7 @@
                   </m:oMath>
                 </a14:m>
                 <a:r>
-                  <a:rPr lang="en-US" dirty="0" smtClean="0"/>
+                  <a:rPr lang="en-US" dirty="0"/>
                   <a:t>+ </a:t>
                 </a:r>
                 <a14:m>
@@ -9278,7 +9142,7 @@
                     </m:r>
                   </m:oMath>
                 </a14:m>
-                <a:endParaRPr lang="en-US" dirty="0" smtClean="0"/>
+                <a:endParaRPr lang="en-US" dirty="0"/>
               </a:p>
             </p:txBody>
           </p:sp>
@@ -9382,205 +9246,97 @@
           <a:lstStyle/>
           <a:p>
             <a:r>
-              <a:rPr lang="en-US" dirty="0" smtClean="0"/>
+              <a:rPr lang="en-US" dirty="0"/>
               <a:t>INPUT A</a:t>
             </a:r>
           </a:p>
           <a:p>
             <a:r>
-              <a:rPr lang="en-US" dirty="0" smtClean="0"/>
+              <a:rPr lang="en-US" dirty="0"/>
               <a:t>INPUT B</a:t>
             </a:r>
           </a:p>
           <a:p>
             <a:r>
-              <a:rPr lang="en-US" dirty="0" smtClean="0"/>
+              <a:rPr lang="en-US" dirty="0"/>
               <a:t>INPUT C</a:t>
             </a:r>
           </a:p>
           <a:p>
             <a:r>
-              <a:rPr lang="en-US" dirty="0" smtClean="0"/>
+              <a:rPr lang="en-US" dirty="0"/>
               <a:t>INPUT D</a:t>
             </a:r>
           </a:p>
           <a:p>
             <a:r>
-              <a:rPr lang="en-US" dirty="0" smtClean="0"/>
-              <a:t>COMPUTE J</a:t>
-            </a:r>
-            <a:r>
-              <a:rPr lang="en-US" dirty="0" smtClean="0"/>
-              <a:t>=(-</a:t>
-            </a:r>
-            <a:r>
-              <a:rPr lang="en-US" dirty="0" smtClean="0"/>
-              <a:t>1)^0.5</a:t>
-            </a:r>
-          </a:p>
-          <a:p>
-            <a:r>
-              <a:rPr lang="en-US" dirty="0" smtClean="0"/>
+              <a:rPr lang="en-US" dirty="0"/>
+              <a:t>COMPUTE J=(-1)^0.5</a:t>
+            </a:r>
+          </a:p>
+          <a:p>
+            <a:r>
+              <a:rPr lang="en-US" dirty="0"/>
               <a:t>COMPUTE A1 = B/A</a:t>
             </a:r>
           </a:p>
           <a:p>
             <a:r>
               <a:rPr lang="en-US" dirty="0"/>
-              <a:t>COMPUTE </a:t>
-            </a:r>
-            <a:r>
-              <a:rPr lang="en-US" dirty="0" smtClean="0"/>
-              <a:t>A2 </a:t>
-            </a:r>
+              <a:t>COMPUTE A2 = C/A</a:t>
+            </a:r>
+          </a:p>
+          <a:p>
             <a:r>
               <a:rPr lang="en-US" dirty="0"/>
-              <a:t>= </a:t>
-            </a:r>
-            <a:r>
-              <a:rPr lang="en-US" dirty="0" smtClean="0"/>
-              <a:t>C/A</a:t>
+              <a:t>COMPUTE A3 = D/A</a:t>
             </a:r>
           </a:p>
           <a:p>
             <a:r>
               <a:rPr lang="en-US" dirty="0"/>
-              <a:t>COMPUTE </a:t>
-            </a:r>
-            <a:r>
-              <a:rPr lang="en-US" dirty="0" smtClean="0"/>
-              <a:t>A3 </a:t>
-            </a:r>
+              <a:t>COMPUTE Q = (3*A2 – A1^2)/9</a:t>
+            </a:r>
+          </a:p>
+          <a:p>
             <a:r>
               <a:rPr lang="en-US" dirty="0"/>
-              <a:t>= </a:t>
-            </a:r>
-            <a:r>
-              <a:rPr lang="en-US" dirty="0" smtClean="0"/>
-              <a:t>D/A</a:t>
-            </a:r>
-          </a:p>
-          <a:p>
-            <a:r>
-              <a:rPr lang="en-US" dirty="0" smtClean="0"/>
-              <a:t>COMPUTE Q = (3*A2 – A1^2)/9</a:t>
-            </a:r>
-          </a:p>
-          <a:p>
-            <a:r>
-              <a:rPr lang="en-US" dirty="0" smtClean="0"/>
-              <a:t>COMPUTE</a:t>
-            </a:r>
+              <a:t>COMPUTE R = ((9*A1*A2) – (27*A3) – (2*A1^3))/54</a:t>
+            </a:r>
+          </a:p>
+          <a:p>
             <a:r>
               <a:rPr lang="en-US" dirty="0"/>
-              <a:t> </a:t>
-            </a:r>
-            <a:r>
-              <a:rPr lang="en-US" dirty="0" smtClean="0"/>
-              <a:t>R = ((9*A1*A2) – (27*A3) – (2*A1^3))/54</a:t>
-            </a:r>
-          </a:p>
-          <a:p>
-            <a:r>
-              <a:rPr lang="en-US" dirty="0" smtClean="0"/>
               <a:t>COMPUTE S = (R + (Q^3 + R^2)^0.5)^(1/3)</a:t>
             </a:r>
           </a:p>
           <a:p>
             <a:r>
               <a:rPr lang="en-US" dirty="0"/>
-              <a:t>COMPUTE </a:t>
-            </a:r>
-            <a:r>
-              <a:rPr lang="en-US" dirty="0" smtClean="0"/>
-              <a:t>T </a:t>
-            </a:r>
+              <a:t>COMPUTE T = (R - (Q^3 + R^2)^0.5)^(1/3)</a:t>
+            </a:r>
+          </a:p>
+          <a:p>
             <a:r>
               <a:rPr lang="en-US" dirty="0"/>
-              <a:t>= (R </a:t>
-            </a:r>
-            <a:r>
-              <a:rPr lang="en-US" dirty="0" smtClean="0"/>
-              <a:t>- </a:t>
-            </a:r>
+              <a:t>COMPUTE X1 = S+ T - 1/3*A1</a:t>
+            </a:r>
+          </a:p>
+          <a:p>
             <a:r>
               <a:rPr lang="en-US" dirty="0"/>
-              <a:t>(Q^3 + R^2)^0.5)^(1/3</a:t>
-            </a:r>
-            <a:r>
-              <a:rPr lang="en-US" dirty="0" smtClean="0"/>
-              <a:t>)</a:t>
-            </a:r>
-          </a:p>
-          <a:p>
-            <a:r>
-              <a:rPr lang="en-US" dirty="0" smtClean="0"/>
-              <a:t>COMPUTE X1 = S+ T - 1/3*A1</a:t>
-            </a:r>
-          </a:p>
-          <a:p>
-            <a:r>
-              <a:rPr lang="en-US" dirty="0" smtClean="0"/>
-              <a:t>COMPUTE X2 = -0.5(S + T) – (1/3 * A1) + (</a:t>
-            </a:r>
-            <a:r>
-              <a:rPr lang="en-US" dirty="0" smtClean="0"/>
-              <a:t>0.5*</a:t>
-            </a:r>
+              <a:t>COMPUTE X2 = -0.5(S + T) – (1/3 * A1) + (0.5*J*(3^0.5)*(S – T))</a:t>
+            </a:r>
+          </a:p>
+          <a:p>
             <a:r>
               <a:rPr lang="en-US" dirty="0"/>
-              <a:t>J</a:t>
-            </a:r>
-            <a:r>
-              <a:rPr lang="en-US" dirty="0" smtClean="0"/>
-              <a:t>*(</a:t>
-            </a:r>
-            <a:r>
-              <a:rPr lang="en-US" dirty="0" smtClean="0"/>
-              <a:t>3^0.5)*(S – T))</a:t>
+              <a:t>COMPUTE X3 = -0.5(S + T) – (1/3 * A1) - (0.5*J*(3^0.5)*(S – T))</a:t>
             </a:r>
           </a:p>
           <a:p>
             <a:r>
               <a:rPr lang="en-US" dirty="0"/>
-              <a:t>COMPUTE </a:t>
-            </a:r>
-            <a:r>
-              <a:rPr lang="en-US" dirty="0" smtClean="0"/>
-              <a:t>X3 </a:t>
-            </a:r>
-            <a:r>
-              <a:rPr lang="en-US" dirty="0"/>
-              <a:t>= -0.5(S + T) – (1/3 * A1) </a:t>
-            </a:r>
-            <a:r>
-              <a:rPr lang="en-US" dirty="0" smtClean="0"/>
-              <a:t>- (</a:t>
-            </a:r>
-            <a:r>
-              <a:rPr lang="en-US" dirty="0" smtClean="0"/>
-              <a:t>0.5*</a:t>
-            </a:r>
-            <a:r>
-              <a:rPr lang="en-US" dirty="0"/>
-              <a:t>J</a:t>
-            </a:r>
-            <a:r>
-              <a:rPr lang="en-US" dirty="0" smtClean="0"/>
-              <a:t>*(</a:t>
-            </a:r>
-            <a:r>
-              <a:rPr lang="en-US" dirty="0"/>
-              <a:t>3^0.5)*(S – T</a:t>
-            </a:r>
-            <a:r>
-              <a:rPr lang="en-US" dirty="0" smtClean="0"/>
-              <a:t>))</a:t>
-            </a:r>
-          </a:p>
-          <a:p>
-            <a:r>
-              <a:rPr lang="en-US" dirty="0" smtClean="0"/>
               <a:t>PRINT X1 AND X2 AND X3</a:t>
             </a:r>
           </a:p>
@@ -9681,7 +9437,7 @@
           <a:p>
             <a:pPr algn="ctr"/>
             <a:r>
-              <a:rPr lang="en-US" dirty="0" smtClean="0">
+              <a:rPr lang="en-US" dirty="0">
                 <a:ln w="0"/>
                 <a:solidFill>
                   <a:schemeClr val="tx1"/>
@@ -9696,19 +9452,6 @@
               </a:rPr>
               <a:t>START</a:t>
             </a:r>
-            <a:endParaRPr lang="en-US" dirty="0">
-              <a:ln w="0"/>
-              <a:solidFill>
-                <a:schemeClr val="tx1"/>
-              </a:solidFill>
-              <a:effectLst>
-                <a:outerShdw blurRad="38100" dist="19050" dir="2700000" algn="tl" rotWithShape="0">
-                  <a:schemeClr val="dk1">
-                    <a:alpha val="40000"/>
-                  </a:schemeClr>
-                </a:outerShdw>
-              </a:effectLst>
-            </a:endParaRPr>
           </a:p>
         </p:txBody>
       </p:sp>
@@ -9782,7 +9525,7 @@
           <a:p>
             <a:pPr algn="ctr"/>
             <a:r>
-              <a:rPr lang="en-US" dirty="0" smtClean="0">
+              <a:rPr lang="en-US" dirty="0">
                 <a:ln w="0"/>
                 <a:solidFill>
                   <a:schemeClr val="tx1"/>
@@ -9883,7 +9626,7 @@
           <a:p>
             <a:pPr algn="ctr"/>
             <a:r>
-              <a:rPr lang="en-US" dirty="0" smtClean="0">
+              <a:rPr lang="en-US" dirty="0">
                 <a:ln w="0"/>
                 <a:solidFill>
                   <a:schemeClr val="tx1"/>
@@ -9902,7 +9645,7 @@
           <a:p>
             <a:pPr algn="ctr"/>
             <a:r>
-              <a:rPr lang="en-US" dirty="0" smtClean="0">
+              <a:rPr lang="en-US" dirty="0">
                 <a:ln w="0"/>
                 <a:solidFill>
                   <a:schemeClr val="tx1"/>
@@ -9921,7 +9664,7 @@
           <a:p>
             <a:pPr algn="ctr"/>
             <a:r>
-              <a:rPr lang="en-US" dirty="0" smtClean="0">
+              <a:rPr lang="en-US" dirty="0">
                 <a:ln w="0"/>
                 <a:solidFill>
                   <a:schemeClr val="tx1"/>
@@ -9936,19 +9679,6 @@
               </a:rPr>
               <a:t>A3 = D/A</a:t>
             </a:r>
-            <a:endParaRPr lang="en-US" dirty="0">
-              <a:ln w="0"/>
-              <a:solidFill>
-                <a:schemeClr val="tx1"/>
-              </a:solidFill>
-              <a:effectLst>
-                <a:outerShdw blurRad="38100" dist="19050" dir="2700000" algn="tl" rotWithShape="0">
-                  <a:schemeClr val="dk1">
-                    <a:alpha val="40000"/>
-                  </a:schemeClr>
-                </a:outerShdw>
-              </a:effectLst>
-            </a:endParaRPr>
           </a:p>
         </p:txBody>
       </p:sp>
@@ -9987,8 +9717,8 @@
           </a:fontRef>
         </p:style>
       </p:cxnSp>
-      <mc:AlternateContent xmlns:mc="http://schemas.openxmlformats.org/markup-compatibility/2006">
-        <mc:Choice xmlns:a14="http://schemas.microsoft.com/office/drawing/2010/main" Requires="a14">
+      <mc:AlternateContent xmlns:mc="http://schemas.openxmlformats.org/markup-compatibility/2006" xmlns:a14="http://schemas.microsoft.com/office/drawing/2010/main">
+        <mc:Choice Requires="a14">
           <p:sp>
             <p:nvSpPr>
               <p:cNvPr id="15" name="Rectangle 14"/>
@@ -10026,7 +9756,7 @@
               <a:p>
                 <a:pPr algn="ctr"/>
                 <a:r>
-                  <a:rPr lang="en-US" dirty="0" smtClean="0">
+                  <a:rPr lang="en-US" dirty="0">
                     <a:ln w="0"/>
                     <a:solidFill>
                       <a:schemeClr val="tx1"/>
@@ -10229,7 +9959,7 @@
             </p:txBody>
           </p:sp>
         </mc:Choice>
-        <mc:Fallback>
+        <mc:Fallback xmlns="">
           <p:sp>
             <p:nvSpPr>
               <p:cNvPr id="15" name="Rectangle 14"/>
@@ -10303,8 +10033,8 @@
           </a:fontRef>
         </p:style>
       </p:cxnSp>
-      <mc:AlternateContent xmlns:mc="http://schemas.openxmlformats.org/markup-compatibility/2006">
-        <mc:Choice xmlns:a14="http://schemas.microsoft.com/office/drawing/2010/main" Requires="a14">
+      <mc:AlternateContent xmlns:mc="http://schemas.openxmlformats.org/markup-compatibility/2006" xmlns:a14="http://schemas.microsoft.com/office/drawing/2010/main">
+        <mc:Choice Requires="a14">
           <p:sp>
             <p:nvSpPr>
               <p:cNvPr id="20" name="Rectangle 19"/>
@@ -10342,7 +10072,7 @@
               <a:p>
                 <a:pPr algn="ctr"/>
                 <a:r>
-                  <a:rPr lang="en-US" dirty="0" smtClean="0">
+                  <a:rPr lang="en-US" dirty="0">
                     <a:ln w="0"/>
                     <a:solidFill>
                       <a:schemeClr val="tx1"/>
@@ -10613,7 +10343,7 @@
             </p:txBody>
           </p:sp>
         </mc:Choice>
-        <mc:Fallback>
+        <mc:Fallback xmlns="">
           <p:sp>
             <p:nvSpPr>
               <p:cNvPr id="20" name="Rectangle 19"/>
@@ -10688,8 +10418,8 @@
           </a:fontRef>
         </p:style>
       </p:cxnSp>
-      <mc:AlternateContent xmlns:mc="http://schemas.openxmlformats.org/markup-compatibility/2006">
-        <mc:Choice xmlns:a14="http://schemas.microsoft.com/office/drawing/2010/main" Requires="a14">
+      <mc:AlternateContent xmlns:mc="http://schemas.openxmlformats.org/markup-compatibility/2006" xmlns:a14="http://schemas.microsoft.com/office/drawing/2010/main">
+        <mc:Choice Requires="a14">
           <p:sp>
             <p:nvSpPr>
               <p:cNvPr id="23" name="Rectangle 22"/>
@@ -11021,7 +10751,7 @@
             </p:txBody>
           </p:sp>
         </mc:Choice>
-        <mc:Fallback>
+        <mc:Fallback xmlns="">
           <p:sp>
             <p:nvSpPr>
               <p:cNvPr id="23" name="Rectangle 22"/>
@@ -11095,8 +10825,8 @@
           </a:fontRef>
         </p:style>
       </p:cxnSp>
-      <mc:AlternateContent xmlns:mc="http://schemas.openxmlformats.org/markup-compatibility/2006">
-        <mc:Choice xmlns:a14="http://schemas.microsoft.com/office/drawing/2010/main" Requires="a14">
+      <mc:AlternateContent xmlns:mc="http://schemas.openxmlformats.org/markup-compatibility/2006" xmlns:a14="http://schemas.microsoft.com/office/drawing/2010/main">
+        <mc:Choice Requires="a14">
           <p:sp>
             <p:nvSpPr>
               <p:cNvPr id="34" name="Rectangle 33"/>
@@ -11428,7 +11158,7 @@
             </p:txBody>
           </p:sp>
         </mc:Choice>
-        <mc:Fallback>
+        <mc:Fallback xmlns="">
           <p:sp>
             <p:nvSpPr>
               <p:cNvPr id="34" name="Rectangle 33"/>
@@ -11500,8 +11230,8 @@
           </a:fontRef>
         </p:style>
       </p:cxnSp>
-      <mc:AlternateContent xmlns:mc="http://schemas.openxmlformats.org/markup-compatibility/2006">
-        <mc:Choice xmlns:a14="http://schemas.microsoft.com/office/drawing/2010/main" Requires="a14">
+      <mc:AlternateContent xmlns:mc="http://schemas.openxmlformats.org/markup-compatibility/2006" xmlns:a14="http://schemas.microsoft.com/office/drawing/2010/main">
+        <mc:Choice Requires="a14">
           <p:sp>
             <p:nvSpPr>
               <p:cNvPr id="43" name="Rectangle 42"/>
@@ -11758,7 +11488,7 @@
             </p:txBody>
           </p:sp>
         </mc:Choice>
-        <mc:Fallback>
+        <mc:Fallback xmlns="">
           <p:sp>
             <p:nvSpPr>
               <p:cNvPr id="43" name="Rectangle 42"/>
@@ -11833,8 +11563,8 @@
           </a:fontRef>
         </p:style>
       </p:cxnSp>
-      <mc:AlternateContent xmlns:mc="http://schemas.openxmlformats.org/markup-compatibility/2006">
-        <mc:Choice xmlns:a14="http://schemas.microsoft.com/office/drawing/2010/main" Requires="a14">
+      <mc:AlternateContent xmlns:mc="http://schemas.openxmlformats.org/markup-compatibility/2006" xmlns:a14="http://schemas.microsoft.com/office/drawing/2010/main">
+        <mc:Choice Requires="a14">
           <p:sp>
             <p:nvSpPr>
               <p:cNvPr id="46" name="Rectangle 45"/>
@@ -12372,7 +12102,7 @@
             </p:txBody>
           </p:sp>
         </mc:Choice>
-        <mc:Fallback>
+        <mc:Fallback xmlns="">
           <p:sp>
             <p:nvSpPr>
               <p:cNvPr id="46" name="Rectangle 45"/>
@@ -12446,8 +12176,8 @@
           </a:fontRef>
         </p:style>
       </p:cxnSp>
-      <mc:AlternateContent xmlns:mc="http://schemas.openxmlformats.org/markup-compatibility/2006">
-        <mc:Choice xmlns:a14="http://schemas.microsoft.com/office/drawing/2010/main" Requires="a14">
+      <mc:AlternateContent xmlns:mc="http://schemas.openxmlformats.org/markup-compatibility/2006" xmlns:a14="http://schemas.microsoft.com/office/drawing/2010/main">
+        <mc:Choice Requires="a14">
           <p:sp>
             <p:nvSpPr>
               <p:cNvPr id="53" name="Rectangle 52"/>
@@ -13002,7 +12732,7 @@
             </p:txBody>
           </p:sp>
         </mc:Choice>
-        <mc:Fallback>
+        <mc:Fallback xmlns="">
           <p:sp>
             <p:nvSpPr>
               <p:cNvPr id="53" name="Rectangle 52"/>
@@ -13111,7 +12841,7 @@
           <a:p>
             <a:pPr algn="ctr"/>
             <a:r>
-              <a:rPr lang="en-US" dirty="0" smtClean="0">
+              <a:rPr lang="en-US" dirty="0">
                 <a:ln w="0"/>
                 <a:solidFill>
                   <a:schemeClr val="tx1"/>
@@ -13231,7 +12961,7 @@
           <a:p>
             <a:pPr algn="ctr"/>
             <a:r>
-              <a:rPr lang="en-US" dirty="0" smtClean="0">
+              <a:rPr lang="en-US" dirty="0">
                 <a:ln w="0"/>
                 <a:solidFill>
                   <a:schemeClr val="tx1"/>
@@ -13246,19 +12976,6 @@
               </a:rPr>
               <a:t>PRINT X1,X2</a:t>
             </a:r>
-            <a:endParaRPr lang="en-US" dirty="0">
-              <a:ln w="0"/>
-              <a:solidFill>
-                <a:schemeClr val="tx1"/>
-              </a:solidFill>
-              <a:effectLst>
-                <a:outerShdw blurRad="38100" dist="19050" dir="2700000" algn="tl" rotWithShape="0">
-                  <a:schemeClr val="dk1">
-                    <a:alpha val="40000"/>
-                  </a:schemeClr>
-                </a:outerShdw>
-              </a:effectLst>
-            </a:endParaRPr>
           </a:p>
         </p:txBody>
       </p:sp>
@@ -13334,7 +13051,7 @@
           <a:p>
             <a:pPr algn="ctr"/>
             <a:r>
-              <a:rPr lang="en-US" dirty="0" smtClean="0">
+              <a:rPr lang="en-US" dirty="0">
                 <a:ln w="0"/>
                 <a:solidFill>
                   <a:schemeClr val="tx1"/>
@@ -13349,19 +13066,6 @@
               </a:rPr>
               <a:t>PRINT X1,X2,X3</a:t>
             </a:r>
-            <a:endParaRPr lang="en-US" dirty="0">
-              <a:ln w="0"/>
-              <a:solidFill>
-                <a:schemeClr val="tx1"/>
-              </a:solidFill>
-              <a:effectLst>
-                <a:outerShdw blurRad="38100" dist="19050" dir="2700000" algn="tl" rotWithShape="0">
-                  <a:schemeClr val="dk1">
-                    <a:alpha val="40000"/>
-                  </a:schemeClr>
-                </a:outerShdw>
-              </a:effectLst>
-            </a:endParaRPr>
           </a:p>
         </p:txBody>
       </p:sp>
@@ -13402,7 +13106,7 @@
           <a:p>
             <a:pPr algn="ctr"/>
             <a:r>
-              <a:rPr lang="en-US" dirty="0" smtClean="0">
+              <a:rPr lang="en-US" dirty="0">
                 <a:ln w="0"/>
                 <a:solidFill>
                   <a:schemeClr val="tx1"/>
@@ -13417,19 +13121,6 @@
               </a:rPr>
               <a:t>END</a:t>
             </a:r>
-            <a:endParaRPr lang="en-US" dirty="0">
-              <a:ln w="0"/>
-              <a:solidFill>
-                <a:schemeClr val="tx1"/>
-              </a:solidFill>
-              <a:effectLst>
-                <a:outerShdw blurRad="38100" dist="19050" dir="2700000" algn="tl" rotWithShape="0">
-                  <a:schemeClr val="dk1">
-                    <a:alpha val="40000"/>
-                  </a:schemeClr>
-                </a:outerShdw>
-              </a:effectLst>
-            </a:endParaRPr>
           </a:p>
         </p:txBody>
       </p:sp>
@@ -13528,18 +13219,13 @@
           <a:lstStyle/>
           <a:p>
             <a:r>
-              <a:rPr lang="en-US" dirty="0" smtClean="0">
+              <a:rPr lang="en-US" dirty="0">
                 <a:solidFill>
                   <a:schemeClr val="bg1"/>
                 </a:solidFill>
               </a:rPr>
               <a:t>TRUE</a:t>
             </a:r>
-            <a:endParaRPr lang="en-US" dirty="0">
-              <a:solidFill>
-                <a:schemeClr val="bg1"/>
-              </a:solidFill>
-            </a:endParaRPr>
           </a:p>
         </p:txBody>
       </p:sp>
@@ -13566,18 +13252,13 @@
           <a:lstStyle/>
           <a:p>
             <a:r>
-              <a:rPr lang="en-US" dirty="0" smtClean="0">
+              <a:rPr lang="en-US" dirty="0">
                 <a:solidFill>
                   <a:schemeClr val="bg1"/>
                 </a:solidFill>
               </a:rPr>
               <a:t>FALSE</a:t>
             </a:r>
-            <a:endParaRPr lang="en-US" dirty="0">
-              <a:solidFill>
-                <a:schemeClr val="bg1"/>
-              </a:solidFill>
-            </a:endParaRPr>
           </a:p>
         </p:txBody>
       </p:sp>
@@ -13632,10 +13313,9 @@
           <a:lstStyle/>
           <a:p>
             <a:r>
-              <a:rPr lang="en-US" dirty="0" smtClean="0"/>
+              <a:rPr lang="en-US" dirty="0"/>
               <a:t>Algorithm to find the:</a:t>
             </a:r>
-            <a:endParaRPr lang="en-US" dirty="0"/>
           </a:p>
         </p:txBody>
       </p:sp>
@@ -13665,10 +13345,9 @@
               <a:buAutoNum type="arabicPeriod"/>
             </a:pPr>
             <a:r>
-              <a:rPr lang="en-US" dirty="0" smtClean="0"/>
+              <a:rPr lang="en-US" dirty="0"/>
               <a:t>Find the largest of three numbers</a:t>
             </a:r>
-            <a:endParaRPr lang="en-US" dirty="0" smtClean="0"/>
           </a:p>
         </p:txBody>
       </p:sp>
@@ -13733,28 +13412,20 @@
           <a:lstStyle/>
           <a:p>
             <a:r>
-              <a:rPr lang="en-US" dirty="0" smtClean="0"/>
+              <a:rPr lang="en-US" dirty="0"/>
               <a:t>INPUT A</a:t>
             </a:r>
           </a:p>
           <a:p>
             <a:r>
               <a:rPr lang="en-US" dirty="0"/>
-              <a:t>INPUT </a:t>
-            </a:r>
-            <a:r>
-              <a:rPr lang="en-US" dirty="0" smtClean="0"/>
-              <a:t>B</a:t>
+              <a:t>INPUT B</a:t>
             </a:r>
           </a:p>
           <a:p>
             <a:r>
               <a:rPr lang="en-US" dirty="0"/>
-              <a:t>INPUT </a:t>
-            </a:r>
-            <a:r>
-              <a:rPr lang="en-US" dirty="0" smtClean="0"/>
-              <a:t>C</a:t>
+              <a:t>INPUT C</a:t>
             </a:r>
           </a:p>
           <a:p>
@@ -13765,82 +13436,57 @@
           </a:p>
           <a:p>
             <a:r>
-              <a:rPr lang="en-US" dirty="0" smtClean="0"/>
+              <a:rPr lang="en-US" dirty="0"/>
               <a:t>COMPUTE  E = A-C</a:t>
             </a:r>
           </a:p>
           <a:p>
             <a:r>
               <a:rPr lang="en-US" dirty="0"/>
-              <a:t>COMPUTE </a:t>
-            </a:r>
-            <a:r>
-              <a:rPr lang="en-US" dirty="0" smtClean="0"/>
-              <a:t>F = B-C</a:t>
-            </a:r>
-          </a:p>
-          <a:p>
-            <a:r>
-              <a:rPr lang="en-US" dirty="0" smtClean="0"/>
+              <a:t>COMPUTE F = B-C</a:t>
+            </a:r>
+          </a:p>
+          <a:p>
+            <a:r>
+              <a:rPr lang="en-US" dirty="0"/>
               <a:t>IF D&gt;=0 AND E&gt;=0 THEN</a:t>
             </a:r>
           </a:p>
           <a:p>
             <a:r>
               <a:rPr lang="en-US" dirty="0"/>
-              <a:t>	</a:t>
-            </a:r>
-            <a:r>
-              <a:rPr lang="en-US" dirty="0" smtClean="0"/>
-              <a:t>PRINT A</a:t>
-            </a:r>
-          </a:p>
-          <a:p>
-            <a:r>
-              <a:rPr lang="en-US" dirty="0" smtClean="0"/>
+              <a:t>	PRINT A</a:t>
+            </a:r>
+          </a:p>
+          <a:p>
+            <a:r>
+              <a:rPr lang="en-US" dirty="0"/>
               <a:t>ELSE</a:t>
             </a:r>
           </a:p>
           <a:p>
             <a:r>
               <a:rPr lang="en-US" dirty="0"/>
-              <a:t>	</a:t>
-            </a:r>
-            <a:r>
-              <a:rPr lang="en-US" dirty="0" smtClean="0"/>
-              <a:t>IF D&lt;=0 AND F&gt;=0 THEN</a:t>
+              <a:t>	IF D&lt;=0 AND F&gt;=0 THEN</a:t>
             </a:r>
           </a:p>
           <a:p>
             <a:r>
               <a:rPr lang="en-US" dirty="0"/>
-              <a:t>	</a:t>
-            </a:r>
-            <a:r>
-              <a:rPr lang="en-US" dirty="0" smtClean="0"/>
-              <a:t>	PRINT B</a:t>
+              <a:t>		PRINT B</a:t>
             </a:r>
           </a:p>
           <a:p>
             <a:r>
               <a:rPr lang="en-US" dirty="0"/>
-              <a:t>	</a:t>
-            </a:r>
-            <a:r>
-              <a:rPr lang="en-US" dirty="0" smtClean="0"/>
-              <a:t>ELSE</a:t>
+              <a:t>	ELSE</a:t>
             </a:r>
           </a:p>
           <a:p>
             <a:r>
               <a:rPr lang="en-US" dirty="0"/>
-              <a:t>	</a:t>
-            </a:r>
-            <a:r>
-              <a:rPr lang="en-US" dirty="0" smtClean="0"/>
-              <a:t>	PRINT C</a:t>
-            </a:r>
-            <a:endParaRPr lang="en-US" dirty="0"/>
+              <a:t>		PRINT C</a:t>
+            </a:r>
           </a:p>
         </p:txBody>
       </p:sp>
